--- a/frontend-cursus/ 8 - Angular.pptx
+++ b/frontend-cursus/ 8 - Angular.pptx
@@ -227,7 +227,7 @@
           <a:p>
             <a:fld id="{6848C585-BF4F-4A51-B926-B9EBAB7722D4}" type="datetimeFigureOut">
               <a:rPr lang="nl-NL" smtClean="0"/>
-              <a:t>02-09-17</a:t>
+              <a:t>12-02-18</a:t>
             </a:fld>
             <a:endParaRPr lang="nl-NL"/>
           </a:p>
@@ -2539,12 +2539,16 @@
               <a:t>array</a:t>
             </a:r>
             <a:r>
+              <a:rPr lang="en-US" b="0" baseline="0" dirty="0" smtClean="0"/>
+              <a:t>, </a:t>
+            </a:r>
+            <a:r>
               <a:rPr lang="en-US" baseline="0" dirty="0" smtClean="0"/>
-              <a:t> die </a:t>
+              <a:t>die </a:t>
             </a:r>
             <a:r>
               <a:rPr lang="en-US" baseline="0" dirty="0" err="1" smtClean="0"/>
-              <a:t>langsamerhand</a:t>
+              <a:t>langzamerhand</a:t>
             </a:r>
             <a:r>
               <a:rPr lang="en-US" baseline="0" dirty="0" smtClean="0"/>
@@ -2564,7 +2568,11 @@
             </a:r>
             <a:r>
               <a:rPr lang="en-US" baseline="0" dirty="0" smtClean="0"/>
-              <a:t> met data.</a:t>
+              <a:t> </a:t>
+            </a:r>
+            <a:r>
+              <a:rPr lang="en-US" baseline="0" dirty="0" smtClean="0"/>
+              <a:t>met data.</a:t>
             </a:r>
           </a:p>
           <a:p>
@@ -2740,6 +2748,34 @@
           <a:bodyPr/>
           <a:lstStyle/>
           <a:p>
+            <a:pPr marL="0" marR="0" indent="0" algn="l" defTabSz="914400" rtl="0" eaLnBrk="1" fontAlgn="auto" latinLnBrk="0" hangingPunct="1">
+              <a:lnSpc>
+                <a:spcPct val="100000"/>
+              </a:lnSpc>
+              <a:spcBef>
+                <a:spcPts val="0"/>
+              </a:spcBef>
+              <a:spcAft>
+                <a:spcPts val="0"/>
+              </a:spcAft>
+              <a:buClrTx/>
+              <a:buSzTx/>
+              <a:buFontTx/>
+              <a:buNone/>
+              <a:tabLst/>
+              <a:defRPr/>
+            </a:pPr>
+            <a:r>
+              <a:rPr lang="en-US" b="1" dirty="0" smtClean="0"/>
+              <a:t>Subscribe</a:t>
+            </a:r>
+            <a:r>
+              <a:rPr lang="en-US" b="1" baseline="0" dirty="0" smtClean="0"/>
+              <a:t> always on the incoming data-stream !!!</a:t>
+            </a:r>
+            <a:endParaRPr lang="en-US" b="1" dirty="0" smtClean="0"/>
+          </a:p>
+          <a:p>
             <a:endParaRPr lang="en-US" dirty="0"/>
           </a:p>
         </p:txBody>
@@ -7026,7 +7062,7 @@
           <a:p>
             <a:fld id="{9379F80A-5E69-4003-A4CA-EECDF3CD699D}" type="datetimeFigureOut">
               <a:rPr lang="nl-NL" smtClean="0"/>
-              <a:t>02-09-17</a:t>
+              <a:t>12-02-18</a:t>
             </a:fld>
             <a:endParaRPr lang="nl-NL"/>
           </a:p>
@@ -7196,7 +7232,7 @@
           <a:p>
             <a:fld id="{9379F80A-5E69-4003-A4CA-EECDF3CD699D}" type="datetimeFigureOut">
               <a:rPr lang="nl-NL" smtClean="0"/>
-              <a:t>02-09-17</a:t>
+              <a:t>12-02-18</a:t>
             </a:fld>
             <a:endParaRPr lang="nl-NL"/>
           </a:p>
@@ -7376,7 +7412,7 @@
           <a:p>
             <a:fld id="{9379F80A-5E69-4003-A4CA-EECDF3CD699D}" type="datetimeFigureOut">
               <a:rPr lang="nl-NL" smtClean="0"/>
-              <a:t>02-09-17</a:t>
+              <a:t>12-02-18</a:t>
             </a:fld>
             <a:endParaRPr lang="nl-NL"/>
           </a:p>
@@ -8164,7 +8200,7 @@
           <a:p>
             <a:fld id="{9379F80A-5E69-4003-A4CA-EECDF3CD699D}" type="datetimeFigureOut">
               <a:rPr lang="nl-NL" smtClean="0"/>
-              <a:t>02-09-17</a:t>
+              <a:t>12-02-18</a:t>
             </a:fld>
             <a:endParaRPr lang="nl-NL"/>
           </a:p>
@@ -8410,7 +8446,7 @@
           <a:p>
             <a:fld id="{9379F80A-5E69-4003-A4CA-EECDF3CD699D}" type="datetimeFigureOut">
               <a:rPr lang="nl-NL" smtClean="0"/>
-              <a:t>02-09-17</a:t>
+              <a:t>12-02-18</a:t>
             </a:fld>
             <a:endParaRPr lang="nl-NL"/>
           </a:p>
@@ -8642,7 +8678,7 @@
           <a:p>
             <a:fld id="{9379F80A-5E69-4003-A4CA-EECDF3CD699D}" type="datetimeFigureOut">
               <a:rPr lang="nl-NL" smtClean="0"/>
-              <a:t>02-09-17</a:t>
+              <a:t>12-02-18</a:t>
             </a:fld>
             <a:endParaRPr lang="nl-NL"/>
           </a:p>
@@ -9009,7 +9045,7 @@
           <a:p>
             <a:fld id="{9379F80A-5E69-4003-A4CA-EECDF3CD699D}" type="datetimeFigureOut">
               <a:rPr lang="nl-NL" smtClean="0"/>
-              <a:t>02-09-17</a:t>
+              <a:t>12-02-18</a:t>
             </a:fld>
             <a:endParaRPr lang="nl-NL"/>
           </a:p>
@@ -9127,7 +9163,7 @@
           <a:p>
             <a:fld id="{9379F80A-5E69-4003-A4CA-EECDF3CD699D}" type="datetimeFigureOut">
               <a:rPr lang="nl-NL" smtClean="0"/>
-              <a:t>02-09-17</a:t>
+              <a:t>12-02-18</a:t>
             </a:fld>
             <a:endParaRPr lang="nl-NL"/>
           </a:p>
@@ -9222,7 +9258,7 @@
           <a:p>
             <a:fld id="{9379F80A-5E69-4003-A4CA-EECDF3CD699D}" type="datetimeFigureOut">
               <a:rPr lang="nl-NL" smtClean="0"/>
-              <a:t>02-09-17</a:t>
+              <a:t>12-02-18</a:t>
             </a:fld>
             <a:endParaRPr lang="nl-NL"/>
           </a:p>
@@ -9499,7 +9535,7 @@
           <a:p>
             <a:fld id="{9379F80A-5E69-4003-A4CA-EECDF3CD699D}" type="datetimeFigureOut">
               <a:rPr lang="nl-NL" smtClean="0"/>
-              <a:t>02-09-17</a:t>
+              <a:t>12-02-18</a:t>
             </a:fld>
             <a:endParaRPr lang="nl-NL"/>
           </a:p>
@@ -9752,7 +9788,7 @@
           <a:p>
             <a:fld id="{9379F80A-5E69-4003-A4CA-EECDF3CD699D}" type="datetimeFigureOut">
               <a:rPr lang="nl-NL" smtClean="0"/>
-              <a:t>02-09-17</a:t>
+              <a:t>12-02-18</a:t>
             </a:fld>
             <a:endParaRPr lang="nl-NL"/>
           </a:p>
@@ -9993,7 +10029,7 @@
           <a:p>
             <a:fld id="{9379F80A-5E69-4003-A4CA-EECDF3CD699D}" type="datetimeFigureOut">
               <a:rPr lang="nl-NL" smtClean="0"/>
-              <a:t>02-09-17</a:t>
+              <a:t>12-02-18</a:t>
             </a:fld>
             <a:endParaRPr lang="nl-NL"/>
           </a:p>
@@ -15795,7 +15831,11 @@
               <a:t>.</a:t>
             </a:r>
             <a:r>
-              <a:rPr lang="nl-NL" sz="2400" b="1" dirty="0" err="1" smtClean="0"/>
+              <a:rPr lang="nl-NL" sz="2400" b="1" dirty="0" err="1" smtClean="0">
+                <a:solidFill>
+                  <a:srgbClr val="C00000"/>
+                </a:solidFill>
+              </a:rPr>
               <a:t>then</a:t>
             </a:r>
             <a:r>
@@ -15833,7 +15873,15 @@
             <a:pPr algn="ctr"/>
             <a:r>
               <a:rPr lang="nl-NL" sz="2400" b="1" dirty="0" smtClean="0"/>
-              <a:t>.catch</a:t>
+              <a:t>.</a:t>
+            </a:r>
+            <a:r>
+              <a:rPr lang="nl-NL" sz="2400" b="1" dirty="0" smtClean="0">
+                <a:solidFill>
+                  <a:srgbClr val="C00000"/>
+                </a:solidFill>
+              </a:rPr>
+              <a:t>catch</a:t>
             </a:r>
             <a:r>
               <a:rPr lang="nl-NL" sz="2400" dirty="0" smtClean="0"/>
@@ -17939,7 +17987,25 @@
               <a:rPr lang="nl-NL" sz="2400" b="1" dirty="0" smtClean="0">
                 <a:sym typeface="Wingdings"/>
               </a:rPr>
-              <a:t> map(), filter()</a:t>
+              <a:t> map(), filter</a:t>
+            </a:r>
+            <a:r>
+              <a:rPr lang="nl-NL" sz="2400" b="1" dirty="0" smtClean="0">
+                <a:sym typeface="Wingdings"/>
+              </a:rPr>
+              <a:t>(), </a:t>
+            </a:r>
+            <a:r>
+              <a:rPr lang="nl-NL" sz="2400" b="1" dirty="0" err="1" smtClean="0">
+                <a:sym typeface="Wingdings"/>
+              </a:rPr>
+              <a:t>reduce</a:t>
+            </a:r>
+            <a:r>
+              <a:rPr lang="nl-NL" sz="2400" b="1" dirty="0" smtClean="0">
+                <a:sym typeface="Wingdings"/>
+              </a:rPr>
+              <a:t>()</a:t>
             </a:r>
             <a:endParaRPr lang="nl-NL" sz="2400" b="1" dirty="0" smtClean="0"/>
           </a:p>
@@ -18391,15 +18457,7 @@
                   <a:srgbClr val="FFC000"/>
                 </a:solidFill>
               </a:rPr>
-              <a:t>Observable </a:t>
-            </a:r>
-            <a:r>
-              <a:rPr lang="en-US" b="1" dirty="0" smtClean="0">
-                <a:solidFill>
-                  <a:srgbClr val="FFC000"/>
-                </a:solidFill>
-              </a:rPr>
-              <a:t>syntax</a:t>
+              <a:t>Observable syntax</a:t>
             </a:r>
             <a:endParaRPr lang="en-US" b="1" dirty="0">
               <a:solidFill>
@@ -18433,11 +18491,7 @@
             <a:pPr algn="ctr"/>
             <a:r>
               <a:rPr lang="nl-NL" sz="2400" dirty="0" smtClean="0"/>
-              <a:t>l</a:t>
-            </a:r>
-            <a:r>
-              <a:rPr lang="nl-NL" sz="2400" dirty="0" smtClean="0"/>
-              <a:t>et </a:t>
+              <a:t>let </a:t>
             </a:r>
             <a:r>
               <a:rPr lang="nl-NL" sz="2400" b="1" dirty="0" smtClean="0">
@@ -20492,20 +20546,28 @@
               <a:t>Import { </a:t>
             </a:r>
             <a:r>
-              <a:rPr lang="nl-NL" dirty="0" err="1">
+              <a:rPr lang="nl-NL" b="1" dirty="0" err="1">
+                <a:solidFill>
+                  <a:srgbClr val="C00000"/>
+                </a:solidFill>
+              </a:rPr>
+              <a:t>AppService</a:t>
+            </a:r>
+            <a:r>
+              <a:rPr lang="nl-NL" dirty="0">
+                <a:solidFill>
+                  <a:srgbClr val="C00000"/>
+                </a:solidFill>
+              </a:rPr>
+              <a:t> </a:t>
+            </a:r>
+            <a:r>
+              <a:rPr lang="nl-NL" dirty="0">
                 <a:solidFill>
                   <a:srgbClr val="FF0000"/>
                 </a:solidFill>
               </a:rPr>
-              <a:t>AppService</a:t>
-            </a:r>
-            <a:r>
-              <a:rPr lang="nl-NL" dirty="0">
-                <a:solidFill>
-                  <a:srgbClr val="FF0000"/>
-                </a:solidFill>
-              </a:rPr>
-              <a:t> } </a:t>
+              <a:t>} </a:t>
             </a:r>
             <a:r>
               <a:rPr lang="nl-NL" dirty="0" err="1">
@@ -20666,18 +20728,26 @@
             <a:r>
               <a:rPr lang="nl-NL" b="1" dirty="0" err="1">
                 <a:solidFill>
+                  <a:srgbClr val="C00000"/>
+                </a:solidFill>
+              </a:rPr>
+              <a:t>AppService</a:t>
+            </a:r>
+            <a:r>
+              <a:rPr lang="nl-NL" b="1" dirty="0">
+                <a:solidFill>
+                  <a:srgbClr val="C00000"/>
+                </a:solidFill>
+              </a:rPr>
+              <a:t> </a:t>
+            </a:r>
+            <a:r>
+              <a:rPr lang="nl-NL" b="1" dirty="0">
+                <a:solidFill>
                   <a:schemeClr val="accent2"/>
                 </a:solidFill>
               </a:rPr>
-              <a:t>AppService</a:t>
-            </a:r>
-            <a:r>
-              <a:rPr lang="nl-NL" b="1" dirty="0">
-                <a:solidFill>
-                  <a:schemeClr val="accent2"/>
-                </a:solidFill>
-              </a:rPr>
-              <a:t> ]</a:t>
+              <a:t>]</a:t>
             </a:r>
           </a:p>
           <a:p>
@@ -21275,7 +21345,31 @@
                   <a:srgbClr val="FFC000"/>
                 </a:solidFill>
               </a:rPr>
-              <a:t> service via the </a:t>
+              <a:t> </a:t>
+            </a:r>
+            <a:r>
+              <a:rPr lang="nl-NL" b="1" dirty="0" err="1" smtClean="0">
+                <a:solidFill>
+                  <a:srgbClr val="FFC000"/>
+                </a:solidFill>
+              </a:rPr>
+              <a:t>AppService</a:t>
+            </a:r>
+            <a:r>
+              <a:rPr lang="nl-NL" b="1" dirty="0" smtClean="0">
+                <a:solidFill>
+                  <a:srgbClr val="FFC000"/>
+                </a:solidFill>
+              </a:rPr>
+              <a:t> </a:t>
+            </a:r>
+            <a:r>
+              <a:rPr lang="nl-NL" b="1" dirty="0" smtClean="0">
+                <a:solidFill>
+                  <a:srgbClr val="FFC000"/>
+                </a:solidFill>
+              </a:rPr>
+              <a:t>via the </a:t>
             </a:r>
             <a:r>
               <a:rPr lang="nl-NL" b="1" dirty="0" err="1" smtClean="0">

--- a/frontend-cursus/ 8 - Angular.pptx
+++ b/frontend-cursus/ 8 - Angular.pptx
@@ -5,7 +5,7 @@
     <p:sldMasterId id="2147483648" r:id="rId1"/>
   </p:sldMasterIdLst>
   <p:notesMasterIdLst>
-    <p:notesMasterId r:id="rId33"/>
+    <p:notesMasterId r:id="rId35"/>
   </p:notesMasterIdLst>
   <p:sldIdLst>
     <p:sldId id="316" r:id="rId2"/>
@@ -29,16 +29,18 @@
     <p:sldId id="399" r:id="rId20"/>
     <p:sldId id="404" r:id="rId21"/>
     <p:sldId id="392" r:id="rId22"/>
-    <p:sldId id="405" r:id="rId23"/>
-    <p:sldId id="400" r:id="rId24"/>
-    <p:sldId id="401" r:id="rId25"/>
-    <p:sldId id="406" r:id="rId26"/>
-    <p:sldId id="407" r:id="rId27"/>
-    <p:sldId id="402" r:id="rId28"/>
-    <p:sldId id="393" r:id="rId29"/>
-    <p:sldId id="394" r:id="rId30"/>
-    <p:sldId id="395" r:id="rId31"/>
-    <p:sldId id="396" r:id="rId32"/>
+    <p:sldId id="408" r:id="rId23"/>
+    <p:sldId id="409" r:id="rId24"/>
+    <p:sldId id="405" r:id="rId25"/>
+    <p:sldId id="400" r:id="rId26"/>
+    <p:sldId id="401" r:id="rId27"/>
+    <p:sldId id="406" r:id="rId28"/>
+    <p:sldId id="407" r:id="rId29"/>
+    <p:sldId id="402" r:id="rId30"/>
+    <p:sldId id="393" r:id="rId31"/>
+    <p:sldId id="395" r:id="rId32"/>
+    <p:sldId id="394" r:id="rId33"/>
+    <p:sldId id="396" r:id="rId34"/>
   </p:sldIdLst>
   <p:sldSz cx="12192000" cy="6858000"/>
   <p:notesSz cx="6858000" cy="9144000"/>
@@ -2325,24 +2327,31 @@
           <a:p>
             <a:r>
               <a:rPr lang="en-US" dirty="0" smtClean="0"/>
-              <a:t>You are a Observer = Listener and Subscriber on the data</a:t>
-            </a:r>
-          </a:p>
-          <a:p>
-            <a:endParaRPr lang="en-US" dirty="0" smtClean="0"/>
-          </a:p>
-          <a:p>
-            <a:r>
-              <a:rPr lang="en-US" dirty="0" smtClean="0"/>
-              <a:t>TV is the Observable = Provider of </a:t>
+              <a:t>Subscribe/</a:t>
             </a:r>
             <a:r>
               <a:rPr lang="en-US" dirty="0" err="1" smtClean="0"/>
-              <a:t>Async</a:t>
-            </a:r>
-            <a:r>
-              <a:rPr lang="en-US" dirty="0" smtClean="0"/>
-              <a:t> data </a:t>
+              <a:t>abonneer</a:t>
+            </a:r>
+            <a:r>
+              <a:rPr lang="en-US" baseline="0" dirty="0" smtClean="0"/>
+              <a:t> op de </a:t>
+            </a:r>
+            <a:r>
+              <a:rPr lang="en-US" baseline="0" dirty="0" err="1" smtClean="0"/>
+              <a:t>te</a:t>
+            </a:r>
+            <a:r>
+              <a:rPr lang="en-US" baseline="0" dirty="0" smtClean="0"/>
+              <a:t> </a:t>
+            </a:r>
+            <a:r>
+              <a:rPr lang="en-US" baseline="0" dirty="0" err="1" smtClean="0"/>
+              <a:t>ontvangen</a:t>
+            </a:r>
+            <a:r>
+              <a:rPr lang="en-US" baseline="0" dirty="0" smtClean="0"/>
+              <a:t> data !!!</a:t>
             </a:r>
             <a:endParaRPr lang="en-US" dirty="0"/>
           </a:p>
@@ -2365,7 +2374,7 @@
           <a:p>
             <a:fld id="{59C059BC-4998-4873-8F2D-C8268E612536}" type="slidenum">
               <a:rPr lang="nl-NL" smtClean="0"/>
-              <a:t>22</a:t>
+              <a:t>23</a:t>
             </a:fld>
             <a:endParaRPr lang="nl-NL"/>
           </a:p>
@@ -2374,7 +2383,7 @@
     </p:spTree>
     <p:extLst>
       <p:ext uri="{BB962C8B-B14F-4D97-AF65-F5344CB8AC3E}">
-        <p14:creationId xmlns:p14="http://schemas.microsoft.com/office/powerpoint/2010/main" val="1308357421"/>
+        <p14:creationId xmlns:p14="http://schemas.microsoft.com/office/powerpoint/2010/main" val="1651723619"/>
       </p:ext>
     </p:extLst>
   </p:cSld>
@@ -2430,240 +2439,25 @@
           <a:p>
             <a:r>
               <a:rPr lang="en-US" dirty="0" smtClean="0"/>
-              <a:t>Lazy: </a:t>
+              <a:t>You are a Observer = Listener and Subscriber on the data</a:t>
+            </a:r>
+          </a:p>
+          <a:p>
+            <a:endParaRPr lang="en-US" dirty="0" smtClean="0"/>
+          </a:p>
+          <a:p>
+            <a:r>
+              <a:rPr lang="en-US" dirty="0" smtClean="0"/>
+              <a:t>TV is the Observable = Provider of </a:t>
             </a:r>
             <a:r>
               <a:rPr lang="en-US" dirty="0" err="1" smtClean="0"/>
-              <a:t>er</a:t>
+              <a:t>Async</a:t>
             </a:r>
             <a:r>
               <a:rPr lang="en-US" dirty="0" smtClean="0"/>
-              <a:t> </a:t>
-            </a:r>
-            <a:r>
-              <a:rPr lang="en-US" dirty="0" err="1" smtClean="0"/>
-              <a:t>gebeurt</a:t>
-            </a:r>
-            <a:r>
-              <a:rPr lang="en-US" dirty="0" smtClean="0"/>
-              <a:t> </a:t>
-            </a:r>
-            <a:r>
-              <a:rPr lang="en-US" dirty="0" err="1" smtClean="0"/>
-              <a:t>niks</a:t>
-            </a:r>
-            <a:r>
-              <a:rPr lang="en-US" dirty="0" smtClean="0"/>
-              <a:t> met de </a:t>
-            </a:r>
-            <a:r>
-              <a:rPr lang="en-US" dirty="0" err="1" smtClean="0"/>
-              <a:t>ontvangen</a:t>
-            </a:r>
-            <a:r>
-              <a:rPr lang="en-US" dirty="0" smtClean="0"/>
-              <a:t> stream,</a:t>
-            </a:r>
-            <a:r>
-              <a:rPr lang="en-US" baseline="0" dirty="0" smtClean="0"/>
-              <a:t> </a:t>
-            </a:r>
-            <a:r>
-              <a:rPr lang="en-US" baseline="0" dirty="0" err="1" smtClean="0"/>
-              <a:t>totdat</a:t>
-            </a:r>
-            <a:r>
-              <a:rPr lang="en-US" baseline="0" dirty="0" smtClean="0"/>
-              <a:t> </a:t>
-            </a:r>
-            <a:r>
-              <a:rPr lang="en-US" baseline="0" dirty="0" err="1" smtClean="0"/>
-              <a:t>hij</a:t>
-            </a:r>
-            <a:r>
-              <a:rPr lang="en-US" baseline="0" dirty="0" smtClean="0"/>
-              <a:t> </a:t>
-            </a:r>
-            <a:r>
-              <a:rPr lang="en-US" baseline="0" dirty="0" err="1" smtClean="0"/>
-              <a:t>aangeroepen</a:t>
-            </a:r>
-            <a:r>
-              <a:rPr lang="en-US" baseline="0" dirty="0" smtClean="0"/>
-              <a:t> </a:t>
-            </a:r>
-            <a:r>
-              <a:rPr lang="en-US" baseline="0" dirty="0" err="1" smtClean="0"/>
-              <a:t>wordt</a:t>
-            </a:r>
-            <a:endParaRPr lang="en-US" dirty="0" smtClean="0"/>
-          </a:p>
-          <a:p>
-            <a:endParaRPr lang="en-US" dirty="0" smtClean="0"/>
-          </a:p>
-          <a:p>
-            <a:r>
-              <a:rPr lang="en-US" dirty="0" smtClean="0"/>
-              <a:t>Observable</a:t>
-            </a:r>
-            <a:r>
-              <a:rPr lang="en-US" baseline="0" dirty="0" smtClean="0"/>
-              <a:t> is </a:t>
-            </a:r>
-            <a:r>
-              <a:rPr lang="en-US" baseline="0" dirty="0" err="1" smtClean="0"/>
-              <a:t>te</a:t>
-            </a:r>
-            <a:r>
-              <a:rPr lang="en-US" baseline="0" dirty="0" smtClean="0"/>
-              <a:t> </a:t>
-            </a:r>
-            <a:r>
-              <a:rPr lang="en-US" baseline="0" dirty="0" err="1" smtClean="0"/>
-              <a:t>vergelijken</a:t>
-            </a:r>
-            <a:r>
-              <a:rPr lang="en-US" baseline="0" dirty="0" smtClean="0"/>
-              <a:t> met </a:t>
-            </a:r>
-            <a:r>
-              <a:rPr lang="en-US" baseline="0" dirty="0" err="1" smtClean="0"/>
-              <a:t>een</a:t>
-            </a:r>
-            <a:r>
-              <a:rPr lang="en-US" baseline="0" dirty="0" smtClean="0"/>
-              <a:t> </a:t>
-            </a:r>
-            <a:r>
-              <a:rPr lang="en-US" b="1" baseline="0" dirty="0" smtClean="0"/>
-              <a:t>array</a:t>
-            </a:r>
-            <a:r>
-              <a:rPr lang="en-US" b="0" baseline="0" dirty="0" smtClean="0"/>
-              <a:t>, </a:t>
-            </a:r>
-            <a:r>
-              <a:rPr lang="en-US" baseline="0" dirty="0" smtClean="0"/>
-              <a:t>die </a:t>
-            </a:r>
-            <a:r>
-              <a:rPr lang="en-US" baseline="0" dirty="0" err="1" smtClean="0"/>
-              <a:t>langzamerhand</a:t>
-            </a:r>
-            <a:r>
-              <a:rPr lang="en-US" baseline="0" dirty="0" smtClean="0"/>
-              <a:t> </a:t>
-            </a:r>
-            <a:r>
-              <a:rPr lang="en-US" baseline="0" dirty="0" err="1" smtClean="0"/>
-              <a:t>gevuld</a:t>
-            </a:r>
-            <a:r>
-              <a:rPr lang="en-US" baseline="0" dirty="0" smtClean="0"/>
-              <a:t> </a:t>
-            </a:r>
-            <a:r>
-              <a:rPr lang="en-US" baseline="0" dirty="0" err="1" smtClean="0"/>
-              <a:t>wordt</a:t>
-            </a:r>
-            <a:r>
-              <a:rPr lang="en-US" baseline="0" dirty="0" smtClean="0"/>
-              <a:t> </a:t>
-            </a:r>
-            <a:r>
-              <a:rPr lang="en-US" baseline="0" dirty="0" smtClean="0"/>
-              <a:t>met data.</a:t>
-            </a:r>
-          </a:p>
-          <a:p>
-            <a:endParaRPr lang="en-US" baseline="0" dirty="0" smtClean="0"/>
-          </a:p>
-          <a:p>
-            <a:r>
-              <a:rPr lang="en-US" baseline="0" dirty="0" err="1" smtClean="0"/>
-              <a:t>Omdat</a:t>
-            </a:r>
-            <a:r>
-              <a:rPr lang="en-US" baseline="0" dirty="0" smtClean="0"/>
-              <a:t> </a:t>
-            </a:r>
-            <a:r>
-              <a:rPr lang="en-US" baseline="0" dirty="0" err="1" smtClean="0"/>
-              <a:t>een</a:t>
-            </a:r>
-            <a:r>
-              <a:rPr lang="en-US" baseline="0" dirty="0" smtClean="0"/>
-              <a:t> observable </a:t>
-            </a:r>
-            <a:r>
-              <a:rPr lang="en-US" baseline="0" dirty="0" err="1" smtClean="0"/>
-              <a:t>zich</a:t>
-            </a:r>
-            <a:r>
-              <a:rPr lang="en-US" baseline="0" dirty="0" smtClean="0"/>
-              <a:t> </a:t>
-            </a:r>
-            <a:r>
-              <a:rPr lang="en-US" baseline="0" dirty="0" err="1" smtClean="0"/>
-              <a:t>gedraagd</a:t>
-            </a:r>
-            <a:r>
-              <a:rPr lang="en-US" baseline="0" dirty="0" smtClean="0"/>
-              <a:t> </a:t>
-            </a:r>
-            <a:r>
-              <a:rPr lang="en-US" baseline="0" dirty="0" err="1" smtClean="0"/>
-              <a:t>als</a:t>
-            </a:r>
-            <a:r>
-              <a:rPr lang="en-US" baseline="0" dirty="0" smtClean="0"/>
-              <a:t> </a:t>
-            </a:r>
-            <a:r>
-              <a:rPr lang="en-US" baseline="0" dirty="0" err="1" smtClean="0"/>
-              <a:t>een</a:t>
-            </a:r>
-            <a:r>
-              <a:rPr lang="en-US" baseline="0" dirty="0" smtClean="0"/>
-              <a:t> array, </a:t>
-            </a:r>
-            <a:r>
-              <a:rPr lang="en-US" baseline="0" dirty="0" err="1" smtClean="0"/>
-              <a:t>zijn</a:t>
-            </a:r>
-            <a:r>
-              <a:rPr lang="en-US" baseline="0" dirty="0" smtClean="0"/>
-              <a:t> </a:t>
-            </a:r>
-            <a:r>
-              <a:rPr lang="en-US" baseline="0" dirty="0" err="1" smtClean="0"/>
-              <a:t>allerlei</a:t>
-            </a:r>
-            <a:r>
-              <a:rPr lang="en-US" baseline="0" dirty="0" smtClean="0"/>
-              <a:t> array methods </a:t>
-            </a:r>
-            <a:r>
-              <a:rPr lang="en-US" baseline="0" dirty="0" err="1" smtClean="0"/>
-              <a:t>beschikbaar</a:t>
-            </a:r>
-            <a:r>
-              <a:rPr lang="en-US" baseline="0" dirty="0" smtClean="0"/>
-              <a:t>, </a:t>
-            </a:r>
-            <a:r>
-              <a:rPr lang="en-US" baseline="0" dirty="0" err="1" smtClean="0"/>
-              <a:t>zoals</a:t>
-            </a:r>
-            <a:r>
-              <a:rPr lang="en-US" baseline="0" dirty="0" smtClean="0"/>
-              <a:t>: map(), filter(), reduce()</a:t>
-            </a:r>
-          </a:p>
-          <a:p>
-            <a:endParaRPr lang="en-US" baseline="0" dirty="0" smtClean="0"/>
-          </a:p>
-          <a:p>
+              <a:t> data </a:t>
+            </a:r>
             <a:endParaRPr lang="en-US" dirty="0"/>
           </a:p>
         </p:txBody>
@@ -2685,7 +2479,7 @@
           <a:p>
             <a:fld id="{59C059BC-4998-4873-8F2D-C8268E612536}" type="slidenum">
               <a:rPr lang="nl-NL" smtClean="0"/>
-              <a:t>23</a:t>
+              <a:t>24</a:t>
             </a:fld>
             <a:endParaRPr lang="nl-NL"/>
           </a:p>
@@ -2694,7 +2488,7 @@
     </p:spTree>
     <p:extLst>
       <p:ext uri="{BB962C8B-B14F-4D97-AF65-F5344CB8AC3E}">
-        <p14:creationId xmlns:p14="http://schemas.microsoft.com/office/powerpoint/2010/main" val="1988473319"/>
+        <p14:creationId xmlns:p14="http://schemas.microsoft.com/office/powerpoint/2010/main" val="1308357421"/>
       </p:ext>
     </p:extLst>
   </p:cSld>
@@ -2748,32 +2542,240 @@
           <a:bodyPr/>
           <a:lstStyle/>
           <a:p>
-            <a:pPr marL="0" marR="0" indent="0" algn="l" defTabSz="914400" rtl="0" eaLnBrk="1" fontAlgn="auto" latinLnBrk="0" hangingPunct="1">
-              <a:lnSpc>
-                <a:spcPct val="100000"/>
-              </a:lnSpc>
-              <a:spcBef>
-                <a:spcPts val="0"/>
-              </a:spcBef>
-              <a:spcAft>
-                <a:spcPts val="0"/>
-              </a:spcAft>
-              <a:buClrTx/>
-              <a:buSzTx/>
-              <a:buFontTx/>
-              <a:buNone/>
-              <a:tabLst/>
-              <a:defRPr/>
-            </a:pPr>
-            <a:r>
-              <a:rPr lang="en-US" b="1" dirty="0" smtClean="0"/>
-              <a:t>Subscribe</a:t>
+            <a:r>
+              <a:rPr lang="en-US" dirty="0" smtClean="0"/>
+              <a:t>Lazy: </a:t>
+            </a:r>
+            <a:r>
+              <a:rPr lang="en-US" dirty="0" err="1" smtClean="0"/>
+              <a:t>er</a:t>
+            </a:r>
+            <a:r>
+              <a:rPr lang="en-US" dirty="0" smtClean="0"/>
+              <a:t> </a:t>
+            </a:r>
+            <a:r>
+              <a:rPr lang="en-US" dirty="0" err="1" smtClean="0"/>
+              <a:t>gebeurt</a:t>
+            </a:r>
+            <a:r>
+              <a:rPr lang="en-US" dirty="0" smtClean="0"/>
+              <a:t> </a:t>
+            </a:r>
+            <a:r>
+              <a:rPr lang="en-US" dirty="0" err="1" smtClean="0"/>
+              <a:t>niks</a:t>
+            </a:r>
+            <a:r>
+              <a:rPr lang="en-US" dirty="0" smtClean="0"/>
+              <a:t> met de </a:t>
+            </a:r>
+            <a:r>
+              <a:rPr lang="en-US" dirty="0" err="1" smtClean="0"/>
+              <a:t>ontvangen</a:t>
+            </a:r>
+            <a:r>
+              <a:rPr lang="en-US" dirty="0" smtClean="0"/>
+              <a:t> stream,</a:t>
+            </a:r>
+            <a:r>
+              <a:rPr lang="en-US" baseline="0" dirty="0" smtClean="0"/>
+              <a:t> </a:t>
+            </a:r>
+            <a:r>
+              <a:rPr lang="en-US" baseline="0" dirty="0" err="1" smtClean="0"/>
+              <a:t>totdat</a:t>
+            </a:r>
+            <a:r>
+              <a:rPr lang="en-US" baseline="0" dirty="0" smtClean="0"/>
+              <a:t> </a:t>
+            </a:r>
+            <a:r>
+              <a:rPr lang="en-US" baseline="0" dirty="0" err="1" smtClean="0"/>
+              <a:t>hij</a:t>
+            </a:r>
+            <a:r>
+              <a:rPr lang="en-US" baseline="0" dirty="0" smtClean="0"/>
+              <a:t> </a:t>
+            </a:r>
+            <a:r>
+              <a:rPr lang="en-US" baseline="0" dirty="0" err="1" smtClean="0"/>
+              <a:t>aangeroepen</a:t>
+            </a:r>
+            <a:r>
+              <a:rPr lang="en-US" baseline="0" dirty="0" smtClean="0"/>
+              <a:t> </a:t>
+            </a:r>
+            <a:r>
+              <a:rPr lang="en-US" baseline="0" dirty="0" err="1" smtClean="0"/>
+              <a:t>wordt</a:t>
+            </a:r>
+            <a:endParaRPr lang="en-US" dirty="0" smtClean="0"/>
+          </a:p>
+          <a:p>
+            <a:endParaRPr lang="en-US" dirty="0" smtClean="0"/>
+          </a:p>
+          <a:p>
+            <a:r>
+              <a:rPr lang="en-US" dirty="0" smtClean="0"/>
+              <a:t>Observable</a:t>
+            </a:r>
+            <a:r>
+              <a:rPr lang="en-US" baseline="0" dirty="0" smtClean="0"/>
+              <a:t> is </a:t>
+            </a:r>
+            <a:r>
+              <a:rPr lang="en-US" baseline="0" dirty="0" err="1" smtClean="0"/>
+              <a:t>te</a:t>
+            </a:r>
+            <a:r>
+              <a:rPr lang="en-US" baseline="0" dirty="0" smtClean="0"/>
+              <a:t> </a:t>
+            </a:r>
+            <a:r>
+              <a:rPr lang="en-US" baseline="0" dirty="0" err="1" smtClean="0"/>
+              <a:t>vergelijken</a:t>
+            </a:r>
+            <a:r>
+              <a:rPr lang="en-US" baseline="0" dirty="0" smtClean="0"/>
+              <a:t> met </a:t>
+            </a:r>
+            <a:r>
+              <a:rPr lang="en-US" baseline="0" dirty="0" err="1" smtClean="0"/>
+              <a:t>een</a:t>
+            </a:r>
+            <a:r>
+              <a:rPr lang="en-US" baseline="0" dirty="0" smtClean="0"/>
+              <a:t> </a:t>
             </a:r>
             <a:r>
               <a:rPr lang="en-US" b="1" baseline="0" dirty="0" smtClean="0"/>
-              <a:t> always on the incoming data-stream !!!</a:t>
-            </a:r>
-            <a:endParaRPr lang="en-US" b="1" dirty="0" smtClean="0"/>
+              <a:t>array</a:t>
+            </a:r>
+            <a:r>
+              <a:rPr lang="en-US" b="0" baseline="0" dirty="0" smtClean="0"/>
+              <a:t>, </a:t>
+            </a:r>
+            <a:r>
+              <a:rPr lang="en-US" baseline="0" dirty="0" smtClean="0"/>
+              <a:t>die </a:t>
+            </a:r>
+            <a:r>
+              <a:rPr lang="en-US" baseline="0" dirty="0" err="1" smtClean="0"/>
+              <a:t>langzamerhand</a:t>
+            </a:r>
+            <a:r>
+              <a:rPr lang="en-US" baseline="0" dirty="0" smtClean="0"/>
+              <a:t> </a:t>
+            </a:r>
+            <a:r>
+              <a:rPr lang="en-US" baseline="0" dirty="0" err="1" smtClean="0"/>
+              <a:t>gevuld</a:t>
+            </a:r>
+            <a:r>
+              <a:rPr lang="en-US" baseline="0" dirty="0" smtClean="0"/>
+              <a:t> </a:t>
+            </a:r>
+            <a:r>
+              <a:rPr lang="en-US" baseline="0" dirty="0" err="1" smtClean="0"/>
+              <a:t>wordt</a:t>
+            </a:r>
+            <a:r>
+              <a:rPr lang="en-US" baseline="0" dirty="0" smtClean="0"/>
+              <a:t> </a:t>
+            </a:r>
+            <a:r>
+              <a:rPr lang="en-US" baseline="0" dirty="0" smtClean="0"/>
+              <a:t>met data.</a:t>
+            </a:r>
+          </a:p>
+          <a:p>
+            <a:endParaRPr lang="en-US" baseline="0" dirty="0" smtClean="0"/>
+          </a:p>
+          <a:p>
+            <a:r>
+              <a:rPr lang="en-US" baseline="0" dirty="0" err="1" smtClean="0"/>
+              <a:t>Omdat</a:t>
+            </a:r>
+            <a:r>
+              <a:rPr lang="en-US" baseline="0" dirty="0" smtClean="0"/>
+              <a:t> </a:t>
+            </a:r>
+            <a:r>
+              <a:rPr lang="en-US" baseline="0" dirty="0" err="1" smtClean="0"/>
+              <a:t>een</a:t>
+            </a:r>
+            <a:r>
+              <a:rPr lang="en-US" baseline="0" dirty="0" smtClean="0"/>
+              <a:t> observable </a:t>
+            </a:r>
+            <a:r>
+              <a:rPr lang="en-US" baseline="0" dirty="0" err="1" smtClean="0"/>
+              <a:t>zich</a:t>
+            </a:r>
+            <a:r>
+              <a:rPr lang="en-US" baseline="0" dirty="0" smtClean="0"/>
+              <a:t> </a:t>
+            </a:r>
+            <a:r>
+              <a:rPr lang="en-US" baseline="0" dirty="0" err="1" smtClean="0"/>
+              <a:t>gedraagd</a:t>
+            </a:r>
+            <a:r>
+              <a:rPr lang="en-US" baseline="0" dirty="0" smtClean="0"/>
+              <a:t> </a:t>
+            </a:r>
+            <a:r>
+              <a:rPr lang="en-US" baseline="0" dirty="0" err="1" smtClean="0"/>
+              <a:t>als</a:t>
+            </a:r>
+            <a:r>
+              <a:rPr lang="en-US" baseline="0" dirty="0" smtClean="0"/>
+              <a:t> </a:t>
+            </a:r>
+            <a:r>
+              <a:rPr lang="en-US" baseline="0" dirty="0" err="1" smtClean="0"/>
+              <a:t>een</a:t>
+            </a:r>
+            <a:r>
+              <a:rPr lang="en-US" baseline="0" dirty="0" smtClean="0"/>
+              <a:t> array, </a:t>
+            </a:r>
+            <a:r>
+              <a:rPr lang="en-US" baseline="0" dirty="0" err="1" smtClean="0"/>
+              <a:t>zijn</a:t>
+            </a:r>
+            <a:r>
+              <a:rPr lang="en-US" baseline="0" dirty="0" smtClean="0"/>
+              <a:t> </a:t>
+            </a:r>
+            <a:r>
+              <a:rPr lang="en-US" baseline="0" dirty="0" err="1" smtClean="0"/>
+              <a:t>allerlei</a:t>
+            </a:r>
+            <a:r>
+              <a:rPr lang="en-US" baseline="0" dirty="0" smtClean="0"/>
+              <a:t> array methods </a:t>
+            </a:r>
+            <a:r>
+              <a:rPr lang="en-US" baseline="0" dirty="0" err="1" smtClean="0"/>
+              <a:t>beschikbaar</a:t>
+            </a:r>
+            <a:r>
+              <a:rPr lang="en-US" baseline="0" dirty="0" smtClean="0"/>
+              <a:t>, </a:t>
+            </a:r>
+            <a:r>
+              <a:rPr lang="en-US" baseline="0" dirty="0" err="1" smtClean="0"/>
+              <a:t>zoals</a:t>
+            </a:r>
+            <a:r>
+              <a:rPr lang="en-US" baseline="0" dirty="0" smtClean="0"/>
+              <a:t>: map(), filter(), reduce()</a:t>
+            </a:r>
+          </a:p>
+          <a:p>
+            <a:endParaRPr lang="en-US" baseline="0" dirty="0" smtClean="0"/>
           </a:p>
           <a:p>
             <a:endParaRPr lang="en-US" dirty="0"/>
@@ -2797,7 +2799,7 @@
           <a:p>
             <a:fld id="{59C059BC-4998-4873-8F2D-C8268E612536}" type="slidenum">
               <a:rPr lang="nl-NL" smtClean="0"/>
-              <a:t>26</a:t>
+              <a:t>25</a:t>
             </a:fld>
             <a:endParaRPr lang="nl-NL"/>
           </a:p>
@@ -2806,7 +2808,7 @@
     </p:spTree>
     <p:extLst>
       <p:ext uri="{BB962C8B-B14F-4D97-AF65-F5344CB8AC3E}">
-        <p14:creationId xmlns:p14="http://schemas.microsoft.com/office/powerpoint/2010/main" val="761643460"/>
+        <p14:creationId xmlns:p14="http://schemas.microsoft.com/office/powerpoint/2010/main" val="1988473319"/>
       </p:ext>
     </p:extLst>
   </p:cSld>
@@ -2835,7 +2837,7 @@
       </p:grpSpPr>
       <p:sp>
         <p:nvSpPr>
-          <p:cNvPr id="2" name="Tijdelijke aanduiding voor dia-afbeelding 1"/>
+          <p:cNvPr id="2" name="Slide Image Placeholder 1"/>
           <p:cNvSpPr>
             <a:spLocks noGrp="1" noRot="1" noChangeAspect="1"/>
           </p:cNvSpPr>
@@ -2847,7 +2849,7 @@
       </p:sp>
       <p:sp>
         <p:nvSpPr>
-          <p:cNvPr id="3" name="Tijdelijke aanduiding voor notities 2"/>
+          <p:cNvPr id="3" name="Notes Placeholder 2"/>
           <p:cNvSpPr>
             <a:spLocks noGrp="1"/>
           </p:cNvSpPr>
@@ -2878,460 +2880,23 @@
               <a:defRPr/>
             </a:pPr>
             <a:r>
-              <a:rPr lang="en-US" sz="1200" b="0" i="0" kern="1200" dirty="0" smtClean="0">
-                <a:solidFill>
-                  <a:schemeClr val="tx1"/>
-                </a:solidFill>
-                <a:effectLst/>
-                <a:latin typeface="+mn-lt"/>
-                <a:ea typeface="+mn-ea"/>
-                <a:cs typeface="+mn-cs"/>
-              </a:rPr>
-              <a:t>You </a:t>
-            </a:r>
-            <a:r>
-              <a:rPr lang="en-US" sz="1200" b="1" i="1" kern="1200" dirty="0" smtClean="0">
-                <a:solidFill>
-                  <a:schemeClr val="tx1"/>
-                </a:solidFill>
-                <a:effectLst/>
-                <a:latin typeface="+mn-lt"/>
-                <a:ea typeface="+mn-ea"/>
-                <a:cs typeface="+mn-cs"/>
-              </a:rPr>
-              <a:t>export</a:t>
-            </a:r>
-            <a:r>
-              <a:rPr lang="en-US" sz="1200" b="0" i="0" kern="1200" dirty="0" smtClean="0">
-                <a:solidFill>
-                  <a:schemeClr val="tx1"/>
-                </a:solidFill>
-                <a:effectLst/>
-                <a:latin typeface="+mn-lt"/>
-                <a:ea typeface="+mn-ea"/>
-                <a:cs typeface="+mn-cs"/>
-              </a:rPr>
-              <a:t> the </a:t>
-            </a:r>
-            <a:r>
-              <a:rPr lang="en-US" dirty="0" err="1" smtClean="0"/>
-              <a:t>AppService</a:t>
-            </a:r>
-            <a:r>
-              <a:rPr lang="en-US" sz="1200" b="0" i="0" kern="1200" dirty="0" smtClean="0">
-                <a:solidFill>
-                  <a:schemeClr val="tx1"/>
-                </a:solidFill>
-                <a:effectLst/>
-                <a:latin typeface="+mn-lt"/>
-                <a:ea typeface="+mn-ea"/>
-                <a:cs typeface="+mn-cs"/>
-              </a:rPr>
-              <a:t> class so that you can </a:t>
-            </a:r>
-            <a:r>
-              <a:rPr lang="en-US" sz="1200" b="0" i="1" kern="1200" dirty="0" smtClean="0">
-                <a:solidFill>
-                  <a:schemeClr val="tx1"/>
-                </a:solidFill>
-                <a:effectLst/>
-                <a:latin typeface="+mn-lt"/>
-                <a:ea typeface="+mn-ea"/>
-                <a:cs typeface="+mn-cs"/>
-              </a:rPr>
-              <a:t>import</a:t>
-            </a:r>
-            <a:r>
-              <a:rPr lang="en-US" sz="1200" b="0" i="0" kern="1200" dirty="0" smtClean="0">
-                <a:solidFill>
-                  <a:schemeClr val="tx1"/>
-                </a:solidFill>
-                <a:effectLst/>
-                <a:latin typeface="+mn-lt"/>
-                <a:ea typeface="+mn-ea"/>
-                <a:cs typeface="+mn-cs"/>
-              </a:rPr>
-              <a:t> it into the application that you just created.</a:t>
-            </a:r>
-          </a:p>
-          <a:p>
-            <a:pPr marL="0" marR="0" indent="0" algn="l" defTabSz="914400" rtl="0" eaLnBrk="1" fontAlgn="auto" latinLnBrk="0" hangingPunct="1">
-              <a:lnSpc>
-                <a:spcPct val="100000"/>
-              </a:lnSpc>
-              <a:spcBef>
-                <a:spcPts val="0"/>
-              </a:spcBef>
-              <a:spcAft>
-                <a:spcPts val="0"/>
-              </a:spcAft>
-              <a:buClrTx/>
-              <a:buSzTx/>
-              <a:buFontTx/>
-              <a:buNone/>
-              <a:tabLst/>
-              <a:defRPr/>
-            </a:pPr>
-            <a:endParaRPr lang="en-US" sz="1200" b="0" i="0" kern="1200" dirty="0" smtClean="0">
-              <a:solidFill>
-                <a:schemeClr val="tx1"/>
-              </a:solidFill>
-              <a:effectLst/>
-              <a:latin typeface="+mn-lt"/>
-              <a:ea typeface="+mn-ea"/>
-              <a:cs typeface="+mn-cs"/>
-            </a:endParaRPr>
-          </a:p>
-          <a:p>
-            <a:pPr marL="0" marR="0" indent="0" algn="l" defTabSz="914400" rtl="0" eaLnBrk="1" fontAlgn="auto" latinLnBrk="0" hangingPunct="1">
-              <a:lnSpc>
-                <a:spcPct val="100000"/>
-              </a:lnSpc>
-              <a:spcBef>
-                <a:spcPts val="0"/>
-              </a:spcBef>
-              <a:spcAft>
-                <a:spcPts val="0"/>
-              </a:spcAft>
-              <a:buClrTx/>
-              <a:buSzTx/>
-              <a:buFontTx/>
-              <a:buNone/>
-              <a:tabLst/>
-              <a:defRPr/>
-            </a:pPr>
-            <a:r>
-              <a:rPr lang="en-US" sz="1200" b="0" i="0" kern="1200" dirty="0" smtClean="0">
-                <a:solidFill>
-                  <a:schemeClr val="tx1"/>
-                </a:solidFill>
-                <a:effectLst/>
-                <a:latin typeface="+mn-lt"/>
-                <a:ea typeface="+mn-ea"/>
-                <a:cs typeface="+mn-cs"/>
-              </a:rPr>
-              <a:t>Use @Injectable</a:t>
-            </a:r>
-            <a:r>
-              <a:rPr lang="en-US" sz="1200" b="0" i="0" kern="1200" baseline="0" dirty="0" smtClean="0">
-                <a:solidFill>
-                  <a:schemeClr val="tx1"/>
-                </a:solidFill>
-                <a:effectLst/>
-                <a:latin typeface="+mn-lt"/>
-                <a:ea typeface="+mn-ea"/>
-                <a:cs typeface="+mn-cs"/>
-              </a:rPr>
-              <a:t> </a:t>
-            </a:r>
-            <a:r>
-              <a:rPr lang="en-US" sz="1200" b="0" i="0" kern="1200" baseline="0" dirty="0" smtClean="0">
-                <a:solidFill>
-                  <a:schemeClr val="tx1"/>
-                </a:solidFill>
-                <a:effectLst/>
-                <a:latin typeface="+mn-lt"/>
-                <a:ea typeface="+mn-ea"/>
-                <a:cs typeface="+mn-cs"/>
-                <a:sym typeface="Wingdings" panose="05000000000000000000" pitchFamily="2" charset="2"/>
-              </a:rPr>
-              <a:t>???</a:t>
-            </a:r>
-          </a:p>
-          <a:p>
-            <a:pPr marL="0" marR="0" indent="0" algn="l" defTabSz="914400" rtl="0" eaLnBrk="1" fontAlgn="auto" latinLnBrk="0" hangingPunct="1">
-              <a:lnSpc>
-                <a:spcPct val="100000"/>
-              </a:lnSpc>
-              <a:spcBef>
-                <a:spcPts val="0"/>
-              </a:spcBef>
-              <a:spcAft>
-                <a:spcPts val="0"/>
-              </a:spcAft>
-              <a:buClrTx/>
-              <a:buSzTx/>
-              <a:buFontTx/>
-              <a:buNone/>
-              <a:tabLst/>
-              <a:defRPr/>
-            </a:pPr>
-            <a:endParaRPr lang="en-US" sz="1200" b="0" i="0" kern="1200" baseline="0" dirty="0" smtClean="0">
-              <a:solidFill>
-                <a:schemeClr val="tx1"/>
-              </a:solidFill>
-              <a:effectLst/>
-              <a:latin typeface="+mn-lt"/>
-              <a:ea typeface="+mn-ea"/>
-              <a:cs typeface="+mn-cs"/>
-              <a:sym typeface="Wingdings" panose="05000000000000000000" pitchFamily="2" charset="2"/>
-            </a:endParaRPr>
-          </a:p>
-          <a:p>
-            <a:pPr marL="0" marR="0" indent="0" algn="l" defTabSz="914400" rtl="0" eaLnBrk="1" fontAlgn="auto" latinLnBrk="0" hangingPunct="1">
-              <a:lnSpc>
-                <a:spcPct val="100000"/>
-              </a:lnSpc>
-              <a:spcBef>
-                <a:spcPts val="0"/>
-              </a:spcBef>
-              <a:spcAft>
-                <a:spcPts val="0"/>
-              </a:spcAft>
-              <a:buClrTx/>
-              <a:buSzTx/>
-              <a:buFontTx/>
-              <a:buNone/>
-              <a:tabLst/>
-              <a:defRPr/>
-            </a:pPr>
-            <a:r>
-              <a:rPr lang="en-US" sz="1200" b="0" i="0" kern="1200" baseline="0" dirty="0" smtClean="0">
-                <a:solidFill>
-                  <a:schemeClr val="tx1"/>
-                </a:solidFill>
-                <a:effectLst/>
-                <a:latin typeface="+mn-lt"/>
-                <a:ea typeface="+mn-ea"/>
-                <a:cs typeface="+mn-cs"/>
-                <a:sym typeface="Wingdings" panose="05000000000000000000" pitchFamily="2" charset="2"/>
-              </a:rPr>
-              <a:t>Use Observable!!!</a:t>
-            </a:r>
-          </a:p>
-          <a:p>
-            <a:pPr marL="0" marR="0" indent="0" algn="l" defTabSz="914400" rtl="0" eaLnBrk="1" fontAlgn="auto" latinLnBrk="0" hangingPunct="1">
-              <a:lnSpc>
-                <a:spcPct val="100000"/>
-              </a:lnSpc>
-              <a:spcBef>
-                <a:spcPts val="0"/>
-              </a:spcBef>
-              <a:spcAft>
-                <a:spcPts val="0"/>
-              </a:spcAft>
-              <a:buClrTx/>
-              <a:buSzTx/>
-              <a:buFontTx/>
-              <a:buNone/>
-              <a:tabLst/>
-              <a:defRPr/>
-            </a:pPr>
-            <a:endParaRPr lang="en-US" sz="1200" b="0" i="0" kern="1200" baseline="0" dirty="0" smtClean="0">
-              <a:solidFill>
-                <a:schemeClr val="tx1"/>
-              </a:solidFill>
-              <a:effectLst/>
-              <a:latin typeface="+mn-lt"/>
-              <a:ea typeface="+mn-ea"/>
-              <a:cs typeface="+mn-cs"/>
-              <a:sym typeface="Wingdings" panose="05000000000000000000" pitchFamily="2" charset="2"/>
-            </a:endParaRPr>
-          </a:p>
-          <a:p>
-            <a:pPr marL="0" marR="0" indent="0" algn="l" defTabSz="914400" rtl="0" eaLnBrk="1" fontAlgn="auto" latinLnBrk="0" hangingPunct="1">
-              <a:lnSpc>
-                <a:spcPct val="100000"/>
-              </a:lnSpc>
-              <a:spcBef>
-                <a:spcPts val="0"/>
-              </a:spcBef>
-              <a:spcAft>
-                <a:spcPts val="0"/>
-              </a:spcAft>
-              <a:buClrTx/>
-              <a:buSzTx/>
-              <a:buFontTx/>
-              <a:buNone/>
-              <a:tabLst/>
-              <a:defRPr/>
-            </a:pPr>
-            <a:endParaRPr lang="en-US" sz="1200" b="0" i="0" kern="1200" baseline="0" dirty="0" smtClean="0">
-              <a:solidFill>
-                <a:schemeClr val="tx1"/>
-              </a:solidFill>
-              <a:effectLst/>
-              <a:latin typeface="+mn-lt"/>
-              <a:ea typeface="+mn-ea"/>
-              <a:cs typeface="+mn-cs"/>
-              <a:sym typeface="Wingdings" panose="05000000000000000000" pitchFamily="2" charset="2"/>
-            </a:endParaRPr>
-          </a:p>
-          <a:p>
-            <a:pPr marL="0" marR="0" indent="0" algn="l" defTabSz="914400" rtl="0" eaLnBrk="1" fontAlgn="auto" latinLnBrk="0" hangingPunct="1">
-              <a:lnSpc>
-                <a:spcPct val="100000"/>
-              </a:lnSpc>
-              <a:spcBef>
-                <a:spcPts val="0"/>
-              </a:spcBef>
-              <a:spcAft>
-                <a:spcPts val="0"/>
-              </a:spcAft>
-              <a:buClrTx/>
-              <a:buSzTx/>
-              <a:buFontTx/>
-              <a:buNone/>
-              <a:tabLst/>
-              <a:defRPr/>
-            </a:pPr>
-            <a:endParaRPr lang="en-US" sz="1200" b="0" i="0" kern="1200" baseline="0" dirty="0" smtClean="0">
-              <a:solidFill>
-                <a:schemeClr val="tx1"/>
-              </a:solidFill>
-              <a:effectLst/>
-              <a:latin typeface="+mn-lt"/>
-              <a:ea typeface="+mn-ea"/>
-              <a:cs typeface="+mn-cs"/>
-              <a:sym typeface="Wingdings" panose="05000000000000000000" pitchFamily="2" charset="2"/>
-            </a:endParaRPr>
-          </a:p>
-          <a:p>
-            <a:pPr marL="0" marR="0" indent="0" algn="l" defTabSz="914400" rtl="0" eaLnBrk="1" fontAlgn="auto" latinLnBrk="0" hangingPunct="1">
-              <a:lnSpc>
-                <a:spcPct val="100000"/>
-              </a:lnSpc>
-              <a:spcBef>
-                <a:spcPts val="0"/>
-              </a:spcBef>
-              <a:spcAft>
-                <a:spcPts val="0"/>
-              </a:spcAft>
-              <a:buClrTx/>
-              <a:buSzTx/>
-              <a:buFontTx/>
-              <a:buNone/>
-              <a:tabLst/>
-              <a:defRPr/>
-            </a:pPr>
-            <a:endParaRPr lang="en-US" sz="1200" b="0" i="0" kern="1200" baseline="0" dirty="0" smtClean="0">
-              <a:solidFill>
-                <a:schemeClr val="tx1"/>
-              </a:solidFill>
-              <a:effectLst/>
-              <a:latin typeface="+mn-lt"/>
-              <a:ea typeface="+mn-ea"/>
-              <a:cs typeface="+mn-cs"/>
-              <a:sym typeface="Wingdings" panose="05000000000000000000" pitchFamily="2" charset="2"/>
-            </a:endParaRPr>
-          </a:p>
-          <a:p>
-            <a:pPr marL="0" marR="0" indent="0" algn="l" defTabSz="914400" rtl="0" eaLnBrk="1" fontAlgn="auto" latinLnBrk="0" hangingPunct="1">
-              <a:lnSpc>
-                <a:spcPct val="100000"/>
-              </a:lnSpc>
-              <a:spcBef>
-                <a:spcPts val="0"/>
-              </a:spcBef>
-              <a:spcAft>
-                <a:spcPts val="0"/>
-              </a:spcAft>
-              <a:buClrTx/>
-              <a:buSzTx/>
-              <a:buFontTx/>
-              <a:buNone/>
-              <a:tabLst/>
-              <a:defRPr/>
-            </a:pPr>
-            <a:endParaRPr lang="en-US" sz="1200" b="0" i="0" kern="1200" baseline="0" dirty="0" smtClean="0">
-              <a:solidFill>
-                <a:schemeClr val="tx1"/>
-              </a:solidFill>
-              <a:effectLst/>
-              <a:latin typeface="+mn-lt"/>
-              <a:ea typeface="+mn-ea"/>
-              <a:cs typeface="+mn-cs"/>
-              <a:sym typeface="Wingdings" panose="05000000000000000000" pitchFamily="2" charset="2"/>
-            </a:endParaRPr>
-          </a:p>
-          <a:p>
-            <a:pPr marL="0" marR="0" indent="0" algn="l" defTabSz="914400" rtl="0" eaLnBrk="1" fontAlgn="auto" latinLnBrk="0" hangingPunct="1">
-              <a:lnSpc>
-                <a:spcPct val="100000"/>
-              </a:lnSpc>
-              <a:spcBef>
-                <a:spcPts val="0"/>
-              </a:spcBef>
-              <a:spcAft>
-                <a:spcPts val="0"/>
-              </a:spcAft>
-              <a:buClrTx/>
-              <a:buSzTx/>
-              <a:buFontTx/>
-              <a:buNone/>
-              <a:tabLst/>
-              <a:defRPr/>
-            </a:pPr>
-            <a:endParaRPr lang="en-US" sz="1200" b="0" i="0" kern="1200" baseline="0" dirty="0" smtClean="0">
-              <a:solidFill>
-                <a:schemeClr val="tx1"/>
-              </a:solidFill>
-              <a:effectLst/>
-              <a:latin typeface="+mn-lt"/>
-              <a:ea typeface="+mn-ea"/>
-              <a:cs typeface="+mn-cs"/>
-              <a:sym typeface="Wingdings" panose="05000000000000000000" pitchFamily="2" charset="2"/>
-            </a:endParaRPr>
-          </a:p>
-          <a:p>
-            <a:pPr marL="0" marR="0" indent="0" algn="l" defTabSz="914400" rtl="0" eaLnBrk="1" fontAlgn="auto" latinLnBrk="0" hangingPunct="1">
-              <a:lnSpc>
-                <a:spcPct val="100000"/>
-              </a:lnSpc>
-              <a:spcBef>
-                <a:spcPts val="0"/>
-              </a:spcBef>
-              <a:spcAft>
-                <a:spcPts val="0"/>
-              </a:spcAft>
-              <a:buClrTx/>
-              <a:buSzTx/>
-              <a:buFontTx/>
-              <a:buNone/>
-              <a:tabLst/>
-              <a:defRPr/>
-            </a:pPr>
-            <a:endParaRPr lang="en-US" sz="1200" b="0" i="0" kern="1200" baseline="0" dirty="0" smtClean="0">
-              <a:solidFill>
-                <a:schemeClr val="tx1"/>
-              </a:solidFill>
-              <a:effectLst/>
-              <a:latin typeface="+mn-lt"/>
-              <a:ea typeface="+mn-ea"/>
-              <a:cs typeface="+mn-cs"/>
-              <a:sym typeface="Wingdings" panose="05000000000000000000" pitchFamily="2" charset="2"/>
-            </a:endParaRPr>
-          </a:p>
-          <a:p>
-            <a:pPr marL="0" marR="0" indent="0" algn="l" defTabSz="914400" rtl="0" eaLnBrk="1" fontAlgn="auto" latinLnBrk="0" hangingPunct="1">
-              <a:lnSpc>
-                <a:spcPct val="100000"/>
-              </a:lnSpc>
-              <a:spcBef>
-                <a:spcPts val="0"/>
-              </a:spcBef>
-              <a:spcAft>
-                <a:spcPts val="0"/>
-              </a:spcAft>
-              <a:buClrTx/>
-              <a:buSzTx/>
-              <a:buFontTx/>
-              <a:buNone/>
-              <a:tabLst/>
-              <a:defRPr/>
-            </a:pPr>
-            <a:endParaRPr lang="en-US" dirty="0" smtClean="0">
-              <a:effectLst/>
-              <a:latin typeface="Cambria"/>
-              <a:ea typeface="ＭＳ 明朝"/>
-              <a:cs typeface="Times New Roman"/>
-            </a:endParaRPr>
+              <a:rPr lang="en-US" b="1" dirty="0" smtClean="0"/>
+              <a:t>Subscribe</a:t>
+            </a:r>
+            <a:r>
+              <a:rPr lang="en-US" b="1" baseline="0" dirty="0" smtClean="0"/>
+              <a:t> always on the incoming data-stream !!!</a:t>
+            </a:r>
+            <a:endParaRPr lang="en-US" b="1" dirty="0" smtClean="0"/>
+          </a:p>
+          <a:p>
+            <a:endParaRPr lang="en-US" dirty="0"/>
           </a:p>
         </p:txBody>
       </p:sp>
       <p:sp>
         <p:nvSpPr>
-          <p:cNvPr id="4" name="Tijdelijke aanduiding voor dianummer 3"/>
+          <p:cNvPr id="4" name="Slide Number Placeholder 3"/>
           <p:cNvSpPr>
             <a:spLocks noGrp="1"/>
           </p:cNvSpPr>
@@ -3346,7 +2911,7 @@
           <a:p>
             <a:fld id="{59C059BC-4998-4873-8F2D-C8268E612536}" type="slidenum">
               <a:rPr lang="nl-NL" smtClean="0"/>
-              <a:t>27</a:t>
+              <a:t>28</a:t>
             </a:fld>
             <a:endParaRPr lang="nl-NL"/>
           </a:p>
@@ -3355,7 +2920,7 @@
     </p:spTree>
     <p:extLst>
       <p:ext uri="{BB962C8B-B14F-4D97-AF65-F5344CB8AC3E}">
-        <p14:creationId xmlns:p14="http://schemas.microsoft.com/office/powerpoint/2010/main" val="547972139"/>
+        <p14:creationId xmlns:p14="http://schemas.microsoft.com/office/powerpoint/2010/main" val="761643460"/>
       </p:ext>
     </p:extLst>
   </p:cSld>
@@ -4017,11 +3582,472 @@
           <a:bodyPr/>
           <a:lstStyle/>
           <a:p>
-            <a:r>
-              <a:rPr lang="nl-NL" b="1" dirty="0" smtClean="0"/>
-              <a:t>Alternatief voor $Scope  = DI !!!</a:t>
-            </a:r>
-            <a:endParaRPr lang="nl-NL" b="1" dirty="0"/>
+            <a:pPr marL="0" marR="0" indent="0" algn="l" defTabSz="914400" rtl="0" eaLnBrk="1" fontAlgn="auto" latinLnBrk="0" hangingPunct="1">
+              <a:lnSpc>
+                <a:spcPct val="100000"/>
+              </a:lnSpc>
+              <a:spcBef>
+                <a:spcPts val="0"/>
+              </a:spcBef>
+              <a:spcAft>
+                <a:spcPts val="0"/>
+              </a:spcAft>
+              <a:buClrTx/>
+              <a:buSzTx/>
+              <a:buFontTx/>
+              <a:buNone/>
+              <a:tabLst/>
+              <a:defRPr/>
+            </a:pPr>
+            <a:r>
+              <a:rPr lang="en-US" sz="1200" b="0" i="0" kern="1200" dirty="0" smtClean="0">
+                <a:solidFill>
+                  <a:schemeClr val="tx1"/>
+                </a:solidFill>
+                <a:effectLst/>
+                <a:latin typeface="+mn-lt"/>
+                <a:ea typeface="+mn-ea"/>
+                <a:cs typeface="+mn-cs"/>
+              </a:rPr>
+              <a:t>You </a:t>
+            </a:r>
+            <a:r>
+              <a:rPr lang="en-US" sz="1200" b="1" i="1" kern="1200" dirty="0" smtClean="0">
+                <a:solidFill>
+                  <a:schemeClr val="tx1"/>
+                </a:solidFill>
+                <a:effectLst/>
+                <a:latin typeface="+mn-lt"/>
+                <a:ea typeface="+mn-ea"/>
+                <a:cs typeface="+mn-cs"/>
+              </a:rPr>
+              <a:t>export</a:t>
+            </a:r>
+            <a:r>
+              <a:rPr lang="en-US" sz="1200" b="0" i="0" kern="1200" dirty="0" smtClean="0">
+                <a:solidFill>
+                  <a:schemeClr val="tx1"/>
+                </a:solidFill>
+                <a:effectLst/>
+                <a:latin typeface="+mn-lt"/>
+                <a:ea typeface="+mn-ea"/>
+                <a:cs typeface="+mn-cs"/>
+              </a:rPr>
+              <a:t> the </a:t>
+            </a:r>
+            <a:r>
+              <a:rPr lang="en-US" dirty="0" err="1" smtClean="0"/>
+              <a:t>AppService</a:t>
+            </a:r>
+            <a:r>
+              <a:rPr lang="en-US" sz="1200" b="0" i="0" kern="1200" dirty="0" smtClean="0">
+                <a:solidFill>
+                  <a:schemeClr val="tx1"/>
+                </a:solidFill>
+                <a:effectLst/>
+                <a:latin typeface="+mn-lt"/>
+                <a:ea typeface="+mn-ea"/>
+                <a:cs typeface="+mn-cs"/>
+              </a:rPr>
+              <a:t> class so that you can </a:t>
+            </a:r>
+            <a:r>
+              <a:rPr lang="en-US" sz="1200" b="0" i="1" kern="1200" dirty="0" smtClean="0">
+                <a:solidFill>
+                  <a:schemeClr val="tx1"/>
+                </a:solidFill>
+                <a:effectLst/>
+                <a:latin typeface="+mn-lt"/>
+                <a:ea typeface="+mn-ea"/>
+                <a:cs typeface="+mn-cs"/>
+              </a:rPr>
+              <a:t>import</a:t>
+            </a:r>
+            <a:r>
+              <a:rPr lang="en-US" sz="1200" b="0" i="0" kern="1200" dirty="0" smtClean="0">
+                <a:solidFill>
+                  <a:schemeClr val="tx1"/>
+                </a:solidFill>
+                <a:effectLst/>
+                <a:latin typeface="+mn-lt"/>
+                <a:ea typeface="+mn-ea"/>
+                <a:cs typeface="+mn-cs"/>
+              </a:rPr>
+              <a:t> it into the application that you just created.</a:t>
+            </a:r>
+          </a:p>
+          <a:p>
+            <a:pPr marL="0" marR="0" indent="0" algn="l" defTabSz="914400" rtl="0" eaLnBrk="1" fontAlgn="auto" latinLnBrk="0" hangingPunct="1">
+              <a:lnSpc>
+                <a:spcPct val="100000"/>
+              </a:lnSpc>
+              <a:spcBef>
+                <a:spcPts val="0"/>
+              </a:spcBef>
+              <a:spcAft>
+                <a:spcPts val="0"/>
+              </a:spcAft>
+              <a:buClrTx/>
+              <a:buSzTx/>
+              <a:buFontTx/>
+              <a:buNone/>
+              <a:tabLst/>
+              <a:defRPr/>
+            </a:pPr>
+            <a:endParaRPr lang="en-US" sz="1200" b="0" i="0" kern="1200" dirty="0" smtClean="0">
+              <a:solidFill>
+                <a:schemeClr val="tx1"/>
+              </a:solidFill>
+              <a:effectLst/>
+              <a:latin typeface="+mn-lt"/>
+              <a:ea typeface="+mn-ea"/>
+              <a:cs typeface="+mn-cs"/>
+            </a:endParaRPr>
+          </a:p>
+          <a:p>
+            <a:pPr marL="0" marR="0" indent="0" algn="l" defTabSz="914400" rtl="0" eaLnBrk="1" fontAlgn="auto" latinLnBrk="0" hangingPunct="1">
+              <a:lnSpc>
+                <a:spcPct val="100000"/>
+              </a:lnSpc>
+              <a:spcBef>
+                <a:spcPts val="0"/>
+              </a:spcBef>
+              <a:spcAft>
+                <a:spcPts val="0"/>
+              </a:spcAft>
+              <a:buClrTx/>
+              <a:buSzTx/>
+              <a:buFontTx/>
+              <a:buNone/>
+              <a:tabLst/>
+              <a:defRPr/>
+            </a:pPr>
+            <a:r>
+              <a:rPr lang="en-US" sz="1200" b="0" i="0" kern="1200" dirty="0" smtClean="0">
+                <a:solidFill>
+                  <a:schemeClr val="tx1"/>
+                </a:solidFill>
+                <a:effectLst/>
+                <a:latin typeface="+mn-lt"/>
+                <a:ea typeface="+mn-ea"/>
+                <a:cs typeface="+mn-cs"/>
+              </a:rPr>
+              <a:t>Use @Injectable</a:t>
+            </a:r>
+            <a:r>
+              <a:rPr lang="en-US" sz="1200" b="0" i="0" kern="1200" baseline="0" dirty="0" smtClean="0">
+                <a:solidFill>
+                  <a:schemeClr val="tx1"/>
+                </a:solidFill>
+                <a:effectLst/>
+                <a:latin typeface="+mn-lt"/>
+                <a:ea typeface="+mn-ea"/>
+                <a:cs typeface="+mn-cs"/>
+              </a:rPr>
+              <a:t> </a:t>
+            </a:r>
+            <a:r>
+              <a:rPr lang="en-US" sz="1200" b="0" i="0" kern="1200" baseline="0" dirty="0" smtClean="0">
+                <a:solidFill>
+                  <a:schemeClr val="tx1"/>
+                </a:solidFill>
+                <a:effectLst/>
+                <a:latin typeface="+mn-lt"/>
+                <a:ea typeface="+mn-ea"/>
+                <a:cs typeface="+mn-cs"/>
+                <a:sym typeface="Wingdings" panose="05000000000000000000" pitchFamily="2" charset="2"/>
+              </a:rPr>
+              <a:t>???</a:t>
+            </a:r>
+          </a:p>
+          <a:p>
+            <a:pPr marL="0" marR="0" indent="0" algn="l" defTabSz="914400" rtl="0" eaLnBrk="1" fontAlgn="auto" latinLnBrk="0" hangingPunct="1">
+              <a:lnSpc>
+                <a:spcPct val="100000"/>
+              </a:lnSpc>
+              <a:spcBef>
+                <a:spcPts val="0"/>
+              </a:spcBef>
+              <a:spcAft>
+                <a:spcPts val="0"/>
+              </a:spcAft>
+              <a:buClrTx/>
+              <a:buSzTx/>
+              <a:buFontTx/>
+              <a:buNone/>
+              <a:tabLst/>
+              <a:defRPr/>
+            </a:pPr>
+            <a:endParaRPr lang="en-US" sz="1200" b="0" i="0" kern="1200" baseline="0" dirty="0" smtClean="0">
+              <a:solidFill>
+                <a:schemeClr val="tx1"/>
+              </a:solidFill>
+              <a:effectLst/>
+              <a:latin typeface="+mn-lt"/>
+              <a:ea typeface="+mn-ea"/>
+              <a:cs typeface="+mn-cs"/>
+              <a:sym typeface="Wingdings" panose="05000000000000000000" pitchFamily="2" charset="2"/>
+            </a:endParaRPr>
+          </a:p>
+          <a:p>
+            <a:pPr marL="0" marR="0" indent="0" algn="l" defTabSz="914400" rtl="0" eaLnBrk="1" fontAlgn="auto" latinLnBrk="0" hangingPunct="1">
+              <a:lnSpc>
+                <a:spcPct val="100000"/>
+              </a:lnSpc>
+              <a:spcBef>
+                <a:spcPts val="0"/>
+              </a:spcBef>
+              <a:spcAft>
+                <a:spcPts val="0"/>
+              </a:spcAft>
+              <a:buClrTx/>
+              <a:buSzTx/>
+              <a:buFontTx/>
+              <a:buNone/>
+              <a:tabLst/>
+              <a:defRPr/>
+            </a:pPr>
+            <a:r>
+              <a:rPr lang="en-US" sz="1200" b="0" i="0" kern="1200" baseline="0" dirty="0" smtClean="0">
+                <a:solidFill>
+                  <a:schemeClr val="tx1"/>
+                </a:solidFill>
+                <a:effectLst/>
+                <a:latin typeface="+mn-lt"/>
+                <a:ea typeface="+mn-ea"/>
+                <a:cs typeface="+mn-cs"/>
+                <a:sym typeface="Wingdings" panose="05000000000000000000" pitchFamily="2" charset="2"/>
+              </a:rPr>
+              <a:t>Use Observable!!!</a:t>
+            </a:r>
+          </a:p>
+          <a:p>
+            <a:pPr marL="0" marR="0" indent="0" algn="l" defTabSz="914400" rtl="0" eaLnBrk="1" fontAlgn="auto" latinLnBrk="0" hangingPunct="1">
+              <a:lnSpc>
+                <a:spcPct val="100000"/>
+              </a:lnSpc>
+              <a:spcBef>
+                <a:spcPts val="0"/>
+              </a:spcBef>
+              <a:spcAft>
+                <a:spcPts val="0"/>
+              </a:spcAft>
+              <a:buClrTx/>
+              <a:buSzTx/>
+              <a:buFontTx/>
+              <a:buNone/>
+              <a:tabLst/>
+              <a:defRPr/>
+            </a:pPr>
+            <a:endParaRPr lang="en-US" sz="1200" b="0" i="0" kern="1200" baseline="0" dirty="0" smtClean="0">
+              <a:solidFill>
+                <a:schemeClr val="tx1"/>
+              </a:solidFill>
+              <a:effectLst/>
+              <a:latin typeface="+mn-lt"/>
+              <a:ea typeface="+mn-ea"/>
+              <a:cs typeface="+mn-cs"/>
+              <a:sym typeface="Wingdings" panose="05000000000000000000" pitchFamily="2" charset="2"/>
+            </a:endParaRPr>
+          </a:p>
+          <a:p>
+            <a:pPr marL="0" marR="0" indent="0" algn="l" defTabSz="914400" rtl="0" eaLnBrk="1" fontAlgn="auto" latinLnBrk="0" hangingPunct="1">
+              <a:lnSpc>
+                <a:spcPct val="100000"/>
+              </a:lnSpc>
+              <a:spcBef>
+                <a:spcPts val="0"/>
+              </a:spcBef>
+              <a:spcAft>
+                <a:spcPts val="0"/>
+              </a:spcAft>
+              <a:buClrTx/>
+              <a:buSzTx/>
+              <a:buFontTx/>
+              <a:buNone/>
+              <a:tabLst/>
+              <a:defRPr/>
+            </a:pPr>
+            <a:endParaRPr lang="en-US" sz="1200" b="0" i="0" kern="1200" baseline="0" dirty="0" smtClean="0">
+              <a:solidFill>
+                <a:schemeClr val="tx1"/>
+              </a:solidFill>
+              <a:effectLst/>
+              <a:latin typeface="+mn-lt"/>
+              <a:ea typeface="+mn-ea"/>
+              <a:cs typeface="+mn-cs"/>
+              <a:sym typeface="Wingdings" panose="05000000000000000000" pitchFamily="2" charset="2"/>
+            </a:endParaRPr>
+          </a:p>
+          <a:p>
+            <a:pPr marL="0" marR="0" indent="0" algn="l" defTabSz="914400" rtl="0" eaLnBrk="1" fontAlgn="auto" latinLnBrk="0" hangingPunct="1">
+              <a:lnSpc>
+                <a:spcPct val="100000"/>
+              </a:lnSpc>
+              <a:spcBef>
+                <a:spcPts val="0"/>
+              </a:spcBef>
+              <a:spcAft>
+                <a:spcPts val="0"/>
+              </a:spcAft>
+              <a:buClrTx/>
+              <a:buSzTx/>
+              <a:buFontTx/>
+              <a:buNone/>
+              <a:tabLst/>
+              <a:defRPr/>
+            </a:pPr>
+            <a:endParaRPr lang="en-US" sz="1200" b="0" i="0" kern="1200" baseline="0" dirty="0" smtClean="0">
+              <a:solidFill>
+                <a:schemeClr val="tx1"/>
+              </a:solidFill>
+              <a:effectLst/>
+              <a:latin typeface="+mn-lt"/>
+              <a:ea typeface="+mn-ea"/>
+              <a:cs typeface="+mn-cs"/>
+              <a:sym typeface="Wingdings" panose="05000000000000000000" pitchFamily="2" charset="2"/>
+            </a:endParaRPr>
+          </a:p>
+          <a:p>
+            <a:pPr marL="0" marR="0" indent="0" algn="l" defTabSz="914400" rtl="0" eaLnBrk="1" fontAlgn="auto" latinLnBrk="0" hangingPunct="1">
+              <a:lnSpc>
+                <a:spcPct val="100000"/>
+              </a:lnSpc>
+              <a:spcBef>
+                <a:spcPts val="0"/>
+              </a:spcBef>
+              <a:spcAft>
+                <a:spcPts val="0"/>
+              </a:spcAft>
+              <a:buClrTx/>
+              <a:buSzTx/>
+              <a:buFontTx/>
+              <a:buNone/>
+              <a:tabLst/>
+              <a:defRPr/>
+            </a:pPr>
+            <a:endParaRPr lang="en-US" sz="1200" b="0" i="0" kern="1200" baseline="0" dirty="0" smtClean="0">
+              <a:solidFill>
+                <a:schemeClr val="tx1"/>
+              </a:solidFill>
+              <a:effectLst/>
+              <a:latin typeface="+mn-lt"/>
+              <a:ea typeface="+mn-ea"/>
+              <a:cs typeface="+mn-cs"/>
+              <a:sym typeface="Wingdings" panose="05000000000000000000" pitchFamily="2" charset="2"/>
+            </a:endParaRPr>
+          </a:p>
+          <a:p>
+            <a:pPr marL="0" marR="0" indent="0" algn="l" defTabSz="914400" rtl="0" eaLnBrk="1" fontAlgn="auto" latinLnBrk="0" hangingPunct="1">
+              <a:lnSpc>
+                <a:spcPct val="100000"/>
+              </a:lnSpc>
+              <a:spcBef>
+                <a:spcPts val="0"/>
+              </a:spcBef>
+              <a:spcAft>
+                <a:spcPts val="0"/>
+              </a:spcAft>
+              <a:buClrTx/>
+              <a:buSzTx/>
+              <a:buFontTx/>
+              <a:buNone/>
+              <a:tabLst/>
+              <a:defRPr/>
+            </a:pPr>
+            <a:endParaRPr lang="en-US" sz="1200" b="0" i="0" kern="1200" baseline="0" dirty="0" smtClean="0">
+              <a:solidFill>
+                <a:schemeClr val="tx1"/>
+              </a:solidFill>
+              <a:effectLst/>
+              <a:latin typeface="+mn-lt"/>
+              <a:ea typeface="+mn-ea"/>
+              <a:cs typeface="+mn-cs"/>
+              <a:sym typeface="Wingdings" panose="05000000000000000000" pitchFamily="2" charset="2"/>
+            </a:endParaRPr>
+          </a:p>
+          <a:p>
+            <a:pPr marL="0" marR="0" indent="0" algn="l" defTabSz="914400" rtl="0" eaLnBrk="1" fontAlgn="auto" latinLnBrk="0" hangingPunct="1">
+              <a:lnSpc>
+                <a:spcPct val="100000"/>
+              </a:lnSpc>
+              <a:spcBef>
+                <a:spcPts val="0"/>
+              </a:spcBef>
+              <a:spcAft>
+                <a:spcPts val="0"/>
+              </a:spcAft>
+              <a:buClrTx/>
+              <a:buSzTx/>
+              <a:buFontTx/>
+              <a:buNone/>
+              <a:tabLst/>
+              <a:defRPr/>
+            </a:pPr>
+            <a:endParaRPr lang="en-US" sz="1200" b="0" i="0" kern="1200" baseline="0" dirty="0" smtClean="0">
+              <a:solidFill>
+                <a:schemeClr val="tx1"/>
+              </a:solidFill>
+              <a:effectLst/>
+              <a:latin typeface="+mn-lt"/>
+              <a:ea typeface="+mn-ea"/>
+              <a:cs typeface="+mn-cs"/>
+              <a:sym typeface="Wingdings" panose="05000000000000000000" pitchFamily="2" charset="2"/>
+            </a:endParaRPr>
+          </a:p>
+          <a:p>
+            <a:pPr marL="0" marR="0" indent="0" algn="l" defTabSz="914400" rtl="0" eaLnBrk="1" fontAlgn="auto" latinLnBrk="0" hangingPunct="1">
+              <a:lnSpc>
+                <a:spcPct val="100000"/>
+              </a:lnSpc>
+              <a:spcBef>
+                <a:spcPts val="0"/>
+              </a:spcBef>
+              <a:spcAft>
+                <a:spcPts val="0"/>
+              </a:spcAft>
+              <a:buClrTx/>
+              <a:buSzTx/>
+              <a:buFontTx/>
+              <a:buNone/>
+              <a:tabLst/>
+              <a:defRPr/>
+            </a:pPr>
+            <a:endParaRPr lang="en-US" sz="1200" b="0" i="0" kern="1200" baseline="0" dirty="0" smtClean="0">
+              <a:solidFill>
+                <a:schemeClr val="tx1"/>
+              </a:solidFill>
+              <a:effectLst/>
+              <a:latin typeface="+mn-lt"/>
+              <a:ea typeface="+mn-ea"/>
+              <a:cs typeface="+mn-cs"/>
+              <a:sym typeface="Wingdings" panose="05000000000000000000" pitchFamily="2" charset="2"/>
+            </a:endParaRPr>
+          </a:p>
+          <a:p>
+            <a:pPr marL="0" marR="0" indent="0" algn="l" defTabSz="914400" rtl="0" eaLnBrk="1" fontAlgn="auto" latinLnBrk="0" hangingPunct="1">
+              <a:lnSpc>
+                <a:spcPct val="100000"/>
+              </a:lnSpc>
+              <a:spcBef>
+                <a:spcPts val="0"/>
+              </a:spcBef>
+              <a:spcAft>
+                <a:spcPts val="0"/>
+              </a:spcAft>
+              <a:buClrTx/>
+              <a:buSzTx/>
+              <a:buFontTx/>
+              <a:buNone/>
+              <a:tabLst/>
+              <a:defRPr/>
+            </a:pPr>
+            <a:endParaRPr lang="en-US" dirty="0" smtClean="0">
+              <a:effectLst/>
+              <a:latin typeface="Cambria"/>
+              <a:ea typeface="ＭＳ 明朝"/>
+              <a:cs typeface="Times New Roman"/>
+            </a:endParaRPr>
           </a:p>
         </p:txBody>
       </p:sp>
@@ -4051,7 +4077,7 @@
     </p:spTree>
     <p:extLst>
       <p:ext uri="{BB962C8B-B14F-4D97-AF65-F5344CB8AC3E}">
-        <p14:creationId xmlns:p14="http://schemas.microsoft.com/office/powerpoint/2010/main" val="131180034"/>
+        <p14:creationId xmlns:p14="http://schemas.microsoft.com/office/powerpoint/2010/main" val="547972139"/>
       </p:ext>
     </p:extLst>
   </p:cSld>
@@ -4154,7 +4180,7 @@
           <a:p>
             <a:fld id="{59C059BC-4998-4873-8F2D-C8268E612536}" type="slidenum">
               <a:rPr lang="nl-NL" smtClean="0"/>
-              <a:t>30</a:t>
+              <a:t>31</a:t>
             </a:fld>
             <a:endParaRPr lang="nl-NL"/>
           </a:p>
@@ -4174,6 +4200,94 @@
 </file>
 
 <file path=ppt/notesSlides/notesSlide22.xml><?xml version="1.0" encoding="utf-8"?>
+<p:notes xmlns:a="http://schemas.openxmlformats.org/drawingml/2006/main" xmlns:r="http://schemas.openxmlformats.org/officeDocument/2006/relationships" xmlns:p="http://schemas.openxmlformats.org/presentationml/2006/main">
+  <p:cSld>
+    <p:spTree>
+      <p:nvGrpSpPr>
+        <p:cNvPr id="1" name=""/>
+        <p:cNvGrpSpPr/>
+        <p:nvPr/>
+      </p:nvGrpSpPr>
+      <p:grpSpPr>
+        <a:xfrm>
+          <a:off x="0" y="0"/>
+          <a:ext cx="0" cy="0"/>
+          <a:chOff x="0" y="0"/>
+          <a:chExt cx="0" cy="0"/>
+        </a:xfrm>
+      </p:grpSpPr>
+      <p:sp>
+        <p:nvSpPr>
+          <p:cNvPr id="2" name="Tijdelijke aanduiding voor dia-afbeelding 1"/>
+          <p:cNvSpPr>
+            <a:spLocks noGrp="1" noRot="1" noChangeAspect="1"/>
+          </p:cNvSpPr>
+          <p:nvPr>
+            <p:ph type="sldImg"/>
+          </p:nvPr>
+        </p:nvSpPr>
+        <p:spPr/>
+      </p:sp>
+      <p:sp>
+        <p:nvSpPr>
+          <p:cNvPr id="3" name="Tijdelijke aanduiding voor notities 2"/>
+          <p:cNvSpPr>
+            <a:spLocks noGrp="1"/>
+          </p:cNvSpPr>
+          <p:nvPr>
+            <p:ph type="body" idx="1"/>
+          </p:nvPr>
+        </p:nvSpPr>
+        <p:spPr/>
+        <p:txBody>
+          <a:bodyPr/>
+          <a:lstStyle/>
+          <a:p>
+            <a:r>
+              <a:rPr lang="nl-NL" b="1" dirty="0" smtClean="0"/>
+              <a:t>Alternatief voor $Scope  = DI !!!</a:t>
+            </a:r>
+            <a:endParaRPr lang="nl-NL" b="1" dirty="0"/>
+          </a:p>
+        </p:txBody>
+      </p:sp>
+      <p:sp>
+        <p:nvSpPr>
+          <p:cNvPr id="4" name="Tijdelijke aanduiding voor dianummer 3"/>
+          <p:cNvSpPr>
+            <a:spLocks noGrp="1"/>
+          </p:cNvSpPr>
+          <p:nvPr>
+            <p:ph type="sldNum" sz="quarter" idx="10"/>
+          </p:nvPr>
+        </p:nvSpPr>
+        <p:spPr/>
+        <p:txBody>
+          <a:bodyPr/>
+          <a:lstStyle/>
+          <a:p>
+            <a:fld id="{59C059BC-4998-4873-8F2D-C8268E612536}" type="slidenum">
+              <a:rPr lang="nl-NL" smtClean="0"/>
+              <a:t>32</a:t>
+            </a:fld>
+            <a:endParaRPr lang="nl-NL"/>
+          </a:p>
+        </p:txBody>
+      </p:sp>
+    </p:spTree>
+    <p:extLst>
+      <p:ext uri="{BB962C8B-B14F-4D97-AF65-F5344CB8AC3E}">
+        <p14:creationId xmlns:p14="http://schemas.microsoft.com/office/powerpoint/2010/main" val="131180034"/>
+      </p:ext>
+    </p:extLst>
+  </p:cSld>
+  <p:clrMapOvr>
+    <a:masterClrMapping/>
+  </p:clrMapOvr>
+</p:notes>
+</file>
+
+<file path=ppt/notesSlides/notesSlide23.xml><?xml version="1.0" encoding="utf-8"?>
 <p:notes xmlns:a="http://schemas.openxmlformats.org/drawingml/2006/main" xmlns:r="http://schemas.openxmlformats.org/officeDocument/2006/relationships" xmlns:p="http://schemas.openxmlformats.org/presentationml/2006/main">
   <p:cSld>
     <p:spTree>
@@ -4238,7 +4352,7 @@
           <a:p>
             <a:fld id="{59C059BC-4998-4873-8F2D-C8268E612536}" type="slidenum">
               <a:rPr lang="nl-NL" smtClean="0"/>
-              <a:t>31</a:t>
+              <a:t>33</a:t>
             </a:fld>
             <a:endParaRPr lang="nl-NL"/>
           </a:p>
@@ -13096,7 +13210,7 @@
         <p:spPr>
           <a:xfrm>
             <a:off x="1831012" y="2086104"/>
-            <a:ext cx="8529975" cy="4385816"/>
+            <a:ext cx="8529975" cy="4939814"/>
           </a:xfrm>
           <a:prstGeom prst="rect">
             <a:avLst/>
@@ -13303,6 +13417,14 @@
           </a:p>
           <a:p>
             <a:pPr algn="ctr"/>
+            <a:endParaRPr lang="nl-NL" sz="2400" b="1" dirty="0" smtClean="0">
+              <a:solidFill>
+                <a:srgbClr val="C00000"/>
+              </a:solidFill>
+            </a:endParaRPr>
+          </a:p>
+          <a:p>
+            <a:pPr algn="ctr"/>
             <a:endParaRPr lang="nl-NL" sz="2400" dirty="0">
               <a:solidFill>
                 <a:srgbClr val="C00000"/>
@@ -13312,7 +13434,7 @@
           <a:p>
             <a:pPr algn="ctr"/>
             <a:r>
-              <a:rPr lang="nl-NL" sz="2400" b="1" dirty="0" err="1" smtClean="0">
+              <a:rPr lang="nl-NL" sz="3600" b="1" dirty="0" err="1" smtClean="0">
                 <a:solidFill>
                   <a:srgbClr val="FF0000"/>
                 </a:solidFill>
@@ -13320,7 +13442,7 @@
               <a:t>Promises</a:t>
             </a:r>
             <a:r>
-              <a:rPr lang="nl-NL" sz="2400" b="1" dirty="0" smtClean="0">
+              <a:rPr lang="nl-NL" sz="3600" b="1" dirty="0" smtClean="0">
                 <a:solidFill>
                   <a:srgbClr val="FF0000"/>
                 </a:solidFill>
@@ -13328,7 +13450,7 @@
               <a:t> </a:t>
             </a:r>
             <a:r>
-              <a:rPr lang="nl-NL" sz="2400" b="1" dirty="0" smtClean="0">
+              <a:rPr lang="nl-NL" sz="3600" b="1" dirty="0" smtClean="0">
                 <a:solidFill>
                   <a:schemeClr val="accent6">
                     <a:lumMod val="50000"/>
@@ -13338,7 +13460,7 @@
               <a:t>versus</a:t>
             </a:r>
             <a:r>
-              <a:rPr lang="nl-NL" sz="2400" b="1" dirty="0" smtClean="0">
+              <a:rPr lang="nl-NL" sz="3600" b="1" dirty="0" smtClean="0">
                 <a:solidFill>
                   <a:srgbClr val="FF0000"/>
                 </a:solidFill>
@@ -13346,14 +13468,14 @@
               <a:t> </a:t>
             </a:r>
             <a:r>
-              <a:rPr lang="nl-NL" sz="2400" b="1" dirty="0" err="1" smtClean="0">
+              <a:rPr lang="nl-NL" sz="3600" b="1" dirty="0" err="1" smtClean="0">
                 <a:solidFill>
                   <a:srgbClr val="FF0000"/>
                 </a:solidFill>
               </a:rPr>
               <a:t>Observable</a:t>
             </a:r>
-            <a:endParaRPr lang="nl-NL" sz="2400" b="1" dirty="0" smtClean="0">
+            <a:endParaRPr lang="nl-NL" sz="3600" b="1" dirty="0" smtClean="0">
               <a:solidFill>
                 <a:srgbClr val="FF0000"/>
               </a:solidFill>
@@ -15858,12 +15980,23 @@
               <a:rPr lang="nl-NL" sz="2400" dirty="0" smtClean="0">
                 <a:sym typeface="Wingdings"/>
               </a:rPr>
-              <a:t>(x)</a:t>
+              <a:t>(x</a:t>
+            </a:r>
+            <a:r>
+              <a:rPr lang="nl-NL" sz="2400" dirty="0" smtClean="0">
+                <a:sym typeface="Wingdings"/>
+              </a:rPr>
+              <a:t>)</a:t>
             </a:r>
             <a:r>
               <a:rPr lang="nl-NL" sz="2400" dirty="0" smtClean="0"/>
-              <a:t>)</a:t>
-            </a:r>
+              <a:t>)      </a:t>
+            </a:r>
+            <a:r>
+              <a:rPr lang="nl-NL" sz="2400" b="1" i="1" dirty="0" smtClean="0"/>
+              <a:t>// succes!</a:t>
+            </a:r>
+            <a:endParaRPr lang="nl-NL" sz="2400" b="1" i="1" dirty="0" smtClean="0"/>
           </a:p>
           <a:p>
             <a:pPr algn="ctr"/>
@@ -15893,9 +16026,17 @@
             </a:r>
             <a:r>
               <a:rPr lang="nl-NL" sz="2400" dirty="0" smtClean="0"/>
-              <a:t>(error))</a:t>
-            </a:r>
-            <a:endParaRPr lang="nl-NL" sz="2400" dirty="0"/>
+              <a:t>(error</a:t>
+            </a:r>
+            <a:r>
+              <a:rPr lang="nl-NL" sz="2400" dirty="0" smtClean="0"/>
+              <a:t>))    </a:t>
+            </a:r>
+            <a:r>
+              <a:rPr lang="nl-NL" sz="2400" b="1" i="1" dirty="0" smtClean="0"/>
+              <a:t>// error!</a:t>
+            </a:r>
+            <a:endParaRPr lang="nl-NL" sz="2400" b="1" i="1" dirty="0"/>
           </a:p>
           <a:p>
             <a:pPr algn="ctr"/>
@@ -16545,7 +16686,7 @@
             <a:r>
               <a:rPr lang="nl-NL" sz="1200" b="1" dirty="0" err="1" smtClean="0">
                 <a:solidFill>
-                  <a:srgbClr val="FFC000"/>
+                  <a:srgbClr val="C00000"/>
                 </a:solidFill>
               </a:rPr>
               <a:t>Promise</a:t>
@@ -17526,202 +17667,374 @@
           <a:p>
             <a:pPr algn="ctr"/>
             <a:r>
-              <a:rPr lang="en-US" b="1" dirty="0" smtClean="0">
+              <a:rPr lang="nl-NL" b="1" dirty="0" err="1" smtClean="0">
                 <a:solidFill>
                   <a:srgbClr val="FFC000"/>
                 </a:solidFill>
               </a:rPr>
-              <a:t>Observable </a:t>
-            </a:r>
-            <a:endParaRPr lang="en-US" b="1" dirty="0">
-              <a:solidFill>
-                <a:srgbClr val="FFC000"/>
-              </a:solidFill>
-            </a:endParaRPr>
+              <a:t>Use</a:t>
+            </a:r>
+            <a:r>
+              <a:rPr lang="nl-NL" b="1" dirty="0" smtClean="0">
+                <a:solidFill>
+                  <a:srgbClr val="FFC000"/>
+                </a:solidFill>
+              </a:rPr>
+              <a:t> the </a:t>
+            </a:r>
+            <a:r>
+              <a:rPr lang="nl-NL" b="1" dirty="0" err="1" smtClean="0">
+                <a:solidFill>
+                  <a:srgbClr val="FFC000"/>
+                </a:solidFill>
+              </a:rPr>
+              <a:t>AppService</a:t>
+            </a:r>
+            <a:r>
+              <a:rPr lang="nl-NL" b="1" dirty="0" smtClean="0">
+                <a:solidFill>
+                  <a:srgbClr val="FFC000"/>
+                </a:solidFill>
+              </a:rPr>
+              <a:t> in </a:t>
+            </a:r>
+            <a:r>
+              <a:rPr lang="nl-NL" b="1" dirty="0" err="1" smtClean="0">
+                <a:solidFill>
+                  <a:srgbClr val="FFC000"/>
+                </a:solidFill>
+              </a:rPr>
+              <a:t>your</a:t>
+            </a:r>
+            <a:r>
+              <a:rPr lang="nl-NL" b="1" dirty="0" smtClean="0">
+                <a:solidFill>
+                  <a:srgbClr val="FFC000"/>
+                </a:solidFill>
+              </a:rPr>
+              <a:t> </a:t>
+            </a:r>
+            <a:r>
+              <a:rPr lang="nl-NL" b="1" dirty="0" err="1" smtClean="0">
+                <a:solidFill>
+                  <a:srgbClr val="FFC000"/>
+                </a:solidFill>
+              </a:rPr>
+              <a:t>BooksComponent</a:t>
+            </a:r>
+            <a:endParaRPr lang="nl-NL" dirty="0"/>
           </a:p>
         </p:txBody>
       </p:sp>
       <p:sp>
         <p:nvSpPr>
-          <p:cNvPr id="3" name="Прямоугольник 2"/>
-          <p:cNvSpPr/>
-          <p:nvPr/>
+          <p:cNvPr id="3" name="Content Placeholder 2"/>
+          <p:cNvSpPr>
+            <a:spLocks noGrp="1"/>
+          </p:cNvSpPr>
+          <p:nvPr>
+            <p:ph idx="1"/>
+          </p:nvPr>
         </p:nvSpPr>
         <p:spPr>
           <a:xfrm>
-            <a:off x="1831012" y="1690688"/>
-            <a:ext cx="8529975" cy="4201150"/>
+            <a:off x="2977978" y="1804086"/>
+            <a:ext cx="8375822" cy="4372877"/>
           </a:xfrm>
-          <a:prstGeom prst="rect">
-            <a:avLst/>
-          </a:prstGeom>
         </p:spPr>
         <p:txBody>
-          <a:bodyPr wrap="square">
-            <a:spAutoFit/>
+          <a:bodyPr>
+            <a:normAutofit/>
           </a:bodyPr>
           <a:lstStyle/>
           <a:p>
-            <a:pPr algn="ctr"/>
-            <a:endParaRPr lang="nl-NL" sz="2400" dirty="0"/>
-          </a:p>
-          <a:p>
-            <a:pPr algn="ctr"/>
-            <a:endParaRPr lang="nl-NL" sz="2400" dirty="0"/>
-          </a:p>
-          <a:p>
-            <a:pPr algn="ctr"/>
-            <a:endParaRPr lang="nl-NL" sz="2400" dirty="0"/>
-          </a:p>
-          <a:p>
-            <a:pPr algn="ctr"/>
-            <a:endParaRPr lang="nl-NL" sz="2400" b="1" dirty="0"/>
-          </a:p>
-          <a:p>
-            <a:pPr algn="ctr"/>
-            <a:endParaRPr lang="nl-NL" sz="2400" dirty="0" smtClean="0"/>
-          </a:p>
-          <a:p>
-            <a:pPr algn="ctr"/>
-            <a:endParaRPr lang="nl-NL" sz="2400" dirty="0"/>
-          </a:p>
-          <a:p>
-            <a:pPr algn="ctr"/>
-            <a:endParaRPr lang="nl-NL" sz="2400" dirty="0"/>
-          </a:p>
-          <a:p>
-            <a:pPr algn="ctr"/>
-            <a:endParaRPr lang="nl-NL" sz="2400" dirty="0"/>
-          </a:p>
-          <a:p>
-            <a:pPr>
-              <a:lnSpc>
-                <a:spcPts val="1800"/>
-              </a:lnSpc>
-              <a:spcAft>
-                <a:spcPts val="1800"/>
-              </a:spcAft>
-              <a:tabLst>
-                <a:tab pos="581660" algn="l"/>
-                <a:tab pos="1163320" algn="l"/>
-                <a:tab pos="1744980" algn="l"/>
-                <a:tab pos="2326640" algn="l"/>
-                <a:tab pos="2908300" algn="l"/>
-                <a:tab pos="3489960" algn="l"/>
-                <a:tab pos="4071620" algn="l"/>
-                <a:tab pos="4653280" algn="l"/>
-                <a:tab pos="5234940" algn="l"/>
-                <a:tab pos="5816600" algn="l"/>
-                <a:tab pos="6398260" algn="l"/>
-                <a:tab pos="6979920" algn="l"/>
-                <a:tab pos="7561580" algn="l"/>
-                <a:tab pos="8143240" algn="l"/>
-                <a:tab pos="8724900" algn="l"/>
-                <a:tab pos="9306560" algn="l"/>
-              </a:tabLst>
-            </a:pPr>
-            <a:endParaRPr lang="nl-NL" sz="2400" b="1" dirty="0" smtClean="0">
-              <a:latin typeface="Calibri" panose="020F0502020204030204" pitchFamily="34" charset="0"/>
-              <a:ea typeface="ＭＳ 明朝"/>
-              <a:cs typeface="Courier"/>
-            </a:endParaRPr>
-          </a:p>
-          <a:p>
-            <a:pPr>
-              <a:lnSpc>
-                <a:spcPts val="1800"/>
-              </a:lnSpc>
-              <a:spcAft>
-                <a:spcPts val="1800"/>
-              </a:spcAft>
-              <a:tabLst>
-                <a:tab pos="581660" algn="l"/>
-                <a:tab pos="1163320" algn="l"/>
-                <a:tab pos="1744980" algn="l"/>
-                <a:tab pos="2326640" algn="l"/>
-                <a:tab pos="2908300" algn="l"/>
-                <a:tab pos="3489960" algn="l"/>
-                <a:tab pos="4071620" algn="l"/>
-                <a:tab pos="4653280" algn="l"/>
-                <a:tab pos="5234940" algn="l"/>
-                <a:tab pos="5816600" algn="l"/>
-                <a:tab pos="6398260" algn="l"/>
-                <a:tab pos="6979920" algn="l"/>
-                <a:tab pos="7561580" algn="l"/>
-                <a:tab pos="8143240" algn="l"/>
-                <a:tab pos="8724900" algn="l"/>
-                <a:tab pos="9306560" algn="l"/>
-              </a:tabLst>
-            </a:pPr>
-            <a:endParaRPr lang="nl-NL" sz="2400" b="1" dirty="0" smtClean="0">
-              <a:latin typeface="Calibri" panose="020F0502020204030204" pitchFamily="34" charset="0"/>
-              <a:ea typeface="ＭＳ 明朝"/>
-              <a:cs typeface="Courier"/>
-            </a:endParaRPr>
-          </a:p>
-          <a:p>
-            <a:pPr>
-              <a:lnSpc>
-                <a:spcPts val="1800"/>
-              </a:lnSpc>
-              <a:spcAft>
-                <a:spcPts val="1800"/>
-              </a:spcAft>
-              <a:tabLst>
-                <a:tab pos="581660" algn="l"/>
-                <a:tab pos="1163320" algn="l"/>
-                <a:tab pos="1744980" algn="l"/>
-                <a:tab pos="2326640" algn="l"/>
-                <a:tab pos="2908300" algn="l"/>
-                <a:tab pos="3489960" algn="l"/>
-                <a:tab pos="4071620" algn="l"/>
-                <a:tab pos="4653280" algn="l"/>
-                <a:tab pos="5234940" algn="l"/>
-                <a:tab pos="5816600" algn="l"/>
-                <a:tab pos="6398260" algn="l"/>
-                <a:tab pos="6979920" algn="l"/>
-                <a:tab pos="7561580" algn="l"/>
-                <a:tab pos="8143240" algn="l"/>
-                <a:tab pos="8724900" algn="l"/>
-                <a:tab pos="9306560" algn="l"/>
-              </a:tabLst>
-            </a:pPr>
-            <a:endParaRPr lang="en-US" sz="2400" b="1" dirty="0">
-              <a:latin typeface="Calibri" panose="020F0502020204030204" pitchFamily="34" charset="0"/>
-              <a:ea typeface="ＭＳ 明朝"/>
-              <a:cs typeface="Times New Roman"/>
-            </a:endParaRPr>
+            <a:pPr marL="0" indent="0">
+              <a:buNone/>
+            </a:pPr>
+            <a:endParaRPr lang="nl-NL" dirty="0" smtClean="0"/>
+          </a:p>
+          <a:p>
+            <a:pPr marL="0" indent="0">
+              <a:buNone/>
+            </a:pPr>
+            <a:r>
+              <a:rPr lang="nl-NL" sz="1800" dirty="0" smtClean="0">
+                <a:solidFill>
+                  <a:srgbClr val="FF0000"/>
+                </a:solidFill>
+              </a:rPr>
+              <a:t>Import { </a:t>
+            </a:r>
+            <a:r>
+              <a:rPr lang="nl-NL" sz="1800" b="1" dirty="0" err="1">
+                <a:solidFill>
+                  <a:srgbClr val="C00000"/>
+                </a:solidFill>
+              </a:rPr>
+              <a:t>AppService</a:t>
+            </a:r>
+            <a:r>
+              <a:rPr lang="nl-NL" sz="1800" dirty="0">
+                <a:solidFill>
+                  <a:srgbClr val="C00000"/>
+                </a:solidFill>
+              </a:rPr>
+              <a:t> </a:t>
+            </a:r>
+            <a:r>
+              <a:rPr lang="nl-NL" sz="1800" dirty="0">
+                <a:solidFill>
+                  <a:srgbClr val="FF0000"/>
+                </a:solidFill>
+              </a:rPr>
+              <a:t>} </a:t>
+            </a:r>
+            <a:r>
+              <a:rPr lang="nl-NL" sz="1800" dirty="0" err="1">
+                <a:solidFill>
+                  <a:srgbClr val="FF0000"/>
+                </a:solidFill>
+              </a:rPr>
+              <a:t>from</a:t>
+            </a:r>
+            <a:r>
+              <a:rPr lang="nl-NL" sz="1800" dirty="0">
+                <a:solidFill>
+                  <a:srgbClr val="FF0000"/>
+                </a:solidFill>
+              </a:rPr>
+              <a:t> </a:t>
+            </a:r>
+            <a:r>
+              <a:rPr lang="nl-NL" sz="1800" dirty="0" smtClean="0">
+                <a:solidFill>
+                  <a:srgbClr val="FF0000"/>
+                </a:solidFill>
+              </a:rPr>
+              <a:t>'../</a:t>
+            </a:r>
+            <a:r>
+              <a:rPr lang="nl-NL" sz="1800" dirty="0">
+                <a:solidFill>
+                  <a:srgbClr val="FF0000"/>
+                </a:solidFill>
+              </a:rPr>
+              <a:t>services/</a:t>
+            </a:r>
+            <a:r>
+              <a:rPr lang="nl-NL" sz="1800" dirty="0" err="1">
+                <a:solidFill>
+                  <a:srgbClr val="FF0000"/>
+                </a:solidFill>
+              </a:rPr>
+              <a:t>app.service</a:t>
+            </a:r>
+            <a:r>
+              <a:rPr lang="nl-NL" sz="1800" dirty="0">
+                <a:solidFill>
+                  <a:srgbClr val="FF0000"/>
+                </a:solidFill>
+              </a:rPr>
+              <a:t>';</a:t>
+            </a:r>
+          </a:p>
+          <a:p>
+            <a:pPr marL="0" indent="0">
+              <a:buNone/>
+            </a:pPr>
+            <a:endParaRPr lang="nl-NL" sz="1800" dirty="0"/>
+          </a:p>
+          <a:p>
+            <a:pPr marL="0" indent="0">
+              <a:buNone/>
+            </a:pPr>
+            <a:r>
+              <a:rPr lang="nl-NL" sz="1800" dirty="0"/>
+              <a:t>@Component({</a:t>
+            </a:r>
+          </a:p>
+          <a:p>
+            <a:pPr marL="0" indent="0">
+              <a:buNone/>
+            </a:pPr>
+            <a:r>
+              <a:rPr lang="nl-NL" sz="1800" dirty="0"/>
+              <a:t>  </a:t>
+            </a:r>
+            <a:r>
+              <a:rPr lang="nl-NL" sz="1800" dirty="0" smtClean="0"/>
+              <a:t>  </a:t>
+            </a:r>
+            <a:r>
+              <a:rPr lang="nl-NL" sz="1800" dirty="0" smtClean="0"/>
+              <a:t>	</a:t>
+            </a:r>
+            <a:r>
+              <a:rPr lang="nl-NL" sz="1800" dirty="0" err="1" smtClean="0"/>
+              <a:t>selector</a:t>
+            </a:r>
+            <a:r>
+              <a:rPr lang="nl-NL" sz="1800" dirty="0"/>
+              <a:t>: '</a:t>
+            </a:r>
+            <a:r>
+              <a:rPr lang="nl-NL" sz="1800" dirty="0" err="1"/>
+              <a:t>bs-books</a:t>
+            </a:r>
+            <a:r>
+              <a:rPr lang="nl-NL" sz="1800" dirty="0" smtClean="0"/>
+              <a:t>',</a:t>
+            </a:r>
+            <a:endParaRPr lang="nl-NL" sz="1800" dirty="0"/>
+          </a:p>
+          <a:p>
+            <a:pPr marL="0" indent="0">
+              <a:buNone/>
+            </a:pPr>
+            <a:r>
+              <a:rPr lang="nl-NL" sz="1800" dirty="0" smtClean="0"/>
+              <a:t>    </a:t>
+            </a:r>
+            <a:r>
+              <a:rPr lang="nl-NL" sz="1800" dirty="0" smtClean="0"/>
+              <a:t>	</a:t>
+            </a:r>
+            <a:r>
+              <a:rPr lang="nl-NL" sz="1800" dirty="0" err="1" smtClean="0"/>
+              <a:t>templateUrl</a:t>
+            </a:r>
+            <a:r>
+              <a:rPr lang="nl-NL" sz="1800" dirty="0"/>
+              <a:t>: '</a:t>
+            </a:r>
+            <a:r>
+              <a:rPr lang="nl-NL" sz="1800" dirty="0" err="1"/>
+              <a:t>books</a:t>
+            </a:r>
+            <a:r>
+              <a:rPr lang="nl-NL" sz="1800" dirty="0"/>
+              <a:t>/</a:t>
+            </a:r>
+            <a:r>
+              <a:rPr lang="nl-NL" sz="1800" dirty="0" err="1"/>
+              <a:t>template.html</a:t>
+            </a:r>
+            <a:r>
+              <a:rPr lang="nl-NL" sz="1800" dirty="0" smtClean="0"/>
+              <a:t>',</a:t>
+            </a:r>
+            <a:endParaRPr lang="nl-NL" sz="1800" dirty="0"/>
+          </a:p>
+          <a:p>
+            <a:pPr marL="0" indent="0">
+              <a:buNone/>
+            </a:pPr>
+            <a:r>
+              <a:rPr lang="nl-NL" sz="1800" dirty="0"/>
+              <a:t>  </a:t>
+            </a:r>
+            <a:r>
+              <a:rPr lang="nl-NL" sz="1800" dirty="0" smtClean="0"/>
+              <a:t>  </a:t>
+            </a:r>
+            <a:r>
+              <a:rPr lang="nl-NL" sz="1800" dirty="0" smtClean="0"/>
+              <a:t>	</a:t>
+            </a:r>
+            <a:r>
+              <a:rPr lang="nl-NL" sz="1800" b="1" dirty="0" smtClean="0">
+                <a:solidFill>
+                  <a:schemeClr val="accent2"/>
+                </a:solidFill>
+              </a:rPr>
+              <a:t>providers</a:t>
+            </a:r>
+            <a:r>
+              <a:rPr lang="nl-NL" sz="1800" b="1" dirty="0">
+                <a:solidFill>
+                  <a:schemeClr val="accent2"/>
+                </a:solidFill>
+              </a:rPr>
+              <a:t>: [ </a:t>
+            </a:r>
+            <a:r>
+              <a:rPr lang="nl-NL" sz="1800" b="1" dirty="0" err="1">
+                <a:solidFill>
+                  <a:srgbClr val="C00000"/>
+                </a:solidFill>
+              </a:rPr>
+              <a:t>AppService</a:t>
+            </a:r>
+            <a:r>
+              <a:rPr lang="nl-NL" sz="1800" b="1" dirty="0">
+                <a:solidFill>
+                  <a:srgbClr val="C00000"/>
+                </a:solidFill>
+              </a:rPr>
+              <a:t> </a:t>
+            </a:r>
+            <a:r>
+              <a:rPr lang="nl-NL" sz="1800" b="1" dirty="0">
+                <a:solidFill>
+                  <a:schemeClr val="accent2"/>
+                </a:solidFill>
+              </a:rPr>
+              <a:t>]</a:t>
+            </a:r>
+          </a:p>
+          <a:p>
+            <a:pPr marL="0" indent="0">
+              <a:buNone/>
+            </a:pPr>
+            <a:r>
+              <a:rPr lang="nl-NL" sz="1800" dirty="0" smtClean="0"/>
+              <a:t>})</a:t>
+            </a:r>
+          </a:p>
+          <a:p>
+            <a:pPr marL="0" indent="0">
+              <a:buNone/>
+            </a:pPr>
+            <a:endParaRPr lang="nl-NL" sz="1800" dirty="0"/>
+          </a:p>
+          <a:p>
+            <a:pPr marL="0" indent="0">
+              <a:buNone/>
+            </a:pPr>
+            <a:r>
+              <a:rPr lang="nl-NL" sz="1800" dirty="0"/>
+              <a:t>export class </a:t>
+            </a:r>
+            <a:r>
+              <a:rPr lang="nl-NL" sz="1800" dirty="0" err="1"/>
+              <a:t>BooksComponent</a:t>
+            </a:r>
+            <a:r>
+              <a:rPr lang="nl-NL" sz="1800" dirty="0"/>
+              <a:t> </a:t>
+            </a:r>
+            <a:r>
+              <a:rPr lang="nl-NL" sz="1800" dirty="0" smtClean="0"/>
+              <a:t>{</a:t>
+            </a:r>
+            <a:endParaRPr lang="nl-NL" sz="1800" dirty="0" smtClean="0"/>
+          </a:p>
+          <a:p>
+            <a:pPr marL="0" indent="0">
+              <a:buNone/>
+            </a:pPr>
+            <a:r>
+              <a:rPr lang="mr-IN" sz="1800" dirty="0" smtClean="0"/>
+              <a:t>…</a:t>
+            </a:r>
+            <a:endParaRPr lang="nl-NL" sz="1800" dirty="0"/>
           </a:p>
         </p:txBody>
       </p:sp>
-      <p:pic>
-        <p:nvPicPr>
-          <p:cNvPr id="7" name="Picture 6"/>
-          <p:cNvPicPr>
-            <a:picLocks noChangeAspect="1"/>
-          </p:cNvPicPr>
-          <p:nvPr/>
-        </p:nvPicPr>
-        <p:blipFill>
-          <a:blip r:embed="rId3"/>
-          <a:stretch>
-            <a:fillRect/>
-          </a:stretch>
-        </p:blipFill>
-        <p:spPr>
-          <a:xfrm>
-            <a:off x="2499360" y="1554480"/>
-            <a:ext cx="7071360" cy="5303520"/>
-          </a:xfrm>
-          <a:prstGeom prst="rect">
-            <a:avLst/>
-          </a:prstGeom>
-        </p:spPr>
-      </p:pic>
     </p:spTree>
     <p:extLst>
       <p:ext uri="{BB962C8B-B14F-4D97-AF65-F5344CB8AC3E}">
-        <p14:creationId xmlns:p14="http://schemas.microsoft.com/office/powerpoint/2010/main" val="1491062952"/>
+        <p14:creationId xmlns:p14="http://schemas.microsoft.com/office/powerpoint/2010/main" val="1792172719"/>
       </p:ext>
     </p:extLst>
   </p:cSld>
@@ -17772,14 +18085,54 @@
           <a:p>
             <a:pPr algn="ctr"/>
             <a:r>
-              <a:rPr lang="en-US" b="1" dirty="0" smtClean="0">
+              <a:rPr lang="nl-NL" b="1" dirty="0" err="1" smtClean="0">
                 <a:solidFill>
                   <a:srgbClr val="FFC000"/>
                 </a:solidFill>
               </a:rPr>
-              <a:t>Observable </a:t>
-            </a:r>
-            <a:endParaRPr lang="en-US" b="1" dirty="0">
+              <a:t>Inject</a:t>
+            </a:r>
+            <a:r>
+              <a:rPr lang="nl-NL" b="1" dirty="0" smtClean="0">
+                <a:solidFill>
+                  <a:srgbClr val="FFC000"/>
+                </a:solidFill>
+              </a:rPr>
+              <a:t> </a:t>
+            </a:r>
+            <a:r>
+              <a:rPr lang="nl-NL" b="1" dirty="0" err="1" smtClean="0">
+                <a:solidFill>
+                  <a:srgbClr val="FFC000"/>
+                </a:solidFill>
+              </a:rPr>
+              <a:t>AppService</a:t>
+            </a:r>
+            <a:r>
+              <a:rPr lang="nl-NL" b="1" dirty="0" smtClean="0">
+                <a:solidFill>
+                  <a:srgbClr val="FFC000"/>
+                </a:solidFill>
+              </a:rPr>
+              <a:t> </a:t>
+            </a:r>
+            <a:r>
+              <a:rPr lang="nl-NL" b="1" dirty="0" smtClean="0">
+                <a:solidFill>
+                  <a:srgbClr val="FFC000"/>
+                </a:solidFill>
+              </a:rPr>
+              <a:t>via the </a:t>
+            </a:r>
+            <a:r>
+              <a:rPr lang="nl-NL" b="1" dirty="0" err="1" smtClean="0">
+                <a:solidFill>
+                  <a:srgbClr val="FFC000"/>
+                </a:solidFill>
+              </a:rPr>
+              <a:t>constructor</a:t>
+            </a:r>
+            <a:endParaRPr lang="nl-NL" b="1" dirty="0">
               <a:solidFill>
                 <a:srgbClr val="FFC000"/>
               </a:solidFill>
@@ -17789,402 +18142,388 @@
       </p:sp>
       <p:sp>
         <p:nvSpPr>
-          <p:cNvPr id="3" name="Прямоугольник 2"/>
-          <p:cNvSpPr/>
-          <p:nvPr/>
+          <p:cNvPr id="3" name="Content Placeholder 2"/>
+          <p:cNvSpPr>
+            <a:spLocks noGrp="1"/>
+          </p:cNvSpPr>
+          <p:nvPr>
+            <p:ph idx="1"/>
+          </p:nvPr>
         </p:nvSpPr>
         <p:spPr>
           <a:xfrm>
-            <a:off x="1831012" y="1690688"/>
-            <a:ext cx="8529975" cy="7525137"/>
+            <a:off x="3002692" y="1690688"/>
+            <a:ext cx="8452022" cy="5031387"/>
           </a:xfrm>
-          <a:prstGeom prst="rect">
-            <a:avLst/>
-          </a:prstGeom>
         </p:spPr>
         <p:txBody>
-          <a:bodyPr wrap="square">
-            <a:spAutoFit/>
+          <a:bodyPr>
+            <a:normAutofit fontScale="85000" lnSpcReduction="20000"/>
           </a:bodyPr>
           <a:lstStyle/>
           <a:p>
-            <a:pPr algn="ctr"/>
-            <a:endParaRPr lang="nl-NL" sz="2400" dirty="0"/>
-          </a:p>
-          <a:p>
-            <a:pPr algn="ctr"/>
-            <a:r>
-              <a:rPr lang="nl-NL" sz="2400" b="1" dirty="0" err="1" smtClean="0"/>
-              <a:t>Cancelable</a:t>
-            </a:r>
-            <a:endParaRPr lang="nl-NL" sz="2400" b="1" dirty="0" smtClean="0"/>
-          </a:p>
-          <a:p>
-            <a:pPr algn="ctr"/>
-            <a:endParaRPr lang="nl-NL" sz="2400" b="1" dirty="0"/>
-          </a:p>
-          <a:p>
-            <a:pPr algn="ctr"/>
+            <a:pPr marL="0" indent="0">
+              <a:buNone/>
+            </a:pPr>
+            <a:r>
+              <a:rPr lang="nl-NL" dirty="0" smtClean="0"/>
+              <a:t>export </a:t>
+            </a:r>
+            <a:r>
+              <a:rPr lang="nl-NL" dirty="0"/>
+              <a:t>class </a:t>
+            </a:r>
+            <a:r>
+              <a:rPr lang="nl-NL" dirty="0" err="1"/>
+              <a:t>BooksComponent</a:t>
+            </a:r>
+            <a:r>
+              <a:rPr lang="nl-NL" dirty="0"/>
+              <a:t> {</a:t>
+            </a:r>
+          </a:p>
+          <a:p>
+            <a:pPr marL="0" indent="0">
+              <a:buNone/>
+            </a:pPr>
+            <a:r>
+              <a:rPr lang="nl-NL" b="1" dirty="0" smtClean="0">
+                <a:solidFill>
+                  <a:schemeClr val="accent6">
+                    <a:lumMod val="50000"/>
+                  </a:schemeClr>
+                </a:solidFill>
+              </a:rPr>
+              <a:t>	</a:t>
+            </a:r>
+            <a:r>
+              <a:rPr lang="nl-NL" dirty="0" err="1"/>
+              <a:t>books</a:t>
+            </a:r>
+            <a:r>
+              <a:rPr lang="nl-NL" dirty="0"/>
+              <a:t>: </a:t>
+            </a:r>
+            <a:r>
+              <a:rPr lang="nl-NL" dirty="0" err="1"/>
+              <a:t>Book</a:t>
+            </a:r>
+            <a:r>
+              <a:rPr lang="nl-NL" dirty="0"/>
+              <a:t>[] = [];</a:t>
+            </a:r>
+          </a:p>
+          <a:p>
+            <a:pPr marL="0" indent="0">
+              <a:buNone/>
+            </a:pPr>
+            <a:endParaRPr lang="nl-NL" dirty="0" smtClean="0"/>
+          </a:p>
+          <a:p>
+            <a:pPr marL="0" indent="0">
+              <a:buNone/>
+            </a:pPr>
+            <a:r>
+              <a:rPr lang="nl-NL" dirty="0" smtClean="0"/>
+              <a:t>	</a:t>
+            </a:r>
+            <a:r>
+              <a:rPr lang="nl-NL" dirty="0" err="1" smtClean="0"/>
+              <a:t>constructor</a:t>
+            </a:r>
+            <a:r>
+              <a:rPr lang="nl-NL" dirty="0" smtClean="0"/>
+              <a:t>(</a:t>
+            </a:r>
+            <a:r>
+              <a:rPr lang="nl-NL" b="1" dirty="0" smtClean="0">
+                <a:solidFill>
+                  <a:srgbClr val="C00000"/>
+                </a:solidFill>
+              </a:rPr>
+              <a:t>private </a:t>
+            </a:r>
+            <a:r>
+              <a:rPr lang="nl-NL" b="1" dirty="0" err="1">
+                <a:solidFill>
+                  <a:srgbClr val="C00000"/>
+                </a:solidFill>
+              </a:rPr>
+              <a:t>appService</a:t>
+            </a:r>
+            <a:r>
+              <a:rPr lang="nl-NL" b="1" dirty="0">
+                <a:solidFill>
+                  <a:srgbClr val="C00000"/>
+                </a:solidFill>
+              </a:rPr>
+              <a:t>: </a:t>
+            </a:r>
+            <a:r>
+              <a:rPr lang="nl-NL" b="1" dirty="0" err="1">
+                <a:solidFill>
+                  <a:srgbClr val="C00000"/>
+                </a:solidFill>
+              </a:rPr>
+              <a:t>AppService</a:t>
+            </a:r>
+            <a:r>
+              <a:rPr lang="nl-NL" dirty="0" smtClean="0"/>
+              <a:t>) {  }</a:t>
+            </a:r>
+          </a:p>
+          <a:p>
+            <a:pPr marL="0" indent="0">
+              <a:buNone/>
+            </a:pPr>
+            <a:endParaRPr lang="nl-NL" dirty="0" smtClean="0"/>
+          </a:p>
+          <a:p>
+            <a:pPr marL="914400" lvl="2" indent="0">
+              <a:buNone/>
+            </a:pPr>
+            <a:r>
+              <a:rPr lang="nl-NL" sz="2600" b="1" dirty="0" err="1" smtClean="0">
+                <a:solidFill>
+                  <a:srgbClr val="C00000"/>
+                </a:solidFill>
+              </a:rPr>
+              <a:t>getBooks</a:t>
+            </a:r>
+            <a:r>
+              <a:rPr lang="nl-NL" sz="2600" dirty="0" smtClean="0"/>
+              <a:t>(): </a:t>
+            </a:r>
+            <a:r>
+              <a:rPr lang="nl-NL" sz="2600" dirty="0" err="1" smtClean="0"/>
+              <a:t>void</a:t>
+            </a:r>
+            <a:r>
+              <a:rPr lang="nl-NL" sz="2600" dirty="0" smtClean="0"/>
+              <a:t> {</a:t>
+            </a:r>
+            <a:endParaRPr lang="nl-NL" sz="2600" dirty="0"/>
+          </a:p>
+          <a:p>
+            <a:pPr marL="914400" lvl="2" indent="0">
+              <a:buNone/>
+            </a:pPr>
+            <a:r>
+              <a:rPr lang="nl-NL" sz="2600" dirty="0"/>
+              <a:t>    </a:t>
+            </a:r>
+            <a:r>
+              <a:rPr lang="nl-NL" sz="2600" dirty="0" smtClean="0"/>
+              <a:t> </a:t>
+            </a:r>
+            <a:r>
+              <a:rPr lang="nl-NL" sz="2600" dirty="0" smtClean="0"/>
+              <a:t>	</a:t>
+            </a:r>
+            <a:r>
+              <a:rPr lang="nl-NL" sz="2600" b="1" dirty="0" err="1" smtClean="0">
+                <a:solidFill>
+                  <a:schemeClr val="accent2"/>
+                </a:solidFill>
+              </a:rPr>
+              <a:t>this.appService</a:t>
+            </a:r>
+            <a:r>
+              <a:rPr lang="nl-NL" sz="2600" dirty="0" err="1" smtClean="0"/>
+              <a:t>.getBooks</a:t>
+            </a:r>
+            <a:r>
+              <a:rPr lang="nl-NL" sz="2600" dirty="0" smtClean="0"/>
+              <a:t>()</a:t>
+            </a:r>
+          </a:p>
+          <a:p>
+            <a:pPr marL="914400" lvl="2" indent="0">
+              <a:buNone/>
+            </a:pPr>
+            <a:r>
+              <a:rPr lang="nl-NL" sz="2600" b="1" dirty="0">
+                <a:solidFill>
+                  <a:srgbClr val="C00000"/>
+                </a:solidFill>
+              </a:rPr>
+              <a:t>	</a:t>
+            </a:r>
+            <a:r>
+              <a:rPr lang="nl-NL" sz="2600" b="1" dirty="0" smtClean="0">
+                <a:solidFill>
+                  <a:srgbClr val="C00000"/>
+                </a:solidFill>
+              </a:rPr>
+              <a:t>.</a:t>
+            </a:r>
+            <a:r>
+              <a:rPr lang="nl-NL" sz="2600" b="1" dirty="0" err="1" smtClean="0">
+                <a:solidFill>
+                  <a:srgbClr val="C00000"/>
+                </a:solidFill>
+              </a:rPr>
+              <a:t>then</a:t>
+            </a:r>
+            <a:r>
+              <a:rPr lang="nl-NL" sz="2600" dirty="0" smtClean="0"/>
+              <a:t>(</a:t>
+            </a:r>
+            <a:r>
+              <a:rPr lang="nl-NL" sz="2600" dirty="0" err="1" smtClean="0"/>
+              <a:t>books</a:t>
+            </a:r>
+            <a:r>
+              <a:rPr lang="nl-NL" sz="2600" dirty="0" smtClean="0"/>
+              <a:t> =&gt; </a:t>
+            </a:r>
+            <a:r>
+              <a:rPr lang="nl-NL" sz="2600" dirty="0" err="1" smtClean="0"/>
+              <a:t>this.books</a:t>
+            </a:r>
+            <a:r>
+              <a:rPr lang="nl-NL" sz="2600" dirty="0" smtClean="0"/>
+              <a:t> = </a:t>
+            </a:r>
+            <a:r>
+              <a:rPr lang="nl-NL" sz="2600" dirty="0" err="1" smtClean="0"/>
+              <a:t>books</a:t>
+            </a:r>
+            <a:r>
+              <a:rPr lang="nl-NL" sz="2600" dirty="0" smtClean="0"/>
+              <a:t>)</a:t>
+            </a:r>
+          </a:p>
+          <a:p>
+            <a:pPr marL="914400" lvl="2" indent="0">
+              <a:buNone/>
+            </a:pPr>
+            <a:r>
+              <a:rPr lang="nl-NL" sz="2400" dirty="0" smtClean="0"/>
+              <a:t>	</a:t>
+            </a:r>
             <a:r>
               <a:rPr lang="nl-NL" sz="2400" b="1" dirty="0" smtClean="0">
                 <a:solidFill>
-                  <a:srgbClr val="FF0000"/>
-                </a:solidFill>
-              </a:rPr>
-              <a:t>Returns a stream of </a:t>
-            </a:r>
-            <a:r>
-              <a:rPr lang="nl-NL" sz="2400" b="1" dirty="0" err="1" smtClean="0">
-                <a:solidFill>
-                  <a:srgbClr val="FF0000"/>
-                </a:solidFill>
-              </a:rPr>
-              <a:t>values</a:t>
-            </a:r>
-            <a:r>
-              <a:rPr lang="nl-NL" sz="2400" b="1" dirty="0" smtClean="0">
-                <a:solidFill>
-                  <a:srgbClr val="FF0000"/>
-                </a:solidFill>
-              </a:rPr>
-              <a:t> over time</a:t>
-            </a:r>
-          </a:p>
-          <a:p>
-            <a:pPr algn="ctr"/>
-            <a:endParaRPr lang="nl-NL" sz="2400" b="1" dirty="0">
-              <a:solidFill>
-                <a:srgbClr val="FF0000"/>
-              </a:solidFill>
-            </a:endParaRPr>
-          </a:p>
-          <a:p>
-            <a:pPr algn="ctr"/>
-            <a:r>
-              <a:rPr lang="nl-NL" sz="2400" b="1" dirty="0" err="1" smtClean="0">
+                  <a:srgbClr val="C00000"/>
+                </a:solidFill>
+              </a:rPr>
+              <a:t>.</a:t>
+            </a:r>
+            <a:r>
+              <a:rPr lang="nl-NL" sz="2400" b="1" dirty="0">
+                <a:solidFill>
+                  <a:srgbClr val="C00000"/>
+                </a:solidFill>
+              </a:rPr>
+              <a:t>catch</a:t>
+            </a:r>
+            <a:r>
+              <a:rPr lang="nl-NL" sz="2400" dirty="0"/>
+              <a:t>(error =&gt; </a:t>
+            </a:r>
+            <a:r>
+              <a:rPr lang="nl-NL" sz="2400" dirty="0" err="1"/>
+              <a:t>this.error</a:t>
+            </a:r>
+            <a:r>
+              <a:rPr lang="nl-NL" sz="2400" dirty="0"/>
+              <a:t> = error);</a:t>
+            </a:r>
+            <a:endParaRPr lang="nl-NL" sz="2600" dirty="0" smtClean="0"/>
+          </a:p>
+          <a:p>
+            <a:pPr marL="914400" lvl="2" indent="0">
+              <a:buNone/>
+            </a:pPr>
+            <a:r>
+              <a:rPr lang="nl-NL" sz="2600" dirty="0" smtClean="0"/>
+              <a:t>    }</a:t>
+            </a:r>
+          </a:p>
+          <a:p>
+            <a:pPr marL="914400" lvl="2" indent="0">
+              <a:buNone/>
+            </a:pPr>
+            <a:endParaRPr lang="nl-NL" sz="2600" dirty="0"/>
+          </a:p>
+          <a:p>
+            <a:pPr marL="914400" lvl="2" indent="0">
+              <a:buNone/>
+            </a:pPr>
+            <a:r>
+              <a:rPr lang="nl-NL" sz="2600" b="1" dirty="0" err="1" smtClean="0">
+                <a:solidFill>
+                  <a:srgbClr val="C00000"/>
+                </a:solidFill>
+              </a:rPr>
+              <a:t>ngOnInit</a:t>
+            </a:r>
+            <a:r>
+              <a:rPr lang="nl-NL" sz="2600" dirty="0"/>
+              <a:t>(){</a:t>
+            </a:r>
+          </a:p>
+          <a:p>
+            <a:pPr marL="914400" lvl="2" indent="0">
+              <a:buNone/>
+            </a:pPr>
+            <a:r>
+              <a:rPr lang="nl-NL" sz="2600" dirty="0"/>
+              <a:t>    </a:t>
+            </a:r>
+            <a:r>
+              <a:rPr lang="nl-NL" sz="2600" dirty="0"/>
+              <a:t>	</a:t>
+            </a:r>
+            <a:r>
+              <a:rPr lang="nl-NL" sz="2600" b="1" dirty="0" err="1" smtClean="0">
                 <a:solidFill>
                   <a:schemeClr val="accent2"/>
                 </a:solidFill>
               </a:rPr>
-              <a:t>Lazy</a:t>
-            </a:r>
-            <a:endParaRPr lang="nl-NL" sz="2400" b="1" dirty="0" smtClean="0">
-              <a:solidFill>
-                <a:schemeClr val="accent2"/>
-              </a:solidFill>
-            </a:endParaRPr>
-          </a:p>
-          <a:p>
-            <a:pPr algn="ctr"/>
-            <a:endParaRPr lang="nl-NL" sz="2400" b="1" dirty="0"/>
-          </a:p>
-          <a:p>
-            <a:pPr algn="ctr"/>
-            <a:r>
-              <a:rPr lang="nl-NL" sz="2400" b="1" dirty="0" err="1" smtClean="0">
-                <a:solidFill>
-                  <a:srgbClr val="FFC000"/>
-                </a:solidFill>
-              </a:rPr>
-              <a:t>Subscribe</a:t>
-            </a:r>
-            <a:r>
-              <a:rPr lang="nl-NL" sz="2400" b="1" dirty="0" smtClean="0">
-                <a:solidFill>
-                  <a:srgbClr val="FFC000"/>
-                </a:solidFill>
-              </a:rPr>
+              <a:t>this.getBooks</a:t>
+            </a:r>
+            <a:r>
+              <a:rPr lang="nl-NL" sz="2600" b="1" dirty="0" smtClean="0">
+                <a:solidFill>
+                  <a:schemeClr val="accent2"/>
+                </a:solidFill>
+              </a:rPr>
+              <a:t>();</a:t>
+            </a:r>
+            <a:endParaRPr lang="nl-NL" sz="2600" dirty="0"/>
+          </a:p>
+          <a:p>
+            <a:pPr marL="914400" lvl="2" indent="0">
+              <a:buNone/>
+            </a:pPr>
+            <a:r>
+              <a:rPr lang="nl-NL" sz="2600" dirty="0"/>
               <a:t> </a:t>
             </a:r>
             <a:r>
-              <a:rPr lang="nl-NL" sz="2400" b="1" dirty="0" err="1" smtClean="0">
-                <a:solidFill>
-                  <a:srgbClr val="FFC000"/>
-                </a:solidFill>
-              </a:rPr>
-              <a:t>to</a:t>
-            </a:r>
-            <a:r>
-              <a:rPr lang="nl-NL" sz="2400" b="1" dirty="0" smtClean="0">
-                <a:solidFill>
-                  <a:srgbClr val="FFC000"/>
-                </a:solidFill>
-              </a:rPr>
-              <a:t> </a:t>
-            </a:r>
-            <a:r>
-              <a:rPr lang="nl-NL" sz="2400" b="1" dirty="0" err="1" smtClean="0">
-                <a:solidFill>
-                  <a:srgbClr val="FFC000"/>
-                </a:solidFill>
-              </a:rPr>
-              <a:t>the</a:t>
-            </a:r>
-            <a:r>
-              <a:rPr lang="nl-NL" sz="2400" b="1" dirty="0" smtClean="0">
-                <a:solidFill>
-                  <a:srgbClr val="FFC000"/>
-                </a:solidFill>
-              </a:rPr>
-              <a:t> stream (push </a:t>
-            </a:r>
-            <a:r>
-              <a:rPr lang="nl-NL" sz="2400" b="1" dirty="0" err="1" smtClean="0">
-                <a:solidFill>
-                  <a:srgbClr val="FFC000"/>
-                </a:solidFill>
-              </a:rPr>
-              <a:t>mechanism</a:t>
-            </a:r>
-            <a:r>
-              <a:rPr lang="nl-NL" sz="2400" b="1" dirty="0" smtClean="0">
-                <a:solidFill>
-                  <a:srgbClr val="FFC000"/>
-                </a:solidFill>
-              </a:rPr>
-              <a:t>)</a:t>
-            </a:r>
-          </a:p>
-          <a:p>
-            <a:pPr algn="ctr"/>
-            <a:endParaRPr lang="nl-NL" sz="2400" b="1" dirty="0"/>
-          </a:p>
-          <a:p>
-            <a:pPr algn="ctr"/>
-            <a:r>
-              <a:rPr lang="nl-NL" sz="2400" b="1" dirty="0" err="1" smtClean="0">
-                <a:solidFill>
-                  <a:schemeClr val="accent2"/>
-                </a:solidFill>
-              </a:rPr>
-              <a:t>Utility</a:t>
-            </a:r>
-            <a:r>
-              <a:rPr lang="nl-NL" sz="2400" b="1" dirty="0" smtClean="0">
-                <a:solidFill>
-                  <a:schemeClr val="accent2"/>
-                </a:solidFill>
-              </a:rPr>
-              <a:t> </a:t>
-            </a:r>
-            <a:r>
-              <a:rPr lang="nl-NL" sz="2400" b="1" dirty="0" err="1" smtClean="0">
-                <a:solidFill>
-                  <a:schemeClr val="accent2"/>
-                </a:solidFill>
-              </a:rPr>
-              <a:t>methods</a:t>
-            </a:r>
-            <a:r>
-              <a:rPr lang="nl-NL" sz="2400" b="1" dirty="0" smtClean="0">
-                <a:solidFill>
-                  <a:schemeClr val="accent2"/>
-                </a:solidFill>
-              </a:rPr>
-              <a:t> on stream </a:t>
-            </a:r>
-            <a:r>
-              <a:rPr lang="nl-NL" sz="2400" b="1" dirty="0" smtClean="0">
-                <a:sym typeface="Wingdings"/>
-              </a:rPr>
-              <a:t> map(), filter</a:t>
-            </a:r>
-            <a:r>
-              <a:rPr lang="nl-NL" sz="2400" b="1" dirty="0" smtClean="0">
-                <a:sym typeface="Wingdings"/>
-              </a:rPr>
-              <a:t>(), </a:t>
-            </a:r>
-            <a:r>
-              <a:rPr lang="nl-NL" sz="2400" b="1" dirty="0" err="1" smtClean="0">
-                <a:sym typeface="Wingdings"/>
-              </a:rPr>
-              <a:t>reduce</a:t>
-            </a:r>
-            <a:r>
-              <a:rPr lang="nl-NL" sz="2400" b="1" dirty="0" smtClean="0">
-                <a:sym typeface="Wingdings"/>
-              </a:rPr>
-              <a:t>()</a:t>
-            </a:r>
-            <a:endParaRPr lang="nl-NL" sz="2400" b="1" dirty="0" smtClean="0"/>
-          </a:p>
-          <a:p>
-            <a:pPr algn="ctr"/>
-            <a:endParaRPr lang="nl-NL" sz="2400" b="1" dirty="0"/>
-          </a:p>
-          <a:p>
-            <a:pPr algn="ctr"/>
-            <a:r>
-              <a:rPr lang="nl-NL" sz="2400" b="1" dirty="0" err="1" smtClean="0">
-                <a:solidFill>
-                  <a:srgbClr val="FF0000"/>
-                </a:solidFill>
-              </a:rPr>
-              <a:t>Example</a:t>
-            </a:r>
-            <a:r>
-              <a:rPr lang="nl-NL" sz="2400" b="1" dirty="0" smtClean="0">
-                <a:solidFill>
-                  <a:srgbClr val="FF0000"/>
-                </a:solidFill>
-              </a:rPr>
-              <a:t> stream: </a:t>
-            </a:r>
-            <a:r>
-              <a:rPr lang="nl-NL" sz="2400" b="1" dirty="0" smtClean="0"/>
-              <a:t>list of ’share </a:t>
-            </a:r>
-            <a:r>
-              <a:rPr lang="nl-NL" sz="2400" b="1" dirty="0" err="1" smtClean="0"/>
-              <a:t>prices</a:t>
-            </a:r>
-            <a:r>
-              <a:rPr lang="nl-NL" sz="2400" b="1" dirty="0" smtClean="0"/>
-              <a:t>’ </a:t>
-            </a:r>
-            <a:r>
-              <a:rPr lang="nl-NL" sz="2400" b="1" dirty="0" err="1" smtClean="0"/>
-              <a:t>which</a:t>
-            </a:r>
-            <a:r>
-              <a:rPr lang="nl-NL" sz="2400" b="1" dirty="0" smtClean="0"/>
-              <a:t> changes </a:t>
-            </a:r>
-            <a:r>
-              <a:rPr lang="nl-NL" sz="2400" b="1" dirty="0" err="1" smtClean="0"/>
-              <a:t>each</a:t>
-            </a:r>
-            <a:r>
-              <a:rPr lang="nl-NL" sz="2400" b="1" dirty="0" smtClean="0"/>
-              <a:t> minute.</a:t>
-            </a:r>
-          </a:p>
-          <a:p>
-            <a:pPr algn="ctr"/>
-            <a:endParaRPr lang="nl-NL" sz="2400" b="1" dirty="0"/>
-          </a:p>
-          <a:p>
-            <a:pPr algn="ctr"/>
-            <a:endParaRPr lang="nl-NL" sz="2400" dirty="0" smtClean="0"/>
-          </a:p>
-          <a:p>
-            <a:pPr algn="ctr"/>
-            <a:endParaRPr lang="nl-NL" sz="2400" dirty="0"/>
-          </a:p>
-          <a:p>
-            <a:pPr algn="ctr"/>
-            <a:endParaRPr lang="nl-NL" sz="2400" dirty="0"/>
-          </a:p>
-          <a:p>
-            <a:pPr algn="ctr"/>
-            <a:endParaRPr lang="nl-NL" sz="2400" dirty="0"/>
-          </a:p>
-          <a:p>
-            <a:pPr>
-              <a:lnSpc>
-                <a:spcPts val="1800"/>
-              </a:lnSpc>
-              <a:spcAft>
-                <a:spcPts val="1800"/>
-              </a:spcAft>
-              <a:tabLst>
-                <a:tab pos="581660" algn="l"/>
-                <a:tab pos="1163320" algn="l"/>
-                <a:tab pos="1744980" algn="l"/>
-                <a:tab pos="2326640" algn="l"/>
-                <a:tab pos="2908300" algn="l"/>
-                <a:tab pos="3489960" algn="l"/>
-                <a:tab pos="4071620" algn="l"/>
-                <a:tab pos="4653280" algn="l"/>
-                <a:tab pos="5234940" algn="l"/>
-                <a:tab pos="5816600" algn="l"/>
-                <a:tab pos="6398260" algn="l"/>
-                <a:tab pos="6979920" algn="l"/>
-                <a:tab pos="7561580" algn="l"/>
-                <a:tab pos="8143240" algn="l"/>
-                <a:tab pos="8724900" algn="l"/>
-                <a:tab pos="9306560" algn="l"/>
-              </a:tabLst>
-            </a:pPr>
-            <a:endParaRPr lang="nl-NL" sz="2400" b="1" dirty="0" smtClean="0">
-              <a:latin typeface="Calibri" panose="020F0502020204030204" pitchFamily="34" charset="0"/>
-              <a:ea typeface="ＭＳ 明朝"/>
-              <a:cs typeface="Courier"/>
-            </a:endParaRPr>
-          </a:p>
-          <a:p>
-            <a:pPr>
-              <a:lnSpc>
-                <a:spcPts val="1800"/>
-              </a:lnSpc>
-              <a:spcAft>
-                <a:spcPts val="1800"/>
-              </a:spcAft>
-              <a:tabLst>
-                <a:tab pos="581660" algn="l"/>
-                <a:tab pos="1163320" algn="l"/>
-                <a:tab pos="1744980" algn="l"/>
-                <a:tab pos="2326640" algn="l"/>
-                <a:tab pos="2908300" algn="l"/>
-                <a:tab pos="3489960" algn="l"/>
-                <a:tab pos="4071620" algn="l"/>
-                <a:tab pos="4653280" algn="l"/>
-                <a:tab pos="5234940" algn="l"/>
-                <a:tab pos="5816600" algn="l"/>
-                <a:tab pos="6398260" algn="l"/>
-                <a:tab pos="6979920" algn="l"/>
-                <a:tab pos="7561580" algn="l"/>
-                <a:tab pos="8143240" algn="l"/>
-                <a:tab pos="8724900" algn="l"/>
-                <a:tab pos="9306560" algn="l"/>
-              </a:tabLst>
-            </a:pPr>
-            <a:endParaRPr lang="nl-NL" sz="2400" b="1" dirty="0" smtClean="0">
-              <a:latin typeface="Calibri" panose="020F0502020204030204" pitchFamily="34" charset="0"/>
-              <a:ea typeface="ＭＳ 明朝"/>
-              <a:cs typeface="Courier"/>
-            </a:endParaRPr>
-          </a:p>
-          <a:p>
-            <a:pPr>
-              <a:lnSpc>
-                <a:spcPts val="1800"/>
-              </a:lnSpc>
-              <a:spcAft>
-                <a:spcPts val="1800"/>
-              </a:spcAft>
-              <a:tabLst>
-                <a:tab pos="581660" algn="l"/>
-                <a:tab pos="1163320" algn="l"/>
-                <a:tab pos="1744980" algn="l"/>
-                <a:tab pos="2326640" algn="l"/>
-                <a:tab pos="2908300" algn="l"/>
-                <a:tab pos="3489960" algn="l"/>
-                <a:tab pos="4071620" algn="l"/>
-                <a:tab pos="4653280" algn="l"/>
-                <a:tab pos="5234940" algn="l"/>
-                <a:tab pos="5816600" algn="l"/>
-                <a:tab pos="6398260" algn="l"/>
-                <a:tab pos="6979920" algn="l"/>
-                <a:tab pos="7561580" algn="l"/>
-                <a:tab pos="8143240" algn="l"/>
-                <a:tab pos="8724900" algn="l"/>
-                <a:tab pos="9306560" algn="l"/>
-              </a:tabLst>
-            </a:pPr>
-            <a:endParaRPr lang="en-US" sz="2400" b="1" dirty="0">
-              <a:latin typeface="Calibri" panose="020F0502020204030204" pitchFamily="34" charset="0"/>
-              <a:ea typeface="ＭＳ 明朝"/>
-              <a:cs typeface="Times New Roman"/>
-            </a:endParaRPr>
+              <a:rPr lang="nl-NL" sz="2600" dirty="0" smtClean="0"/>
+              <a:t>}</a:t>
+            </a:r>
+            <a:endParaRPr lang="nl-NL" sz="2600" dirty="0"/>
+          </a:p>
+          <a:p>
+            <a:pPr marL="0" indent="0">
+              <a:buNone/>
+            </a:pPr>
+            <a:r>
+              <a:rPr lang="nl-NL" dirty="0" smtClean="0"/>
+              <a:t>}</a:t>
+            </a:r>
+            <a:endParaRPr lang="nl-NL" dirty="0"/>
           </a:p>
         </p:txBody>
       </p:sp>
     </p:spTree>
     <p:extLst>
       <p:ext uri="{BB962C8B-B14F-4D97-AF65-F5344CB8AC3E}">
-        <p14:creationId xmlns:p14="http://schemas.microsoft.com/office/powerpoint/2010/main" val="2101318872"/>
+        <p14:creationId xmlns:p14="http://schemas.microsoft.com/office/powerpoint/2010/main" val="918659586"/>
       </p:ext>
     </p:extLst>
   </p:cSld>
@@ -18233,6 +18572,720 @@
           <a:bodyPr/>
           <a:lstStyle/>
           <a:p>
+            <a:pPr algn="ctr"/>
+            <a:r>
+              <a:rPr lang="en-US" b="1" dirty="0" smtClean="0">
+                <a:solidFill>
+                  <a:srgbClr val="FFC000"/>
+                </a:solidFill>
+              </a:rPr>
+              <a:t>Observable </a:t>
+            </a:r>
+            <a:endParaRPr lang="en-US" b="1" dirty="0">
+              <a:solidFill>
+                <a:srgbClr val="FFC000"/>
+              </a:solidFill>
+            </a:endParaRPr>
+          </a:p>
+        </p:txBody>
+      </p:sp>
+      <p:sp>
+        <p:nvSpPr>
+          <p:cNvPr id="3" name="Прямоугольник 2"/>
+          <p:cNvSpPr/>
+          <p:nvPr/>
+        </p:nvSpPr>
+        <p:spPr>
+          <a:xfrm>
+            <a:off x="1831012" y="1690688"/>
+            <a:ext cx="8529975" cy="4201150"/>
+          </a:xfrm>
+          <a:prstGeom prst="rect">
+            <a:avLst/>
+          </a:prstGeom>
+        </p:spPr>
+        <p:txBody>
+          <a:bodyPr wrap="square">
+            <a:spAutoFit/>
+          </a:bodyPr>
+          <a:lstStyle/>
+          <a:p>
+            <a:pPr algn="ctr"/>
+            <a:endParaRPr lang="nl-NL" sz="2400" dirty="0"/>
+          </a:p>
+          <a:p>
+            <a:pPr algn="ctr"/>
+            <a:endParaRPr lang="nl-NL" sz="2400" dirty="0"/>
+          </a:p>
+          <a:p>
+            <a:pPr algn="ctr"/>
+            <a:endParaRPr lang="nl-NL" sz="2400" dirty="0"/>
+          </a:p>
+          <a:p>
+            <a:pPr algn="ctr"/>
+            <a:endParaRPr lang="nl-NL" sz="2400" b="1" dirty="0"/>
+          </a:p>
+          <a:p>
+            <a:pPr algn="ctr"/>
+            <a:endParaRPr lang="nl-NL" sz="2400" dirty="0" smtClean="0"/>
+          </a:p>
+          <a:p>
+            <a:pPr algn="ctr"/>
+            <a:endParaRPr lang="nl-NL" sz="2400" dirty="0"/>
+          </a:p>
+          <a:p>
+            <a:pPr algn="ctr"/>
+            <a:endParaRPr lang="nl-NL" sz="2400" dirty="0"/>
+          </a:p>
+          <a:p>
+            <a:pPr algn="ctr"/>
+            <a:endParaRPr lang="nl-NL" sz="2400" dirty="0"/>
+          </a:p>
+          <a:p>
+            <a:pPr>
+              <a:lnSpc>
+                <a:spcPts val="1800"/>
+              </a:lnSpc>
+              <a:spcAft>
+                <a:spcPts val="1800"/>
+              </a:spcAft>
+              <a:tabLst>
+                <a:tab pos="581660" algn="l"/>
+                <a:tab pos="1163320" algn="l"/>
+                <a:tab pos="1744980" algn="l"/>
+                <a:tab pos="2326640" algn="l"/>
+                <a:tab pos="2908300" algn="l"/>
+                <a:tab pos="3489960" algn="l"/>
+                <a:tab pos="4071620" algn="l"/>
+                <a:tab pos="4653280" algn="l"/>
+                <a:tab pos="5234940" algn="l"/>
+                <a:tab pos="5816600" algn="l"/>
+                <a:tab pos="6398260" algn="l"/>
+                <a:tab pos="6979920" algn="l"/>
+                <a:tab pos="7561580" algn="l"/>
+                <a:tab pos="8143240" algn="l"/>
+                <a:tab pos="8724900" algn="l"/>
+                <a:tab pos="9306560" algn="l"/>
+              </a:tabLst>
+            </a:pPr>
+            <a:endParaRPr lang="nl-NL" sz="2400" b="1" dirty="0" smtClean="0">
+              <a:latin typeface="Calibri" panose="020F0502020204030204" pitchFamily="34" charset="0"/>
+              <a:ea typeface="ＭＳ 明朝"/>
+              <a:cs typeface="Courier"/>
+            </a:endParaRPr>
+          </a:p>
+          <a:p>
+            <a:pPr>
+              <a:lnSpc>
+                <a:spcPts val="1800"/>
+              </a:lnSpc>
+              <a:spcAft>
+                <a:spcPts val="1800"/>
+              </a:spcAft>
+              <a:tabLst>
+                <a:tab pos="581660" algn="l"/>
+                <a:tab pos="1163320" algn="l"/>
+                <a:tab pos="1744980" algn="l"/>
+                <a:tab pos="2326640" algn="l"/>
+                <a:tab pos="2908300" algn="l"/>
+                <a:tab pos="3489960" algn="l"/>
+                <a:tab pos="4071620" algn="l"/>
+                <a:tab pos="4653280" algn="l"/>
+                <a:tab pos="5234940" algn="l"/>
+                <a:tab pos="5816600" algn="l"/>
+                <a:tab pos="6398260" algn="l"/>
+                <a:tab pos="6979920" algn="l"/>
+                <a:tab pos="7561580" algn="l"/>
+                <a:tab pos="8143240" algn="l"/>
+                <a:tab pos="8724900" algn="l"/>
+                <a:tab pos="9306560" algn="l"/>
+              </a:tabLst>
+            </a:pPr>
+            <a:endParaRPr lang="nl-NL" sz="2400" b="1" dirty="0" smtClean="0">
+              <a:latin typeface="Calibri" panose="020F0502020204030204" pitchFamily="34" charset="0"/>
+              <a:ea typeface="ＭＳ 明朝"/>
+              <a:cs typeface="Courier"/>
+            </a:endParaRPr>
+          </a:p>
+          <a:p>
+            <a:pPr>
+              <a:lnSpc>
+                <a:spcPts val="1800"/>
+              </a:lnSpc>
+              <a:spcAft>
+                <a:spcPts val="1800"/>
+              </a:spcAft>
+              <a:tabLst>
+                <a:tab pos="581660" algn="l"/>
+                <a:tab pos="1163320" algn="l"/>
+                <a:tab pos="1744980" algn="l"/>
+                <a:tab pos="2326640" algn="l"/>
+                <a:tab pos="2908300" algn="l"/>
+                <a:tab pos="3489960" algn="l"/>
+                <a:tab pos="4071620" algn="l"/>
+                <a:tab pos="4653280" algn="l"/>
+                <a:tab pos="5234940" algn="l"/>
+                <a:tab pos="5816600" algn="l"/>
+                <a:tab pos="6398260" algn="l"/>
+                <a:tab pos="6979920" algn="l"/>
+                <a:tab pos="7561580" algn="l"/>
+                <a:tab pos="8143240" algn="l"/>
+                <a:tab pos="8724900" algn="l"/>
+                <a:tab pos="9306560" algn="l"/>
+              </a:tabLst>
+            </a:pPr>
+            <a:endParaRPr lang="en-US" sz="2400" b="1" dirty="0">
+              <a:latin typeface="Calibri" panose="020F0502020204030204" pitchFamily="34" charset="0"/>
+              <a:ea typeface="ＭＳ 明朝"/>
+              <a:cs typeface="Times New Roman"/>
+            </a:endParaRPr>
+          </a:p>
+        </p:txBody>
+      </p:sp>
+      <p:pic>
+        <p:nvPicPr>
+          <p:cNvPr id="7" name="Picture 6"/>
+          <p:cNvPicPr>
+            <a:picLocks noChangeAspect="1"/>
+          </p:cNvPicPr>
+          <p:nvPr/>
+        </p:nvPicPr>
+        <p:blipFill>
+          <a:blip r:embed="rId3"/>
+          <a:stretch>
+            <a:fillRect/>
+          </a:stretch>
+        </p:blipFill>
+        <p:spPr>
+          <a:xfrm>
+            <a:off x="2499360" y="1554480"/>
+            <a:ext cx="7071360" cy="5303520"/>
+          </a:xfrm>
+          <a:prstGeom prst="rect">
+            <a:avLst/>
+          </a:prstGeom>
+        </p:spPr>
+      </p:pic>
+    </p:spTree>
+    <p:extLst>
+      <p:ext uri="{BB962C8B-B14F-4D97-AF65-F5344CB8AC3E}">
+        <p14:creationId xmlns:p14="http://schemas.microsoft.com/office/powerpoint/2010/main" val="1491062952"/>
+      </p:ext>
+    </p:extLst>
+  </p:cSld>
+  <p:clrMapOvr>
+    <a:masterClrMapping/>
+  </p:clrMapOvr>
+  <p:timing>
+    <p:tnLst>
+      <p:par>
+        <p:cTn id="1" dur="indefinite" restart="never" nodeType="tmRoot"/>
+      </p:par>
+    </p:tnLst>
+  </p:timing>
+</p:sld>
+</file>
+
+<file path=ppt/slides/slide25.xml><?xml version="1.0" encoding="utf-8"?>
+<p:sld xmlns:a="http://schemas.openxmlformats.org/drawingml/2006/main" xmlns:r="http://schemas.openxmlformats.org/officeDocument/2006/relationships" xmlns:p="http://schemas.openxmlformats.org/presentationml/2006/main">
+  <p:cSld>
+    <p:spTree>
+      <p:nvGrpSpPr>
+        <p:cNvPr id="1" name=""/>
+        <p:cNvGrpSpPr/>
+        <p:nvPr/>
+      </p:nvGrpSpPr>
+      <p:grpSpPr>
+        <a:xfrm>
+          <a:off x="0" y="0"/>
+          <a:ext cx="0" cy="0"/>
+          <a:chOff x="0" y="0"/>
+          <a:chExt cx="0" cy="0"/>
+        </a:xfrm>
+      </p:grpSpPr>
+      <p:sp>
+        <p:nvSpPr>
+          <p:cNvPr id="2" name="Title 1"/>
+          <p:cNvSpPr>
+            <a:spLocks noGrp="1"/>
+          </p:cNvSpPr>
+          <p:nvPr>
+            <p:ph type="title"/>
+          </p:nvPr>
+        </p:nvSpPr>
+        <p:spPr/>
+        <p:txBody>
+          <a:bodyPr/>
+          <a:lstStyle/>
+          <a:p>
+            <a:pPr algn="ctr"/>
+            <a:r>
+              <a:rPr lang="en-US" b="1" dirty="0" smtClean="0">
+                <a:solidFill>
+                  <a:srgbClr val="FFC000"/>
+                </a:solidFill>
+              </a:rPr>
+              <a:t>Observable </a:t>
+            </a:r>
+            <a:endParaRPr lang="en-US" b="1" dirty="0">
+              <a:solidFill>
+                <a:srgbClr val="FFC000"/>
+              </a:solidFill>
+            </a:endParaRPr>
+          </a:p>
+        </p:txBody>
+      </p:sp>
+      <p:sp>
+        <p:nvSpPr>
+          <p:cNvPr id="3" name="Прямоугольник 2"/>
+          <p:cNvSpPr/>
+          <p:nvPr/>
+        </p:nvSpPr>
+        <p:spPr>
+          <a:xfrm>
+            <a:off x="1831012" y="1690688"/>
+            <a:ext cx="8529975" cy="7155805"/>
+          </a:xfrm>
+          <a:prstGeom prst="rect">
+            <a:avLst/>
+          </a:prstGeom>
+        </p:spPr>
+        <p:txBody>
+          <a:bodyPr wrap="square">
+            <a:spAutoFit/>
+          </a:bodyPr>
+          <a:lstStyle/>
+          <a:p>
+            <a:pPr algn="ctr"/>
+            <a:endParaRPr lang="nl-NL" sz="2400" dirty="0"/>
+          </a:p>
+          <a:p>
+            <a:pPr algn="ctr"/>
+            <a:r>
+              <a:rPr lang="nl-NL" sz="2400" b="1" dirty="0" err="1" smtClean="0"/>
+              <a:t>Cancelable</a:t>
+            </a:r>
+            <a:endParaRPr lang="nl-NL" sz="2400" b="1" dirty="0" smtClean="0"/>
+          </a:p>
+          <a:p>
+            <a:pPr algn="ctr"/>
+            <a:endParaRPr lang="nl-NL" sz="2400" b="1" dirty="0"/>
+          </a:p>
+          <a:p>
+            <a:pPr algn="ctr"/>
+            <a:r>
+              <a:rPr lang="nl-NL" sz="2400" b="1" dirty="0" smtClean="0">
+                <a:solidFill>
+                  <a:srgbClr val="FF0000"/>
+                </a:solidFill>
+              </a:rPr>
+              <a:t>Returns a stream of </a:t>
+            </a:r>
+            <a:r>
+              <a:rPr lang="nl-NL" sz="2400" b="1" dirty="0" err="1" smtClean="0">
+                <a:solidFill>
+                  <a:srgbClr val="FF0000"/>
+                </a:solidFill>
+              </a:rPr>
+              <a:t>values</a:t>
+            </a:r>
+            <a:r>
+              <a:rPr lang="nl-NL" sz="2400" b="1" dirty="0" smtClean="0">
+                <a:solidFill>
+                  <a:srgbClr val="FF0000"/>
+                </a:solidFill>
+              </a:rPr>
+              <a:t> over </a:t>
+            </a:r>
+            <a:r>
+              <a:rPr lang="nl-NL" sz="2400" b="1" dirty="0" smtClean="0">
+                <a:solidFill>
+                  <a:srgbClr val="FF0000"/>
+                </a:solidFill>
+              </a:rPr>
+              <a:t>time</a:t>
+            </a:r>
+            <a:endParaRPr lang="nl-NL" sz="2400" b="1" dirty="0">
+              <a:solidFill>
+                <a:srgbClr val="FF0000"/>
+              </a:solidFill>
+            </a:endParaRPr>
+          </a:p>
+          <a:p>
+            <a:pPr algn="ctr"/>
+            <a:r>
+              <a:rPr lang="nl-NL" sz="2400" b="1" dirty="0" err="1" smtClean="0">
+                <a:solidFill>
+                  <a:schemeClr val="accent2"/>
+                </a:solidFill>
+              </a:rPr>
+              <a:t>Lazy</a:t>
+            </a:r>
+            <a:endParaRPr lang="nl-NL" sz="2400" b="1" dirty="0" smtClean="0">
+              <a:solidFill>
+                <a:schemeClr val="accent2"/>
+              </a:solidFill>
+            </a:endParaRPr>
+          </a:p>
+          <a:p>
+            <a:pPr algn="ctr"/>
+            <a:endParaRPr lang="nl-NL" sz="2400" b="1" dirty="0"/>
+          </a:p>
+          <a:p>
+            <a:pPr algn="ctr"/>
+            <a:r>
+              <a:rPr lang="nl-NL" sz="2400" b="1" dirty="0" err="1" smtClean="0">
+                <a:solidFill>
+                  <a:srgbClr val="FFC000"/>
+                </a:solidFill>
+              </a:rPr>
+              <a:t>Subscribe</a:t>
+            </a:r>
+            <a:r>
+              <a:rPr lang="nl-NL" sz="2400" b="1" dirty="0" smtClean="0">
+                <a:solidFill>
+                  <a:srgbClr val="FFC000"/>
+                </a:solidFill>
+              </a:rPr>
+              <a:t> </a:t>
+            </a:r>
+            <a:r>
+              <a:rPr lang="nl-NL" sz="2400" b="1" dirty="0" err="1" smtClean="0">
+                <a:solidFill>
+                  <a:srgbClr val="FFC000"/>
+                </a:solidFill>
+              </a:rPr>
+              <a:t>to</a:t>
+            </a:r>
+            <a:r>
+              <a:rPr lang="nl-NL" sz="2400" b="1" dirty="0" smtClean="0">
+                <a:solidFill>
+                  <a:srgbClr val="FFC000"/>
+                </a:solidFill>
+              </a:rPr>
+              <a:t> </a:t>
+            </a:r>
+            <a:r>
+              <a:rPr lang="nl-NL" sz="2400" b="1" dirty="0" err="1" smtClean="0">
+                <a:solidFill>
+                  <a:srgbClr val="FFC000"/>
+                </a:solidFill>
+              </a:rPr>
+              <a:t>the</a:t>
+            </a:r>
+            <a:r>
+              <a:rPr lang="nl-NL" sz="2400" b="1" dirty="0" smtClean="0">
+                <a:solidFill>
+                  <a:srgbClr val="FFC000"/>
+                </a:solidFill>
+              </a:rPr>
+              <a:t> stream (push </a:t>
+            </a:r>
+            <a:r>
+              <a:rPr lang="nl-NL" sz="2400" b="1" dirty="0" err="1" smtClean="0">
+                <a:solidFill>
+                  <a:srgbClr val="FFC000"/>
+                </a:solidFill>
+              </a:rPr>
+              <a:t>mechanism</a:t>
+            </a:r>
+            <a:r>
+              <a:rPr lang="nl-NL" sz="2400" b="1" dirty="0" smtClean="0">
+                <a:solidFill>
+                  <a:srgbClr val="FFC000"/>
+                </a:solidFill>
+              </a:rPr>
+              <a:t>)</a:t>
+            </a:r>
+          </a:p>
+          <a:p>
+            <a:pPr algn="ctr"/>
+            <a:endParaRPr lang="nl-NL" sz="2400" b="1" dirty="0"/>
+          </a:p>
+          <a:p>
+            <a:pPr algn="ctr"/>
+            <a:r>
+              <a:rPr lang="nl-NL" sz="2400" b="1" dirty="0" smtClean="0">
+                <a:solidFill>
+                  <a:schemeClr val="accent2"/>
+                </a:solidFill>
+              </a:rPr>
+              <a:t>Array-</a:t>
+            </a:r>
+            <a:r>
+              <a:rPr lang="nl-NL" sz="2400" b="1" dirty="0" err="1" smtClean="0">
+                <a:solidFill>
+                  <a:schemeClr val="accent2"/>
+                </a:solidFill>
+              </a:rPr>
+              <a:t>methods</a:t>
+            </a:r>
+            <a:r>
+              <a:rPr lang="nl-NL" sz="2400" b="1" dirty="0" smtClean="0">
+                <a:solidFill>
+                  <a:schemeClr val="accent2"/>
+                </a:solidFill>
+              </a:rPr>
+              <a:t> </a:t>
+            </a:r>
+            <a:r>
+              <a:rPr lang="nl-NL" sz="2400" b="1" dirty="0" smtClean="0">
+                <a:solidFill>
+                  <a:schemeClr val="accent2"/>
+                </a:solidFill>
+              </a:rPr>
+              <a:t>on stream </a:t>
+            </a:r>
+            <a:r>
+              <a:rPr lang="nl-NL" sz="2400" b="1" dirty="0" smtClean="0">
+                <a:sym typeface="Wingdings"/>
+              </a:rPr>
+              <a:t> map(), filter</a:t>
+            </a:r>
+            <a:r>
+              <a:rPr lang="nl-NL" sz="2400" b="1" dirty="0" smtClean="0">
+                <a:sym typeface="Wingdings"/>
+              </a:rPr>
+              <a:t>(), </a:t>
+            </a:r>
+            <a:r>
+              <a:rPr lang="nl-NL" sz="2400" b="1" dirty="0" err="1" smtClean="0">
+                <a:sym typeface="Wingdings"/>
+              </a:rPr>
+              <a:t>reduce</a:t>
+            </a:r>
+            <a:r>
+              <a:rPr lang="nl-NL" sz="2400" b="1" dirty="0" smtClean="0">
+                <a:sym typeface="Wingdings"/>
+              </a:rPr>
+              <a:t>()</a:t>
+            </a:r>
+            <a:endParaRPr lang="nl-NL" sz="2400" b="1" dirty="0" smtClean="0"/>
+          </a:p>
+          <a:p>
+            <a:pPr algn="ctr"/>
+            <a:endParaRPr lang="nl-NL" sz="2400" b="1" dirty="0"/>
+          </a:p>
+          <a:p>
+            <a:pPr algn="ctr"/>
+            <a:r>
+              <a:rPr lang="nl-NL" sz="2400" b="1" dirty="0" err="1" smtClean="0">
+                <a:solidFill>
+                  <a:srgbClr val="FF0000"/>
+                </a:solidFill>
+              </a:rPr>
+              <a:t>Example</a:t>
+            </a:r>
+            <a:r>
+              <a:rPr lang="nl-NL" sz="2400" b="1" dirty="0" smtClean="0">
+                <a:solidFill>
+                  <a:srgbClr val="FF0000"/>
+                </a:solidFill>
+              </a:rPr>
+              <a:t> stream: </a:t>
+            </a:r>
+            <a:r>
+              <a:rPr lang="nl-NL" sz="2400" b="1" dirty="0" smtClean="0"/>
+              <a:t>list of ’share </a:t>
+            </a:r>
+            <a:r>
+              <a:rPr lang="nl-NL" sz="2400" b="1" dirty="0" err="1" smtClean="0"/>
+              <a:t>prices</a:t>
+            </a:r>
+            <a:r>
+              <a:rPr lang="nl-NL" sz="2400" b="1" dirty="0" smtClean="0"/>
+              <a:t>’ </a:t>
+            </a:r>
+            <a:r>
+              <a:rPr lang="nl-NL" sz="2400" b="1" dirty="0" err="1" smtClean="0"/>
+              <a:t>which</a:t>
+            </a:r>
+            <a:r>
+              <a:rPr lang="nl-NL" sz="2400" b="1" dirty="0" smtClean="0"/>
+              <a:t> changes </a:t>
+            </a:r>
+            <a:r>
+              <a:rPr lang="nl-NL" sz="2400" b="1" dirty="0" err="1" smtClean="0"/>
+              <a:t>each</a:t>
+            </a:r>
+            <a:r>
+              <a:rPr lang="nl-NL" sz="2400" b="1" dirty="0" smtClean="0"/>
+              <a:t> minute.</a:t>
+            </a:r>
+          </a:p>
+          <a:p>
+            <a:pPr algn="ctr"/>
+            <a:endParaRPr lang="nl-NL" sz="2400" b="1" dirty="0"/>
+          </a:p>
+          <a:p>
+            <a:pPr algn="ctr"/>
+            <a:endParaRPr lang="nl-NL" sz="2400" dirty="0" smtClean="0"/>
+          </a:p>
+          <a:p>
+            <a:pPr algn="ctr"/>
+            <a:endParaRPr lang="nl-NL" sz="2400" dirty="0"/>
+          </a:p>
+          <a:p>
+            <a:pPr algn="ctr"/>
+            <a:endParaRPr lang="nl-NL" sz="2400" dirty="0"/>
+          </a:p>
+          <a:p>
+            <a:pPr algn="ctr"/>
+            <a:endParaRPr lang="nl-NL" sz="2400" dirty="0"/>
+          </a:p>
+          <a:p>
+            <a:pPr>
+              <a:lnSpc>
+                <a:spcPts val="1800"/>
+              </a:lnSpc>
+              <a:spcAft>
+                <a:spcPts val="1800"/>
+              </a:spcAft>
+              <a:tabLst>
+                <a:tab pos="581660" algn="l"/>
+                <a:tab pos="1163320" algn="l"/>
+                <a:tab pos="1744980" algn="l"/>
+                <a:tab pos="2326640" algn="l"/>
+                <a:tab pos="2908300" algn="l"/>
+                <a:tab pos="3489960" algn="l"/>
+                <a:tab pos="4071620" algn="l"/>
+                <a:tab pos="4653280" algn="l"/>
+                <a:tab pos="5234940" algn="l"/>
+                <a:tab pos="5816600" algn="l"/>
+                <a:tab pos="6398260" algn="l"/>
+                <a:tab pos="6979920" algn="l"/>
+                <a:tab pos="7561580" algn="l"/>
+                <a:tab pos="8143240" algn="l"/>
+                <a:tab pos="8724900" algn="l"/>
+                <a:tab pos="9306560" algn="l"/>
+              </a:tabLst>
+            </a:pPr>
+            <a:endParaRPr lang="nl-NL" sz="2400" b="1" dirty="0" smtClean="0">
+              <a:latin typeface="Calibri" panose="020F0502020204030204" pitchFamily="34" charset="0"/>
+              <a:ea typeface="ＭＳ 明朝"/>
+              <a:cs typeface="Courier"/>
+            </a:endParaRPr>
+          </a:p>
+          <a:p>
+            <a:pPr>
+              <a:lnSpc>
+                <a:spcPts val="1800"/>
+              </a:lnSpc>
+              <a:spcAft>
+                <a:spcPts val="1800"/>
+              </a:spcAft>
+              <a:tabLst>
+                <a:tab pos="581660" algn="l"/>
+                <a:tab pos="1163320" algn="l"/>
+                <a:tab pos="1744980" algn="l"/>
+                <a:tab pos="2326640" algn="l"/>
+                <a:tab pos="2908300" algn="l"/>
+                <a:tab pos="3489960" algn="l"/>
+                <a:tab pos="4071620" algn="l"/>
+                <a:tab pos="4653280" algn="l"/>
+                <a:tab pos="5234940" algn="l"/>
+                <a:tab pos="5816600" algn="l"/>
+                <a:tab pos="6398260" algn="l"/>
+                <a:tab pos="6979920" algn="l"/>
+                <a:tab pos="7561580" algn="l"/>
+                <a:tab pos="8143240" algn="l"/>
+                <a:tab pos="8724900" algn="l"/>
+                <a:tab pos="9306560" algn="l"/>
+              </a:tabLst>
+            </a:pPr>
+            <a:endParaRPr lang="nl-NL" sz="2400" b="1" dirty="0" smtClean="0">
+              <a:latin typeface="Calibri" panose="020F0502020204030204" pitchFamily="34" charset="0"/>
+              <a:ea typeface="ＭＳ 明朝"/>
+              <a:cs typeface="Courier"/>
+            </a:endParaRPr>
+          </a:p>
+          <a:p>
+            <a:pPr>
+              <a:lnSpc>
+                <a:spcPts val="1800"/>
+              </a:lnSpc>
+              <a:spcAft>
+                <a:spcPts val="1800"/>
+              </a:spcAft>
+              <a:tabLst>
+                <a:tab pos="581660" algn="l"/>
+                <a:tab pos="1163320" algn="l"/>
+                <a:tab pos="1744980" algn="l"/>
+                <a:tab pos="2326640" algn="l"/>
+                <a:tab pos="2908300" algn="l"/>
+                <a:tab pos="3489960" algn="l"/>
+                <a:tab pos="4071620" algn="l"/>
+                <a:tab pos="4653280" algn="l"/>
+                <a:tab pos="5234940" algn="l"/>
+                <a:tab pos="5816600" algn="l"/>
+                <a:tab pos="6398260" algn="l"/>
+                <a:tab pos="6979920" algn="l"/>
+                <a:tab pos="7561580" algn="l"/>
+                <a:tab pos="8143240" algn="l"/>
+                <a:tab pos="8724900" algn="l"/>
+                <a:tab pos="9306560" algn="l"/>
+              </a:tabLst>
+            </a:pPr>
+            <a:endParaRPr lang="en-US" sz="2400" b="1" dirty="0">
+              <a:latin typeface="Calibri" panose="020F0502020204030204" pitchFamily="34" charset="0"/>
+              <a:ea typeface="ＭＳ 明朝"/>
+              <a:cs typeface="Times New Roman"/>
+            </a:endParaRPr>
+          </a:p>
+        </p:txBody>
+      </p:sp>
+    </p:spTree>
+    <p:extLst>
+      <p:ext uri="{BB962C8B-B14F-4D97-AF65-F5344CB8AC3E}">
+        <p14:creationId xmlns:p14="http://schemas.microsoft.com/office/powerpoint/2010/main" val="2101318872"/>
+      </p:ext>
+    </p:extLst>
+  </p:cSld>
+  <p:clrMapOvr>
+    <a:masterClrMapping/>
+  </p:clrMapOvr>
+  <p:timing>
+    <p:tnLst>
+      <p:par>
+        <p:cTn id="1" dur="indefinite" restart="never" nodeType="tmRoot"/>
+      </p:par>
+    </p:tnLst>
+  </p:timing>
+</p:sld>
+</file>
+
+<file path=ppt/slides/slide26.xml><?xml version="1.0" encoding="utf-8"?>
+<p:sld xmlns:a="http://schemas.openxmlformats.org/drawingml/2006/main" xmlns:r="http://schemas.openxmlformats.org/officeDocument/2006/relationships" xmlns:p="http://schemas.openxmlformats.org/presentationml/2006/main">
+  <p:cSld>
+    <p:spTree>
+      <p:nvGrpSpPr>
+        <p:cNvPr id="1" name=""/>
+        <p:cNvGrpSpPr/>
+        <p:nvPr/>
+      </p:nvGrpSpPr>
+      <p:grpSpPr>
+        <a:xfrm>
+          <a:off x="0" y="0"/>
+          <a:ext cx="0" cy="0"/>
+          <a:chOff x="0" y="0"/>
+          <a:chExt cx="0" cy="0"/>
+        </a:xfrm>
+      </p:grpSpPr>
+      <p:sp>
+        <p:nvSpPr>
+          <p:cNvPr id="2" name="Title 1"/>
+          <p:cNvSpPr>
+            <a:spLocks noGrp="1"/>
+          </p:cNvSpPr>
+          <p:nvPr>
+            <p:ph type="title"/>
+          </p:nvPr>
+        </p:nvSpPr>
+        <p:spPr/>
+        <p:txBody>
+          <a:bodyPr/>
+          <a:lstStyle/>
+          <a:p>
             <a:endParaRPr lang="en-US"/>
           </a:p>
         </p:txBody>
@@ -18280,7 +19333,7 @@
 </p:sld>
 </file>
 
-<file path=ppt/slides/slide25.xml><?xml version="1.0" encoding="utf-8"?>
+<file path=ppt/slides/slide27.xml><?xml version="1.0" encoding="utf-8"?>
 <p:sld xmlns:a="http://schemas.openxmlformats.org/drawingml/2006/main" xmlns:r="http://schemas.openxmlformats.org/officeDocument/2006/relationships" xmlns:p="http://schemas.openxmlformats.org/presentationml/2006/main">
   <p:cSld>
     <p:spTree>
@@ -18418,7 +19471,7 @@
 </p:sld>
 </file>
 
-<file path=ppt/slides/slide26.xml><?xml version="1.0" encoding="utf-8"?>
+<file path=ppt/slides/slide28.xml><?xml version="1.0" encoding="utf-8"?>
 <p:sld xmlns:a="http://schemas.openxmlformats.org/drawingml/2006/main" xmlns:r="http://schemas.openxmlformats.org/officeDocument/2006/relationships" xmlns:p="http://schemas.openxmlformats.org/presentationml/2006/main">
   <p:cSld>
     <p:spTree>
@@ -18734,7 +19787,7 @@
 </p:sld>
 </file>
 
-<file path=ppt/slides/slide27.xml><?xml version="1.0" encoding="utf-8"?>
+<file path=ppt/slides/slide29.xml><?xml version="1.0" encoding="utf-8"?>
 <p:sld xmlns:a="http://schemas.openxmlformats.org/drawingml/2006/main" xmlns:r="http://schemas.openxmlformats.org/officeDocument/2006/relationships" xmlns:p="http://schemas.openxmlformats.org/presentationml/2006/main">
   <p:cSld>
     <p:spTree>
@@ -19277,12 +20330,16 @@
               <a:t>       </a:t>
             </a:r>
             <a:r>
-              <a:rPr lang="nl-NL" sz="1600" dirty="0" err="1" smtClean="0"/>
+              <a:rPr lang="nl-NL" sz="1600" b="1" dirty="0" err="1" smtClean="0"/>
               <a:t>getBooks</a:t>
             </a:r>
             <a:r>
+              <a:rPr lang="nl-NL" sz="1600" b="1" dirty="0"/>
+              <a:t>()</a:t>
+            </a:r>
+            <a:r>
               <a:rPr lang="nl-NL" sz="1600" dirty="0"/>
-              <a:t>(): </a:t>
+              <a:t>: </a:t>
             </a:r>
             <a:r>
               <a:rPr lang="nl-NL" sz="1600" b="1" dirty="0" err="1" smtClean="0">
@@ -20413,7 +21470,125 @@
 </p:sld>
 </file>
 
-<file path=ppt/slides/slide28.xml><?xml version="1.0" encoding="utf-8"?>
+<file path=ppt/slides/slide3.xml><?xml version="1.0" encoding="utf-8"?>
+<p:sld xmlns:a="http://schemas.openxmlformats.org/drawingml/2006/main" xmlns:r="http://schemas.openxmlformats.org/officeDocument/2006/relationships" xmlns:p="http://schemas.openxmlformats.org/presentationml/2006/main">
+  <p:cSld>
+    <p:spTree>
+      <p:nvGrpSpPr>
+        <p:cNvPr id="1" name=""/>
+        <p:cNvGrpSpPr/>
+        <p:nvPr/>
+      </p:nvGrpSpPr>
+      <p:grpSpPr>
+        <a:xfrm>
+          <a:off x="0" y="0"/>
+          <a:ext cx="0" cy="0"/>
+          <a:chOff x="0" y="0"/>
+          <a:chExt cx="0" cy="0"/>
+        </a:xfrm>
+      </p:grpSpPr>
+      <p:sp>
+        <p:nvSpPr>
+          <p:cNvPr id="2" name="Titel 1"/>
+          <p:cNvSpPr>
+            <a:spLocks noGrp="1"/>
+          </p:cNvSpPr>
+          <p:nvPr>
+            <p:ph type="title"/>
+          </p:nvPr>
+        </p:nvSpPr>
+        <p:spPr/>
+        <p:txBody>
+          <a:bodyPr/>
+          <a:lstStyle/>
+          <a:p>
+            <a:pPr algn="ctr"/>
+            <a:r>
+              <a:rPr lang="nl-NL" b="1" dirty="0" err="1" smtClean="0">
+                <a:solidFill>
+                  <a:srgbClr val="FFC000"/>
+                </a:solidFill>
+              </a:rPr>
+              <a:t>TypeScript</a:t>
+            </a:r>
+            <a:endParaRPr lang="nl-NL" b="1" dirty="0">
+              <a:solidFill>
+                <a:srgbClr val="FFC000"/>
+              </a:solidFill>
+            </a:endParaRPr>
+          </a:p>
+        </p:txBody>
+      </p:sp>
+      <p:sp>
+        <p:nvSpPr>
+          <p:cNvPr id="3" name="Tijdelijke aanduiding voor inhoud 2"/>
+          <p:cNvSpPr>
+            <a:spLocks noGrp="1"/>
+          </p:cNvSpPr>
+          <p:nvPr>
+            <p:ph idx="1"/>
+          </p:nvPr>
+        </p:nvSpPr>
+        <p:spPr/>
+        <p:txBody>
+          <a:bodyPr/>
+          <a:lstStyle/>
+          <a:p>
+            <a:endParaRPr lang="nl-NL" dirty="0"/>
+          </a:p>
+        </p:txBody>
+      </p:sp>
+      <p:pic>
+        <p:nvPicPr>
+          <p:cNvPr id="4" name="Afbeelding 3"/>
+          <p:cNvPicPr>
+            <a:picLocks noChangeAspect="1"/>
+          </p:cNvPicPr>
+          <p:nvPr/>
+        </p:nvPicPr>
+        <p:blipFill>
+          <a:blip r:embed="rId3">
+            <a:extLst>
+              <a:ext uri="{28A0092B-C50C-407E-A947-70E740481C1C}">
+                <a14:useLocalDpi xmlns:a14="http://schemas.microsoft.com/office/drawing/2010/main" val="0"/>
+              </a:ext>
+            </a:extLst>
+          </a:blip>
+          <a:stretch>
+            <a:fillRect/>
+          </a:stretch>
+        </p:blipFill>
+        <p:spPr>
+          <a:xfrm>
+            <a:off x="3968856" y="1927625"/>
+            <a:ext cx="4029516" cy="4147338"/>
+          </a:xfrm>
+          <a:prstGeom prst="rect">
+            <a:avLst/>
+          </a:prstGeom>
+        </p:spPr>
+      </p:pic>
+    </p:spTree>
+    <p:extLst>
+      <p:ext uri="{BB962C8B-B14F-4D97-AF65-F5344CB8AC3E}">
+        <p14:creationId xmlns:p14="http://schemas.microsoft.com/office/powerpoint/2010/main" val="3722296180"/>
+      </p:ext>
+    </p:extLst>
+  </p:cSld>
+  <p:clrMapOvr>
+    <a:masterClrMapping/>
+  </p:clrMapOvr>
+  <p:timing>
+    <p:tnLst>
+      <p:par>
+        <p:cTn id="1" dur="indefinite" restart="never" nodeType="tmRoot"/>
+      </p:par>
+    </p:tnLst>
+  </p:timing>
+</p:sld>
+</file>
+
+<file path=ppt/slides/slide30.xml><?xml version="1.0" encoding="utf-8"?>
 <p:sld xmlns:a="http://schemas.openxmlformats.org/drawingml/2006/main" xmlns:r="http://schemas.openxmlformats.org/officeDocument/2006/relationships" xmlns:p="http://schemas.openxmlformats.org/presentationml/2006/main">
   <p:cSld>
     <p:spTree>
@@ -20538,7 +21713,7 @@
               <a:buNone/>
             </a:pPr>
             <a:r>
-              <a:rPr lang="nl-NL" dirty="0" smtClean="0">
+              <a:rPr lang="nl-NL" sz="1800" dirty="0" smtClean="0">
                 <a:solidFill>
                   <a:srgbClr val="FF0000"/>
                 </a:solidFill>
@@ -20546,7 +21721,7 @@
               <a:t>Import { </a:t>
             </a:r>
             <a:r>
-              <a:rPr lang="nl-NL" b="1" dirty="0" err="1">
+              <a:rPr lang="nl-NL" sz="1800" b="1" dirty="0" err="1">
                 <a:solidFill>
                   <a:srgbClr val="C00000"/>
                 </a:solidFill>
@@ -20554,7 +21729,7 @@
               <a:t>AppService</a:t>
             </a:r>
             <a:r>
-              <a:rPr lang="nl-NL" dirty="0">
+              <a:rPr lang="nl-NL" sz="1800" dirty="0">
                 <a:solidFill>
                   <a:srgbClr val="C00000"/>
                 </a:solidFill>
@@ -20562,7 +21737,7 @@
               <a:t> </a:t>
             </a:r>
             <a:r>
-              <a:rPr lang="nl-NL" dirty="0">
+              <a:rPr lang="nl-NL" sz="1800" dirty="0">
                 <a:solidFill>
                   <a:srgbClr val="FF0000"/>
                 </a:solidFill>
@@ -20570,7 +21745,7 @@
               <a:t>} </a:t>
             </a:r>
             <a:r>
-              <a:rPr lang="nl-NL" dirty="0" err="1">
+              <a:rPr lang="nl-NL" sz="1800" dirty="0" err="1">
                 <a:solidFill>
                   <a:srgbClr val="FF0000"/>
                 </a:solidFill>
@@ -20578,7 +21753,7 @@
               <a:t>from</a:t>
             </a:r>
             <a:r>
-              <a:rPr lang="nl-NL" dirty="0">
+              <a:rPr lang="nl-NL" sz="1800" dirty="0">
                 <a:solidFill>
                   <a:srgbClr val="FF0000"/>
                 </a:solidFill>
@@ -20586,7 +21761,7 @@
               <a:t> </a:t>
             </a:r>
             <a:r>
-              <a:rPr lang="nl-NL" dirty="0" smtClean="0">
+              <a:rPr lang="nl-NL" sz="1800" dirty="0" smtClean="0">
                 <a:solidFill>
                   <a:srgbClr val="FF0000"/>
                 </a:solidFill>
@@ -20594,7 +21769,7 @@
               <a:t>'../</a:t>
             </a:r>
             <a:r>
-              <a:rPr lang="nl-NL" dirty="0">
+              <a:rPr lang="nl-NL" sz="1800" dirty="0">
                 <a:solidFill>
                   <a:srgbClr val="FF0000"/>
                 </a:solidFill>
@@ -20602,7 +21777,7 @@
               <a:t>services/</a:t>
             </a:r>
             <a:r>
-              <a:rPr lang="nl-NL" dirty="0" err="1">
+              <a:rPr lang="nl-NL" sz="1800" dirty="0" err="1">
                 <a:solidFill>
                   <a:srgbClr val="FF0000"/>
                 </a:solidFill>
@@ -20610,7 +21785,7 @@
               <a:t>app.service</a:t>
             </a:r>
             <a:r>
-              <a:rPr lang="nl-NL" dirty="0">
+              <a:rPr lang="nl-NL" sz="1800" dirty="0">
                 <a:solidFill>
                   <a:srgbClr val="FF0000"/>
                 </a:solidFill>
@@ -20622,14 +21797,14 @@
             <a:pPr marL="0" indent="0">
               <a:buNone/>
             </a:pPr>
-            <a:endParaRPr lang="nl-NL" dirty="0"/>
+            <a:endParaRPr lang="nl-NL" sz="1800" dirty="0"/>
           </a:p>
           <a:p>
             <a:pPr marL="0" indent="0">
               <a:buNone/>
             </a:pPr>
             <a:r>
-              <a:rPr lang="nl-NL" dirty="0"/>
+              <a:rPr lang="nl-NL" sz="1800" dirty="0"/>
               <a:t>@Component({</a:t>
             </a:r>
           </a:p>
@@ -20638,79 +21813,91 @@
               <a:buNone/>
             </a:pPr>
             <a:r>
-              <a:rPr lang="nl-NL" dirty="0"/>
+              <a:rPr lang="nl-NL" sz="1800" dirty="0"/>
               <a:t>  </a:t>
             </a:r>
             <a:r>
-              <a:rPr lang="nl-NL" dirty="0" smtClean="0"/>
+              <a:rPr lang="nl-NL" sz="1800" dirty="0" smtClean="0"/>
               <a:t>  </a:t>
             </a:r>
             <a:r>
-              <a:rPr lang="nl-NL" dirty="0" err="1" smtClean="0"/>
+              <a:rPr lang="nl-NL" sz="1800" dirty="0" smtClean="0"/>
+              <a:t>	</a:t>
+            </a:r>
+            <a:r>
+              <a:rPr lang="nl-NL" sz="1800" dirty="0" err="1" smtClean="0"/>
               <a:t>selector</a:t>
             </a:r>
             <a:r>
-              <a:rPr lang="nl-NL" dirty="0"/>
+              <a:rPr lang="nl-NL" sz="1800" dirty="0"/>
               <a:t>: '</a:t>
             </a:r>
             <a:r>
-              <a:rPr lang="nl-NL" dirty="0" err="1"/>
+              <a:rPr lang="nl-NL" sz="1800" dirty="0" err="1"/>
               <a:t>bs-books</a:t>
             </a:r>
             <a:r>
-              <a:rPr lang="nl-NL" dirty="0" smtClean="0"/>
+              <a:rPr lang="nl-NL" sz="1800" dirty="0" smtClean="0"/>
               <a:t>',</a:t>
             </a:r>
-            <a:endParaRPr lang="nl-NL" dirty="0"/>
+            <a:endParaRPr lang="nl-NL" sz="1800" dirty="0"/>
           </a:p>
           <a:p>
             <a:pPr marL="0" indent="0">
               <a:buNone/>
             </a:pPr>
             <a:r>
-              <a:rPr lang="nl-NL" dirty="0" smtClean="0"/>
+              <a:rPr lang="nl-NL" sz="1800" dirty="0" smtClean="0"/>
               <a:t>    </a:t>
             </a:r>
             <a:r>
-              <a:rPr lang="nl-NL" dirty="0" err="1"/>
+              <a:rPr lang="nl-NL" sz="1800" dirty="0" smtClean="0"/>
+              <a:t>	</a:t>
+            </a:r>
+            <a:r>
+              <a:rPr lang="nl-NL" sz="1800" dirty="0" err="1" smtClean="0"/>
               <a:t>templateUrl</a:t>
             </a:r>
             <a:r>
-              <a:rPr lang="nl-NL" dirty="0"/>
+              <a:rPr lang="nl-NL" sz="1800" dirty="0"/>
               <a:t>: '</a:t>
             </a:r>
             <a:r>
-              <a:rPr lang="nl-NL" dirty="0" err="1"/>
+              <a:rPr lang="nl-NL" sz="1800" dirty="0" err="1"/>
               <a:t>books</a:t>
             </a:r>
             <a:r>
-              <a:rPr lang="nl-NL" dirty="0"/>
+              <a:rPr lang="nl-NL" sz="1800" dirty="0"/>
               <a:t>/</a:t>
             </a:r>
             <a:r>
-              <a:rPr lang="nl-NL" dirty="0" err="1"/>
+              <a:rPr lang="nl-NL" sz="1800" dirty="0" err="1"/>
               <a:t>template.html</a:t>
             </a:r>
             <a:r>
-              <a:rPr lang="nl-NL" dirty="0" smtClean="0"/>
+              <a:rPr lang="nl-NL" sz="1800" dirty="0" smtClean="0"/>
               <a:t>',</a:t>
             </a:r>
-            <a:endParaRPr lang="nl-NL" dirty="0"/>
+            <a:endParaRPr lang="nl-NL" sz="1800" dirty="0"/>
           </a:p>
           <a:p>
             <a:pPr marL="0" indent="0">
               <a:buNone/>
             </a:pPr>
             <a:r>
-              <a:rPr lang="nl-NL" dirty="0"/>
+              <a:rPr lang="nl-NL" sz="1800" dirty="0"/>
               <a:t>  </a:t>
             </a:r>
             <a:r>
-              <a:rPr lang="nl-NL" dirty="0" smtClean="0"/>
+              <a:rPr lang="nl-NL" sz="1800" dirty="0" smtClean="0"/>
               <a:t>  </a:t>
             </a:r>
             <a:r>
-              <a:rPr lang="nl-NL" b="1" dirty="0" smtClean="0">
+              <a:rPr lang="nl-NL" sz="1800" dirty="0" smtClean="0"/>
+              <a:t>	</a:t>
+            </a:r>
+            <a:r>
+              <a:rPr lang="nl-NL" sz="1800" b="1" dirty="0" smtClean="0">
                 <a:solidFill>
                   <a:schemeClr val="accent2"/>
                 </a:solidFill>
@@ -20718,7 +21905,7 @@
               <a:t>providers</a:t>
             </a:r>
             <a:r>
-              <a:rPr lang="nl-NL" b="1" dirty="0">
+              <a:rPr lang="nl-NL" sz="1800" b="1" dirty="0">
                 <a:solidFill>
                   <a:schemeClr val="accent2"/>
                 </a:solidFill>
@@ -20726,7 +21913,7 @@
               <a:t>: [ </a:t>
             </a:r>
             <a:r>
-              <a:rPr lang="nl-NL" b="1" dirty="0" err="1">
+              <a:rPr lang="nl-NL" sz="1800" b="1" dirty="0" err="1">
                 <a:solidFill>
                   <a:srgbClr val="C00000"/>
                 </a:solidFill>
@@ -20734,7 +21921,7 @@
               <a:t>AppService</a:t>
             </a:r>
             <a:r>
-              <a:rPr lang="nl-NL" b="1" dirty="0">
+              <a:rPr lang="nl-NL" sz="1800" b="1" dirty="0">
                 <a:solidFill>
                   <a:srgbClr val="C00000"/>
                 </a:solidFill>
@@ -20742,7 +21929,7 @@
               <a:t> </a:t>
             </a:r>
             <a:r>
-              <a:rPr lang="nl-NL" b="1" dirty="0">
+              <a:rPr lang="nl-NL" sz="1800" b="1" dirty="0">
                 <a:solidFill>
                   <a:schemeClr val="accent2"/>
                 </a:solidFill>
@@ -20755,9 +21942,42 @@
               <a:buNone/>
             </a:pPr>
             <a:r>
-              <a:rPr lang="nl-NL" dirty="0"/>
+              <a:rPr lang="nl-NL" sz="1800" dirty="0" smtClean="0"/>
               <a:t>})</a:t>
             </a:r>
+          </a:p>
+          <a:p>
+            <a:pPr marL="0" indent="0">
+              <a:buNone/>
+            </a:pPr>
+            <a:endParaRPr lang="nl-NL" sz="1800" dirty="0"/>
+          </a:p>
+          <a:p>
+            <a:pPr marL="0" indent="0">
+              <a:buNone/>
+            </a:pPr>
+            <a:r>
+              <a:rPr lang="nl-NL" sz="1800" dirty="0"/>
+              <a:t>export class </a:t>
+            </a:r>
+            <a:r>
+              <a:rPr lang="nl-NL" sz="1800" dirty="0" err="1"/>
+              <a:t>BooksComponent</a:t>
+            </a:r>
+            <a:r>
+              <a:rPr lang="nl-NL" sz="1800" dirty="0"/>
+              <a:t> {</a:t>
+            </a:r>
+          </a:p>
+          <a:p>
+            <a:pPr marL="0" indent="0">
+              <a:buNone/>
+            </a:pPr>
+            <a:r>
+              <a:rPr lang="mr-IN" sz="1800" dirty="0" smtClean="0"/>
+              <a:t>…</a:t>
+            </a:r>
+            <a:endParaRPr lang="nl-NL" sz="1800" dirty="0"/>
           </a:p>
         </p:txBody>
       </p:sp>
@@ -20781,7 +22001,542 @@
 </p:sld>
 </file>
 
-<file path=ppt/slides/slide29.xml><?xml version="1.0" encoding="utf-8"?>
+<file path=ppt/slides/slide31.xml><?xml version="1.0" encoding="utf-8"?>
+<p:sld xmlns:a="http://schemas.openxmlformats.org/drawingml/2006/main" xmlns:r="http://schemas.openxmlformats.org/officeDocument/2006/relationships" xmlns:p="http://schemas.openxmlformats.org/presentationml/2006/main">
+  <p:cSld>
+    <p:spTree>
+      <p:nvGrpSpPr>
+        <p:cNvPr id="1" name=""/>
+        <p:cNvGrpSpPr/>
+        <p:nvPr/>
+      </p:nvGrpSpPr>
+      <p:grpSpPr>
+        <a:xfrm>
+          <a:off x="0" y="0"/>
+          <a:ext cx="0" cy="0"/>
+          <a:chOff x="0" y="0"/>
+          <a:chExt cx="0" cy="0"/>
+        </a:xfrm>
+      </p:grpSpPr>
+      <p:sp>
+        <p:nvSpPr>
+          <p:cNvPr id="2" name="Title 1"/>
+          <p:cNvSpPr>
+            <a:spLocks noGrp="1"/>
+          </p:cNvSpPr>
+          <p:nvPr>
+            <p:ph type="title"/>
+          </p:nvPr>
+        </p:nvSpPr>
+        <p:spPr/>
+        <p:txBody>
+          <a:bodyPr/>
+          <a:lstStyle/>
+          <a:p>
+            <a:pPr algn="ctr"/>
+            <a:r>
+              <a:rPr lang="nl-NL" b="1" dirty="0" err="1" smtClean="0">
+                <a:solidFill>
+                  <a:srgbClr val="FFC000"/>
+                </a:solidFill>
+              </a:rPr>
+              <a:t>Inject</a:t>
+            </a:r>
+            <a:r>
+              <a:rPr lang="nl-NL" b="1" dirty="0" smtClean="0">
+                <a:solidFill>
+                  <a:srgbClr val="FFC000"/>
+                </a:solidFill>
+              </a:rPr>
+              <a:t> </a:t>
+            </a:r>
+            <a:r>
+              <a:rPr lang="nl-NL" b="1" dirty="0" err="1" smtClean="0">
+                <a:solidFill>
+                  <a:srgbClr val="FFC000"/>
+                </a:solidFill>
+              </a:rPr>
+              <a:t>AppService</a:t>
+            </a:r>
+            <a:r>
+              <a:rPr lang="nl-NL" b="1" dirty="0" smtClean="0">
+                <a:solidFill>
+                  <a:srgbClr val="FFC000"/>
+                </a:solidFill>
+              </a:rPr>
+              <a:t> </a:t>
+            </a:r>
+            <a:r>
+              <a:rPr lang="nl-NL" b="1" dirty="0" smtClean="0">
+                <a:solidFill>
+                  <a:srgbClr val="FFC000"/>
+                </a:solidFill>
+              </a:rPr>
+              <a:t>via the </a:t>
+            </a:r>
+            <a:r>
+              <a:rPr lang="nl-NL" b="1" dirty="0" err="1" smtClean="0">
+                <a:solidFill>
+                  <a:srgbClr val="FFC000"/>
+                </a:solidFill>
+              </a:rPr>
+              <a:t>constructor</a:t>
+            </a:r>
+            <a:endParaRPr lang="nl-NL" b="1" dirty="0">
+              <a:solidFill>
+                <a:srgbClr val="FFC000"/>
+              </a:solidFill>
+            </a:endParaRPr>
+          </a:p>
+        </p:txBody>
+      </p:sp>
+      <p:sp>
+        <p:nvSpPr>
+          <p:cNvPr id="3" name="Content Placeholder 2"/>
+          <p:cNvSpPr>
+            <a:spLocks noGrp="1"/>
+          </p:cNvSpPr>
+          <p:nvPr>
+            <p:ph idx="1"/>
+          </p:nvPr>
+        </p:nvSpPr>
+        <p:spPr>
+          <a:xfrm>
+            <a:off x="3002692" y="1690688"/>
+            <a:ext cx="8452022" cy="5031387"/>
+          </a:xfrm>
+        </p:spPr>
+        <p:txBody>
+          <a:bodyPr>
+            <a:normAutofit fontScale="85000" lnSpcReduction="20000"/>
+          </a:bodyPr>
+          <a:lstStyle/>
+          <a:p>
+            <a:pPr marL="0" indent="0">
+              <a:buNone/>
+            </a:pPr>
+            <a:r>
+              <a:rPr lang="nl-NL" dirty="0" smtClean="0"/>
+              <a:t>export </a:t>
+            </a:r>
+            <a:r>
+              <a:rPr lang="nl-NL" dirty="0"/>
+              <a:t>class </a:t>
+            </a:r>
+            <a:r>
+              <a:rPr lang="nl-NL" dirty="0" err="1"/>
+              <a:t>BooksComponent</a:t>
+            </a:r>
+            <a:r>
+              <a:rPr lang="nl-NL" dirty="0"/>
+              <a:t> {</a:t>
+            </a:r>
+          </a:p>
+          <a:p>
+            <a:pPr marL="0" indent="0">
+              <a:buNone/>
+            </a:pPr>
+            <a:r>
+              <a:rPr lang="nl-NL" dirty="0" smtClean="0"/>
+              <a:t>             </a:t>
+            </a:r>
+            <a:r>
+              <a:rPr lang="nl-NL" b="1" dirty="0" err="1" smtClean="0">
+                <a:solidFill>
+                  <a:schemeClr val="accent6">
+                    <a:lumMod val="50000"/>
+                  </a:schemeClr>
+                </a:solidFill>
+              </a:rPr>
+              <a:t>books</a:t>
+            </a:r>
+            <a:r>
+              <a:rPr lang="nl-NL" b="1" dirty="0">
+                <a:solidFill>
+                  <a:schemeClr val="accent6">
+                    <a:lumMod val="50000"/>
+                  </a:schemeClr>
+                </a:solidFill>
+              </a:rPr>
+              <a:t>: </a:t>
+            </a:r>
+            <a:r>
+              <a:rPr lang="nl-NL" b="1" dirty="0" err="1">
+                <a:solidFill>
+                  <a:schemeClr val="accent6">
+                    <a:lumMod val="50000"/>
+                  </a:schemeClr>
+                </a:solidFill>
+              </a:rPr>
+              <a:t>Observable</a:t>
+            </a:r>
+            <a:r>
+              <a:rPr lang="nl-NL" b="1" dirty="0">
+                <a:solidFill>
+                  <a:schemeClr val="accent6">
+                    <a:lumMod val="50000"/>
+                  </a:schemeClr>
+                </a:solidFill>
+              </a:rPr>
+              <a:t>&lt;</a:t>
+            </a:r>
+            <a:r>
+              <a:rPr lang="nl-NL" b="1" dirty="0" err="1">
+                <a:solidFill>
+                  <a:schemeClr val="accent6">
+                    <a:lumMod val="50000"/>
+                  </a:schemeClr>
+                </a:solidFill>
+              </a:rPr>
+              <a:t>Book</a:t>
+            </a:r>
+            <a:r>
+              <a:rPr lang="nl-NL" b="1" dirty="0" smtClean="0">
+                <a:solidFill>
+                  <a:schemeClr val="accent6">
+                    <a:lumMod val="50000"/>
+                  </a:schemeClr>
+                </a:solidFill>
+              </a:rPr>
+              <a:t>[]&gt;;</a:t>
+            </a:r>
+            <a:endParaRPr lang="nl-NL" b="1" dirty="0">
+              <a:solidFill>
+                <a:schemeClr val="accent6">
+                  <a:lumMod val="50000"/>
+                </a:schemeClr>
+              </a:solidFill>
+            </a:endParaRPr>
+          </a:p>
+          <a:p>
+            <a:pPr marL="0" indent="0">
+              <a:buNone/>
+            </a:pPr>
+            <a:endParaRPr lang="nl-NL" dirty="0" smtClean="0"/>
+          </a:p>
+          <a:p>
+            <a:pPr marL="0" indent="0">
+              <a:buNone/>
+            </a:pPr>
+            <a:r>
+              <a:rPr lang="nl-NL" dirty="0" smtClean="0"/>
+              <a:t>	</a:t>
+            </a:r>
+            <a:r>
+              <a:rPr lang="nl-NL" dirty="0" err="1" smtClean="0"/>
+              <a:t>constructor</a:t>
+            </a:r>
+            <a:r>
+              <a:rPr lang="nl-NL" dirty="0" smtClean="0"/>
+              <a:t>(</a:t>
+            </a:r>
+            <a:r>
+              <a:rPr lang="nl-NL" b="1" dirty="0" smtClean="0">
+                <a:solidFill>
+                  <a:srgbClr val="C00000"/>
+                </a:solidFill>
+              </a:rPr>
+              <a:t>private </a:t>
+            </a:r>
+            <a:r>
+              <a:rPr lang="nl-NL" b="1" dirty="0" err="1">
+                <a:solidFill>
+                  <a:srgbClr val="C00000"/>
+                </a:solidFill>
+              </a:rPr>
+              <a:t>appService</a:t>
+            </a:r>
+            <a:r>
+              <a:rPr lang="nl-NL" b="1" dirty="0">
+                <a:solidFill>
+                  <a:srgbClr val="C00000"/>
+                </a:solidFill>
+              </a:rPr>
+              <a:t>: </a:t>
+            </a:r>
+            <a:r>
+              <a:rPr lang="nl-NL" b="1" dirty="0" err="1">
+                <a:solidFill>
+                  <a:srgbClr val="C00000"/>
+                </a:solidFill>
+              </a:rPr>
+              <a:t>AppService</a:t>
+            </a:r>
+            <a:r>
+              <a:rPr lang="nl-NL" dirty="0" smtClean="0"/>
+              <a:t>) {  </a:t>
+            </a:r>
+            <a:r>
+              <a:rPr lang="nl-NL" dirty="0" smtClean="0"/>
+              <a:t>}</a:t>
+            </a:r>
+          </a:p>
+          <a:p>
+            <a:pPr marL="0" indent="0">
+              <a:buNone/>
+            </a:pPr>
+            <a:r>
+              <a:rPr lang="nl-NL" dirty="0" smtClean="0"/>
+              <a:t>                      </a:t>
+            </a:r>
+          </a:p>
+          <a:p>
+            <a:pPr marL="914400" lvl="2" indent="0">
+              <a:buNone/>
+            </a:pPr>
+            <a:r>
+              <a:rPr lang="nl-NL" sz="2600" b="1" dirty="0" err="1" smtClean="0">
+                <a:solidFill>
+                  <a:srgbClr val="C00000"/>
+                </a:solidFill>
+              </a:rPr>
+              <a:t>getBooks</a:t>
+            </a:r>
+            <a:r>
+              <a:rPr lang="nl-NL" sz="2600" dirty="0" smtClean="0"/>
+              <a:t>(): </a:t>
+            </a:r>
+            <a:r>
+              <a:rPr lang="nl-NL" sz="2600" dirty="0" err="1" smtClean="0"/>
+              <a:t>void</a:t>
+            </a:r>
+            <a:r>
+              <a:rPr lang="nl-NL" sz="2600" dirty="0" smtClean="0"/>
+              <a:t> {</a:t>
+            </a:r>
+          </a:p>
+          <a:p>
+            <a:pPr marL="914400" lvl="2" indent="0">
+              <a:buNone/>
+            </a:pPr>
+            <a:r>
+              <a:rPr lang="nl-NL" sz="2600" dirty="0" smtClean="0"/>
+              <a:t>     	</a:t>
+            </a:r>
+            <a:r>
+              <a:rPr lang="nl-NL" sz="2600" b="1" dirty="0" err="1" smtClean="0">
+                <a:solidFill>
+                  <a:schemeClr val="accent6">
+                    <a:lumMod val="50000"/>
+                  </a:schemeClr>
+                </a:solidFill>
+              </a:rPr>
+              <a:t>this.appService.getBooks</a:t>
+            </a:r>
+            <a:r>
+              <a:rPr lang="nl-NL" sz="2600" b="1" dirty="0" smtClean="0">
+                <a:solidFill>
+                  <a:schemeClr val="accent6">
+                    <a:lumMod val="50000"/>
+                  </a:schemeClr>
+                </a:solidFill>
+              </a:rPr>
+              <a:t>()</a:t>
+            </a:r>
+          </a:p>
+          <a:p>
+            <a:pPr marL="914400" lvl="2" indent="0">
+              <a:buNone/>
+            </a:pPr>
+            <a:r>
+              <a:rPr lang="nl-NL" sz="2600" b="1" dirty="0">
+                <a:solidFill>
+                  <a:schemeClr val="accent6">
+                    <a:lumMod val="50000"/>
+                  </a:schemeClr>
+                </a:solidFill>
+              </a:rPr>
+              <a:t>	</a:t>
+            </a:r>
+            <a:r>
+              <a:rPr lang="nl-NL" sz="3200" b="1" dirty="0" smtClean="0">
+                <a:solidFill>
+                  <a:srgbClr val="C00000"/>
+                </a:solidFill>
+              </a:rPr>
+              <a:t>.</a:t>
+            </a:r>
+            <a:r>
+              <a:rPr lang="nl-NL" sz="3200" b="1" dirty="0" err="1">
+                <a:solidFill>
+                  <a:srgbClr val="C00000"/>
+                </a:solidFill>
+              </a:rPr>
+              <a:t>subscribe</a:t>
+            </a:r>
+            <a:r>
+              <a:rPr lang="nl-NL" sz="2600" b="1" dirty="0">
+                <a:solidFill>
+                  <a:schemeClr val="accent6">
+                    <a:lumMod val="50000"/>
+                  </a:schemeClr>
+                </a:solidFill>
+              </a:rPr>
+              <a:t>(</a:t>
+            </a:r>
+            <a:r>
+              <a:rPr lang="nl-NL" sz="2600" b="1" dirty="0" err="1">
+                <a:solidFill>
+                  <a:schemeClr val="accent6">
+                    <a:lumMod val="50000"/>
+                  </a:schemeClr>
+                </a:solidFill>
+              </a:rPr>
+              <a:t>bks</a:t>
+            </a:r>
+            <a:r>
+              <a:rPr lang="nl-NL" sz="2600" b="1" dirty="0">
+                <a:solidFill>
+                  <a:schemeClr val="accent6">
+                    <a:lumMod val="50000"/>
+                  </a:schemeClr>
+                </a:solidFill>
+              </a:rPr>
+              <a:t> =&gt; </a:t>
+            </a:r>
+            <a:r>
+              <a:rPr lang="nl-NL" sz="2600" b="1" dirty="0" err="1">
+                <a:solidFill>
+                  <a:schemeClr val="accent6">
+                    <a:lumMod val="50000"/>
+                  </a:schemeClr>
+                </a:solidFill>
+              </a:rPr>
+              <a:t>this.books</a:t>
+            </a:r>
+            <a:r>
+              <a:rPr lang="nl-NL" sz="2600" b="1" dirty="0">
+                <a:solidFill>
+                  <a:schemeClr val="accent6">
+                    <a:lumMod val="50000"/>
+                  </a:schemeClr>
+                </a:solidFill>
+              </a:rPr>
+              <a:t> = </a:t>
+            </a:r>
+            <a:r>
+              <a:rPr lang="nl-NL" sz="2600" b="1" dirty="0" err="1">
+                <a:solidFill>
+                  <a:schemeClr val="accent6">
+                    <a:lumMod val="50000"/>
+                  </a:schemeClr>
+                </a:solidFill>
+              </a:rPr>
+              <a:t>bks</a:t>
+            </a:r>
+            <a:r>
+              <a:rPr lang="nl-NL" sz="2600" b="1" dirty="0">
+                <a:solidFill>
+                  <a:schemeClr val="accent6">
+                    <a:lumMod val="50000"/>
+                  </a:schemeClr>
+                </a:solidFill>
+              </a:rPr>
+              <a:t>);</a:t>
+            </a:r>
+          </a:p>
+          <a:p>
+            <a:pPr marL="914400" lvl="2" indent="0">
+              <a:buNone/>
+            </a:pPr>
+            <a:r>
+              <a:rPr lang="nl-NL" sz="2600" dirty="0" smtClean="0"/>
+              <a:t>}</a:t>
+            </a:r>
+          </a:p>
+          <a:p>
+            <a:pPr marL="914400" lvl="2" indent="0">
+              <a:buNone/>
+            </a:pPr>
+            <a:endParaRPr lang="nl-NL" sz="2600" dirty="0"/>
+          </a:p>
+          <a:p>
+            <a:pPr marL="914400" lvl="2" indent="0">
+              <a:buNone/>
+            </a:pPr>
+            <a:r>
+              <a:rPr lang="nl-NL" sz="2600" b="1" dirty="0" err="1" smtClean="0">
+                <a:solidFill>
+                  <a:srgbClr val="C00000"/>
+                </a:solidFill>
+              </a:rPr>
+              <a:t>ngOnInit</a:t>
+            </a:r>
+            <a:r>
+              <a:rPr lang="nl-NL" sz="2600" dirty="0" smtClean="0"/>
+              <a:t>() {</a:t>
+            </a:r>
+            <a:endParaRPr lang="nl-NL" sz="2600" dirty="0"/>
+          </a:p>
+          <a:p>
+            <a:pPr marL="914400" lvl="2" indent="0">
+              <a:buNone/>
+            </a:pPr>
+            <a:r>
+              <a:rPr lang="nl-NL" sz="2600" dirty="0"/>
+              <a:t>	</a:t>
+            </a:r>
+            <a:r>
+              <a:rPr lang="nl-NL" sz="2600" b="1" dirty="0" err="1" smtClean="0">
+                <a:solidFill>
+                  <a:schemeClr val="accent2"/>
+                </a:solidFill>
+              </a:rPr>
+              <a:t>this.getBooks</a:t>
+            </a:r>
+            <a:r>
+              <a:rPr lang="nl-NL" sz="2600" b="1" dirty="0" smtClean="0">
+                <a:solidFill>
+                  <a:schemeClr val="accent2"/>
+                </a:solidFill>
+              </a:rPr>
+              <a:t>();</a:t>
+            </a:r>
+            <a:endParaRPr lang="nl-NL" sz="2600" dirty="0"/>
+          </a:p>
+          <a:p>
+            <a:pPr marL="914400" lvl="2" indent="0">
+              <a:buNone/>
+            </a:pPr>
+            <a:r>
+              <a:rPr lang="nl-NL" sz="2600" dirty="0" smtClean="0"/>
+              <a:t>}</a:t>
+            </a:r>
+            <a:endParaRPr lang="nl-NL" sz="2600" dirty="0"/>
+          </a:p>
+          <a:p>
+            <a:pPr marL="0" indent="0">
+              <a:buNone/>
+            </a:pPr>
+            <a:r>
+              <a:rPr lang="nl-NL" dirty="0" smtClean="0"/>
+              <a:t>}</a:t>
+            </a:r>
+            <a:endParaRPr lang="nl-NL" dirty="0"/>
+          </a:p>
+        </p:txBody>
+      </p:sp>
+    </p:spTree>
+    <p:extLst>
+      <p:ext uri="{BB962C8B-B14F-4D97-AF65-F5344CB8AC3E}">
+        <p14:creationId xmlns:p14="http://schemas.microsoft.com/office/powerpoint/2010/main" val="1424609616"/>
+      </p:ext>
+    </p:extLst>
+  </p:cSld>
+  <p:clrMapOvr>
+    <a:masterClrMapping/>
+  </p:clrMapOvr>
+  <p:timing>
+    <p:tnLst>
+      <p:par>
+        <p:cTn id="1" dur="indefinite" restart="never" nodeType="tmRoot"/>
+      </p:par>
+    </p:tnLst>
+  </p:timing>
+</p:sld>
+</file>
+
+<file path=ppt/slides/slide32.xml><?xml version="1.0" encoding="utf-8"?>
 <p:sld xmlns:a="http://schemas.openxmlformats.org/drawingml/2006/main" xmlns:r="http://schemas.openxmlformats.org/officeDocument/2006/relationships" xmlns:p="http://schemas.openxmlformats.org/presentationml/2006/main">
   <p:cSld>
     <p:spTree>
@@ -21180,907 +22935,7 @@
 </p:sld>
 </file>
 
-<file path=ppt/slides/slide3.xml><?xml version="1.0" encoding="utf-8"?>
-<p:sld xmlns:a="http://schemas.openxmlformats.org/drawingml/2006/main" xmlns:r="http://schemas.openxmlformats.org/officeDocument/2006/relationships" xmlns:p="http://schemas.openxmlformats.org/presentationml/2006/main">
-  <p:cSld>
-    <p:spTree>
-      <p:nvGrpSpPr>
-        <p:cNvPr id="1" name=""/>
-        <p:cNvGrpSpPr/>
-        <p:nvPr/>
-      </p:nvGrpSpPr>
-      <p:grpSpPr>
-        <a:xfrm>
-          <a:off x="0" y="0"/>
-          <a:ext cx="0" cy="0"/>
-          <a:chOff x="0" y="0"/>
-          <a:chExt cx="0" cy="0"/>
-        </a:xfrm>
-      </p:grpSpPr>
-      <p:sp>
-        <p:nvSpPr>
-          <p:cNvPr id="2" name="Titel 1"/>
-          <p:cNvSpPr>
-            <a:spLocks noGrp="1"/>
-          </p:cNvSpPr>
-          <p:nvPr>
-            <p:ph type="title"/>
-          </p:nvPr>
-        </p:nvSpPr>
-        <p:spPr/>
-        <p:txBody>
-          <a:bodyPr/>
-          <a:lstStyle/>
-          <a:p>
-            <a:pPr algn="ctr"/>
-            <a:r>
-              <a:rPr lang="nl-NL" b="1" dirty="0" err="1" smtClean="0">
-                <a:solidFill>
-                  <a:srgbClr val="FFC000"/>
-                </a:solidFill>
-              </a:rPr>
-              <a:t>TypeScript</a:t>
-            </a:r>
-            <a:endParaRPr lang="nl-NL" b="1" dirty="0">
-              <a:solidFill>
-                <a:srgbClr val="FFC000"/>
-              </a:solidFill>
-            </a:endParaRPr>
-          </a:p>
-        </p:txBody>
-      </p:sp>
-      <p:sp>
-        <p:nvSpPr>
-          <p:cNvPr id="3" name="Tijdelijke aanduiding voor inhoud 2"/>
-          <p:cNvSpPr>
-            <a:spLocks noGrp="1"/>
-          </p:cNvSpPr>
-          <p:nvPr>
-            <p:ph idx="1"/>
-          </p:nvPr>
-        </p:nvSpPr>
-        <p:spPr/>
-        <p:txBody>
-          <a:bodyPr/>
-          <a:lstStyle/>
-          <a:p>
-            <a:endParaRPr lang="nl-NL" dirty="0"/>
-          </a:p>
-        </p:txBody>
-      </p:sp>
-      <p:pic>
-        <p:nvPicPr>
-          <p:cNvPr id="4" name="Afbeelding 3"/>
-          <p:cNvPicPr>
-            <a:picLocks noChangeAspect="1"/>
-          </p:cNvPicPr>
-          <p:nvPr/>
-        </p:nvPicPr>
-        <p:blipFill>
-          <a:blip r:embed="rId3">
-            <a:extLst>
-              <a:ext uri="{28A0092B-C50C-407E-A947-70E740481C1C}">
-                <a14:useLocalDpi xmlns:a14="http://schemas.microsoft.com/office/drawing/2010/main" val="0"/>
-              </a:ext>
-            </a:extLst>
-          </a:blip>
-          <a:stretch>
-            <a:fillRect/>
-          </a:stretch>
-        </p:blipFill>
-        <p:spPr>
-          <a:xfrm>
-            <a:off x="3968856" y="1927625"/>
-            <a:ext cx="4029516" cy="4147338"/>
-          </a:xfrm>
-          <a:prstGeom prst="rect">
-            <a:avLst/>
-          </a:prstGeom>
-        </p:spPr>
-      </p:pic>
-    </p:spTree>
-    <p:extLst>
-      <p:ext uri="{BB962C8B-B14F-4D97-AF65-F5344CB8AC3E}">
-        <p14:creationId xmlns:p14="http://schemas.microsoft.com/office/powerpoint/2010/main" val="3722296180"/>
-      </p:ext>
-    </p:extLst>
-  </p:cSld>
-  <p:clrMapOvr>
-    <a:masterClrMapping/>
-  </p:clrMapOvr>
-  <p:timing>
-    <p:tnLst>
-      <p:par>
-        <p:cTn id="1" dur="indefinite" restart="never" nodeType="tmRoot"/>
-      </p:par>
-    </p:tnLst>
-  </p:timing>
-</p:sld>
-</file>
-
-<file path=ppt/slides/slide30.xml><?xml version="1.0" encoding="utf-8"?>
-<p:sld xmlns:a="http://schemas.openxmlformats.org/drawingml/2006/main" xmlns:r="http://schemas.openxmlformats.org/officeDocument/2006/relationships" xmlns:p="http://schemas.openxmlformats.org/presentationml/2006/main">
-  <p:cSld>
-    <p:spTree>
-      <p:nvGrpSpPr>
-        <p:cNvPr id="1" name=""/>
-        <p:cNvGrpSpPr/>
-        <p:nvPr/>
-      </p:nvGrpSpPr>
-      <p:grpSpPr>
-        <a:xfrm>
-          <a:off x="0" y="0"/>
-          <a:ext cx="0" cy="0"/>
-          <a:chOff x="0" y="0"/>
-          <a:chExt cx="0" cy="0"/>
-        </a:xfrm>
-      </p:grpSpPr>
-      <p:sp>
-        <p:nvSpPr>
-          <p:cNvPr id="2" name="Title 1"/>
-          <p:cNvSpPr>
-            <a:spLocks noGrp="1"/>
-          </p:cNvSpPr>
-          <p:nvPr>
-            <p:ph type="title"/>
-          </p:nvPr>
-        </p:nvSpPr>
-        <p:spPr/>
-        <p:txBody>
-          <a:bodyPr/>
-          <a:lstStyle/>
-          <a:p>
-            <a:pPr algn="ctr"/>
-            <a:r>
-              <a:rPr lang="nl-NL" b="1" dirty="0" err="1" smtClean="0">
-                <a:solidFill>
-                  <a:srgbClr val="FFC000"/>
-                </a:solidFill>
-              </a:rPr>
-              <a:t>Inject</a:t>
-            </a:r>
-            <a:r>
-              <a:rPr lang="nl-NL" b="1" dirty="0" smtClean="0">
-                <a:solidFill>
-                  <a:srgbClr val="FFC000"/>
-                </a:solidFill>
-              </a:rPr>
-              <a:t> </a:t>
-            </a:r>
-            <a:r>
-              <a:rPr lang="nl-NL" b="1" dirty="0" err="1" smtClean="0">
-                <a:solidFill>
-                  <a:srgbClr val="FFC000"/>
-                </a:solidFill>
-              </a:rPr>
-              <a:t>AppService</a:t>
-            </a:r>
-            <a:r>
-              <a:rPr lang="nl-NL" b="1" dirty="0" smtClean="0">
-                <a:solidFill>
-                  <a:srgbClr val="FFC000"/>
-                </a:solidFill>
-              </a:rPr>
-              <a:t> </a:t>
-            </a:r>
-            <a:r>
-              <a:rPr lang="nl-NL" b="1" dirty="0" smtClean="0">
-                <a:solidFill>
-                  <a:srgbClr val="FFC000"/>
-                </a:solidFill>
-              </a:rPr>
-              <a:t>via the </a:t>
-            </a:r>
-            <a:r>
-              <a:rPr lang="nl-NL" b="1" dirty="0" err="1" smtClean="0">
-                <a:solidFill>
-                  <a:srgbClr val="FFC000"/>
-                </a:solidFill>
-              </a:rPr>
-              <a:t>constructor</a:t>
-            </a:r>
-            <a:endParaRPr lang="nl-NL" b="1" dirty="0">
-              <a:solidFill>
-                <a:srgbClr val="FFC000"/>
-              </a:solidFill>
-            </a:endParaRPr>
-          </a:p>
-        </p:txBody>
-      </p:sp>
-      <p:sp>
-        <p:nvSpPr>
-          <p:cNvPr id="3" name="Content Placeholder 2"/>
-          <p:cNvSpPr>
-            <a:spLocks noGrp="1"/>
-          </p:cNvSpPr>
-          <p:nvPr>
-            <p:ph idx="1"/>
-          </p:nvPr>
-        </p:nvSpPr>
-        <p:spPr>
-          <a:xfrm>
-            <a:off x="3002692" y="1690688"/>
-            <a:ext cx="8452022" cy="5031387"/>
-          </a:xfrm>
-        </p:spPr>
-        <p:txBody>
-          <a:bodyPr>
-            <a:normAutofit fontScale="55000" lnSpcReduction="20000"/>
-          </a:bodyPr>
-          <a:lstStyle/>
-          <a:p>
-            <a:pPr marL="0" indent="0">
-              <a:buNone/>
-            </a:pPr>
-            <a:r>
-              <a:rPr lang="nl-NL" dirty="0" smtClean="0"/>
-              <a:t>export </a:t>
-            </a:r>
-            <a:r>
-              <a:rPr lang="nl-NL" dirty="0"/>
-              <a:t>class </a:t>
-            </a:r>
-            <a:r>
-              <a:rPr lang="nl-NL" dirty="0" err="1"/>
-              <a:t>BooksComponent</a:t>
-            </a:r>
-            <a:r>
-              <a:rPr lang="nl-NL" dirty="0"/>
-              <a:t> {</a:t>
-            </a:r>
-          </a:p>
-          <a:p>
-            <a:pPr marL="0" indent="0">
-              <a:buNone/>
-            </a:pPr>
-            <a:r>
-              <a:rPr lang="nl-NL" dirty="0" smtClean="0"/>
-              <a:t>	</a:t>
-            </a:r>
-            <a:r>
-              <a:rPr lang="nl-NL" dirty="0" err="1" smtClean="0"/>
-              <a:t>books</a:t>
-            </a:r>
-            <a:r>
-              <a:rPr lang="nl-NL" dirty="0"/>
-              <a:t>: </a:t>
-            </a:r>
-            <a:r>
-              <a:rPr lang="nl-NL" dirty="0" err="1"/>
-              <a:t>Book</a:t>
-            </a:r>
-            <a:r>
-              <a:rPr lang="nl-NL" dirty="0"/>
-              <a:t>[] = </a:t>
-            </a:r>
-            <a:r>
-              <a:rPr lang="nl-NL" dirty="0" smtClean="0"/>
-              <a:t>[];</a:t>
-            </a:r>
-          </a:p>
-          <a:p>
-            <a:pPr marL="0" indent="0">
-              <a:buNone/>
-            </a:pPr>
-            <a:r>
-              <a:rPr lang="nl-NL" dirty="0"/>
-              <a:t> </a:t>
-            </a:r>
-            <a:r>
-              <a:rPr lang="nl-NL" dirty="0" smtClean="0"/>
-              <a:t>                 </a:t>
-            </a:r>
-            <a:r>
-              <a:rPr lang="nl-NL" b="1" dirty="0" smtClean="0">
-                <a:solidFill>
-                  <a:schemeClr val="accent6">
-                    <a:lumMod val="50000"/>
-                  </a:schemeClr>
-                </a:solidFill>
-              </a:rPr>
-              <a:t>// </a:t>
-            </a:r>
-            <a:r>
-              <a:rPr lang="nl-NL" b="1" dirty="0" err="1" smtClean="0">
-                <a:solidFill>
-                  <a:schemeClr val="accent6">
-                    <a:lumMod val="50000"/>
-                  </a:schemeClr>
-                </a:solidFill>
-              </a:rPr>
-              <a:t>books</a:t>
-            </a:r>
-            <a:r>
-              <a:rPr lang="nl-NL" b="1" dirty="0">
-                <a:solidFill>
-                  <a:schemeClr val="accent6">
-                    <a:lumMod val="50000"/>
-                  </a:schemeClr>
-                </a:solidFill>
-              </a:rPr>
-              <a:t>: </a:t>
-            </a:r>
-            <a:r>
-              <a:rPr lang="nl-NL" b="1" dirty="0" err="1">
-                <a:solidFill>
-                  <a:schemeClr val="accent6">
-                    <a:lumMod val="50000"/>
-                  </a:schemeClr>
-                </a:solidFill>
-              </a:rPr>
-              <a:t>Observable</a:t>
-            </a:r>
-            <a:r>
-              <a:rPr lang="nl-NL" b="1" dirty="0">
-                <a:solidFill>
-                  <a:schemeClr val="accent6">
-                    <a:lumMod val="50000"/>
-                  </a:schemeClr>
-                </a:solidFill>
-              </a:rPr>
-              <a:t>&lt;</a:t>
-            </a:r>
-            <a:r>
-              <a:rPr lang="nl-NL" b="1" dirty="0" err="1">
-                <a:solidFill>
-                  <a:schemeClr val="accent6">
-                    <a:lumMod val="50000"/>
-                  </a:schemeClr>
-                </a:solidFill>
-              </a:rPr>
-              <a:t>Book</a:t>
-            </a:r>
-            <a:r>
-              <a:rPr lang="nl-NL" b="1" dirty="0" smtClean="0">
-                <a:solidFill>
-                  <a:schemeClr val="accent6">
-                    <a:lumMod val="50000"/>
-                  </a:schemeClr>
-                </a:solidFill>
-              </a:rPr>
-              <a:t>[]&gt;;</a:t>
-            </a:r>
-            <a:endParaRPr lang="nl-NL" b="1" dirty="0">
-              <a:solidFill>
-                <a:schemeClr val="accent6">
-                  <a:lumMod val="50000"/>
-                </a:schemeClr>
-              </a:solidFill>
-            </a:endParaRPr>
-          </a:p>
-          <a:p>
-            <a:pPr marL="0" indent="0">
-              <a:buNone/>
-            </a:pPr>
-            <a:endParaRPr lang="nl-NL" dirty="0" smtClean="0"/>
-          </a:p>
-          <a:p>
-            <a:pPr marL="0" indent="0">
-              <a:buNone/>
-            </a:pPr>
-            <a:r>
-              <a:rPr lang="nl-NL" dirty="0" smtClean="0"/>
-              <a:t>	</a:t>
-            </a:r>
-            <a:r>
-              <a:rPr lang="nl-NL" dirty="0" err="1" smtClean="0"/>
-              <a:t>constructor</a:t>
-            </a:r>
-            <a:r>
-              <a:rPr lang="nl-NL" dirty="0" smtClean="0"/>
-              <a:t>(</a:t>
-            </a:r>
-            <a:r>
-              <a:rPr lang="nl-NL" b="1" dirty="0" smtClean="0">
-                <a:solidFill>
-                  <a:srgbClr val="C00000"/>
-                </a:solidFill>
-              </a:rPr>
-              <a:t>private </a:t>
-            </a:r>
-            <a:r>
-              <a:rPr lang="nl-NL" b="1" dirty="0" err="1">
-                <a:solidFill>
-                  <a:srgbClr val="C00000"/>
-                </a:solidFill>
-              </a:rPr>
-              <a:t>appService</a:t>
-            </a:r>
-            <a:r>
-              <a:rPr lang="nl-NL" b="1" dirty="0">
-                <a:solidFill>
-                  <a:srgbClr val="C00000"/>
-                </a:solidFill>
-              </a:rPr>
-              <a:t>: </a:t>
-            </a:r>
-            <a:r>
-              <a:rPr lang="nl-NL" b="1" dirty="0" err="1">
-                <a:solidFill>
-                  <a:srgbClr val="C00000"/>
-                </a:solidFill>
-              </a:rPr>
-              <a:t>AppService</a:t>
-            </a:r>
-            <a:r>
-              <a:rPr lang="nl-NL" dirty="0" smtClean="0"/>
-              <a:t>) {  }</a:t>
-            </a:r>
-          </a:p>
-          <a:p>
-            <a:pPr marL="0" indent="0">
-              <a:buNone/>
-            </a:pPr>
-            <a:endParaRPr lang="nl-NL" dirty="0" smtClean="0"/>
-          </a:p>
-          <a:p>
-            <a:pPr marL="0" indent="0">
-              <a:buNone/>
-            </a:pPr>
-            <a:r>
-              <a:rPr lang="nl-NL" dirty="0"/>
-              <a:t> </a:t>
-            </a:r>
-            <a:r>
-              <a:rPr lang="nl-NL" dirty="0" smtClean="0"/>
-              <a:t>                     // </a:t>
-            </a:r>
-            <a:r>
-              <a:rPr lang="nl-NL" dirty="0" err="1" smtClean="0"/>
-              <a:t>Promise</a:t>
-            </a:r>
-            <a:r>
-              <a:rPr lang="nl-NL" dirty="0" smtClean="0"/>
-              <a:t> solution</a:t>
-            </a:r>
-            <a:endParaRPr lang="nl-NL" dirty="0"/>
-          </a:p>
-          <a:p>
-            <a:pPr marL="914400" lvl="2" indent="0">
-              <a:buNone/>
-            </a:pPr>
-            <a:r>
-              <a:rPr lang="nl-NL" sz="2600" b="1" dirty="0" err="1" smtClean="0">
-                <a:solidFill>
-                  <a:srgbClr val="C00000"/>
-                </a:solidFill>
-              </a:rPr>
-              <a:t>getBooks</a:t>
-            </a:r>
-            <a:r>
-              <a:rPr lang="nl-NL" sz="2600" dirty="0" smtClean="0"/>
-              <a:t>(): </a:t>
-            </a:r>
-            <a:r>
-              <a:rPr lang="nl-NL" sz="2600" dirty="0" err="1" smtClean="0"/>
-              <a:t>void</a:t>
-            </a:r>
-            <a:r>
-              <a:rPr lang="nl-NL" sz="2600" dirty="0" smtClean="0"/>
-              <a:t> {</a:t>
-            </a:r>
-            <a:endParaRPr lang="nl-NL" sz="2600" dirty="0"/>
-          </a:p>
-          <a:p>
-            <a:pPr marL="914400" lvl="2" indent="0">
-              <a:buNone/>
-            </a:pPr>
-            <a:r>
-              <a:rPr lang="nl-NL" sz="2600" dirty="0"/>
-              <a:t>    </a:t>
-            </a:r>
-            <a:r>
-              <a:rPr lang="nl-NL" sz="2600" dirty="0" smtClean="0"/>
-              <a:t> </a:t>
-            </a:r>
-            <a:r>
-              <a:rPr lang="nl-NL" sz="2600" b="1" dirty="0" err="1" smtClean="0">
-                <a:solidFill>
-                  <a:schemeClr val="accent2"/>
-                </a:solidFill>
-              </a:rPr>
-              <a:t>this.appService</a:t>
-            </a:r>
-            <a:r>
-              <a:rPr lang="nl-NL" sz="2600" dirty="0" err="1" smtClean="0"/>
-              <a:t>.getBooks</a:t>
-            </a:r>
-            <a:r>
-              <a:rPr lang="nl-NL" sz="2600" dirty="0"/>
-              <a:t>()</a:t>
-            </a:r>
-            <a:r>
-              <a:rPr lang="nl-NL" sz="2600" b="1" dirty="0">
-                <a:solidFill>
-                  <a:srgbClr val="C00000"/>
-                </a:solidFill>
-              </a:rPr>
-              <a:t>.</a:t>
-            </a:r>
-            <a:r>
-              <a:rPr lang="nl-NL" sz="2600" b="1" dirty="0" err="1" smtClean="0">
-                <a:solidFill>
-                  <a:srgbClr val="C00000"/>
-                </a:solidFill>
-              </a:rPr>
-              <a:t>then</a:t>
-            </a:r>
-            <a:r>
-              <a:rPr lang="nl-NL" sz="2600" dirty="0" smtClean="0"/>
-              <a:t>(</a:t>
-            </a:r>
-            <a:r>
-              <a:rPr lang="nl-NL" sz="2600" dirty="0" err="1" smtClean="0"/>
-              <a:t>books</a:t>
-            </a:r>
-            <a:r>
-              <a:rPr lang="nl-NL" sz="2600" dirty="0" smtClean="0"/>
-              <a:t> </a:t>
-            </a:r>
-            <a:r>
-              <a:rPr lang="nl-NL" sz="2600" dirty="0"/>
-              <a:t>=&gt; {</a:t>
-            </a:r>
-          </a:p>
-          <a:p>
-            <a:pPr marL="914400" lvl="2" indent="0">
-              <a:buNone/>
-            </a:pPr>
-            <a:r>
-              <a:rPr lang="nl-NL" sz="2600" dirty="0"/>
-              <a:t>      </a:t>
-            </a:r>
-            <a:r>
-              <a:rPr lang="nl-NL" sz="2600" dirty="0" err="1"/>
-              <a:t>this.books</a:t>
-            </a:r>
-            <a:r>
-              <a:rPr lang="nl-NL" sz="2600" dirty="0"/>
-              <a:t> = </a:t>
-            </a:r>
-            <a:r>
-              <a:rPr lang="nl-NL" sz="2600" dirty="0" err="1"/>
-              <a:t>books</a:t>
-            </a:r>
-            <a:r>
-              <a:rPr lang="nl-NL" sz="2600" dirty="0" smtClean="0"/>
-              <a:t>;</a:t>
-            </a:r>
-            <a:endParaRPr lang="nl-NL" sz="2600" dirty="0"/>
-          </a:p>
-          <a:p>
-            <a:pPr marL="914400" lvl="2" indent="0">
-              <a:buNone/>
-            </a:pPr>
-            <a:r>
-              <a:rPr lang="nl-NL" sz="2600" dirty="0"/>
-              <a:t>    </a:t>
-            </a:r>
-            <a:r>
-              <a:rPr lang="nl-NL" sz="2600" dirty="0" smtClean="0"/>
-              <a:t>});</a:t>
-            </a:r>
-          </a:p>
-          <a:p>
-            <a:pPr marL="914400" lvl="2" indent="0">
-              <a:buNone/>
-            </a:pPr>
-            <a:endParaRPr lang="nl-NL" sz="2600" dirty="0"/>
-          </a:p>
-          <a:p>
-            <a:pPr marL="914400" lvl="2" indent="0">
-              <a:buNone/>
-            </a:pPr>
-            <a:r>
-              <a:rPr lang="nl-NL" sz="2600" b="1" dirty="0" smtClean="0">
-                <a:solidFill>
-                  <a:schemeClr val="accent6">
-                    <a:lumMod val="50000"/>
-                  </a:schemeClr>
-                </a:solidFill>
-              </a:rPr>
-              <a:t>//</a:t>
-            </a:r>
-            <a:r>
-              <a:rPr lang="nl-NL" sz="2600" b="1" dirty="0" err="1" smtClean="0">
-                <a:solidFill>
-                  <a:schemeClr val="accent6">
-                    <a:lumMod val="50000"/>
-                  </a:schemeClr>
-                </a:solidFill>
-              </a:rPr>
-              <a:t>Use</a:t>
-            </a:r>
-            <a:r>
-              <a:rPr lang="nl-NL" sz="2600" b="1" dirty="0" smtClean="0">
-                <a:solidFill>
-                  <a:schemeClr val="accent6">
-                    <a:lumMod val="50000"/>
-                  </a:schemeClr>
-                </a:solidFill>
-              </a:rPr>
-              <a:t> </a:t>
-            </a:r>
-            <a:r>
-              <a:rPr lang="nl-NL" sz="2600" b="1" dirty="0" err="1" smtClean="0">
-                <a:solidFill>
-                  <a:srgbClr val="C00000"/>
-                </a:solidFill>
-              </a:rPr>
-              <a:t>subscribe</a:t>
-            </a:r>
-            <a:r>
-              <a:rPr lang="nl-NL" sz="2600" b="1" dirty="0" smtClean="0">
-                <a:solidFill>
-                  <a:srgbClr val="C00000"/>
-                </a:solidFill>
-              </a:rPr>
-              <a:t> </a:t>
-            </a:r>
-            <a:r>
-              <a:rPr lang="nl-NL" sz="2600" b="1" dirty="0" err="1" smtClean="0">
-                <a:solidFill>
-                  <a:schemeClr val="accent6">
-                    <a:lumMod val="50000"/>
-                  </a:schemeClr>
-                </a:solidFill>
-              </a:rPr>
-              <a:t>when</a:t>
-            </a:r>
-            <a:r>
-              <a:rPr lang="nl-NL" sz="2600" b="1" dirty="0" smtClean="0">
-                <a:solidFill>
-                  <a:schemeClr val="accent6">
-                    <a:lumMod val="50000"/>
-                  </a:schemeClr>
-                </a:solidFill>
-              </a:rPr>
-              <a:t> </a:t>
-            </a:r>
-            <a:r>
-              <a:rPr lang="nl-NL" sz="2600" b="1" dirty="0" err="1" smtClean="0">
-                <a:solidFill>
-                  <a:schemeClr val="accent6">
-                    <a:lumMod val="50000"/>
-                  </a:schemeClr>
-                </a:solidFill>
-              </a:rPr>
-              <a:t>Observable</a:t>
-            </a:r>
-            <a:r>
-              <a:rPr lang="nl-NL" sz="2600" b="1" dirty="0" smtClean="0">
-                <a:solidFill>
-                  <a:schemeClr val="accent6">
-                    <a:lumMod val="50000"/>
-                  </a:schemeClr>
-                </a:solidFill>
-              </a:rPr>
-              <a:t> : </a:t>
-            </a:r>
-          </a:p>
-          <a:p>
-            <a:pPr marL="914400" lvl="2" indent="0">
-              <a:buNone/>
-            </a:pPr>
-            <a:r>
-              <a:rPr lang="nl-NL" sz="2600" b="1" dirty="0" smtClean="0">
-                <a:solidFill>
-                  <a:schemeClr val="accent6">
-                    <a:lumMod val="50000"/>
-                  </a:schemeClr>
-                </a:solidFill>
-              </a:rPr>
-              <a:t>// </a:t>
-            </a:r>
-            <a:r>
-              <a:rPr lang="nl-NL" sz="2600" b="1" dirty="0" err="1" smtClean="0">
-                <a:solidFill>
-                  <a:schemeClr val="accent6">
-                    <a:lumMod val="50000"/>
-                  </a:schemeClr>
-                </a:solidFill>
-              </a:rPr>
-              <a:t>this.appService.getBooks</a:t>
-            </a:r>
-            <a:r>
-              <a:rPr lang="nl-NL" sz="2600" b="1" dirty="0">
-                <a:solidFill>
-                  <a:schemeClr val="accent6">
-                    <a:lumMod val="50000"/>
-                  </a:schemeClr>
-                </a:solidFill>
-              </a:rPr>
-              <a:t>()</a:t>
-            </a:r>
-            <a:r>
-              <a:rPr lang="nl-NL" sz="3200" b="1" dirty="0">
-                <a:solidFill>
-                  <a:srgbClr val="C00000"/>
-                </a:solidFill>
-              </a:rPr>
-              <a:t>.</a:t>
-            </a:r>
-            <a:r>
-              <a:rPr lang="nl-NL" sz="3200" b="1" dirty="0" err="1">
-                <a:solidFill>
-                  <a:srgbClr val="C00000"/>
-                </a:solidFill>
-              </a:rPr>
-              <a:t>subscribe</a:t>
-            </a:r>
-            <a:r>
-              <a:rPr lang="nl-NL" sz="2600" b="1" dirty="0">
-                <a:solidFill>
-                  <a:schemeClr val="accent6">
-                    <a:lumMod val="50000"/>
-                  </a:schemeClr>
-                </a:solidFill>
-              </a:rPr>
-              <a:t>(</a:t>
-            </a:r>
-            <a:r>
-              <a:rPr lang="nl-NL" sz="2600" b="1" dirty="0" err="1">
-                <a:solidFill>
-                  <a:schemeClr val="accent6">
-                    <a:lumMod val="50000"/>
-                  </a:schemeClr>
-                </a:solidFill>
-              </a:rPr>
-              <a:t>bks</a:t>
-            </a:r>
-            <a:r>
-              <a:rPr lang="nl-NL" sz="2600" b="1" dirty="0">
-                <a:solidFill>
-                  <a:schemeClr val="accent6">
-                    <a:lumMod val="50000"/>
-                  </a:schemeClr>
-                </a:solidFill>
-              </a:rPr>
-              <a:t> =&gt; </a:t>
-            </a:r>
-            <a:r>
-              <a:rPr lang="nl-NL" sz="2600" b="1" dirty="0" err="1">
-                <a:solidFill>
-                  <a:schemeClr val="accent6">
-                    <a:lumMod val="50000"/>
-                  </a:schemeClr>
-                </a:solidFill>
-              </a:rPr>
-              <a:t>this.books</a:t>
-            </a:r>
-            <a:r>
-              <a:rPr lang="nl-NL" sz="2600" b="1" dirty="0">
-                <a:solidFill>
-                  <a:schemeClr val="accent6">
-                    <a:lumMod val="50000"/>
-                  </a:schemeClr>
-                </a:solidFill>
-              </a:rPr>
-              <a:t> = </a:t>
-            </a:r>
-            <a:r>
-              <a:rPr lang="nl-NL" sz="2600" b="1" dirty="0" err="1">
-                <a:solidFill>
-                  <a:schemeClr val="accent6">
-                    <a:lumMod val="50000"/>
-                  </a:schemeClr>
-                </a:solidFill>
-              </a:rPr>
-              <a:t>bks</a:t>
-            </a:r>
-            <a:r>
-              <a:rPr lang="nl-NL" sz="2600" b="1" dirty="0">
-                <a:solidFill>
-                  <a:schemeClr val="accent6">
-                    <a:lumMod val="50000"/>
-                  </a:schemeClr>
-                </a:solidFill>
-              </a:rPr>
-              <a:t>);</a:t>
-            </a:r>
-          </a:p>
-          <a:p>
-            <a:pPr marL="914400" lvl="2" indent="0">
-              <a:buNone/>
-            </a:pPr>
-            <a:endParaRPr lang="nl-NL" sz="2600" dirty="0" smtClean="0"/>
-          </a:p>
-          <a:p>
-            <a:pPr marL="914400" lvl="2" indent="0">
-              <a:buNone/>
-            </a:pPr>
-            <a:endParaRPr lang="nl-NL" sz="2600" dirty="0"/>
-          </a:p>
-          <a:p>
-            <a:pPr marL="914400" lvl="2" indent="0">
-              <a:buNone/>
-            </a:pPr>
-            <a:r>
-              <a:rPr lang="nl-NL" sz="2600" b="1" dirty="0" err="1" smtClean="0">
-                <a:solidFill>
-                  <a:srgbClr val="C00000"/>
-                </a:solidFill>
-              </a:rPr>
-              <a:t>ngOnInit</a:t>
-            </a:r>
-            <a:r>
-              <a:rPr lang="nl-NL" sz="2600" dirty="0"/>
-              <a:t>(){</a:t>
-            </a:r>
-          </a:p>
-          <a:p>
-            <a:pPr marL="914400" lvl="2" indent="0">
-              <a:buNone/>
-            </a:pPr>
-            <a:r>
-              <a:rPr lang="nl-NL" sz="2600" dirty="0"/>
-              <a:t>    </a:t>
-            </a:r>
-            <a:r>
-              <a:rPr lang="nl-NL" sz="2600" b="1" dirty="0" err="1" smtClean="0">
-                <a:solidFill>
-                  <a:schemeClr val="accent2"/>
-                </a:solidFill>
-              </a:rPr>
-              <a:t>this.getBooks</a:t>
-            </a:r>
-            <a:r>
-              <a:rPr lang="nl-NL" sz="2600" b="1" dirty="0" smtClean="0">
-                <a:solidFill>
-                  <a:schemeClr val="accent2"/>
-                </a:solidFill>
-              </a:rPr>
-              <a:t>();</a:t>
-            </a:r>
-            <a:endParaRPr lang="nl-NL" sz="2600" dirty="0"/>
-          </a:p>
-          <a:p>
-            <a:pPr marL="914400" lvl="2" indent="0">
-              <a:buNone/>
-            </a:pPr>
-            <a:r>
-              <a:rPr lang="nl-NL" sz="2600" dirty="0"/>
-              <a:t>  </a:t>
-            </a:r>
-            <a:r>
-              <a:rPr lang="nl-NL" sz="2600" dirty="0" smtClean="0"/>
-              <a:t>};</a:t>
-            </a:r>
-            <a:endParaRPr lang="nl-NL" sz="2600" dirty="0"/>
-          </a:p>
-          <a:p>
-            <a:pPr marL="0" indent="0">
-              <a:buNone/>
-            </a:pPr>
-            <a:r>
-              <a:rPr lang="nl-NL" dirty="0" smtClean="0"/>
-              <a:t>}</a:t>
-            </a:r>
-            <a:endParaRPr lang="nl-NL" dirty="0"/>
-          </a:p>
-        </p:txBody>
-      </p:sp>
-    </p:spTree>
-    <p:extLst>
-      <p:ext uri="{BB962C8B-B14F-4D97-AF65-F5344CB8AC3E}">
-        <p14:creationId xmlns:p14="http://schemas.microsoft.com/office/powerpoint/2010/main" val="1424609616"/>
-      </p:ext>
-    </p:extLst>
-  </p:cSld>
-  <p:clrMapOvr>
-    <a:masterClrMapping/>
-  </p:clrMapOvr>
-  <p:timing>
-    <p:tnLst>
-      <p:par>
-        <p:cTn id="1" dur="indefinite" restart="never" nodeType="tmRoot"/>
-      </p:par>
-    </p:tnLst>
-  </p:timing>
-</p:sld>
-</file>
-
-<file path=ppt/slides/slide31.xml><?xml version="1.0" encoding="utf-8"?>
+<file path=ppt/slides/slide33.xml><?xml version="1.0" encoding="utf-8"?>
 <p:sld xmlns:a="http://schemas.openxmlformats.org/drawingml/2006/main" xmlns:r="http://schemas.openxmlformats.org/officeDocument/2006/relationships" xmlns:p="http://schemas.openxmlformats.org/presentationml/2006/main">
   <p:cSld>
     <p:spTree>

--- a/frontend-cursus/ 8 - Angular.pptx
+++ b/frontend-cursus/ 8 - Angular.pptx
@@ -5,7 +5,7 @@
     <p:sldMasterId id="2147483648" r:id="rId1"/>
   </p:sldMasterIdLst>
   <p:notesMasterIdLst>
-    <p:notesMasterId r:id="rId35"/>
+    <p:notesMasterId r:id="rId36"/>
   </p:notesMasterIdLst>
   <p:sldIdLst>
     <p:sldId id="316" r:id="rId2"/>
@@ -25,22 +25,23 @@
     <p:sldId id="385" r:id="rId16"/>
     <p:sldId id="344" r:id="rId17"/>
     <p:sldId id="365" r:id="rId18"/>
-    <p:sldId id="398" r:id="rId19"/>
-    <p:sldId id="399" r:id="rId20"/>
-    <p:sldId id="404" r:id="rId21"/>
-    <p:sldId id="392" r:id="rId22"/>
-    <p:sldId id="408" r:id="rId23"/>
-    <p:sldId id="409" r:id="rId24"/>
-    <p:sldId id="405" r:id="rId25"/>
-    <p:sldId id="400" r:id="rId26"/>
-    <p:sldId id="401" r:id="rId27"/>
-    <p:sldId id="406" r:id="rId28"/>
-    <p:sldId id="407" r:id="rId29"/>
-    <p:sldId id="402" r:id="rId30"/>
-    <p:sldId id="393" r:id="rId31"/>
-    <p:sldId id="395" r:id="rId32"/>
-    <p:sldId id="394" r:id="rId33"/>
-    <p:sldId id="396" r:id="rId34"/>
+    <p:sldId id="410" r:id="rId19"/>
+    <p:sldId id="398" r:id="rId20"/>
+    <p:sldId id="399" r:id="rId21"/>
+    <p:sldId id="404" r:id="rId22"/>
+    <p:sldId id="392" r:id="rId23"/>
+    <p:sldId id="408" r:id="rId24"/>
+    <p:sldId id="409" r:id="rId25"/>
+    <p:sldId id="405" r:id="rId26"/>
+    <p:sldId id="400" r:id="rId27"/>
+    <p:sldId id="401" r:id="rId28"/>
+    <p:sldId id="406" r:id="rId29"/>
+    <p:sldId id="407" r:id="rId30"/>
+    <p:sldId id="402" r:id="rId31"/>
+    <p:sldId id="393" r:id="rId32"/>
+    <p:sldId id="395" r:id="rId33"/>
+    <p:sldId id="394" r:id="rId34"/>
+    <p:sldId id="396" r:id="rId35"/>
   </p:sldIdLst>
   <p:sldSz cx="12192000" cy="6858000"/>
   <p:notesSz cx="6858000" cy="9144000"/>
@@ -229,7 +230,7 @@
           <a:p>
             <a:fld id="{6848C585-BF4F-4A51-B926-B9EBAB7722D4}" type="datetimeFigureOut">
               <a:rPr lang="nl-NL" smtClean="0"/>
-              <a:t>12-02-18</a:t>
+              <a:t>13-02-18</a:t>
             </a:fld>
             <a:endParaRPr lang="nl-NL"/>
           </a:p>
@@ -1713,7 +1714,7 @@
           <a:p>
             <a:fld id="{C5B9A693-D65E-2D4A-82BD-FD665BC384F7}" type="slidenum">
               <a:rPr lang="ru-RU" smtClean="0"/>
-              <a:t>18</a:t>
+              <a:t>19</a:t>
             </a:fld>
             <a:endParaRPr lang="ru-RU"/>
           </a:p>
@@ -2262,7 +2263,7 @@
           <a:p>
             <a:fld id="{59C059BC-4998-4873-8F2D-C8268E612536}" type="slidenum">
               <a:rPr lang="nl-NL" smtClean="0"/>
-              <a:t>21</a:t>
+              <a:t>22</a:t>
             </a:fld>
             <a:endParaRPr lang="nl-NL"/>
           </a:p>
@@ -2374,7 +2375,7 @@
           <a:p>
             <a:fld id="{59C059BC-4998-4873-8F2D-C8268E612536}" type="slidenum">
               <a:rPr lang="nl-NL" smtClean="0"/>
-              <a:t>23</a:t>
+              <a:t>24</a:t>
             </a:fld>
             <a:endParaRPr lang="nl-NL"/>
           </a:p>
@@ -2479,7 +2480,7 @@
           <a:p>
             <a:fld id="{59C059BC-4998-4873-8F2D-C8268E612536}" type="slidenum">
               <a:rPr lang="nl-NL" smtClean="0"/>
-              <a:t>24</a:t>
+              <a:t>25</a:t>
             </a:fld>
             <a:endParaRPr lang="nl-NL"/>
           </a:p>
@@ -2682,11 +2683,7 @@
             </a:r>
             <a:r>
               <a:rPr lang="en-US" baseline="0" dirty="0" smtClean="0"/>
-              <a:t> </a:t>
-            </a:r>
-            <a:r>
-              <a:rPr lang="en-US" baseline="0" dirty="0" smtClean="0"/>
-              <a:t>met data.</a:t>
+              <a:t> met data.</a:t>
             </a:r>
           </a:p>
           <a:p>
@@ -2799,7 +2796,7 @@
           <a:p>
             <a:fld id="{59C059BC-4998-4873-8F2D-C8268E612536}" type="slidenum">
               <a:rPr lang="nl-NL" smtClean="0"/>
-              <a:t>25</a:t>
+              <a:t>26</a:t>
             </a:fld>
             <a:endParaRPr lang="nl-NL"/>
           </a:p>
@@ -2911,7 +2908,7 @@
           <a:p>
             <a:fld id="{59C059BC-4998-4873-8F2D-C8268E612536}" type="slidenum">
               <a:rPr lang="nl-NL" smtClean="0"/>
-              <a:t>28</a:t>
+              <a:t>29</a:t>
             </a:fld>
             <a:endParaRPr lang="nl-NL"/>
           </a:p>
@@ -4068,7 +4065,7 @@
           <a:p>
             <a:fld id="{59C059BC-4998-4873-8F2D-C8268E612536}" type="slidenum">
               <a:rPr lang="nl-NL" smtClean="0"/>
-              <a:t>29</a:t>
+              <a:t>30</a:t>
             </a:fld>
             <a:endParaRPr lang="nl-NL"/>
           </a:p>
@@ -4180,7 +4177,7 @@
           <a:p>
             <a:fld id="{59C059BC-4998-4873-8F2D-C8268E612536}" type="slidenum">
               <a:rPr lang="nl-NL" smtClean="0"/>
-              <a:t>31</a:t>
+              <a:t>32</a:t>
             </a:fld>
             <a:endParaRPr lang="nl-NL"/>
           </a:p>
@@ -4268,7 +4265,7 @@
           <a:p>
             <a:fld id="{59C059BC-4998-4873-8F2D-C8268E612536}" type="slidenum">
               <a:rPr lang="nl-NL" smtClean="0"/>
-              <a:t>32</a:t>
+              <a:t>33</a:t>
             </a:fld>
             <a:endParaRPr lang="nl-NL"/>
           </a:p>
@@ -4352,7 +4349,7 @@
           <a:p>
             <a:fld id="{59C059BC-4998-4873-8F2D-C8268E612536}" type="slidenum">
               <a:rPr lang="nl-NL" smtClean="0"/>
-              <a:t>33</a:t>
+              <a:t>34</a:t>
             </a:fld>
             <a:endParaRPr lang="nl-NL"/>
           </a:p>
@@ -7176,7 +7173,7 @@
           <a:p>
             <a:fld id="{9379F80A-5E69-4003-A4CA-EECDF3CD699D}" type="datetimeFigureOut">
               <a:rPr lang="nl-NL" smtClean="0"/>
-              <a:t>12-02-18</a:t>
+              <a:t>13-02-18</a:t>
             </a:fld>
             <a:endParaRPr lang="nl-NL"/>
           </a:p>
@@ -7346,7 +7343,7 @@
           <a:p>
             <a:fld id="{9379F80A-5E69-4003-A4CA-EECDF3CD699D}" type="datetimeFigureOut">
               <a:rPr lang="nl-NL" smtClean="0"/>
-              <a:t>12-02-18</a:t>
+              <a:t>13-02-18</a:t>
             </a:fld>
             <a:endParaRPr lang="nl-NL"/>
           </a:p>
@@ -7526,7 +7523,7 @@
           <a:p>
             <a:fld id="{9379F80A-5E69-4003-A4CA-EECDF3CD699D}" type="datetimeFigureOut">
               <a:rPr lang="nl-NL" smtClean="0"/>
-              <a:t>12-02-18</a:t>
+              <a:t>13-02-18</a:t>
             </a:fld>
             <a:endParaRPr lang="nl-NL"/>
           </a:p>
@@ -8314,7 +8311,7 @@
           <a:p>
             <a:fld id="{9379F80A-5E69-4003-A4CA-EECDF3CD699D}" type="datetimeFigureOut">
               <a:rPr lang="nl-NL" smtClean="0"/>
-              <a:t>12-02-18</a:t>
+              <a:t>13-02-18</a:t>
             </a:fld>
             <a:endParaRPr lang="nl-NL"/>
           </a:p>
@@ -8560,7 +8557,7 @@
           <a:p>
             <a:fld id="{9379F80A-5E69-4003-A4CA-EECDF3CD699D}" type="datetimeFigureOut">
               <a:rPr lang="nl-NL" smtClean="0"/>
-              <a:t>12-02-18</a:t>
+              <a:t>13-02-18</a:t>
             </a:fld>
             <a:endParaRPr lang="nl-NL"/>
           </a:p>
@@ -8792,7 +8789,7 @@
           <a:p>
             <a:fld id="{9379F80A-5E69-4003-A4CA-EECDF3CD699D}" type="datetimeFigureOut">
               <a:rPr lang="nl-NL" smtClean="0"/>
-              <a:t>12-02-18</a:t>
+              <a:t>13-02-18</a:t>
             </a:fld>
             <a:endParaRPr lang="nl-NL"/>
           </a:p>
@@ -9159,7 +9156,7 @@
           <a:p>
             <a:fld id="{9379F80A-5E69-4003-A4CA-EECDF3CD699D}" type="datetimeFigureOut">
               <a:rPr lang="nl-NL" smtClean="0"/>
-              <a:t>12-02-18</a:t>
+              <a:t>13-02-18</a:t>
             </a:fld>
             <a:endParaRPr lang="nl-NL"/>
           </a:p>
@@ -9277,7 +9274,7 @@
           <a:p>
             <a:fld id="{9379F80A-5E69-4003-A4CA-EECDF3CD699D}" type="datetimeFigureOut">
               <a:rPr lang="nl-NL" smtClean="0"/>
-              <a:t>12-02-18</a:t>
+              <a:t>13-02-18</a:t>
             </a:fld>
             <a:endParaRPr lang="nl-NL"/>
           </a:p>
@@ -9372,7 +9369,7 @@
           <a:p>
             <a:fld id="{9379F80A-5E69-4003-A4CA-EECDF3CD699D}" type="datetimeFigureOut">
               <a:rPr lang="nl-NL" smtClean="0"/>
-              <a:t>12-02-18</a:t>
+              <a:t>13-02-18</a:t>
             </a:fld>
             <a:endParaRPr lang="nl-NL"/>
           </a:p>
@@ -9649,7 +9646,7 @@
           <a:p>
             <a:fld id="{9379F80A-5E69-4003-A4CA-EECDF3CD699D}" type="datetimeFigureOut">
               <a:rPr lang="nl-NL" smtClean="0"/>
-              <a:t>12-02-18</a:t>
+              <a:t>13-02-18</a:t>
             </a:fld>
             <a:endParaRPr lang="nl-NL"/>
           </a:p>
@@ -9902,7 +9899,7 @@
           <a:p>
             <a:fld id="{9379F80A-5E69-4003-A4CA-EECDF3CD699D}" type="datetimeFigureOut">
               <a:rPr lang="nl-NL" smtClean="0"/>
-              <a:t>12-02-18</a:t>
+              <a:t>13-02-18</a:t>
             </a:fld>
             <a:endParaRPr lang="nl-NL"/>
           </a:p>
@@ -10143,7 +10140,7 @@
           <a:p>
             <a:fld id="{9379F80A-5E69-4003-A4CA-EECDF3CD699D}" type="datetimeFigureOut">
               <a:rPr lang="nl-NL" smtClean="0"/>
-              <a:t>12-02-18</a:t>
+              <a:t>13-02-18</a:t>
             </a:fld>
             <a:endParaRPr lang="nl-NL"/>
           </a:p>
@@ -12169,6 +12166,13 @@
   <p:clrMapOvr>
     <a:masterClrMapping/>
   </p:clrMapOvr>
+  <p:timing>
+    <p:tnLst>
+      <p:par>
+        <p:cTn id="1" dur="indefinite" restart="never" nodeType="tmRoot"/>
+      </p:par>
+    </p:tnLst>
+  </p:timing>
 </p:sld>
 </file>
 
@@ -12250,6 +12254,13 @@
   <p:clrMapOvr>
     <a:masterClrMapping/>
   </p:clrMapOvr>
+  <p:timing>
+    <p:tnLst>
+      <p:par>
+        <p:cTn id="1" dur="indefinite" restart="never" nodeType="tmRoot"/>
+      </p:par>
+    </p:tnLst>
+  </p:timing>
 </p:sld>
 </file>
 
@@ -12331,6 +12342,13 @@
   <p:clrMapOvr>
     <a:masterClrMapping/>
   </p:clrMapOvr>
+  <p:timing>
+    <p:tnLst>
+      <p:par>
+        <p:cTn id="1" dur="indefinite" restart="never" nodeType="tmRoot"/>
+      </p:par>
+    </p:tnLst>
+  </p:timing>
 </p:sld>
 </file>
 
@@ -13137,6 +13155,92 @@
       </p:grpSpPr>
       <p:sp>
         <p:nvSpPr>
+          <p:cNvPr id="2" name="Title 1"/>
+          <p:cNvSpPr>
+            <a:spLocks noGrp="1"/>
+          </p:cNvSpPr>
+          <p:nvPr>
+            <p:ph type="title"/>
+          </p:nvPr>
+        </p:nvSpPr>
+        <p:spPr/>
+        <p:txBody>
+          <a:bodyPr/>
+          <a:lstStyle/>
+          <a:p>
+            <a:pPr algn="ctr"/>
+            <a:r>
+              <a:rPr lang="en-US" b="1" dirty="0" smtClean="0">
+                <a:solidFill>
+                  <a:srgbClr val="FFC000"/>
+                </a:solidFill>
+              </a:rPr>
+              <a:t>Synchronous vs Asynchronous</a:t>
+            </a:r>
+            <a:endParaRPr lang="en-US" b="1" dirty="0">
+              <a:solidFill>
+                <a:srgbClr val="FFC000"/>
+              </a:solidFill>
+            </a:endParaRPr>
+          </a:p>
+        </p:txBody>
+      </p:sp>
+      <p:pic>
+        <p:nvPicPr>
+          <p:cNvPr id="3" name="Picture 2"/>
+          <p:cNvPicPr>
+            <a:picLocks noChangeAspect="1"/>
+          </p:cNvPicPr>
+          <p:nvPr/>
+        </p:nvPicPr>
+        <p:blipFill>
+          <a:blip r:embed="rId2"/>
+          <a:stretch>
+            <a:fillRect/>
+          </a:stretch>
+        </p:blipFill>
+        <p:spPr>
+          <a:xfrm>
+            <a:off x="2785533" y="2609850"/>
+            <a:ext cx="6858000" cy="4076700"/>
+          </a:xfrm>
+          <a:prstGeom prst="rect">
+            <a:avLst/>
+          </a:prstGeom>
+        </p:spPr>
+      </p:pic>
+    </p:spTree>
+    <p:extLst>
+      <p:ext uri="{BB962C8B-B14F-4D97-AF65-F5344CB8AC3E}">
+        <p14:creationId xmlns:p14="http://schemas.microsoft.com/office/powerpoint/2010/main" val="1868595284"/>
+      </p:ext>
+    </p:extLst>
+  </p:cSld>
+  <p:clrMapOvr>
+    <a:masterClrMapping/>
+  </p:clrMapOvr>
+</p:sld>
+</file>
+
+<file path=ppt/slides/slide19.xml><?xml version="1.0" encoding="utf-8"?>
+<p:sld xmlns:a="http://schemas.openxmlformats.org/drawingml/2006/main" xmlns:r="http://schemas.openxmlformats.org/officeDocument/2006/relationships" xmlns:p="http://schemas.openxmlformats.org/presentationml/2006/main">
+  <p:cSld>
+    <p:spTree>
+      <p:nvGrpSpPr>
+        <p:cNvPr id="1" name=""/>
+        <p:cNvGrpSpPr/>
+        <p:nvPr/>
+      </p:nvGrpSpPr>
+      <p:grpSpPr>
+        <a:xfrm>
+          <a:off x="0" y="0"/>
+          <a:ext cx="0" cy="0"/>
+          <a:chOff x="0" y="0"/>
+          <a:chExt cx="0" cy="0"/>
+        </a:xfrm>
+      </p:grpSpPr>
+      <p:sp>
+        <p:nvSpPr>
           <p:cNvPr id="5" name="Название 1"/>
           <p:cNvSpPr txBox="1">
             <a:spLocks/>
@@ -13607,319 +13711,6 @@
       </p:par>
     </p:tnLst>
   </p:timing>
-</p:sld>
-</file>
-
-<file path=ppt/slides/slide19.xml><?xml version="1.0" encoding="utf-8"?>
-<p:sld xmlns:a="http://schemas.openxmlformats.org/drawingml/2006/main" xmlns:r="http://schemas.openxmlformats.org/officeDocument/2006/relationships" xmlns:p="http://schemas.openxmlformats.org/presentationml/2006/main">
-  <p:cSld>
-    <p:spTree>
-      <p:nvGrpSpPr>
-        <p:cNvPr id="1" name=""/>
-        <p:cNvGrpSpPr/>
-        <p:nvPr/>
-      </p:nvGrpSpPr>
-      <p:grpSpPr>
-        <a:xfrm>
-          <a:off x="0" y="0"/>
-          <a:ext cx="0" cy="0"/>
-          <a:chOff x="0" y="0"/>
-          <a:chExt cx="0" cy="0"/>
-        </a:xfrm>
-      </p:grpSpPr>
-      <p:sp>
-        <p:nvSpPr>
-          <p:cNvPr id="2" name="Title 1"/>
-          <p:cNvSpPr>
-            <a:spLocks noGrp="1"/>
-          </p:cNvSpPr>
-          <p:nvPr>
-            <p:ph type="title"/>
-          </p:nvPr>
-        </p:nvSpPr>
-        <p:spPr/>
-        <p:txBody>
-          <a:bodyPr/>
-          <a:lstStyle/>
-          <a:p>
-            <a:pPr algn="ctr"/>
-            <a:r>
-              <a:rPr lang="en-US" b="1" dirty="0" smtClean="0">
-                <a:solidFill>
-                  <a:srgbClr val="FFC000"/>
-                </a:solidFill>
-              </a:rPr>
-              <a:t>Promise </a:t>
-            </a:r>
-            <a:endParaRPr lang="en-US" b="1" dirty="0">
-              <a:solidFill>
-                <a:srgbClr val="FFC000"/>
-              </a:solidFill>
-            </a:endParaRPr>
-          </a:p>
-        </p:txBody>
-      </p:sp>
-      <p:sp>
-        <p:nvSpPr>
-          <p:cNvPr id="3" name="Прямоугольник 2"/>
-          <p:cNvSpPr/>
-          <p:nvPr/>
-        </p:nvSpPr>
-        <p:spPr>
-          <a:xfrm>
-            <a:off x="1831012" y="2086104"/>
-            <a:ext cx="8529975" cy="5309146"/>
-          </a:xfrm>
-          <a:prstGeom prst="rect">
-            <a:avLst/>
-          </a:prstGeom>
-        </p:spPr>
-        <p:txBody>
-          <a:bodyPr wrap="square">
-            <a:spAutoFit/>
-          </a:bodyPr>
-          <a:lstStyle/>
-          <a:p>
-            <a:pPr algn="ctr"/>
-            <a:endParaRPr lang="nl-NL" sz="2400" dirty="0" smtClean="0"/>
-          </a:p>
-          <a:p>
-            <a:pPr algn="ctr"/>
-            <a:r>
-              <a:rPr lang="nl-NL" sz="2400" b="1" dirty="0" err="1">
-                <a:solidFill>
-                  <a:schemeClr val="accent2"/>
-                </a:solidFill>
-              </a:rPr>
-              <a:t>Not</a:t>
-            </a:r>
-            <a:r>
-              <a:rPr lang="nl-NL" sz="2400" b="1" dirty="0">
-                <a:solidFill>
-                  <a:schemeClr val="accent2"/>
-                </a:solidFill>
-              </a:rPr>
-              <a:t> </a:t>
-            </a:r>
-            <a:r>
-              <a:rPr lang="nl-NL" sz="2400" b="1" dirty="0" err="1">
-                <a:solidFill>
-                  <a:schemeClr val="accent2"/>
-                </a:solidFill>
-              </a:rPr>
-              <a:t>cancelable</a:t>
-            </a:r>
-            <a:endParaRPr lang="nl-NL" sz="2400" b="1" dirty="0">
-              <a:solidFill>
-                <a:schemeClr val="accent2"/>
-              </a:solidFill>
-            </a:endParaRPr>
-          </a:p>
-          <a:p>
-            <a:pPr algn="ctr"/>
-            <a:endParaRPr lang="nl-NL" sz="2400" dirty="0" smtClean="0"/>
-          </a:p>
-          <a:p>
-            <a:pPr algn="ctr"/>
-            <a:r>
-              <a:rPr lang="nl-NL" sz="2400" b="1" dirty="0" smtClean="0">
-                <a:solidFill>
-                  <a:srgbClr val="FF0000"/>
-                </a:solidFill>
-              </a:rPr>
-              <a:t>Returns 1 Value :  </a:t>
-            </a:r>
-            <a:r>
-              <a:rPr lang="nl-NL" sz="2400" b="1" dirty="0" err="1" smtClean="0">
-                <a:solidFill>
-                  <a:srgbClr val="FF0000"/>
-                </a:solidFill>
-              </a:rPr>
-              <a:t>success</a:t>
-            </a:r>
-            <a:r>
-              <a:rPr lang="nl-NL" sz="2400" b="1" dirty="0" smtClean="0">
-                <a:solidFill>
-                  <a:srgbClr val="FF0000"/>
-                </a:solidFill>
-              </a:rPr>
-              <a:t> or error</a:t>
-            </a:r>
-          </a:p>
-          <a:p>
-            <a:pPr algn="ctr"/>
-            <a:endParaRPr lang="nl-NL" sz="2400" b="1" dirty="0" smtClean="0"/>
-          </a:p>
-          <a:p>
-            <a:pPr algn="ctr"/>
-            <a:r>
-              <a:rPr lang="nl-NL" sz="2400" b="1" dirty="0" err="1" smtClean="0">
-                <a:solidFill>
-                  <a:srgbClr val="C00000"/>
-                </a:solidFill>
-              </a:rPr>
-              <a:t>Not</a:t>
-            </a:r>
-            <a:r>
-              <a:rPr lang="nl-NL" sz="2400" b="1" dirty="0" smtClean="0">
-                <a:solidFill>
-                  <a:srgbClr val="C00000"/>
-                </a:solidFill>
-              </a:rPr>
-              <a:t> </a:t>
-            </a:r>
-            <a:r>
-              <a:rPr lang="nl-NL" sz="2400" b="1" dirty="0" err="1" smtClean="0">
-                <a:solidFill>
-                  <a:srgbClr val="C00000"/>
-                </a:solidFill>
-              </a:rPr>
-              <a:t>Lazy</a:t>
-            </a:r>
-            <a:endParaRPr lang="nl-NL" sz="2400" b="1" dirty="0" smtClean="0">
-              <a:solidFill>
-                <a:srgbClr val="C00000"/>
-              </a:solidFill>
-            </a:endParaRPr>
-          </a:p>
-          <a:p>
-            <a:pPr algn="ctr"/>
-            <a:endParaRPr lang="nl-NL" sz="2400" b="1" dirty="0"/>
-          </a:p>
-          <a:p>
-            <a:pPr algn="ctr"/>
-            <a:r>
-              <a:rPr lang="nl-NL" sz="2400" b="1" dirty="0" smtClean="0">
-                <a:solidFill>
-                  <a:srgbClr val="FFC000"/>
-                </a:solidFill>
-              </a:rPr>
-              <a:t>Pull mechanisme</a:t>
-            </a:r>
-          </a:p>
-          <a:p>
-            <a:pPr algn="ctr"/>
-            <a:endParaRPr lang="nl-NL" sz="2400" dirty="0"/>
-          </a:p>
-          <a:p>
-            <a:pPr algn="ctr"/>
-            <a:endParaRPr lang="nl-NL" sz="2400" dirty="0"/>
-          </a:p>
-          <a:p>
-            <a:pPr algn="ctr"/>
-            <a:endParaRPr lang="nl-NL" sz="2400" dirty="0"/>
-          </a:p>
-          <a:p>
-            <a:pPr>
-              <a:lnSpc>
-                <a:spcPts val="1800"/>
-              </a:lnSpc>
-              <a:spcAft>
-                <a:spcPts val="1800"/>
-              </a:spcAft>
-              <a:tabLst>
-                <a:tab pos="581660" algn="l"/>
-                <a:tab pos="1163320" algn="l"/>
-                <a:tab pos="1744980" algn="l"/>
-                <a:tab pos="2326640" algn="l"/>
-                <a:tab pos="2908300" algn="l"/>
-                <a:tab pos="3489960" algn="l"/>
-                <a:tab pos="4071620" algn="l"/>
-                <a:tab pos="4653280" algn="l"/>
-                <a:tab pos="5234940" algn="l"/>
-                <a:tab pos="5816600" algn="l"/>
-                <a:tab pos="6398260" algn="l"/>
-                <a:tab pos="6979920" algn="l"/>
-                <a:tab pos="7561580" algn="l"/>
-                <a:tab pos="8143240" algn="l"/>
-                <a:tab pos="8724900" algn="l"/>
-                <a:tab pos="9306560" algn="l"/>
-              </a:tabLst>
-            </a:pPr>
-            <a:endParaRPr lang="nl-NL" sz="2400" b="1" dirty="0" smtClean="0">
-              <a:latin typeface="Calibri" panose="020F0502020204030204" pitchFamily="34" charset="0"/>
-              <a:ea typeface="ＭＳ 明朝"/>
-              <a:cs typeface="Courier"/>
-            </a:endParaRPr>
-          </a:p>
-          <a:p>
-            <a:pPr>
-              <a:lnSpc>
-                <a:spcPts val="1800"/>
-              </a:lnSpc>
-              <a:spcAft>
-                <a:spcPts val="1800"/>
-              </a:spcAft>
-              <a:tabLst>
-                <a:tab pos="581660" algn="l"/>
-                <a:tab pos="1163320" algn="l"/>
-                <a:tab pos="1744980" algn="l"/>
-                <a:tab pos="2326640" algn="l"/>
-                <a:tab pos="2908300" algn="l"/>
-                <a:tab pos="3489960" algn="l"/>
-                <a:tab pos="4071620" algn="l"/>
-                <a:tab pos="4653280" algn="l"/>
-                <a:tab pos="5234940" algn="l"/>
-                <a:tab pos="5816600" algn="l"/>
-                <a:tab pos="6398260" algn="l"/>
-                <a:tab pos="6979920" algn="l"/>
-                <a:tab pos="7561580" algn="l"/>
-                <a:tab pos="8143240" algn="l"/>
-                <a:tab pos="8724900" algn="l"/>
-                <a:tab pos="9306560" algn="l"/>
-              </a:tabLst>
-            </a:pPr>
-            <a:endParaRPr lang="nl-NL" sz="2400" b="1" dirty="0" smtClean="0">
-              <a:latin typeface="Calibri" panose="020F0502020204030204" pitchFamily="34" charset="0"/>
-              <a:ea typeface="ＭＳ 明朝"/>
-              <a:cs typeface="Courier"/>
-            </a:endParaRPr>
-          </a:p>
-          <a:p>
-            <a:pPr>
-              <a:lnSpc>
-                <a:spcPts val="1800"/>
-              </a:lnSpc>
-              <a:spcAft>
-                <a:spcPts val="1800"/>
-              </a:spcAft>
-              <a:tabLst>
-                <a:tab pos="581660" algn="l"/>
-                <a:tab pos="1163320" algn="l"/>
-                <a:tab pos="1744980" algn="l"/>
-                <a:tab pos="2326640" algn="l"/>
-                <a:tab pos="2908300" algn="l"/>
-                <a:tab pos="3489960" algn="l"/>
-                <a:tab pos="4071620" algn="l"/>
-                <a:tab pos="4653280" algn="l"/>
-                <a:tab pos="5234940" algn="l"/>
-                <a:tab pos="5816600" algn="l"/>
-                <a:tab pos="6398260" algn="l"/>
-                <a:tab pos="6979920" algn="l"/>
-                <a:tab pos="7561580" algn="l"/>
-                <a:tab pos="8143240" algn="l"/>
-                <a:tab pos="8724900" algn="l"/>
-                <a:tab pos="9306560" algn="l"/>
-              </a:tabLst>
-            </a:pPr>
-            <a:endParaRPr lang="en-US" sz="2400" b="1" dirty="0">
-              <a:latin typeface="Calibri" panose="020F0502020204030204" pitchFamily="34" charset="0"/>
-              <a:ea typeface="ＭＳ 明朝"/>
-              <a:cs typeface="Times New Roman"/>
-            </a:endParaRPr>
-          </a:p>
-        </p:txBody>
-      </p:sp>
-    </p:spTree>
-    <p:extLst>
-      <p:ext uri="{BB962C8B-B14F-4D97-AF65-F5344CB8AC3E}">
-        <p14:creationId xmlns:p14="http://schemas.microsoft.com/office/powerpoint/2010/main" val="582149924"/>
-      </p:ext>
-    </p:extLst>
-  </p:cSld>
-  <p:clrMapOvr>
-    <a:masterClrMapping/>
-  </p:clrMapOvr>
 </p:sld>
 </file>
 
@@ -15893,7 +15684,7 @@
                   <a:srgbClr val="FFC000"/>
                 </a:solidFill>
               </a:rPr>
-              <a:t>Promise syntax</a:t>
+              <a:t>Promise </a:t>
             </a:r>
             <a:endParaRPr lang="en-US" b="1" dirty="0">
               <a:solidFill>
@@ -15912,7 +15703,7 @@
         <p:spPr>
           <a:xfrm>
             <a:off x="1831012" y="2086104"/>
-            <a:ext cx="8529975" cy="4201150"/>
+            <a:ext cx="8529975" cy="5309146"/>
           </a:xfrm>
           <a:prstGeom prst="rect">
             <a:avLst/>
@@ -15930,16 +15721,64 @@
           <a:p>
             <a:pPr algn="ctr"/>
             <a:r>
-              <a:rPr lang="nl-NL" sz="2400" dirty="0" err="1" smtClean="0"/>
-              <a:t>Service</a:t>
-            </a:r>
-            <a:r>
-              <a:rPr lang="nl-NL" sz="2400" b="1" dirty="0" err="1" smtClean="0"/>
-              <a:t>.get</a:t>
-            </a:r>
-            <a:r>
-              <a:rPr lang="nl-NL" sz="2400" b="1" dirty="0" smtClean="0"/>
-              <a:t>()</a:t>
+              <a:rPr lang="nl-NL" sz="2400" b="1" dirty="0" err="1">
+                <a:solidFill>
+                  <a:schemeClr val="accent2"/>
+                </a:solidFill>
+              </a:rPr>
+              <a:t>Not</a:t>
+            </a:r>
+            <a:r>
+              <a:rPr lang="nl-NL" sz="2400" b="1" dirty="0">
+                <a:solidFill>
+                  <a:schemeClr val="accent2"/>
+                </a:solidFill>
+              </a:rPr>
+              <a:t> </a:t>
+            </a:r>
+            <a:r>
+              <a:rPr lang="nl-NL" sz="2400" b="1" dirty="0" err="1">
+                <a:solidFill>
+                  <a:schemeClr val="accent2"/>
+                </a:solidFill>
+              </a:rPr>
+              <a:t>cancelable</a:t>
+            </a:r>
+            <a:endParaRPr lang="nl-NL" sz="2400" b="1" dirty="0">
+              <a:solidFill>
+                <a:schemeClr val="accent2"/>
+              </a:solidFill>
+            </a:endParaRPr>
+          </a:p>
+          <a:p>
+            <a:pPr algn="ctr"/>
+            <a:endParaRPr lang="nl-NL" sz="2400" dirty="0" smtClean="0"/>
+          </a:p>
+          <a:p>
+            <a:pPr algn="ctr"/>
+            <a:r>
+              <a:rPr lang="nl-NL" sz="2400" b="1" dirty="0" smtClean="0">
+                <a:solidFill>
+                  <a:srgbClr val="FF0000"/>
+                </a:solidFill>
+              </a:rPr>
+              <a:t>Returns 1 Value :  </a:t>
+            </a:r>
+            <a:r>
+              <a:rPr lang="nl-NL" sz="2400" b="1" dirty="0" err="1" smtClean="0">
+                <a:solidFill>
+                  <a:srgbClr val="FF0000"/>
+                </a:solidFill>
+              </a:rPr>
+              <a:t>success</a:t>
+            </a:r>
+            <a:r>
+              <a:rPr lang="nl-NL" sz="2400" b="1" dirty="0" smtClean="0">
+                <a:solidFill>
+                  <a:srgbClr val="FF0000"/>
+                </a:solidFill>
+              </a:rPr>
+              <a:t> or error</a:t>
             </a:r>
           </a:p>
           <a:p>
@@ -15949,94 +15788,53 @@
           <a:p>
             <a:pPr algn="ctr"/>
             <a:r>
-              <a:rPr lang="nl-NL" sz="2400" b="1" dirty="0" smtClean="0"/>
-              <a:t>.</a:t>
-            </a:r>
-            <a:r>
               <a:rPr lang="nl-NL" sz="2400" b="1" dirty="0" err="1" smtClean="0">
                 <a:solidFill>
                   <a:srgbClr val="C00000"/>
                 </a:solidFill>
               </a:rPr>
-              <a:t>then</a:t>
-            </a:r>
-            <a:r>
-              <a:rPr lang="nl-NL" sz="2400" dirty="0" smtClean="0"/>
-              <a:t>(x </a:t>
-            </a:r>
-            <a:r>
-              <a:rPr lang="nl-NL" sz="2400" dirty="0" smtClean="0">
-                <a:sym typeface="Wingdings"/>
-              </a:rPr>
-              <a:t>=&gt; </a:t>
-            </a:r>
-            <a:r>
-              <a:rPr lang="nl-NL" sz="2400" dirty="0" err="1" smtClean="0">
-                <a:sym typeface="Wingdings"/>
-              </a:rPr>
-              <a:t>console.log</a:t>
-            </a:r>
-            <a:r>
-              <a:rPr lang="nl-NL" sz="2400" dirty="0" smtClean="0">
-                <a:sym typeface="Wingdings"/>
-              </a:rPr>
-              <a:t>(x</a:t>
-            </a:r>
-            <a:r>
-              <a:rPr lang="nl-NL" sz="2400" dirty="0" smtClean="0">
-                <a:sym typeface="Wingdings"/>
-              </a:rPr>
-              <a:t>)</a:t>
-            </a:r>
-            <a:r>
-              <a:rPr lang="nl-NL" sz="2400" dirty="0" smtClean="0"/>
-              <a:t>)      </a:t>
-            </a:r>
-            <a:r>
-              <a:rPr lang="nl-NL" sz="2400" b="1" i="1" dirty="0" smtClean="0"/>
-              <a:t>// succes!</a:t>
-            </a:r>
-            <a:endParaRPr lang="nl-NL" sz="2400" b="1" i="1" dirty="0" smtClean="0"/>
+              <a:t>Not</a:t>
+            </a:r>
+            <a:r>
+              <a:rPr lang="nl-NL" sz="2400" b="1" dirty="0" smtClean="0">
+                <a:solidFill>
+                  <a:srgbClr val="C00000"/>
+                </a:solidFill>
+              </a:rPr>
+              <a:t> </a:t>
+            </a:r>
+            <a:r>
+              <a:rPr lang="nl-NL" sz="2400" b="1" dirty="0" err="1" smtClean="0">
+                <a:solidFill>
+                  <a:srgbClr val="C00000"/>
+                </a:solidFill>
+              </a:rPr>
+              <a:t>Lazy</a:t>
+            </a:r>
+            <a:endParaRPr lang="nl-NL" sz="2400" b="1" dirty="0" smtClean="0">
+              <a:solidFill>
+                <a:srgbClr val="C00000"/>
+              </a:solidFill>
+            </a:endParaRPr>
           </a:p>
           <a:p>
             <a:pPr algn="ctr"/>
-            <a:endParaRPr lang="nl-NL" sz="2400" dirty="0" smtClean="0"/>
+            <a:endParaRPr lang="nl-NL" sz="2400" b="1" dirty="0"/>
           </a:p>
           <a:p>
             <a:pPr algn="ctr"/>
             <a:r>
-              <a:rPr lang="nl-NL" sz="2400" b="1" dirty="0" smtClean="0"/>
-              <a:t>.</a:t>
-            </a:r>
-            <a:r>
               <a:rPr lang="nl-NL" sz="2400" b="1" dirty="0" smtClean="0">
                 <a:solidFill>
-                  <a:srgbClr val="C00000"/>
-                </a:solidFill>
-              </a:rPr>
-              <a:t>catch</a:t>
-            </a:r>
-            <a:r>
-              <a:rPr lang="nl-NL" sz="2400" dirty="0" smtClean="0"/>
-              <a:t>(error =&gt; </a:t>
-            </a:r>
-            <a:r>
-              <a:rPr lang="nl-NL" sz="2400" dirty="0" err="1" smtClean="0"/>
-              <a:t>console.log</a:t>
-            </a:r>
-            <a:r>
-              <a:rPr lang="nl-NL" sz="2400" dirty="0" smtClean="0"/>
-              <a:t>(error</a:t>
-            </a:r>
-            <a:r>
-              <a:rPr lang="nl-NL" sz="2400" dirty="0" smtClean="0"/>
-              <a:t>))    </a:t>
-            </a:r>
-            <a:r>
-              <a:rPr lang="nl-NL" sz="2400" b="1" i="1" dirty="0" smtClean="0"/>
-              <a:t>// error!</a:t>
-            </a:r>
-            <a:endParaRPr lang="nl-NL" sz="2400" b="1" i="1" dirty="0"/>
+                  <a:srgbClr val="FFC000"/>
+                </a:solidFill>
+              </a:rPr>
+              <a:t>Pull mechanisme</a:t>
+            </a:r>
+          </a:p>
+          <a:p>
+            <a:pPr algn="ctr"/>
+            <a:endParaRPr lang="nl-NL" sz="2400" dirty="0"/>
           </a:p>
           <a:p>
             <a:pPr algn="ctr"/>
@@ -16150,6 +15948,308 @@
     </p:spTree>
     <p:extLst>
       <p:ext uri="{BB962C8B-B14F-4D97-AF65-F5344CB8AC3E}">
+        <p14:creationId xmlns:p14="http://schemas.microsoft.com/office/powerpoint/2010/main" val="582149924"/>
+      </p:ext>
+    </p:extLst>
+  </p:cSld>
+  <p:clrMapOvr>
+    <a:masterClrMapping/>
+  </p:clrMapOvr>
+  <p:timing>
+    <p:tnLst>
+      <p:par>
+        <p:cTn id="1" dur="indefinite" restart="never" nodeType="tmRoot"/>
+      </p:par>
+    </p:tnLst>
+  </p:timing>
+</p:sld>
+</file>
+
+<file path=ppt/slides/slide21.xml><?xml version="1.0" encoding="utf-8"?>
+<p:sld xmlns:a="http://schemas.openxmlformats.org/drawingml/2006/main" xmlns:r="http://schemas.openxmlformats.org/officeDocument/2006/relationships" xmlns:p="http://schemas.openxmlformats.org/presentationml/2006/main">
+  <p:cSld>
+    <p:spTree>
+      <p:nvGrpSpPr>
+        <p:cNvPr id="1" name=""/>
+        <p:cNvGrpSpPr/>
+        <p:nvPr/>
+      </p:nvGrpSpPr>
+      <p:grpSpPr>
+        <a:xfrm>
+          <a:off x="0" y="0"/>
+          <a:ext cx="0" cy="0"/>
+          <a:chOff x="0" y="0"/>
+          <a:chExt cx="0" cy="0"/>
+        </a:xfrm>
+      </p:grpSpPr>
+      <p:sp>
+        <p:nvSpPr>
+          <p:cNvPr id="2" name="Title 1"/>
+          <p:cNvSpPr>
+            <a:spLocks noGrp="1"/>
+          </p:cNvSpPr>
+          <p:nvPr>
+            <p:ph type="title"/>
+          </p:nvPr>
+        </p:nvSpPr>
+        <p:spPr/>
+        <p:txBody>
+          <a:bodyPr/>
+          <a:lstStyle/>
+          <a:p>
+            <a:pPr algn="ctr"/>
+            <a:r>
+              <a:rPr lang="en-US" b="1" dirty="0" smtClean="0">
+                <a:solidFill>
+                  <a:srgbClr val="FFC000"/>
+                </a:solidFill>
+              </a:rPr>
+              <a:t>Promise syntax</a:t>
+            </a:r>
+            <a:endParaRPr lang="en-US" b="1" dirty="0">
+              <a:solidFill>
+                <a:srgbClr val="FFC000"/>
+              </a:solidFill>
+            </a:endParaRPr>
+          </a:p>
+        </p:txBody>
+      </p:sp>
+      <p:sp>
+        <p:nvSpPr>
+          <p:cNvPr id="3" name="Прямоугольник 2"/>
+          <p:cNvSpPr/>
+          <p:nvPr/>
+        </p:nvSpPr>
+        <p:spPr>
+          <a:xfrm>
+            <a:off x="1831012" y="2086104"/>
+            <a:ext cx="8529975" cy="4201150"/>
+          </a:xfrm>
+          <a:prstGeom prst="rect">
+            <a:avLst/>
+          </a:prstGeom>
+        </p:spPr>
+        <p:txBody>
+          <a:bodyPr wrap="square">
+            <a:spAutoFit/>
+          </a:bodyPr>
+          <a:lstStyle/>
+          <a:p>
+            <a:pPr algn="ctr"/>
+            <a:endParaRPr lang="nl-NL" sz="2400" dirty="0" smtClean="0"/>
+          </a:p>
+          <a:p>
+            <a:pPr algn="ctr"/>
+            <a:r>
+              <a:rPr lang="nl-NL" sz="2400" dirty="0" err="1" smtClean="0"/>
+              <a:t>Service</a:t>
+            </a:r>
+            <a:r>
+              <a:rPr lang="nl-NL" sz="2400" b="1" dirty="0" err="1" smtClean="0"/>
+              <a:t>.get</a:t>
+            </a:r>
+            <a:r>
+              <a:rPr lang="nl-NL" sz="2400" b="1" dirty="0" smtClean="0"/>
+              <a:t>()</a:t>
+            </a:r>
+          </a:p>
+          <a:p>
+            <a:pPr algn="ctr"/>
+            <a:endParaRPr lang="nl-NL" sz="2400" b="1" dirty="0" smtClean="0"/>
+          </a:p>
+          <a:p>
+            <a:pPr algn="ctr"/>
+            <a:r>
+              <a:rPr lang="nl-NL" sz="2400" b="1" dirty="0" smtClean="0"/>
+              <a:t>.</a:t>
+            </a:r>
+            <a:r>
+              <a:rPr lang="nl-NL" sz="2400" b="1" dirty="0" err="1" smtClean="0">
+                <a:solidFill>
+                  <a:srgbClr val="C00000"/>
+                </a:solidFill>
+              </a:rPr>
+              <a:t>then</a:t>
+            </a:r>
+            <a:r>
+              <a:rPr lang="nl-NL" sz="2400" dirty="0" smtClean="0"/>
+              <a:t>(x </a:t>
+            </a:r>
+            <a:r>
+              <a:rPr lang="nl-NL" sz="2400" dirty="0" smtClean="0">
+                <a:sym typeface="Wingdings"/>
+              </a:rPr>
+              <a:t>=&gt; </a:t>
+            </a:r>
+            <a:r>
+              <a:rPr lang="nl-NL" sz="2400" dirty="0" err="1" smtClean="0">
+                <a:sym typeface="Wingdings"/>
+              </a:rPr>
+              <a:t>console.log</a:t>
+            </a:r>
+            <a:r>
+              <a:rPr lang="nl-NL" sz="2400" dirty="0" smtClean="0">
+                <a:sym typeface="Wingdings"/>
+              </a:rPr>
+              <a:t>(x)</a:t>
+            </a:r>
+            <a:r>
+              <a:rPr lang="nl-NL" sz="2400" dirty="0" smtClean="0"/>
+              <a:t>)      </a:t>
+            </a:r>
+            <a:r>
+              <a:rPr lang="nl-NL" sz="2400" b="1" i="1" dirty="0" smtClean="0"/>
+              <a:t>// succes!</a:t>
+            </a:r>
+          </a:p>
+          <a:p>
+            <a:pPr algn="ctr"/>
+            <a:endParaRPr lang="nl-NL" sz="2400" dirty="0" smtClean="0"/>
+          </a:p>
+          <a:p>
+            <a:pPr algn="ctr"/>
+            <a:r>
+              <a:rPr lang="nl-NL" sz="2400" b="1" dirty="0" smtClean="0"/>
+              <a:t>.</a:t>
+            </a:r>
+            <a:r>
+              <a:rPr lang="nl-NL" sz="2400" b="1" dirty="0" smtClean="0">
+                <a:solidFill>
+                  <a:srgbClr val="C00000"/>
+                </a:solidFill>
+              </a:rPr>
+              <a:t>catch</a:t>
+            </a:r>
+            <a:r>
+              <a:rPr lang="nl-NL" sz="2400" dirty="0" smtClean="0"/>
+              <a:t>(error =&gt; </a:t>
+            </a:r>
+            <a:r>
+              <a:rPr lang="nl-NL" sz="2400" dirty="0" err="1" smtClean="0"/>
+              <a:t>console.log</a:t>
+            </a:r>
+            <a:r>
+              <a:rPr lang="nl-NL" sz="2400" dirty="0" smtClean="0"/>
+              <a:t>(error))    </a:t>
+            </a:r>
+            <a:r>
+              <a:rPr lang="nl-NL" sz="2400" b="1" i="1" dirty="0" smtClean="0"/>
+              <a:t>// error!</a:t>
+            </a:r>
+            <a:endParaRPr lang="nl-NL" sz="2400" b="1" i="1" dirty="0"/>
+          </a:p>
+          <a:p>
+            <a:pPr algn="ctr"/>
+            <a:endParaRPr lang="nl-NL" sz="2400" dirty="0"/>
+          </a:p>
+          <a:p>
+            <a:pPr algn="ctr"/>
+            <a:endParaRPr lang="nl-NL" sz="2400" dirty="0"/>
+          </a:p>
+          <a:p>
+            <a:pPr>
+              <a:lnSpc>
+                <a:spcPts val="1800"/>
+              </a:lnSpc>
+              <a:spcAft>
+                <a:spcPts val="1800"/>
+              </a:spcAft>
+              <a:tabLst>
+                <a:tab pos="581660" algn="l"/>
+                <a:tab pos="1163320" algn="l"/>
+                <a:tab pos="1744980" algn="l"/>
+                <a:tab pos="2326640" algn="l"/>
+                <a:tab pos="2908300" algn="l"/>
+                <a:tab pos="3489960" algn="l"/>
+                <a:tab pos="4071620" algn="l"/>
+                <a:tab pos="4653280" algn="l"/>
+                <a:tab pos="5234940" algn="l"/>
+                <a:tab pos="5816600" algn="l"/>
+                <a:tab pos="6398260" algn="l"/>
+                <a:tab pos="6979920" algn="l"/>
+                <a:tab pos="7561580" algn="l"/>
+                <a:tab pos="8143240" algn="l"/>
+                <a:tab pos="8724900" algn="l"/>
+                <a:tab pos="9306560" algn="l"/>
+              </a:tabLst>
+            </a:pPr>
+            <a:endParaRPr lang="nl-NL" sz="2400" b="1" dirty="0" smtClean="0">
+              <a:latin typeface="Calibri" panose="020F0502020204030204" pitchFamily="34" charset="0"/>
+              <a:ea typeface="ＭＳ 明朝"/>
+              <a:cs typeface="Courier"/>
+            </a:endParaRPr>
+          </a:p>
+          <a:p>
+            <a:pPr>
+              <a:lnSpc>
+                <a:spcPts val="1800"/>
+              </a:lnSpc>
+              <a:spcAft>
+                <a:spcPts val="1800"/>
+              </a:spcAft>
+              <a:tabLst>
+                <a:tab pos="581660" algn="l"/>
+                <a:tab pos="1163320" algn="l"/>
+                <a:tab pos="1744980" algn="l"/>
+                <a:tab pos="2326640" algn="l"/>
+                <a:tab pos="2908300" algn="l"/>
+                <a:tab pos="3489960" algn="l"/>
+                <a:tab pos="4071620" algn="l"/>
+                <a:tab pos="4653280" algn="l"/>
+                <a:tab pos="5234940" algn="l"/>
+                <a:tab pos="5816600" algn="l"/>
+                <a:tab pos="6398260" algn="l"/>
+                <a:tab pos="6979920" algn="l"/>
+                <a:tab pos="7561580" algn="l"/>
+                <a:tab pos="8143240" algn="l"/>
+                <a:tab pos="8724900" algn="l"/>
+                <a:tab pos="9306560" algn="l"/>
+              </a:tabLst>
+            </a:pPr>
+            <a:endParaRPr lang="nl-NL" sz="2400" b="1" dirty="0" smtClean="0">
+              <a:latin typeface="Calibri" panose="020F0502020204030204" pitchFamily="34" charset="0"/>
+              <a:ea typeface="ＭＳ 明朝"/>
+              <a:cs typeface="Courier"/>
+            </a:endParaRPr>
+          </a:p>
+          <a:p>
+            <a:pPr>
+              <a:lnSpc>
+                <a:spcPts val="1800"/>
+              </a:lnSpc>
+              <a:spcAft>
+                <a:spcPts val="1800"/>
+              </a:spcAft>
+              <a:tabLst>
+                <a:tab pos="581660" algn="l"/>
+                <a:tab pos="1163320" algn="l"/>
+                <a:tab pos="1744980" algn="l"/>
+                <a:tab pos="2326640" algn="l"/>
+                <a:tab pos="2908300" algn="l"/>
+                <a:tab pos="3489960" algn="l"/>
+                <a:tab pos="4071620" algn="l"/>
+                <a:tab pos="4653280" algn="l"/>
+                <a:tab pos="5234940" algn="l"/>
+                <a:tab pos="5816600" algn="l"/>
+                <a:tab pos="6398260" algn="l"/>
+                <a:tab pos="6979920" algn="l"/>
+                <a:tab pos="7561580" algn="l"/>
+                <a:tab pos="8143240" algn="l"/>
+                <a:tab pos="8724900" algn="l"/>
+                <a:tab pos="9306560" algn="l"/>
+              </a:tabLst>
+            </a:pPr>
+            <a:endParaRPr lang="en-US" sz="2400" b="1" dirty="0">
+              <a:latin typeface="Calibri" panose="020F0502020204030204" pitchFamily="34" charset="0"/>
+              <a:ea typeface="ＭＳ 明朝"/>
+              <a:cs typeface="Times New Roman"/>
+            </a:endParaRPr>
+          </a:p>
+        </p:txBody>
+      </p:sp>
+    </p:spTree>
+    <p:extLst>
+      <p:ext uri="{BB962C8B-B14F-4D97-AF65-F5344CB8AC3E}">
         <p14:creationId xmlns:p14="http://schemas.microsoft.com/office/powerpoint/2010/main" val="1376124096"/>
       </p:ext>
     </p:extLst>
@@ -16157,10 +16257,17 @@
   <p:clrMapOvr>
     <a:masterClrMapping/>
   </p:clrMapOvr>
+  <p:timing>
+    <p:tnLst>
+      <p:par>
+        <p:cTn id="1" dur="indefinite" restart="never" nodeType="tmRoot"/>
+      </p:par>
+    </p:tnLst>
+  </p:timing>
 </p:sld>
 </file>
 
-<file path=ppt/slides/slide21.xml><?xml version="1.0" encoding="utf-8"?>
+<file path=ppt/slides/slide22.xml><?xml version="1.0" encoding="utf-8"?>
 <p:sld xmlns:a="http://schemas.openxmlformats.org/drawingml/2006/main" xmlns:r="http://schemas.openxmlformats.org/officeDocument/2006/relationships" xmlns:p="http://schemas.openxmlformats.org/presentationml/2006/main">
   <p:cSld>
     <p:spTree>
@@ -17633,424 +17740,6 @@
 </p:sld>
 </file>
 
-<file path=ppt/slides/slide22.xml><?xml version="1.0" encoding="utf-8"?>
-<p:sld xmlns:a="http://schemas.openxmlformats.org/drawingml/2006/main" xmlns:r="http://schemas.openxmlformats.org/officeDocument/2006/relationships" xmlns:p="http://schemas.openxmlformats.org/presentationml/2006/main">
-  <p:cSld>
-    <p:spTree>
-      <p:nvGrpSpPr>
-        <p:cNvPr id="1" name=""/>
-        <p:cNvGrpSpPr/>
-        <p:nvPr/>
-      </p:nvGrpSpPr>
-      <p:grpSpPr>
-        <a:xfrm>
-          <a:off x="0" y="0"/>
-          <a:ext cx="0" cy="0"/>
-          <a:chOff x="0" y="0"/>
-          <a:chExt cx="0" cy="0"/>
-        </a:xfrm>
-      </p:grpSpPr>
-      <p:sp>
-        <p:nvSpPr>
-          <p:cNvPr id="2" name="Title 1"/>
-          <p:cNvSpPr>
-            <a:spLocks noGrp="1"/>
-          </p:cNvSpPr>
-          <p:nvPr>
-            <p:ph type="title"/>
-          </p:nvPr>
-        </p:nvSpPr>
-        <p:spPr/>
-        <p:txBody>
-          <a:bodyPr/>
-          <a:lstStyle/>
-          <a:p>
-            <a:pPr algn="ctr"/>
-            <a:r>
-              <a:rPr lang="nl-NL" b="1" dirty="0" err="1" smtClean="0">
-                <a:solidFill>
-                  <a:srgbClr val="FFC000"/>
-                </a:solidFill>
-              </a:rPr>
-              <a:t>Use</a:t>
-            </a:r>
-            <a:r>
-              <a:rPr lang="nl-NL" b="1" dirty="0" smtClean="0">
-                <a:solidFill>
-                  <a:srgbClr val="FFC000"/>
-                </a:solidFill>
-              </a:rPr>
-              <a:t> the </a:t>
-            </a:r>
-            <a:r>
-              <a:rPr lang="nl-NL" b="1" dirty="0" err="1" smtClean="0">
-                <a:solidFill>
-                  <a:srgbClr val="FFC000"/>
-                </a:solidFill>
-              </a:rPr>
-              <a:t>AppService</a:t>
-            </a:r>
-            <a:r>
-              <a:rPr lang="nl-NL" b="1" dirty="0" smtClean="0">
-                <a:solidFill>
-                  <a:srgbClr val="FFC000"/>
-                </a:solidFill>
-              </a:rPr>
-              <a:t> in </a:t>
-            </a:r>
-            <a:r>
-              <a:rPr lang="nl-NL" b="1" dirty="0" err="1" smtClean="0">
-                <a:solidFill>
-                  <a:srgbClr val="FFC000"/>
-                </a:solidFill>
-              </a:rPr>
-              <a:t>your</a:t>
-            </a:r>
-            <a:r>
-              <a:rPr lang="nl-NL" b="1" dirty="0" smtClean="0">
-                <a:solidFill>
-                  <a:srgbClr val="FFC000"/>
-                </a:solidFill>
-              </a:rPr>
-              <a:t> </a:t>
-            </a:r>
-            <a:r>
-              <a:rPr lang="nl-NL" b="1" dirty="0" err="1" smtClean="0">
-                <a:solidFill>
-                  <a:srgbClr val="FFC000"/>
-                </a:solidFill>
-              </a:rPr>
-              <a:t>BooksComponent</a:t>
-            </a:r>
-            <a:endParaRPr lang="nl-NL" dirty="0"/>
-          </a:p>
-        </p:txBody>
-      </p:sp>
-      <p:sp>
-        <p:nvSpPr>
-          <p:cNvPr id="3" name="Content Placeholder 2"/>
-          <p:cNvSpPr>
-            <a:spLocks noGrp="1"/>
-          </p:cNvSpPr>
-          <p:nvPr>
-            <p:ph idx="1"/>
-          </p:nvPr>
-        </p:nvSpPr>
-        <p:spPr>
-          <a:xfrm>
-            <a:off x="2977978" y="1804086"/>
-            <a:ext cx="8375822" cy="4372877"/>
-          </a:xfrm>
-        </p:spPr>
-        <p:txBody>
-          <a:bodyPr>
-            <a:normAutofit/>
-          </a:bodyPr>
-          <a:lstStyle/>
-          <a:p>
-            <a:pPr marL="0" indent="0">
-              <a:buNone/>
-            </a:pPr>
-            <a:endParaRPr lang="nl-NL" dirty="0" smtClean="0"/>
-          </a:p>
-          <a:p>
-            <a:pPr marL="0" indent="0">
-              <a:buNone/>
-            </a:pPr>
-            <a:r>
-              <a:rPr lang="nl-NL" sz="1800" dirty="0" smtClean="0">
-                <a:solidFill>
-                  <a:srgbClr val="FF0000"/>
-                </a:solidFill>
-              </a:rPr>
-              <a:t>Import { </a:t>
-            </a:r>
-            <a:r>
-              <a:rPr lang="nl-NL" sz="1800" b="1" dirty="0" err="1">
-                <a:solidFill>
-                  <a:srgbClr val="C00000"/>
-                </a:solidFill>
-              </a:rPr>
-              <a:t>AppService</a:t>
-            </a:r>
-            <a:r>
-              <a:rPr lang="nl-NL" sz="1800" dirty="0">
-                <a:solidFill>
-                  <a:srgbClr val="C00000"/>
-                </a:solidFill>
-              </a:rPr>
-              <a:t> </a:t>
-            </a:r>
-            <a:r>
-              <a:rPr lang="nl-NL" sz="1800" dirty="0">
-                <a:solidFill>
-                  <a:srgbClr val="FF0000"/>
-                </a:solidFill>
-              </a:rPr>
-              <a:t>} </a:t>
-            </a:r>
-            <a:r>
-              <a:rPr lang="nl-NL" sz="1800" dirty="0" err="1">
-                <a:solidFill>
-                  <a:srgbClr val="FF0000"/>
-                </a:solidFill>
-              </a:rPr>
-              <a:t>from</a:t>
-            </a:r>
-            <a:r>
-              <a:rPr lang="nl-NL" sz="1800" dirty="0">
-                <a:solidFill>
-                  <a:srgbClr val="FF0000"/>
-                </a:solidFill>
-              </a:rPr>
-              <a:t> </a:t>
-            </a:r>
-            <a:r>
-              <a:rPr lang="nl-NL" sz="1800" dirty="0" smtClean="0">
-                <a:solidFill>
-                  <a:srgbClr val="FF0000"/>
-                </a:solidFill>
-              </a:rPr>
-              <a:t>'../</a:t>
-            </a:r>
-            <a:r>
-              <a:rPr lang="nl-NL" sz="1800" dirty="0">
-                <a:solidFill>
-                  <a:srgbClr val="FF0000"/>
-                </a:solidFill>
-              </a:rPr>
-              <a:t>services/</a:t>
-            </a:r>
-            <a:r>
-              <a:rPr lang="nl-NL" sz="1800" dirty="0" err="1">
-                <a:solidFill>
-                  <a:srgbClr val="FF0000"/>
-                </a:solidFill>
-              </a:rPr>
-              <a:t>app.service</a:t>
-            </a:r>
-            <a:r>
-              <a:rPr lang="nl-NL" sz="1800" dirty="0">
-                <a:solidFill>
-                  <a:srgbClr val="FF0000"/>
-                </a:solidFill>
-              </a:rPr>
-              <a:t>';</a:t>
-            </a:r>
-          </a:p>
-          <a:p>
-            <a:pPr marL="0" indent="0">
-              <a:buNone/>
-            </a:pPr>
-            <a:endParaRPr lang="nl-NL" sz="1800" dirty="0"/>
-          </a:p>
-          <a:p>
-            <a:pPr marL="0" indent="0">
-              <a:buNone/>
-            </a:pPr>
-            <a:r>
-              <a:rPr lang="nl-NL" sz="1800" dirty="0"/>
-              <a:t>@Component({</a:t>
-            </a:r>
-          </a:p>
-          <a:p>
-            <a:pPr marL="0" indent="0">
-              <a:buNone/>
-            </a:pPr>
-            <a:r>
-              <a:rPr lang="nl-NL" sz="1800" dirty="0"/>
-              <a:t>  </a:t>
-            </a:r>
-            <a:r>
-              <a:rPr lang="nl-NL" sz="1800" dirty="0" smtClean="0"/>
-              <a:t>  </a:t>
-            </a:r>
-            <a:r>
-              <a:rPr lang="nl-NL" sz="1800" dirty="0" smtClean="0"/>
-              <a:t>	</a:t>
-            </a:r>
-            <a:r>
-              <a:rPr lang="nl-NL" sz="1800" dirty="0" err="1" smtClean="0"/>
-              <a:t>selector</a:t>
-            </a:r>
-            <a:r>
-              <a:rPr lang="nl-NL" sz="1800" dirty="0"/>
-              <a:t>: '</a:t>
-            </a:r>
-            <a:r>
-              <a:rPr lang="nl-NL" sz="1800" dirty="0" err="1"/>
-              <a:t>bs-books</a:t>
-            </a:r>
-            <a:r>
-              <a:rPr lang="nl-NL" sz="1800" dirty="0" smtClean="0"/>
-              <a:t>',</a:t>
-            </a:r>
-            <a:endParaRPr lang="nl-NL" sz="1800" dirty="0"/>
-          </a:p>
-          <a:p>
-            <a:pPr marL="0" indent="0">
-              <a:buNone/>
-            </a:pPr>
-            <a:r>
-              <a:rPr lang="nl-NL" sz="1800" dirty="0" smtClean="0"/>
-              <a:t>    </a:t>
-            </a:r>
-            <a:r>
-              <a:rPr lang="nl-NL" sz="1800" dirty="0" smtClean="0"/>
-              <a:t>	</a:t>
-            </a:r>
-            <a:r>
-              <a:rPr lang="nl-NL" sz="1800" dirty="0" err="1" smtClean="0"/>
-              <a:t>templateUrl</a:t>
-            </a:r>
-            <a:r>
-              <a:rPr lang="nl-NL" sz="1800" dirty="0"/>
-              <a:t>: '</a:t>
-            </a:r>
-            <a:r>
-              <a:rPr lang="nl-NL" sz="1800" dirty="0" err="1"/>
-              <a:t>books</a:t>
-            </a:r>
-            <a:r>
-              <a:rPr lang="nl-NL" sz="1800" dirty="0"/>
-              <a:t>/</a:t>
-            </a:r>
-            <a:r>
-              <a:rPr lang="nl-NL" sz="1800" dirty="0" err="1"/>
-              <a:t>template.html</a:t>
-            </a:r>
-            <a:r>
-              <a:rPr lang="nl-NL" sz="1800" dirty="0" smtClean="0"/>
-              <a:t>',</a:t>
-            </a:r>
-            <a:endParaRPr lang="nl-NL" sz="1800" dirty="0"/>
-          </a:p>
-          <a:p>
-            <a:pPr marL="0" indent="0">
-              <a:buNone/>
-            </a:pPr>
-            <a:r>
-              <a:rPr lang="nl-NL" sz="1800" dirty="0"/>
-              <a:t>  </a:t>
-            </a:r>
-            <a:r>
-              <a:rPr lang="nl-NL" sz="1800" dirty="0" smtClean="0"/>
-              <a:t>  </a:t>
-            </a:r>
-            <a:r>
-              <a:rPr lang="nl-NL" sz="1800" dirty="0" smtClean="0"/>
-              <a:t>	</a:t>
-            </a:r>
-            <a:r>
-              <a:rPr lang="nl-NL" sz="1800" b="1" dirty="0" smtClean="0">
-                <a:solidFill>
-                  <a:schemeClr val="accent2"/>
-                </a:solidFill>
-              </a:rPr>
-              <a:t>providers</a:t>
-            </a:r>
-            <a:r>
-              <a:rPr lang="nl-NL" sz="1800" b="1" dirty="0">
-                <a:solidFill>
-                  <a:schemeClr val="accent2"/>
-                </a:solidFill>
-              </a:rPr>
-              <a:t>: [ </a:t>
-            </a:r>
-            <a:r>
-              <a:rPr lang="nl-NL" sz="1800" b="1" dirty="0" err="1">
-                <a:solidFill>
-                  <a:srgbClr val="C00000"/>
-                </a:solidFill>
-              </a:rPr>
-              <a:t>AppService</a:t>
-            </a:r>
-            <a:r>
-              <a:rPr lang="nl-NL" sz="1800" b="1" dirty="0">
-                <a:solidFill>
-                  <a:srgbClr val="C00000"/>
-                </a:solidFill>
-              </a:rPr>
-              <a:t> </a:t>
-            </a:r>
-            <a:r>
-              <a:rPr lang="nl-NL" sz="1800" b="1" dirty="0">
-                <a:solidFill>
-                  <a:schemeClr val="accent2"/>
-                </a:solidFill>
-              </a:rPr>
-              <a:t>]</a:t>
-            </a:r>
-          </a:p>
-          <a:p>
-            <a:pPr marL="0" indent="0">
-              <a:buNone/>
-            </a:pPr>
-            <a:r>
-              <a:rPr lang="nl-NL" sz="1800" dirty="0" smtClean="0"/>
-              <a:t>})</a:t>
-            </a:r>
-          </a:p>
-          <a:p>
-            <a:pPr marL="0" indent="0">
-              <a:buNone/>
-            </a:pPr>
-            <a:endParaRPr lang="nl-NL" sz="1800" dirty="0"/>
-          </a:p>
-          <a:p>
-            <a:pPr marL="0" indent="0">
-              <a:buNone/>
-            </a:pPr>
-            <a:r>
-              <a:rPr lang="nl-NL" sz="1800" dirty="0"/>
-              <a:t>export class </a:t>
-            </a:r>
-            <a:r>
-              <a:rPr lang="nl-NL" sz="1800" dirty="0" err="1"/>
-              <a:t>BooksComponent</a:t>
-            </a:r>
-            <a:r>
-              <a:rPr lang="nl-NL" sz="1800" dirty="0"/>
-              <a:t> </a:t>
-            </a:r>
-            <a:r>
-              <a:rPr lang="nl-NL" sz="1800" dirty="0" smtClean="0"/>
-              <a:t>{</a:t>
-            </a:r>
-            <a:endParaRPr lang="nl-NL" sz="1800" dirty="0" smtClean="0"/>
-          </a:p>
-          <a:p>
-            <a:pPr marL="0" indent="0">
-              <a:buNone/>
-            </a:pPr>
-            <a:r>
-              <a:rPr lang="mr-IN" sz="1800" dirty="0" smtClean="0"/>
-              <a:t>…</a:t>
-            </a:r>
-            <a:endParaRPr lang="nl-NL" sz="1800" dirty="0"/>
-          </a:p>
-        </p:txBody>
-      </p:sp>
-    </p:spTree>
-    <p:extLst>
-      <p:ext uri="{BB962C8B-B14F-4D97-AF65-F5344CB8AC3E}">
-        <p14:creationId xmlns:p14="http://schemas.microsoft.com/office/powerpoint/2010/main" val="1792172719"/>
-      </p:ext>
-    </p:extLst>
-  </p:cSld>
-  <p:clrMapOvr>
-    <a:masterClrMapping/>
-  </p:clrMapOvr>
-  <p:timing>
-    <p:tnLst>
-      <p:par>
-        <p:cTn id="1" dur="indefinite" restart="never" nodeType="tmRoot"/>
-      </p:par>
-    </p:tnLst>
-  </p:timing>
-</p:sld>
-</file>
-
 <file path=ppt/slides/slide23.xml><?xml version="1.0" encoding="utf-8"?>
 <p:sld xmlns:a="http://schemas.openxmlformats.org/drawingml/2006/main" xmlns:r="http://schemas.openxmlformats.org/officeDocument/2006/relationships" xmlns:p="http://schemas.openxmlformats.org/presentationml/2006/main">
   <p:cSld>
@@ -18090,7 +17779,7 @@
                   <a:srgbClr val="FFC000"/>
                 </a:solidFill>
               </a:rPr>
-              <a:t>Inject</a:t>
+              <a:t>Use</a:t>
             </a:r>
             <a:r>
               <a:rPr lang="nl-NL" b="1" dirty="0" smtClean="0">
@@ -18098,6 +17787,38 @@
                   <a:srgbClr val="FFC000"/>
                 </a:solidFill>
               </a:rPr>
+              <a:t> the </a:t>
+            </a:r>
+            <a:r>
+              <a:rPr lang="nl-NL" b="1" dirty="0" err="1" smtClean="0">
+                <a:solidFill>
+                  <a:srgbClr val="FFC000"/>
+                </a:solidFill>
+              </a:rPr>
+              <a:t>AppService</a:t>
+            </a:r>
+            <a:r>
+              <a:rPr lang="nl-NL" b="1" dirty="0" smtClean="0">
+                <a:solidFill>
+                  <a:srgbClr val="FFC000"/>
+                </a:solidFill>
+              </a:rPr>
+              <a:t> in </a:t>
+            </a:r>
+            <a:r>
+              <a:rPr lang="nl-NL" b="1" dirty="0" err="1" smtClean="0">
+                <a:solidFill>
+                  <a:srgbClr val="FFC000"/>
+                </a:solidFill>
+              </a:rPr>
+              <a:t>your</a:t>
+            </a:r>
+            <a:r>
+              <a:rPr lang="nl-NL" b="1" dirty="0" smtClean="0">
+                <a:solidFill>
+                  <a:srgbClr val="FFC000"/>
+                </a:solidFill>
+              </a:rPr>
               <a:t> </a:t>
             </a:r>
             <a:r>
@@ -18106,37 +17827,9 @@
                   <a:srgbClr val="FFC000"/>
                 </a:solidFill>
               </a:rPr>
-              <a:t>AppService</a:t>
-            </a:r>
-            <a:r>
-              <a:rPr lang="nl-NL" b="1" dirty="0" smtClean="0">
-                <a:solidFill>
-                  <a:srgbClr val="FFC000"/>
-                </a:solidFill>
-              </a:rPr>
-              <a:t> </a:t>
-            </a:r>
-            <a:r>
-              <a:rPr lang="nl-NL" b="1" dirty="0" smtClean="0">
-                <a:solidFill>
-                  <a:srgbClr val="FFC000"/>
-                </a:solidFill>
-              </a:rPr>
-              <a:t>via the </a:t>
-            </a:r>
-            <a:r>
-              <a:rPr lang="nl-NL" b="1" dirty="0" err="1" smtClean="0">
-                <a:solidFill>
-                  <a:srgbClr val="FFC000"/>
-                </a:solidFill>
-              </a:rPr>
-              <a:t>constructor</a:t>
-            </a:r>
-            <a:endParaRPr lang="nl-NL" b="1" dirty="0">
-              <a:solidFill>
-                <a:srgbClr val="FFC000"/>
-              </a:solidFill>
-            </a:endParaRPr>
+              <a:t>BooksComponent</a:t>
+            </a:r>
+            <a:endParaRPr lang="nl-NL" dirty="0"/>
           </a:p>
         </p:txBody>
       </p:sp>
@@ -18152,34 +17845,272 @@
         </p:nvSpPr>
         <p:spPr>
           <a:xfrm>
-            <a:off x="3002692" y="1690688"/>
-            <a:ext cx="8452022" cy="5031387"/>
+            <a:off x="2977978" y="1804086"/>
+            <a:ext cx="8375822" cy="4372877"/>
           </a:xfrm>
         </p:spPr>
         <p:txBody>
           <a:bodyPr>
-            <a:normAutofit fontScale="85000" lnSpcReduction="20000"/>
+            <a:normAutofit/>
           </a:bodyPr>
           <a:lstStyle/>
           <a:p>
             <a:pPr marL="0" indent="0">
               <a:buNone/>
             </a:pPr>
-            <a:r>
-              <a:rPr lang="nl-NL" dirty="0" smtClean="0"/>
-              <a:t>export </a:t>
-            </a:r>
-            <a:r>
-              <a:rPr lang="nl-NL" dirty="0"/>
-              <a:t>class </a:t>
-            </a:r>
-            <a:r>
-              <a:rPr lang="nl-NL" dirty="0" err="1"/>
+            <a:endParaRPr lang="nl-NL" dirty="0" smtClean="0"/>
+          </a:p>
+          <a:p>
+            <a:pPr marL="0" indent="0">
+              <a:buNone/>
+            </a:pPr>
+            <a:r>
+              <a:rPr lang="nl-NL" sz="1800" dirty="0" smtClean="0">
+                <a:solidFill>
+                  <a:srgbClr val="FF0000"/>
+                </a:solidFill>
+              </a:rPr>
+              <a:t>Import { </a:t>
+            </a:r>
+            <a:r>
+              <a:rPr lang="nl-NL" sz="1800" b="1" dirty="0" err="1">
+                <a:solidFill>
+                  <a:srgbClr val="C00000"/>
+                </a:solidFill>
+              </a:rPr>
+              <a:t>AppService</a:t>
+            </a:r>
+            <a:r>
+              <a:rPr lang="nl-NL" sz="1800" dirty="0">
+                <a:solidFill>
+                  <a:srgbClr val="C00000"/>
+                </a:solidFill>
+              </a:rPr>
+              <a:t> </a:t>
+            </a:r>
+            <a:r>
+              <a:rPr lang="nl-NL" sz="1800" dirty="0">
+                <a:solidFill>
+                  <a:srgbClr val="FF0000"/>
+                </a:solidFill>
+              </a:rPr>
+              <a:t>} </a:t>
+            </a:r>
+            <a:r>
+              <a:rPr lang="nl-NL" sz="1800" dirty="0" err="1">
+                <a:solidFill>
+                  <a:srgbClr val="FF0000"/>
+                </a:solidFill>
+              </a:rPr>
+              <a:t>from</a:t>
+            </a:r>
+            <a:r>
+              <a:rPr lang="nl-NL" sz="1800" dirty="0">
+                <a:solidFill>
+                  <a:srgbClr val="FF0000"/>
+                </a:solidFill>
+              </a:rPr>
+              <a:t> </a:t>
+            </a:r>
+            <a:r>
+              <a:rPr lang="nl-NL" sz="1800" dirty="0" smtClean="0">
+                <a:solidFill>
+                  <a:srgbClr val="FF0000"/>
+                </a:solidFill>
+              </a:rPr>
+              <a:t>'../</a:t>
+            </a:r>
+            <a:r>
+              <a:rPr lang="nl-NL" sz="1800" dirty="0">
+                <a:solidFill>
+                  <a:srgbClr val="FF0000"/>
+                </a:solidFill>
+              </a:rPr>
+              <a:t>services/</a:t>
+            </a:r>
+            <a:r>
+              <a:rPr lang="nl-NL" sz="1800" dirty="0" err="1">
+                <a:solidFill>
+                  <a:srgbClr val="FF0000"/>
+                </a:solidFill>
+              </a:rPr>
+              <a:t>app.service</a:t>
+            </a:r>
+            <a:r>
+              <a:rPr lang="nl-NL" sz="1800" dirty="0">
+                <a:solidFill>
+                  <a:srgbClr val="FF0000"/>
+                </a:solidFill>
+              </a:rPr>
+              <a:t>';</a:t>
+            </a:r>
+          </a:p>
+          <a:p>
+            <a:pPr marL="0" indent="0">
+              <a:buNone/>
+            </a:pPr>
+            <a:endParaRPr lang="nl-NL" sz="1800" dirty="0"/>
+          </a:p>
+          <a:p>
+            <a:pPr marL="0" indent="0">
+              <a:buNone/>
+            </a:pPr>
+            <a:r>
+              <a:rPr lang="nl-NL" sz="1800" dirty="0"/>
+              <a:t>@Component({</a:t>
+            </a:r>
+          </a:p>
+          <a:p>
+            <a:pPr marL="0" indent="0">
+              <a:buNone/>
+            </a:pPr>
+            <a:r>
+              <a:rPr lang="nl-NL" sz="1800" dirty="0"/>
+              <a:t>  </a:t>
+            </a:r>
+            <a:r>
+              <a:rPr lang="nl-NL" sz="1800" dirty="0" smtClean="0"/>
+              <a:t>  	</a:t>
+            </a:r>
+            <a:r>
+              <a:rPr lang="nl-NL" sz="1800" dirty="0" err="1" smtClean="0"/>
+              <a:t>selector</a:t>
+            </a:r>
+            <a:r>
+              <a:rPr lang="nl-NL" sz="1800" dirty="0"/>
+              <a:t>: '</a:t>
+            </a:r>
+            <a:r>
+              <a:rPr lang="nl-NL" sz="1800" dirty="0" err="1"/>
+              <a:t>bs-books</a:t>
+            </a:r>
+            <a:r>
+              <a:rPr lang="nl-NL" sz="1800" dirty="0" smtClean="0"/>
+              <a:t>',</a:t>
+            </a:r>
+            <a:endParaRPr lang="nl-NL" sz="1800" dirty="0"/>
+          </a:p>
+          <a:p>
+            <a:pPr marL="0" indent="0">
+              <a:buNone/>
+            </a:pPr>
+            <a:r>
+              <a:rPr lang="nl-NL" sz="1800" dirty="0" smtClean="0"/>
+              <a:t>    	</a:t>
+            </a:r>
+            <a:r>
+              <a:rPr lang="nl-NL" sz="1800" dirty="0" err="1" smtClean="0"/>
+              <a:t>templateUrl</a:t>
+            </a:r>
+            <a:r>
+              <a:rPr lang="nl-NL" sz="1800" dirty="0"/>
+              <a:t>: '</a:t>
+            </a:r>
+            <a:r>
+              <a:rPr lang="nl-NL" sz="1800" dirty="0" err="1"/>
+              <a:t>books</a:t>
+            </a:r>
+            <a:r>
+              <a:rPr lang="nl-NL" sz="1800" dirty="0"/>
+              <a:t>/</a:t>
+            </a:r>
+            <a:r>
+              <a:rPr lang="nl-NL" sz="1800" dirty="0" err="1"/>
+              <a:t>template.html</a:t>
+            </a:r>
+            <a:r>
+              <a:rPr lang="nl-NL" sz="1800" dirty="0" smtClean="0"/>
+              <a:t>',</a:t>
+            </a:r>
+            <a:endParaRPr lang="nl-NL" sz="1800" dirty="0"/>
+          </a:p>
+          <a:p>
+            <a:pPr marL="0" indent="0">
+              <a:buNone/>
+            </a:pPr>
+            <a:r>
+              <a:rPr lang="nl-NL" sz="1800" dirty="0"/>
+              <a:t>  </a:t>
+            </a:r>
+            <a:r>
+              <a:rPr lang="nl-NL" sz="1800" dirty="0" smtClean="0"/>
+              <a:t>  	</a:t>
+            </a:r>
+            <a:r>
+              <a:rPr lang="nl-NL" sz="1800" b="1" dirty="0" smtClean="0">
+                <a:solidFill>
+                  <a:schemeClr val="accent2"/>
+                </a:solidFill>
+              </a:rPr>
+              <a:t>providers</a:t>
+            </a:r>
+            <a:r>
+              <a:rPr lang="nl-NL" sz="1800" b="1" dirty="0">
+                <a:solidFill>
+                  <a:schemeClr val="accent2"/>
+                </a:solidFill>
+              </a:rPr>
+              <a:t>: [ </a:t>
+            </a:r>
+            <a:r>
+              <a:rPr lang="nl-NL" sz="1800" b="1" dirty="0" err="1">
+                <a:solidFill>
+                  <a:srgbClr val="C00000"/>
+                </a:solidFill>
+              </a:rPr>
+              <a:t>AppService</a:t>
+            </a:r>
+            <a:r>
+              <a:rPr lang="nl-NL" sz="1800" b="1" dirty="0">
+                <a:solidFill>
+                  <a:srgbClr val="C00000"/>
+                </a:solidFill>
+              </a:rPr>
+              <a:t> </a:t>
+            </a:r>
+            <a:r>
+              <a:rPr lang="nl-NL" sz="1800" b="1" dirty="0">
+                <a:solidFill>
+                  <a:schemeClr val="accent2"/>
+                </a:solidFill>
+              </a:rPr>
+              <a:t>]</a:t>
+            </a:r>
+          </a:p>
+          <a:p>
+            <a:pPr marL="0" indent="0">
+              <a:buNone/>
+            </a:pPr>
+            <a:r>
+              <a:rPr lang="nl-NL" sz="1800" dirty="0" smtClean="0"/>
+              <a:t>})</a:t>
+            </a:r>
+          </a:p>
+          <a:p>
+            <a:pPr marL="0" indent="0">
+              <a:buNone/>
+            </a:pPr>
+            <a:endParaRPr lang="nl-NL" sz="1800" dirty="0"/>
+          </a:p>
+          <a:p>
+            <a:pPr marL="0" indent="0">
+              <a:buNone/>
+            </a:pPr>
+            <a:r>
+              <a:rPr lang="nl-NL" sz="1800" dirty="0"/>
+              <a:t>export class </a:t>
+            </a:r>
+            <a:r>
+              <a:rPr lang="nl-NL" sz="1800" dirty="0" err="1"/>
               <a:t>BooksComponent</a:t>
             </a:r>
             <a:r>
-              <a:rPr lang="nl-NL" dirty="0"/>
-              <a:t> {</a:t>
+              <a:rPr lang="nl-NL" sz="1800" dirty="0"/>
+              <a:t> </a:t>
+            </a:r>
+            <a:r>
+              <a:rPr lang="nl-NL" sz="1800" dirty="0" smtClean="0"/>
+              <a:t>{</a:t>
             </a:r>
           </a:p>
           <a:p>
@@ -18187,343 +18118,17 @@
               <a:buNone/>
             </a:pPr>
             <a:r>
-              <a:rPr lang="nl-NL" b="1" dirty="0" smtClean="0">
-                <a:solidFill>
-                  <a:schemeClr val="accent6">
-                    <a:lumMod val="50000"/>
-                  </a:schemeClr>
-                </a:solidFill>
-              </a:rPr>
-              <a:t>	</a:t>
-            </a:r>
-            <a:r>
-              <a:rPr lang="nl-NL" dirty="0" err="1"/>
-              <a:t>books</a:t>
-            </a:r>
-            <a:r>
-              <a:rPr lang="nl-NL" dirty="0"/>
-              <a:t>: </a:t>
-            </a:r>
-            <a:r>
-              <a:rPr lang="nl-NL" dirty="0" err="1"/>
-              <a:t>Book</a:t>
-            </a:r>
-            <a:r>
-              <a:rPr lang="nl-NL" dirty="0"/>
-              <a:t>[] = [];</a:t>
-            </a:r>
-          </a:p>
-          <a:p>
-            <a:pPr marL="0" indent="0">
-              <a:buNone/>
-            </a:pPr>
-            <a:endParaRPr lang="nl-NL" dirty="0" smtClean="0"/>
-          </a:p>
-          <a:p>
-            <a:pPr marL="0" indent="0">
-              <a:buNone/>
-            </a:pPr>
-            <a:r>
-              <a:rPr lang="nl-NL" dirty="0" smtClean="0"/>
-              <a:t>	</a:t>
-            </a:r>
-            <a:r>
-              <a:rPr lang="nl-NL" dirty="0" err="1" smtClean="0"/>
-              <a:t>constructor</a:t>
-            </a:r>
-            <a:r>
-              <a:rPr lang="nl-NL" dirty="0" smtClean="0"/>
-              <a:t>(</a:t>
-            </a:r>
-            <a:r>
-              <a:rPr lang="nl-NL" b="1" dirty="0" smtClean="0">
-                <a:solidFill>
-                  <a:srgbClr val="C00000"/>
-                </a:solidFill>
-              </a:rPr>
-              <a:t>private </a:t>
-            </a:r>
-            <a:r>
-              <a:rPr lang="nl-NL" b="1" dirty="0" err="1">
-                <a:solidFill>
-                  <a:srgbClr val="C00000"/>
-                </a:solidFill>
-              </a:rPr>
-              <a:t>appService</a:t>
-            </a:r>
-            <a:r>
-              <a:rPr lang="nl-NL" b="1" dirty="0">
-                <a:solidFill>
-                  <a:srgbClr val="C00000"/>
-                </a:solidFill>
-              </a:rPr>
-              <a:t>: </a:t>
-            </a:r>
-            <a:r>
-              <a:rPr lang="nl-NL" b="1" dirty="0" err="1">
-                <a:solidFill>
-                  <a:srgbClr val="C00000"/>
-                </a:solidFill>
-              </a:rPr>
-              <a:t>AppService</a:t>
-            </a:r>
-            <a:r>
-              <a:rPr lang="nl-NL" dirty="0" smtClean="0"/>
-              <a:t>) {  }</a:t>
-            </a:r>
-          </a:p>
-          <a:p>
-            <a:pPr marL="0" indent="0">
-              <a:buNone/>
-            </a:pPr>
-            <a:endParaRPr lang="nl-NL" dirty="0" smtClean="0"/>
-          </a:p>
-          <a:p>
-            <a:pPr marL="914400" lvl="2" indent="0">
-              <a:buNone/>
-            </a:pPr>
-            <a:r>
-              <a:rPr lang="nl-NL" sz="2600" b="1" dirty="0" err="1" smtClean="0">
-                <a:solidFill>
-                  <a:srgbClr val="C00000"/>
-                </a:solidFill>
-              </a:rPr>
-              <a:t>getBooks</a:t>
-            </a:r>
-            <a:r>
-              <a:rPr lang="nl-NL" sz="2600" dirty="0" smtClean="0"/>
-              <a:t>(): </a:t>
-            </a:r>
-            <a:r>
-              <a:rPr lang="nl-NL" sz="2600" dirty="0" err="1" smtClean="0"/>
-              <a:t>void</a:t>
-            </a:r>
-            <a:r>
-              <a:rPr lang="nl-NL" sz="2600" dirty="0" smtClean="0"/>
-              <a:t> {</a:t>
-            </a:r>
-            <a:endParaRPr lang="nl-NL" sz="2600" dirty="0"/>
-          </a:p>
-          <a:p>
-            <a:pPr marL="914400" lvl="2" indent="0">
-              <a:buNone/>
-            </a:pPr>
-            <a:r>
-              <a:rPr lang="nl-NL" sz="2600" dirty="0"/>
-              <a:t>    </a:t>
-            </a:r>
-            <a:r>
-              <a:rPr lang="nl-NL" sz="2600" dirty="0" smtClean="0"/>
-              <a:t> </a:t>
-            </a:r>
-            <a:r>
-              <a:rPr lang="nl-NL" sz="2600" dirty="0" smtClean="0"/>
-              <a:t>	</a:t>
-            </a:r>
-            <a:r>
-              <a:rPr lang="nl-NL" sz="2600" b="1" dirty="0" err="1" smtClean="0">
-                <a:solidFill>
-                  <a:schemeClr val="accent2"/>
-                </a:solidFill>
-              </a:rPr>
-              <a:t>this.appService</a:t>
-            </a:r>
-            <a:r>
-              <a:rPr lang="nl-NL" sz="2600" dirty="0" err="1" smtClean="0"/>
-              <a:t>.getBooks</a:t>
-            </a:r>
-            <a:r>
-              <a:rPr lang="nl-NL" sz="2600" dirty="0" smtClean="0"/>
-              <a:t>()</a:t>
-            </a:r>
-          </a:p>
-          <a:p>
-            <a:pPr marL="914400" lvl="2" indent="0">
-              <a:buNone/>
-            </a:pPr>
-            <a:r>
-              <a:rPr lang="nl-NL" sz="2600" b="1" dirty="0">
-                <a:solidFill>
-                  <a:srgbClr val="C00000"/>
-                </a:solidFill>
-              </a:rPr>
-              <a:t>	</a:t>
-            </a:r>
-            <a:r>
-              <a:rPr lang="nl-NL" sz="2600" b="1" dirty="0" smtClean="0">
-                <a:solidFill>
-                  <a:srgbClr val="C00000"/>
-                </a:solidFill>
-              </a:rPr>
-              <a:t>.</a:t>
-            </a:r>
-            <a:r>
-              <a:rPr lang="nl-NL" sz="2600" b="1" dirty="0" err="1" smtClean="0">
-                <a:solidFill>
-                  <a:srgbClr val="C00000"/>
-                </a:solidFill>
-              </a:rPr>
-              <a:t>then</a:t>
-            </a:r>
-            <a:r>
-              <a:rPr lang="nl-NL" sz="2600" dirty="0" smtClean="0"/>
-              <a:t>(</a:t>
-            </a:r>
-            <a:r>
-              <a:rPr lang="nl-NL" sz="2600" dirty="0" err="1" smtClean="0"/>
-              <a:t>books</a:t>
-            </a:r>
-            <a:r>
-              <a:rPr lang="nl-NL" sz="2600" dirty="0" smtClean="0"/>
-              <a:t> =&gt; </a:t>
-            </a:r>
-            <a:r>
-              <a:rPr lang="nl-NL" sz="2600" dirty="0" err="1" smtClean="0"/>
-              <a:t>this.books</a:t>
-            </a:r>
-            <a:r>
-              <a:rPr lang="nl-NL" sz="2600" dirty="0" smtClean="0"/>
-              <a:t> = </a:t>
-            </a:r>
-            <a:r>
-              <a:rPr lang="nl-NL" sz="2600" dirty="0" err="1" smtClean="0"/>
-              <a:t>books</a:t>
-            </a:r>
-            <a:r>
-              <a:rPr lang="nl-NL" sz="2600" dirty="0" smtClean="0"/>
-              <a:t>)</a:t>
-            </a:r>
-          </a:p>
-          <a:p>
-            <a:pPr marL="914400" lvl="2" indent="0">
-              <a:buNone/>
-            </a:pPr>
-            <a:r>
-              <a:rPr lang="nl-NL" sz="2400" dirty="0" smtClean="0"/>
-              <a:t>	</a:t>
-            </a:r>
-            <a:r>
-              <a:rPr lang="nl-NL" sz="2400" b="1" dirty="0" smtClean="0">
-                <a:solidFill>
-                  <a:srgbClr val="C00000"/>
-                </a:solidFill>
-              </a:rPr>
-              <a:t>.</a:t>
-            </a:r>
-            <a:r>
-              <a:rPr lang="nl-NL" sz="2400" b="1" dirty="0">
-                <a:solidFill>
-                  <a:srgbClr val="C00000"/>
-                </a:solidFill>
-              </a:rPr>
-              <a:t>catch</a:t>
-            </a:r>
-            <a:r>
-              <a:rPr lang="nl-NL" sz="2400" dirty="0"/>
-              <a:t>(error =&gt; </a:t>
-            </a:r>
-            <a:r>
-              <a:rPr lang="nl-NL" sz="2400" dirty="0" err="1"/>
-              <a:t>this.error</a:t>
-            </a:r>
-            <a:r>
-              <a:rPr lang="nl-NL" sz="2400" dirty="0"/>
-              <a:t> = error);</a:t>
-            </a:r>
-            <a:endParaRPr lang="nl-NL" sz="2600" dirty="0" smtClean="0"/>
-          </a:p>
-          <a:p>
-            <a:pPr marL="914400" lvl="2" indent="0">
-              <a:buNone/>
-            </a:pPr>
-            <a:r>
-              <a:rPr lang="nl-NL" sz="2600" dirty="0" smtClean="0"/>
-              <a:t>    }</a:t>
-            </a:r>
-          </a:p>
-          <a:p>
-            <a:pPr marL="914400" lvl="2" indent="0">
-              <a:buNone/>
-            </a:pPr>
-            <a:endParaRPr lang="nl-NL" sz="2600" dirty="0"/>
-          </a:p>
-          <a:p>
-            <a:pPr marL="914400" lvl="2" indent="0">
-              <a:buNone/>
-            </a:pPr>
-            <a:r>
-              <a:rPr lang="nl-NL" sz="2600" b="1" dirty="0" err="1" smtClean="0">
-                <a:solidFill>
-                  <a:srgbClr val="C00000"/>
-                </a:solidFill>
-              </a:rPr>
-              <a:t>ngOnInit</a:t>
-            </a:r>
-            <a:r>
-              <a:rPr lang="nl-NL" sz="2600" dirty="0"/>
-              <a:t>(){</a:t>
-            </a:r>
-          </a:p>
-          <a:p>
-            <a:pPr marL="914400" lvl="2" indent="0">
-              <a:buNone/>
-            </a:pPr>
-            <a:r>
-              <a:rPr lang="nl-NL" sz="2600" dirty="0"/>
-              <a:t>    </a:t>
-            </a:r>
-            <a:r>
-              <a:rPr lang="nl-NL" sz="2600" dirty="0"/>
-              <a:t>	</a:t>
-            </a:r>
-            <a:r>
-              <a:rPr lang="nl-NL" sz="2600" b="1" dirty="0" err="1" smtClean="0">
-                <a:solidFill>
-                  <a:schemeClr val="accent2"/>
-                </a:solidFill>
-              </a:rPr>
-              <a:t>this.getBooks</a:t>
-            </a:r>
-            <a:r>
-              <a:rPr lang="nl-NL" sz="2600" b="1" dirty="0" smtClean="0">
-                <a:solidFill>
-                  <a:schemeClr val="accent2"/>
-                </a:solidFill>
-              </a:rPr>
-              <a:t>();</a:t>
-            </a:r>
-            <a:endParaRPr lang="nl-NL" sz="2600" dirty="0"/>
-          </a:p>
-          <a:p>
-            <a:pPr marL="914400" lvl="2" indent="0">
-              <a:buNone/>
-            </a:pPr>
-            <a:r>
-              <a:rPr lang="nl-NL" sz="2600" dirty="0"/>
-              <a:t> </a:t>
-            </a:r>
-            <a:r>
-              <a:rPr lang="nl-NL" sz="2600" dirty="0" smtClean="0"/>
-              <a:t>}</a:t>
-            </a:r>
-            <a:endParaRPr lang="nl-NL" sz="2600" dirty="0"/>
-          </a:p>
-          <a:p>
-            <a:pPr marL="0" indent="0">
-              <a:buNone/>
-            </a:pPr>
-            <a:r>
-              <a:rPr lang="nl-NL" dirty="0" smtClean="0"/>
-              <a:t>}</a:t>
-            </a:r>
-            <a:endParaRPr lang="nl-NL" dirty="0"/>
+              <a:rPr lang="mr-IN" sz="1800" dirty="0" smtClean="0"/>
+              <a:t>…</a:t>
+            </a:r>
+            <a:endParaRPr lang="nl-NL" sz="1800" dirty="0"/>
           </a:p>
         </p:txBody>
       </p:sp>
     </p:spTree>
     <p:extLst>
       <p:ext uri="{BB962C8B-B14F-4D97-AF65-F5344CB8AC3E}">
-        <p14:creationId xmlns:p14="http://schemas.microsoft.com/office/powerpoint/2010/main" val="918659586"/>
+        <p14:creationId xmlns:p14="http://schemas.microsoft.com/office/powerpoint/2010/main" val="1792172719"/>
       </p:ext>
     </p:extLst>
   </p:cSld>
@@ -18574,14 +18179,46 @@
           <a:p>
             <a:pPr algn="ctr"/>
             <a:r>
-              <a:rPr lang="en-US" b="1" dirty="0" smtClean="0">
+              <a:rPr lang="nl-NL" b="1" dirty="0" err="1" smtClean="0">
                 <a:solidFill>
                   <a:srgbClr val="FFC000"/>
                 </a:solidFill>
               </a:rPr>
-              <a:t>Observable </a:t>
-            </a:r>
-            <a:endParaRPr lang="en-US" b="1" dirty="0">
+              <a:t>Inject</a:t>
+            </a:r>
+            <a:r>
+              <a:rPr lang="nl-NL" b="1" dirty="0" smtClean="0">
+                <a:solidFill>
+                  <a:srgbClr val="FFC000"/>
+                </a:solidFill>
+              </a:rPr>
+              <a:t> </a:t>
+            </a:r>
+            <a:r>
+              <a:rPr lang="nl-NL" b="1" dirty="0" err="1" smtClean="0">
+                <a:solidFill>
+                  <a:srgbClr val="FFC000"/>
+                </a:solidFill>
+              </a:rPr>
+              <a:t>AppService</a:t>
+            </a:r>
+            <a:r>
+              <a:rPr lang="nl-NL" b="1" dirty="0" smtClean="0">
+                <a:solidFill>
+                  <a:srgbClr val="FFC000"/>
+                </a:solidFill>
+              </a:rPr>
+              <a:t> via the </a:t>
+            </a:r>
+            <a:r>
+              <a:rPr lang="nl-NL" b="1" dirty="0" err="1" smtClean="0">
+                <a:solidFill>
+                  <a:srgbClr val="FFC000"/>
+                </a:solidFill>
+              </a:rPr>
+              <a:t>constructor</a:t>
+            </a:r>
+            <a:endParaRPr lang="nl-NL" b="1" dirty="0">
               <a:solidFill>
                 <a:srgbClr val="FFC000"/>
               </a:solidFill>
@@ -18591,185 +18228,380 @@
       </p:sp>
       <p:sp>
         <p:nvSpPr>
-          <p:cNvPr id="3" name="Прямоугольник 2"/>
-          <p:cNvSpPr/>
-          <p:nvPr/>
+          <p:cNvPr id="3" name="Content Placeholder 2"/>
+          <p:cNvSpPr>
+            <a:spLocks noGrp="1"/>
+          </p:cNvSpPr>
+          <p:nvPr>
+            <p:ph idx="1"/>
+          </p:nvPr>
         </p:nvSpPr>
         <p:spPr>
           <a:xfrm>
-            <a:off x="1831012" y="1690688"/>
-            <a:ext cx="8529975" cy="4201150"/>
+            <a:off x="3002692" y="1690688"/>
+            <a:ext cx="8452022" cy="5031387"/>
           </a:xfrm>
-          <a:prstGeom prst="rect">
-            <a:avLst/>
-          </a:prstGeom>
         </p:spPr>
         <p:txBody>
-          <a:bodyPr wrap="square">
-            <a:spAutoFit/>
+          <a:bodyPr>
+            <a:normAutofit fontScale="85000" lnSpcReduction="20000"/>
           </a:bodyPr>
           <a:lstStyle/>
           <a:p>
-            <a:pPr algn="ctr"/>
-            <a:endParaRPr lang="nl-NL" sz="2400" dirty="0"/>
-          </a:p>
-          <a:p>
-            <a:pPr algn="ctr"/>
-            <a:endParaRPr lang="nl-NL" sz="2400" dirty="0"/>
-          </a:p>
-          <a:p>
-            <a:pPr algn="ctr"/>
-            <a:endParaRPr lang="nl-NL" sz="2400" dirty="0"/>
-          </a:p>
-          <a:p>
-            <a:pPr algn="ctr"/>
-            <a:endParaRPr lang="nl-NL" sz="2400" b="1" dirty="0"/>
-          </a:p>
-          <a:p>
-            <a:pPr algn="ctr"/>
-            <a:endParaRPr lang="nl-NL" sz="2400" dirty="0" smtClean="0"/>
-          </a:p>
-          <a:p>
-            <a:pPr algn="ctr"/>
-            <a:endParaRPr lang="nl-NL" sz="2400" dirty="0"/>
-          </a:p>
-          <a:p>
-            <a:pPr algn="ctr"/>
-            <a:endParaRPr lang="nl-NL" sz="2400" dirty="0"/>
-          </a:p>
-          <a:p>
-            <a:pPr algn="ctr"/>
-            <a:endParaRPr lang="nl-NL" sz="2400" dirty="0"/>
-          </a:p>
-          <a:p>
-            <a:pPr>
-              <a:lnSpc>
-                <a:spcPts val="1800"/>
-              </a:lnSpc>
-              <a:spcAft>
-                <a:spcPts val="1800"/>
-              </a:spcAft>
-              <a:tabLst>
-                <a:tab pos="581660" algn="l"/>
-                <a:tab pos="1163320" algn="l"/>
-                <a:tab pos="1744980" algn="l"/>
-                <a:tab pos="2326640" algn="l"/>
-                <a:tab pos="2908300" algn="l"/>
-                <a:tab pos="3489960" algn="l"/>
-                <a:tab pos="4071620" algn="l"/>
-                <a:tab pos="4653280" algn="l"/>
-                <a:tab pos="5234940" algn="l"/>
-                <a:tab pos="5816600" algn="l"/>
-                <a:tab pos="6398260" algn="l"/>
-                <a:tab pos="6979920" algn="l"/>
-                <a:tab pos="7561580" algn="l"/>
-                <a:tab pos="8143240" algn="l"/>
-                <a:tab pos="8724900" algn="l"/>
-                <a:tab pos="9306560" algn="l"/>
-              </a:tabLst>
-            </a:pPr>
-            <a:endParaRPr lang="nl-NL" sz="2400" b="1" dirty="0" smtClean="0">
-              <a:latin typeface="Calibri" panose="020F0502020204030204" pitchFamily="34" charset="0"/>
-              <a:ea typeface="ＭＳ 明朝"/>
-              <a:cs typeface="Courier"/>
-            </a:endParaRPr>
-          </a:p>
-          <a:p>
-            <a:pPr>
-              <a:lnSpc>
-                <a:spcPts val="1800"/>
-              </a:lnSpc>
-              <a:spcAft>
-                <a:spcPts val="1800"/>
-              </a:spcAft>
-              <a:tabLst>
-                <a:tab pos="581660" algn="l"/>
-                <a:tab pos="1163320" algn="l"/>
-                <a:tab pos="1744980" algn="l"/>
-                <a:tab pos="2326640" algn="l"/>
-                <a:tab pos="2908300" algn="l"/>
-                <a:tab pos="3489960" algn="l"/>
-                <a:tab pos="4071620" algn="l"/>
-                <a:tab pos="4653280" algn="l"/>
-                <a:tab pos="5234940" algn="l"/>
-                <a:tab pos="5816600" algn="l"/>
-                <a:tab pos="6398260" algn="l"/>
-                <a:tab pos="6979920" algn="l"/>
-                <a:tab pos="7561580" algn="l"/>
-                <a:tab pos="8143240" algn="l"/>
-                <a:tab pos="8724900" algn="l"/>
-                <a:tab pos="9306560" algn="l"/>
-              </a:tabLst>
-            </a:pPr>
-            <a:endParaRPr lang="nl-NL" sz="2400" b="1" dirty="0" smtClean="0">
-              <a:latin typeface="Calibri" panose="020F0502020204030204" pitchFamily="34" charset="0"/>
-              <a:ea typeface="ＭＳ 明朝"/>
-              <a:cs typeface="Courier"/>
-            </a:endParaRPr>
-          </a:p>
-          <a:p>
-            <a:pPr>
-              <a:lnSpc>
-                <a:spcPts val="1800"/>
-              </a:lnSpc>
-              <a:spcAft>
-                <a:spcPts val="1800"/>
-              </a:spcAft>
-              <a:tabLst>
-                <a:tab pos="581660" algn="l"/>
-                <a:tab pos="1163320" algn="l"/>
-                <a:tab pos="1744980" algn="l"/>
-                <a:tab pos="2326640" algn="l"/>
-                <a:tab pos="2908300" algn="l"/>
-                <a:tab pos="3489960" algn="l"/>
-                <a:tab pos="4071620" algn="l"/>
-                <a:tab pos="4653280" algn="l"/>
-                <a:tab pos="5234940" algn="l"/>
-                <a:tab pos="5816600" algn="l"/>
-                <a:tab pos="6398260" algn="l"/>
-                <a:tab pos="6979920" algn="l"/>
-                <a:tab pos="7561580" algn="l"/>
-                <a:tab pos="8143240" algn="l"/>
-                <a:tab pos="8724900" algn="l"/>
-                <a:tab pos="9306560" algn="l"/>
-              </a:tabLst>
-            </a:pPr>
-            <a:endParaRPr lang="en-US" sz="2400" b="1" dirty="0">
-              <a:latin typeface="Calibri" panose="020F0502020204030204" pitchFamily="34" charset="0"/>
-              <a:ea typeface="ＭＳ 明朝"/>
-              <a:cs typeface="Times New Roman"/>
-            </a:endParaRPr>
+            <a:pPr marL="0" indent="0">
+              <a:buNone/>
+            </a:pPr>
+            <a:r>
+              <a:rPr lang="nl-NL" dirty="0" smtClean="0"/>
+              <a:t>export </a:t>
+            </a:r>
+            <a:r>
+              <a:rPr lang="nl-NL" dirty="0"/>
+              <a:t>class </a:t>
+            </a:r>
+            <a:r>
+              <a:rPr lang="nl-NL" dirty="0" err="1"/>
+              <a:t>BooksComponent</a:t>
+            </a:r>
+            <a:r>
+              <a:rPr lang="nl-NL" dirty="0"/>
+              <a:t> {</a:t>
+            </a:r>
+          </a:p>
+          <a:p>
+            <a:pPr marL="0" indent="0">
+              <a:buNone/>
+            </a:pPr>
+            <a:r>
+              <a:rPr lang="nl-NL" b="1" dirty="0" smtClean="0">
+                <a:solidFill>
+                  <a:schemeClr val="accent6">
+                    <a:lumMod val="50000"/>
+                  </a:schemeClr>
+                </a:solidFill>
+              </a:rPr>
+              <a:t>	</a:t>
+            </a:r>
+            <a:r>
+              <a:rPr lang="nl-NL" dirty="0" err="1"/>
+              <a:t>books</a:t>
+            </a:r>
+            <a:r>
+              <a:rPr lang="nl-NL" dirty="0"/>
+              <a:t>: </a:t>
+            </a:r>
+            <a:r>
+              <a:rPr lang="nl-NL" dirty="0" err="1"/>
+              <a:t>Book</a:t>
+            </a:r>
+            <a:r>
+              <a:rPr lang="nl-NL" dirty="0"/>
+              <a:t>[] = [];</a:t>
+            </a:r>
+          </a:p>
+          <a:p>
+            <a:pPr marL="0" indent="0">
+              <a:buNone/>
+            </a:pPr>
+            <a:endParaRPr lang="nl-NL" dirty="0" smtClean="0"/>
+          </a:p>
+          <a:p>
+            <a:pPr marL="0" indent="0">
+              <a:buNone/>
+            </a:pPr>
+            <a:r>
+              <a:rPr lang="nl-NL" dirty="0" smtClean="0"/>
+              <a:t>	</a:t>
+            </a:r>
+            <a:r>
+              <a:rPr lang="nl-NL" dirty="0" err="1" smtClean="0"/>
+              <a:t>constructor</a:t>
+            </a:r>
+            <a:r>
+              <a:rPr lang="nl-NL" dirty="0" smtClean="0"/>
+              <a:t>(</a:t>
+            </a:r>
+            <a:r>
+              <a:rPr lang="nl-NL" b="1" dirty="0" smtClean="0">
+                <a:solidFill>
+                  <a:srgbClr val="C00000"/>
+                </a:solidFill>
+              </a:rPr>
+              <a:t>private </a:t>
+            </a:r>
+            <a:r>
+              <a:rPr lang="nl-NL" b="1" dirty="0" err="1">
+                <a:solidFill>
+                  <a:srgbClr val="C00000"/>
+                </a:solidFill>
+              </a:rPr>
+              <a:t>appService</a:t>
+            </a:r>
+            <a:r>
+              <a:rPr lang="nl-NL" b="1" dirty="0">
+                <a:solidFill>
+                  <a:srgbClr val="C00000"/>
+                </a:solidFill>
+              </a:rPr>
+              <a:t>: </a:t>
+            </a:r>
+            <a:r>
+              <a:rPr lang="nl-NL" b="1" dirty="0" err="1">
+                <a:solidFill>
+                  <a:srgbClr val="C00000"/>
+                </a:solidFill>
+              </a:rPr>
+              <a:t>AppService</a:t>
+            </a:r>
+            <a:r>
+              <a:rPr lang="nl-NL" dirty="0" smtClean="0"/>
+              <a:t>) {  }</a:t>
+            </a:r>
+          </a:p>
+          <a:p>
+            <a:pPr marL="0" indent="0">
+              <a:buNone/>
+            </a:pPr>
+            <a:endParaRPr lang="nl-NL" dirty="0" smtClean="0"/>
+          </a:p>
+          <a:p>
+            <a:pPr marL="914400" lvl="2" indent="0">
+              <a:buNone/>
+            </a:pPr>
+            <a:r>
+              <a:rPr lang="nl-NL" sz="2600" b="1" dirty="0" err="1" smtClean="0">
+                <a:solidFill>
+                  <a:srgbClr val="C00000"/>
+                </a:solidFill>
+              </a:rPr>
+              <a:t>getBooks</a:t>
+            </a:r>
+            <a:r>
+              <a:rPr lang="nl-NL" sz="2600" dirty="0" smtClean="0"/>
+              <a:t>(): </a:t>
+            </a:r>
+            <a:r>
+              <a:rPr lang="nl-NL" sz="2600" dirty="0" err="1" smtClean="0"/>
+              <a:t>void</a:t>
+            </a:r>
+            <a:r>
+              <a:rPr lang="nl-NL" sz="2600" dirty="0" smtClean="0"/>
+              <a:t> {</a:t>
+            </a:r>
+            <a:endParaRPr lang="nl-NL" sz="2600" dirty="0"/>
+          </a:p>
+          <a:p>
+            <a:pPr marL="914400" lvl="2" indent="0">
+              <a:buNone/>
+            </a:pPr>
+            <a:r>
+              <a:rPr lang="nl-NL" sz="2600" dirty="0"/>
+              <a:t>    </a:t>
+            </a:r>
+            <a:r>
+              <a:rPr lang="nl-NL" sz="2600" dirty="0" smtClean="0"/>
+              <a:t> 	</a:t>
+            </a:r>
+            <a:r>
+              <a:rPr lang="nl-NL" sz="2600" b="1" dirty="0" err="1" smtClean="0">
+                <a:solidFill>
+                  <a:schemeClr val="accent2"/>
+                </a:solidFill>
+              </a:rPr>
+              <a:t>this.appService</a:t>
+            </a:r>
+            <a:r>
+              <a:rPr lang="nl-NL" sz="2600" dirty="0" err="1" smtClean="0"/>
+              <a:t>.getBooks</a:t>
+            </a:r>
+            <a:r>
+              <a:rPr lang="nl-NL" sz="2600" dirty="0" smtClean="0"/>
+              <a:t>()</a:t>
+            </a:r>
+          </a:p>
+          <a:p>
+            <a:pPr marL="914400" lvl="2" indent="0">
+              <a:buNone/>
+            </a:pPr>
+            <a:r>
+              <a:rPr lang="nl-NL" sz="2600" b="1" dirty="0">
+                <a:solidFill>
+                  <a:srgbClr val="C00000"/>
+                </a:solidFill>
+              </a:rPr>
+              <a:t>	</a:t>
+            </a:r>
+            <a:r>
+              <a:rPr lang="nl-NL" sz="2600" b="1" dirty="0" smtClean="0">
+                <a:solidFill>
+                  <a:srgbClr val="C00000"/>
+                </a:solidFill>
+              </a:rPr>
+              <a:t>.</a:t>
+            </a:r>
+            <a:r>
+              <a:rPr lang="nl-NL" sz="2600" b="1" dirty="0" err="1" smtClean="0">
+                <a:solidFill>
+                  <a:srgbClr val="C00000"/>
+                </a:solidFill>
+              </a:rPr>
+              <a:t>then</a:t>
+            </a:r>
+            <a:r>
+              <a:rPr lang="nl-NL" sz="2600" dirty="0" smtClean="0"/>
+              <a:t>(</a:t>
+            </a:r>
+            <a:r>
+              <a:rPr lang="nl-NL" sz="2600" dirty="0" err="1" smtClean="0"/>
+              <a:t>books</a:t>
+            </a:r>
+            <a:r>
+              <a:rPr lang="nl-NL" sz="2600" dirty="0" smtClean="0"/>
+              <a:t> =&gt; </a:t>
+            </a:r>
+            <a:r>
+              <a:rPr lang="nl-NL" sz="2600" dirty="0" err="1" smtClean="0"/>
+              <a:t>this.books</a:t>
+            </a:r>
+            <a:r>
+              <a:rPr lang="nl-NL" sz="2600" dirty="0" smtClean="0"/>
+              <a:t> = </a:t>
+            </a:r>
+            <a:r>
+              <a:rPr lang="nl-NL" sz="2600" dirty="0" err="1" smtClean="0"/>
+              <a:t>books</a:t>
+            </a:r>
+            <a:r>
+              <a:rPr lang="nl-NL" sz="2600" dirty="0" smtClean="0"/>
+              <a:t>)</a:t>
+            </a:r>
+          </a:p>
+          <a:p>
+            <a:pPr marL="914400" lvl="2" indent="0">
+              <a:buNone/>
+            </a:pPr>
+            <a:r>
+              <a:rPr lang="nl-NL" sz="2400" dirty="0" smtClean="0"/>
+              <a:t>	</a:t>
+            </a:r>
+            <a:r>
+              <a:rPr lang="nl-NL" sz="2400" b="1" dirty="0" smtClean="0">
+                <a:solidFill>
+                  <a:srgbClr val="C00000"/>
+                </a:solidFill>
+              </a:rPr>
+              <a:t>.</a:t>
+            </a:r>
+            <a:r>
+              <a:rPr lang="nl-NL" sz="2400" b="1" dirty="0">
+                <a:solidFill>
+                  <a:srgbClr val="C00000"/>
+                </a:solidFill>
+              </a:rPr>
+              <a:t>catch</a:t>
+            </a:r>
+            <a:r>
+              <a:rPr lang="nl-NL" sz="2400" dirty="0"/>
+              <a:t>(error =&gt; </a:t>
+            </a:r>
+            <a:r>
+              <a:rPr lang="nl-NL" sz="2400" dirty="0" err="1"/>
+              <a:t>this.error</a:t>
+            </a:r>
+            <a:r>
+              <a:rPr lang="nl-NL" sz="2400" dirty="0"/>
+              <a:t> = error);</a:t>
+            </a:r>
+            <a:endParaRPr lang="nl-NL" sz="2600" dirty="0" smtClean="0"/>
+          </a:p>
+          <a:p>
+            <a:pPr marL="914400" lvl="2" indent="0">
+              <a:buNone/>
+            </a:pPr>
+            <a:r>
+              <a:rPr lang="nl-NL" sz="2600" dirty="0" smtClean="0"/>
+              <a:t>    }</a:t>
+            </a:r>
+          </a:p>
+          <a:p>
+            <a:pPr marL="914400" lvl="2" indent="0">
+              <a:buNone/>
+            </a:pPr>
+            <a:endParaRPr lang="nl-NL" sz="2600" dirty="0"/>
+          </a:p>
+          <a:p>
+            <a:pPr marL="914400" lvl="2" indent="0">
+              <a:buNone/>
+            </a:pPr>
+            <a:r>
+              <a:rPr lang="nl-NL" sz="2600" b="1" dirty="0" err="1" smtClean="0">
+                <a:solidFill>
+                  <a:srgbClr val="C00000"/>
+                </a:solidFill>
+              </a:rPr>
+              <a:t>ngOnInit</a:t>
+            </a:r>
+            <a:r>
+              <a:rPr lang="nl-NL" sz="2600" dirty="0"/>
+              <a:t>(){</a:t>
+            </a:r>
+          </a:p>
+          <a:p>
+            <a:pPr marL="914400" lvl="2" indent="0">
+              <a:buNone/>
+            </a:pPr>
+            <a:r>
+              <a:rPr lang="nl-NL" sz="2600" dirty="0"/>
+              <a:t>    	</a:t>
+            </a:r>
+            <a:r>
+              <a:rPr lang="nl-NL" sz="2600" b="1" dirty="0" err="1" smtClean="0">
+                <a:solidFill>
+                  <a:schemeClr val="accent2"/>
+                </a:solidFill>
+              </a:rPr>
+              <a:t>this.getBooks</a:t>
+            </a:r>
+            <a:r>
+              <a:rPr lang="nl-NL" sz="2600" b="1" dirty="0" smtClean="0">
+                <a:solidFill>
+                  <a:schemeClr val="accent2"/>
+                </a:solidFill>
+              </a:rPr>
+              <a:t>();</a:t>
+            </a:r>
+            <a:endParaRPr lang="nl-NL" sz="2600" dirty="0"/>
+          </a:p>
+          <a:p>
+            <a:pPr marL="914400" lvl="2" indent="0">
+              <a:buNone/>
+            </a:pPr>
+            <a:r>
+              <a:rPr lang="nl-NL" sz="2600" dirty="0"/>
+              <a:t> </a:t>
+            </a:r>
+            <a:r>
+              <a:rPr lang="nl-NL" sz="2600" dirty="0" smtClean="0"/>
+              <a:t>}</a:t>
+            </a:r>
+            <a:endParaRPr lang="nl-NL" sz="2600" dirty="0"/>
+          </a:p>
+          <a:p>
+            <a:pPr marL="0" indent="0">
+              <a:buNone/>
+            </a:pPr>
+            <a:r>
+              <a:rPr lang="nl-NL" dirty="0" smtClean="0"/>
+              <a:t>}</a:t>
+            </a:r>
+            <a:endParaRPr lang="nl-NL" dirty="0"/>
           </a:p>
         </p:txBody>
       </p:sp>
-      <p:pic>
-        <p:nvPicPr>
-          <p:cNvPr id="7" name="Picture 6"/>
-          <p:cNvPicPr>
-            <a:picLocks noChangeAspect="1"/>
-          </p:cNvPicPr>
-          <p:nvPr/>
-        </p:nvPicPr>
-        <p:blipFill>
-          <a:blip r:embed="rId3"/>
-          <a:stretch>
-            <a:fillRect/>
-          </a:stretch>
-        </p:blipFill>
-        <p:spPr>
-          <a:xfrm>
-            <a:off x="2499360" y="1554480"/>
-            <a:ext cx="7071360" cy="5303520"/>
-          </a:xfrm>
-          <a:prstGeom prst="rect">
-            <a:avLst/>
-          </a:prstGeom>
-        </p:spPr>
-      </p:pic>
     </p:spTree>
     <p:extLst>
       <p:ext uri="{BB962C8B-B14F-4D97-AF65-F5344CB8AC3E}">
-        <p14:creationId xmlns:p14="http://schemas.microsoft.com/office/powerpoint/2010/main" val="1491062952"/>
+        <p14:creationId xmlns:p14="http://schemas.microsoft.com/office/powerpoint/2010/main" val="918659586"/>
       </p:ext>
     </p:extLst>
   </p:cSld>
@@ -18844,7 +18676,7 @@
         <p:spPr>
           <a:xfrm>
             <a:off x="1831012" y="1690688"/>
-            <a:ext cx="8529975" cy="7155805"/>
+            <a:ext cx="8529975" cy="4201150"/>
           </a:xfrm>
           <a:prstGeom prst="rect">
             <a:avLst/>
@@ -18861,257 +18693,11 @@
           </a:p>
           <a:p>
             <a:pPr algn="ctr"/>
-            <a:r>
-              <a:rPr lang="nl-NL" sz="2400" b="1" dirty="0" err="1" smtClean="0"/>
-              <a:t>Cancelable</a:t>
-            </a:r>
-            <a:endParaRPr lang="nl-NL" sz="2400" b="1" dirty="0" smtClean="0"/>
+            <a:endParaRPr lang="nl-NL" sz="2400" dirty="0"/>
           </a:p>
           <a:p>
             <a:pPr algn="ctr"/>
-            <a:endParaRPr lang="nl-NL" sz="2400" b="1" dirty="0"/>
-          </a:p>
-          <a:p>
-            <a:pPr algn="ctr"/>
-            <a:r>
-              <a:rPr lang="nl-NL" sz="2400" b="1" dirty="0" smtClean="0">
-                <a:solidFill>
-                  <a:srgbClr val="FF0000"/>
-                </a:solidFill>
-              </a:rPr>
-              <a:t>Returns a stream of </a:t>
-            </a:r>
-            <a:r>
-              <a:rPr lang="nl-NL" sz="2400" b="1" dirty="0" err="1" smtClean="0">
-                <a:solidFill>
-                  <a:srgbClr val="FF0000"/>
-                </a:solidFill>
-              </a:rPr>
-              <a:t>values</a:t>
-            </a:r>
-            <a:r>
-              <a:rPr lang="nl-NL" sz="2400" b="1" dirty="0" smtClean="0">
-                <a:solidFill>
-                  <a:srgbClr val="FF0000"/>
-                </a:solidFill>
-              </a:rPr>
-              <a:t> over </a:t>
-            </a:r>
-            <a:r>
-              <a:rPr lang="nl-NL" sz="2400" b="1" dirty="0" smtClean="0">
-                <a:solidFill>
-                  <a:srgbClr val="FF0000"/>
-                </a:solidFill>
-              </a:rPr>
-              <a:t>time</a:t>
-            </a:r>
-            <a:endParaRPr lang="nl-NL" sz="2400" b="1" dirty="0">
-              <a:solidFill>
-                <a:srgbClr val="FF0000"/>
-              </a:solidFill>
-            </a:endParaRPr>
-          </a:p>
-          <a:p>
-            <a:pPr algn="ctr"/>
-            <a:r>
-              <a:rPr lang="nl-NL" sz="2400" b="1" dirty="0" err="1" smtClean="0">
-                <a:solidFill>
-                  <a:schemeClr val="accent2"/>
-                </a:solidFill>
-              </a:rPr>
-              <a:t>Lazy</a:t>
-            </a:r>
-            <a:endParaRPr lang="nl-NL" sz="2400" b="1" dirty="0" smtClean="0">
-              <a:solidFill>
-                <a:schemeClr val="accent2"/>
-              </a:solidFill>
-            </a:endParaRPr>
-          </a:p>
-          <a:p>
-            <a:pPr algn="ctr"/>
-            <a:endParaRPr lang="nl-NL" sz="2400" b="1" dirty="0"/>
-          </a:p>
-          <a:p>
-            <a:pPr algn="ctr"/>
-            <a:r>
-              <a:rPr lang="nl-NL" sz="2400" b="1" dirty="0" err="1" smtClean="0">
-                <a:solidFill>
-                  <a:srgbClr val="FFC000"/>
-                </a:solidFill>
-              </a:rPr>
-              <a:t>Subscribe</a:t>
-            </a:r>
-            <a:r>
-              <a:rPr lang="nl-NL" sz="2400" b="1" dirty="0" smtClean="0">
-                <a:solidFill>
-                  <a:srgbClr val="FFC000"/>
-                </a:solidFill>
-              </a:rPr>
-              <a:t> </a:t>
-            </a:r>
-            <a:r>
-              <a:rPr lang="nl-NL" sz="2400" b="1" dirty="0" err="1" smtClean="0">
-                <a:solidFill>
-                  <a:srgbClr val="FFC000"/>
-                </a:solidFill>
-              </a:rPr>
-              <a:t>to</a:t>
-            </a:r>
-            <a:r>
-              <a:rPr lang="nl-NL" sz="2400" b="1" dirty="0" smtClean="0">
-                <a:solidFill>
-                  <a:srgbClr val="FFC000"/>
-                </a:solidFill>
-              </a:rPr>
-              <a:t> </a:t>
-            </a:r>
-            <a:r>
-              <a:rPr lang="nl-NL" sz="2400" b="1" dirty="0" err="1" smtClean="0">
-                <a:solidFill>
-                  <a:srgbClr val="FFC000"/>
-                </a:solidFill>
-              </a:rPr>
-              <a:t>the</a:t>
-            </a:r>
-            <a:r>
-              <a:rPr lang="nl-NL" sz="2400" b="1" dirty="0" smtClean="0">
-                <a:solidFill>
-                  <a:srgbClr val="FFC000"/>
-                </a:solidFill>
-              </a:rPr>
-              <a:t> stream (push </a:t>
-            </a:r>
-            <a:r>
-              <a:rPr lang="nl-NL" sz="2400" b="1" dirty="0" err="1" smtClean="0">
-                <a:solidFill>
-                  <a:srgbClr val="FFC000"/>
-                </a:solidFill>
-              </a:rPr>
-              <a:t>mechanism</a:t>
-            </a:r>
-            <a:r>
-              <a:rPr lang="nl-NL" sz="2400" b="1" dirty="0" smtClean="0">
-                <a:solidFill>
-                  <a:srgbClr val="FFC000"/>
-                </a:solidFill>
-              </a:rPr>
-              <a:t>)</a:t>
-            </a:r>
-          </a:p>
-          <a:p>
-            <a:pPr algn="ctr"/>
-            <a:endParaRPr lang="nl-NL" sz="2400" b="1" dirty="0"/>
-          </a:p>
-          <a:p>
-            <a:pPr algn="ctr"/>
-            <a:r>
-              <a:rPr lang="nl-NL" sz="2400" b="1" dirty="0" smtClean="0">
-                <a:solidFill>
-                  <a:schemeClr val="accent2"/>
-                </a:solidFill>
-              </a:rPr>
-              <a:t>Array-</a:t>
-            </a:r>
-            <a:r>
-              <a:rPr lang="nl-NL" sz="2400" b="1" dirty="0" err="1" smtClean="0">
-                <a:solidFill>
-                  <a:schemeClr val="accent2"/>
-                </a:solidFill>
-              </a:rPr>
-              <a:t>methods</a:t>
-            </a:r>
-            <a:r>
-              <a:rPr lang="nl-NL" sz="2400" b="1" dirty="0" smtClean="0">
-                <a:solidFill>
-                  <a:schemeClr val="accent2"/>
-                </a:solidFill>
-              </a:rPr>
-              <a:t> </a:t>
-            </a:r>
-            <a:r>
-              <a:rPr lang="nl-NL" sz="2400" b="1" dirty="0" smtClean="0">
-                <a:solidFill>
-                  <a:schemeClr val="accent2"/>
-                </a:solidFill>
-              </a:rPr>
-              <a:t>on stream </a:t>
-            </a:r>
-            <a:r>
-              <a:rPr lang="nl-NL" sz="2400" b="1" dirty="0" smtClean="0">
-                <a:sym typeface="Wingdings"/>
-              </a:rPr>
-              <a:t> map(), filter</a:t>
-            </a:r>
-            <a:r>
-              <a:rPr lang="nl-NL" sz="2400" b="1" dirty="0" smtClean="0">
-                <a:sym typeface="Wingdings"/>
-              </a:rPr>
-              <a:t>(), </a:t>
-            </a:r>
-            <a:r>
-              <a:rPr lang="nl-NL" sz="2400" b="1" dirty="0" err="1" smtClean="0">
-                <a:sym typeface="Wingdings"/>
-              </a:rPr>
-              <a:t>reduce</a:t>
-            </a:r>
-            <a:r>
-              <a:rPr lang="nl-NL" sz="2400" b="1" dirty="0" smtClean="0">
-                <a:sym typeface="Wingdings"/>
-              </a:rPr>
-              <a:t>()</a:t>
-            </a:r>
-            <a:endParaRPr lang="nl-NL" sz="2400" b="1" dirty="0" smtClean="0"/>
-          </a:p>
-          <a:p>
-            <a:pPr algn="ctr"/>
-            <a:endParaRPr lang="nl-NL" sz="2400" b="1" dirty="0"/>
-          </a:p>
-          <a:p>
-            <a:pPr algn="ctr"/>
-            <a:r>
-              <a:rPr lang="nl-NL" sz="2400" b="1" dirty="0" err="1" smtClean="0">
-                <a:solidFill>
-                  <a:srgbClr val="FF0000"/>
-                </a:solidFill>
-              </a:rPr>
-              <a:t>Example</a:t>
-            </a:r>
-            <a:r>
-              <a:rPr lang="nl-NL" sz="2400" b="1" dirty="0" smtClean="0">
-                <a:solidFill>
-                  <a:srgbClr val="FF0000"/>
-                </a:solidFill>
-              </a:rPr>
-              <a:t> stream: </a:t>
-            </a:r>
-            <a:r>
-              <a:rPr lang="nl-NL" sz="2400" b="1" dirty="0" smtClean="0"/>
-              <a:t>list of ’share </a:t>
-            </a:r>
-            <a:r>
-              <a:rPr lang="nl-NL" sz="2400" b="1" dirty="0" err="1" smtClean="0"/>
-              <a:t>prices</a:t>
-            </a:r>
-            <a:r>
-              <a:rPr lang="nl-NL" sz="2400" b="1" dirty="0" smtClean="0"/>
-              <a:t>’ </a:t>
-            </a:r>
-            <a:r>
-              <a:rPr lang="nl-NL" sz="2400" b="1" dirty="0" err="1" smtClean="0"/>
-              <a:t>which</a:t>
-            </a:r>
-            <a:r>
-              <a:rPr lang="nl-NL" sz="2400" b="1" dirty="0" smtClean="0"/>
-              <a:t> changes </a:t>
-            </a:r>
-            <a:r>
-              <a:rPr lang="nl-NL" sz="2400" b="1" dirty="0" err="1" smtClean="0"/>
-              <a:t>each</a:t>
-            </a:r>
-            <a:r>
-              <a:rPr lang="nl-NL" sz="2400" b="1" dirty="0" smtClean="0"/>
-              <a:t> minute.</a:t>
-            </a:r>
+            <a:endParaRPr lang="nl-NL" sz="2400" dirty="0"/>
           </a:p>
           <a:p>
             <a:pPr algn="ctr"/>
@@ -19234,10 +18820,34 @@
           </a:p>
         </p:txBody>
       </p:sp>
+      <p:pic>
+        <p:nvPicPr>
+          <p:cNvPr id="7" name="Picture 6"/>
+          <p:cNvPicPr>
+            <a:picLocks noChangeAspect="1"/>
+          </p:cNvPicPr>
+          <p:nvPr/>
+        </p:nvPicPr>
+        <p:blipFill>
+          <a:blip r:embed="rId3"/>
+          <a:stretch>
+            <a:fillRect/>
+          </a:stretch>
+        </p:blipFill>
+        <p:spPr>
+          <a:xfrm>
+            <a:off x="2499360" y="1554480"/>
+            <a:ext cx="7071360" cy="5303520"/>
+          </a:xfrm>
+          <a:prstGeom prst="rect">
+            <a:avLst/>
+          </a:prstGeom>
+        </p:spPr>
+      </p:pic>
     </p:spTree>
     <p:extLst>
       <p:ext uri="{BB962C8B-B14F-4D97-AF65-F5344CB8AC3E}">
-        <p14:creationId xmlns:p14="http://schemas.microsoft.com/office/powerpoint/2010/main" val="2101318872"/>
+        <p14:creationId xmlns:p14="http://schemas.microsoft.com/office/powerpoint/2010/main" val="1491062952"/>
       </p:ext>
     </p:extLst>
   </p:cSld>
@@ -19286,6 +18896,452 @@
           <a:bodyPr/>
           <a:lstStyle/>
           <a:p>
+            <a:pPr algn="ctr"/>
+            <a:r>
+              <a:rPr lang="en-US" b="1" dirty="0" smtClean="0">
+                <a:solidFill>
+                  <a:srgbClr val="FFC000"/>
+                </a:solidFill>
+              </a:rPr>
+              <a:t>Observable </a:t>
+            </a:r>
+            <a:endParaRPr lang="en-US" b="1" dirty="0">
+              <a:solidFill>
+                <a:srgbClr val="FFC000"/>
+              </a:solidFill>
+            </a:endParaRPr>
+          </a:p>
+        </p:txBody>
+      </p:sp>
+      <p:sp>
+        <p:nvSpPr>
+          <p:cNvPr id="3" name="Прямоугольник 2"/>
+          <p:cNvSpPr/>
+          <p:nvPr/>
+        </p:nvSpPr>
+        <p:spPr>
+          <a:xfrm>
+            <a:off x="1831012" y="1690688"/>
+            <a:ext cx="8529975" cy="7155805"/>
+          </a:xfrm>
+          <a:prstGeom prst="rect">
+            <a:avLst/>
+          </a:prstGeom>
+        </p:spPr>
+        <p:txBody>
+          <a:bodyPr wrap="square">
+            <a:spAutoFit/>
+          </a:bodyPr>
+          <a:lstStyle/>
+          <a:p>
+            <a:pPr algn="ctr"/>
+            <a:endParaRPr lang="nl-NL" sz="2400" dirty="0"/>
+          </a:p>
+          <a:p>
+            <a:pPr algn="ctr"/>
+            <a:r>
+              <a:rPr lang="nl-NL" sz="2400" b="1" dirty="0" err="1" smtClean="0"/>
+              <a:t>Cancelable</a:t>
+            </a:r>
+            <a:endParaRPr lang="nl-NL" sz="2400" b="1" dirty="0" smtClean="0"/>
+          </a:p>
+          <a:p>
+            <a:pPr algn="ctr"/>
+            <a:endParaRPr lang="nl-NL" sz="2400" b="1" dirty="0"/>
+          </a:p>
+          <a:p>
+            <a:pPr algn="ctr"/>
+            <a:r>
+              <a:rPr lang="nl-NL" sz="2400" b="1" dirty="0" smtClean="0">
+                <a:solidFill>
+                  <a:srgbClr val="FF0000"/>
+                </a:solidFill>
+              </a:rPr>
+              <a:t>Returns a stream of </a:t>
+            </a:r>
+            <a:r>
+              <a:rPr lang="nl-NL" sz="2400" b="1" dirty="0" err="1" smtClean="0">
+                <a:solidFill>
+                  <a:srgbClr val="FF0000"/>
+                </a:solidFill>
+              </a:rPr>
+              <a:t>values</a:t>
+            </a:r>
+            <a:r>
+              <a:rPr lang="nl-NL" sz="2400" b="1" dirty="0" smtClean="0">
+                <a:solidFill>
+                  <a:srgbClr val="FF0000"/>
+                </a:solidFill>
+              </a:rPr>
+              <a:t> over time</a:t>
+            </a:r>
+            <a:endParaRPr lang="nl-NL" sz="2400" b="1" dirty="0">
+              <a:solidFill>
+                <a:srgbClr val="FF0000"/>
+              </a:solidFill>
+            </a:endParaRPr>
+          </a:p>
+          <a:p>
+            <a:pPr algn="ctr"/>
+            <a:r>
+              <a:rPr lang="nl-NL" sz="2400" b="1" dirty="0" err="1" smtClean="0">
+                <a:solidFill>
+                  <a:schemeClr val="accent2"/>
+                </a:solidFill>
+              </a:rPr>
+              <a:t>Lazy</a:t>
+            </a:r>
+            <a:endParaRPr lang="nl-NL" sz="2400" b="1" dirty="0" smtClean="0">
+              <a:solidFill>
+                <a:schemeClr val="accent2"/>
+              </a:solidFill>
+            </a:endParaRPr>
+          </a:p>
+          <a:p>
+            <a:pPr algn="ctr"/>
+            <a:endParaRPr lang="nl-NL" sz="2400" b="1" dirty="0"/>
+          </a:p>
+          <a:p>
+            <a:pPr algn="ctr"/>
+            <a:r>
+              <a:rPr lang="nl-NL" sz="2400" b="1" dirty="0" err="1" smtClean="0">
+                <a:solidFill>
+                  <a:srgbClr val="FFC000"/>
+                </a:solidFill>
+              </a:rPr>
+              <a:t>Subscribe</a:t>
+            </a:r>
+            <a:r>
+              <a:rPr lang="nl-NL" sz="2400" b="1" dirty="0" smtClean="0">
+                <a:solidFill>
+                  <a:srgbClr val="FFC000"/>
+                </a:solidFill>
+              </a:rPr>
+              <a:t> </a:t>
+            </a:r>
+            <a:r>
+              <a:rPr lang="nl-NL" sz="2400" b="1" dirty="0" err="1" smtClean="0">
+                <a:solidFill>
+                  <a:srgbClr val="FFC000"/>
+                </a:solidFill>
+              </a:rPr>
+              <a:t>to</a:t>
+            </a:r>
+            <a:r>
+              <a:rPr lang="nl-NL" sz="2400" b="1" dirty="0" smtClean="0">
+                <a:solidFill>
+                  <a:srgbClr val="FFC000"/>
+                </a:solidFill>
+              </a:rPr>
+              <a:t> </a:t>
+            </a:r>
+            <a:r>
+              <a:rPr lang="nl-NL" sz="2400" b="1" dirty="0" err="1" smtClean="0">
+                <a:solidFill>
+                  <a:srgbClr val="FFC000"/>
+                </a:solidFill>
+              </a:rPr>
+              <a:t>the</a:t>
+            </a:r>
+            <a:r>
+              <a:rPr lang="nl-NL" sz="2400" b="1" dirty="0" smtClean="0">
+                <a:solidFill>
+                  <a:srgbClr val="FFC000"/>
+                </a:solidFill>
+              </a:rPr>
+              <a:t> stream (push </a:t>
+            </a:r>
+            <a:r>
+              <a:rPr lang="nl-NL" sz="2400" b="1" dirty="0" err="1" smtClean="0">
+                <a:solidFill>
+                  <a:srgbClr val="FFC000"/>
+                </a:solidFill>
+              </a:rPr>
+              <a:t>mechanism</a:t>
+            </a:r>
+            <a:r>
+              <a:rPr lang="nl-NL" sz="2400" b="1" dirty="0" smtClean="0">
+                <a:solidFill>
+                  <a:srgbClr val="FFC000"/>
+                </a:solidFill>
+              </a:rPr>
+              <a:t>)</a:t>
+            </a:r>
+          </a:p>
+          <a:p>
+            <a:pPr algn="ctr"/>
+            <a:endParaRPr lang="nl-NL" sz="2400" b="1" dirty="0"/>
+          </a:p>
+          <a:p>
+            <a:pPr algn="ctr"/>
+            <a:r>
+              <a:rPr lang="nl-NL" sz="2400" b="1" dirty="0" smtClean="0">
+                <a:solidFill>
+                  <a:schemeClr val="accent2"/>
+                </a:solidFill>
+              </a:rPr>
+              <a:t>Array-</a:t>
+            </a:r>
+            <a:r>
+              <a:rPr lang="nl-NL" sz="2400" b="1" dirty="0" err="1" smtClean="0">
+                <a:solidFill>
+                  <a:schemeClr val="accent2"/>
+                </a:solidFill>
+              </a:rPr>
+              <a:t>methods</a:t>
+            </a:r>
+            <a:r>
+              <a:rPr lang="nl-NL" sz="2400" b="1" dirty="0" smtClean="0">
+                <a:solidFill>
+                  <a:schemeClr val="accent2"/>
+                </a:solidFill>
+              </a:rPr>
+              <a:t> on stream </a:t>
+            </a:r>
+            <a:r>
+              <a:rPr lang="nl-NL" sz="2400" b="1" dirty="0" smtClean="0">
+                <a:sym typeface="Wingdings"/>
+              </a:rPr>
+              <a:t> map(), filter(), </a:t>
+            </a:r>
+            <a:r>
+              <a:rPr lang="nl-NL" sz="2400" b="1" dirty="0" err="1" smtClean="0">
+                <a:sym typeface="Wingdings"/>
+              </a:rPr>
+              <a:t>reduce</a:t>
+            </a:r>
+            <a:r>
+              <a:rPr lang="nl-NL" sz="2400" b="1" dirty="0" smtClean="0">
+                <a:sym typeface="Wingdings"/>
+              </a:rPr>
+              <a:t>()</a:t>
+            </a:r>
+            <a:endParaRPr lang="nl-NL" sz="2400" b="1" dirty="0" smtClean="0"/>
+          </a:p>
+          <a:p>
+            <a:pPr algn="ctr"/>
+            <a:endParaRPr lang="nl-NL" sz="2400" b="1" dirty="0"/>
+          </a:p>
+          <a:p>
+            <a:pPr algn="ctr"/>
+            <a:r>
+              <a:rPr lang="nl-NL" sz="2400" b="1" dirty="0" err="1" smtClean="0">
+                <a:solidFill>
+                  <a:srgbClr val="FF0000"/>
+                </a:solidFill>
+              </a:rPr>
+              <a:t>Example</a:t>
+            </a:r>
+            <a:r>
+              <a:rPr lang="nl-NL" sz="2400" b="1" dirty="0" smtClean="0">
+                <a:solidFill>
+                  <a:srgbClr val="FF0000"/>
+                </a:solidFill>
+              </a:rPr>
+              <a:t> stream: </a:t>
+            </a:r>
+            <a:r>
+              <a:rPr lang="nl-NL" sz="2400" b="1" dirty="0" smtClean="0"/>
+              <a:t>list of ’share </a:t>
+            </a:r>
+            <a:r>
+              <a:rPr lang="nl-NL" sz="2400" b="1" dirty="0" err="1" smtClean="0"/>
+              <a:t>prices</a:t>
+            </a:r>
+            <a:r>
+              <a:rPr lang="nl-NL" sz="2400" b="1" dirty="0" smtClean="0"/>
+              <a:t>’ </a:t>
+            </a:r>
+            <a:r>
+              <a:rPr lang="nl-NL" sz="2400" b="1" dirty="0" err="1" smtClean="0"/>
+              <a:t>which</a:t>
+            </a:r>
+            <a:r>
+              <a:rPr lang="nl-NL" sz="2400" b="1" dirty="0" smtClean="0"/>
+              <a:t> changes </a:t>
+            </a:r>
+            <a:r>
+              <a:rPr lang="nl-NL" sz="2400" b="1" dirty="0" err="1" smtClean="0"/>
+              <a:t>each</a:t>
+            </a:r>
+            <a:r>
+              <a:rPr lang="nl-NL" sz="2400" b="1" dirty="0" smtClean="0"/>
+              <a:t> minute.</a:t>
+            </a:r>
+          </a:p>
+          <a:p>
+            <a:pPr algn="ctr"/>
+            <a:endParaRPr lang="nl-NL" sz="2400" b="1" dirty="0"/>
+          </a:p>
+          <a:p>
+            <a:pPr algn="ctr"/>
+            <a:endParaRPr lang="nl-NL" sz="2400" dirty="0" smtClean="0"/>
+          </a:p>
+          <a:p>
+            <a:pPr algn="ctr"/>
+            <a:endParaRPr lang="nl-NL" sz="2400" dirty="0"/>
+          </a:p>
+          <a:p>
+            <a:pPr algn="ctr"/>
+            <a:endParaRPr lang="nl-NL" sz="2400" dirty="0"/>
+          </a:p>
+          <a:p>
+            <a:pPr algn="ctr"/>
+            <a:endParaRPr lang="nl-NL" sz="2400" dirty="0"/>
+          </a:p>
+          <a:p>
+            <a:pPr>
+              <a:lnSpc>
+                <a:spcPts val="1800"/>
+              </a:lnSpc>
+              <a:spcAft>
+                <a:spcPts val="1800"/>
+              </a:spcAft>
+              <a:tabLst>
+                <a:tab pos="581660" algn="l"/>
+                <a:tab pos="1163320" algn="l"/>
+                <a:tab pos="1744980" algn="l"/>
+                <a:tab pos="2326640" algn="l"/>
+                <a:tab pos="2908300" algn="l"/>
+                <a:tab pos="3489960" algn="l"/>
+                <a:tab pos="4071620" algn="l"/>
+                <a:tab pos="4653280" algn="l"/>
+                <a:tab pos="5234940" algn="l"/>
+                <a:tab pos="5816600" algn="l"/>
+                <a:tab pos="6398260" algn="l"/>
+                <a:tab pos="6979920" algn="l"/>
+                <a:tab pos="7561580" algn="l"/>
+                <a:tab pos="8143240" algn="l"/>
+                <a:tab pos="8724900" algn="l"/>
+                <a:tab pos="9306560" algn="l"/>
+              </a:tabLst>
+            </a:pPr>
+            <a:endParaRPr lang="nl-NL" sz="2400" b="1" dirty="0" smtClean="0">
+              <a:latin typeface="Calibri" panose="020F0502020204030204" pitchFamily="34" charset="0"/>
+              <a:ea typeface="ＭＳ 明朝"/>
+              <a:cs typeface="Courier"/>
+            </a:endParaRPr>
+          </a:p>
+          <a:p>
+            <a:pPr>
+              <a:lnSpc>
+                <a:spcPts val="1800"/>
+              </a:lnSpc>
+              <a:spcAft>
+                <a:spcPts val="1800"/>
+              </a:spcAft>
+              <a:tabLst>
+                <a:tab pos="581660" algn="l"/>
+                <a:tab pos="1163320" algn="l"/>
+                <a:tab pos="1744980" algn="l"/>
+                <a:tab pos="2326640" algn="l"/>
+                <a:tab pos="2908300" algn="l"/>
+                <a:tab pos="3489960" algn="l"/>
+                <a:tab pos="4071620" algn="l"/>
+                <a:tab pos="4653280" algn="l"/>
+                <a:tab pos="5234940" algn="l"/>
+                <a:tab pos="5816600" algn="l"/>
+                <a:tab pos="6398260" algn="l"/>
+                <a:tab pos="6979920" algn="l"/>
+                <a:tab pos="7561580" algn="l"/>
+                <a:tab pos="8143240" algn="l"/>
+                <a:tab pos="8724900" algn="l"/>
+                <a:tab pos="9306560" algn="l"/>
+              </a:tabLst>
+            </a:pPr>
+            <a:endParaRPr lang="nl-NL" sz="2400" b="1" dirty="0" smtClean="0">
+              <a:latin typeface="Calibri" panose="020F0502020204030204" pitchFamily="34" charset="0"/>
+              <a:ea typeface="ＭＳ 明朝"/>
+              <a:cs typeface="Courier"/>
+            </a:endParaRPr>
+          </a:p>
+          <a:p>
+            <a:pPr>
+              <a:lnSpc>
+                <a:spcPts val="1800"/>
+              </a:lnSpc>
+              <a:spcAft>
+                <a:spcPts val="1800"/>
+              </a:spcAft>
+              <a:tabLst>
+                <a:tab pos="581660" algn="l"/>
+                <a:tab pos="1163320" algn="l"/>
+                <a:tab pos="1744980" algn="l"/>
+                <a:tab pos="2326640" algn="l"/>
+                <a:tab pos="2908300" algn="l"/>
+                <a:tab pos="3489960" algn="l"/>
+                <a:tab pos="4071620" algn="l"/>
+                <a:tab pos="4653280" algn="l"/>
+                <a:tab pos="5234940" algn="l"/>
+                <a:tab pos="5816600" algn="l"/>
+                <a:tab pos="6398260" algn="l"/>
+                <a:tab pos="6979920" algn="l"/>
+                <a:tab pos="7561580" algn="l"/>
+                <a:tab pos="8143240" algn="l"/>
+                <a:tab pos="8724900" algn="l"/>
+                <a:tab pos="9306560" algn="l"/>
+              </a:tabLst>
+            </a:pPr>
+            <a:endParaRPr lang="en-US" sz="2400" b="1" dirty="0">
+              <a:latin typeface="Calibri" panose="020F0502020204030204" pitchFamily="34" charset="0"/>
+              <a:ea typeface="ＭＳ 明朝"/>
+              <a:cs typeface="Times New Roman"/>
+            </a:endParaRPr>
+          </a:p>
+        </p:txBody>
+      </p:sp>
+    </p:spTree>
+    <p:extLst>
+      <p:ext uri="{BB962C8B-B14F-4D97-AF65-F5344CB8AC3E}">
+        <p14:creationId xmlns:p14="http://schemas.microsoft.com/office/powerpoint/2010/main" val="2101318872"/>
+      </p:ext>
+    </p:extLst>
+  </p:cSld>
+  <p:clrMapOvr>
+    <a:masterClrMapping/>
+  </p:clrMapOvr>
+  <p:timing>
+    <p:tnLst>
+      <p:par>
+        <p:cTn id="1" dur="indefinite" restart="never" nodeType="tmRoot"/>
+      </p:par>
+    </p:tnLst>
+  </p:timing>
+</p:sld>
+</file>
+
+<file path=ppt/slides/slide27.xml><?xml version="1.0" encoding="utf-8"?>
+<p:sld xmlns:a="http://schemas.openxmlformats.org/drawingml/2006/main" xmlns:r="http://schemas.openxmlformats.org/officeDocument/2006/relationships" xmlns:p="http://schemas.openxmlformats.org/presentationml/2006/main">
+  <p:cSld>
+    <p:spTree>
+      <p:nvGrpSpPr>
+        <p:cNvPr id="1" name=""/>
+        <p:cNvGrpSpPr/>
+        <p:nvPr/>
+      </p:nvGrpSpPr>
+      <p:grpSpPr>
+        <a:xfrm>
+          <a:off x="0" y="0"/>
+          <a:ext cx="0" cy="0"/>
+          <a:chOff x="0" y="0"/>
+          <a:chExt cx="0" cy="0"/>
+        </a:xfrm>
+      </p:grpSpPr>
+      <p:sp>
+        <p:nvSpPr>
+          <p:cNvPr id="2" name="Title 1"/>
+          <p:cNvSpPr>
+            <a:spLocks noGrp="1"/>
+          </p:cNvSpPr>
+          <p:nvPr>
+            <p:ph type="title"/>
+          </p:nvPr>
+        </p:nvSpPr>
+        <p:spPr/>
+        <p:txBody>
+          <a:bodyPr/>
+          <a:lstStyle/>
+          <a:p>
             <a:endParaRPr lang="en-US"/>
           </a:p>
         </p:txBody>
@@ -19330,144 +19386,13 @@
   <p:clrMapOvr>
     <a:masterClrMapping/>
   </p:clrMapOvr>
-</p:sld>
-</file>
-
-<file path=ppt/slides/slide27.xml><?xml version="1.0" encoding="utf-8"?>
-<p:sld xmlns:a="http://schemas.openxmlformats.org/drawingml/2006/main" xmlns:r="http://schemas.openxmlformats.org/officeDocument/2006/relationships" xmlns:p="http://schemas.openxmlformats.org/presentationml/2006/main">
-  <p:cSld>
-    <p:spTree>
-      <p:nvGrpSpPr>
-        <p:cNvPr id="1" name=""/>
-        <p:cNvGrpSpPr/>
-        <p:nvPr/>
-      </p:nvGrpSpPr>
-      <p:grpSpPr>
-        <a:xfrm>
-          <a:off x="0" y="0"/>
-          <a:ext cx="0" cy="0"/>
-          <a:chOff x="0" y="0"/>
-          <a:chExt cx="0" cy="0"/>
-        </a:xfrm>
-      </p:grpSpPr>
-      <p:sp>
-        <p:nvSpPr>
-          <p:cNvPr id="2" name="Title 1"/>
-          <p:cNvSpPr>
-            <a:spLocks noGrp="1"/>
-          </p:cNvSpPr>
-          <p:nvPr>
-            <p:ph type="title"/>
-          </p:nvPr>
-        </p:nvSpPr>
-        <p:spPr/>
-        <p:txBody>
-          <a:bodyPr/>
-          <a:lstStyle/>
-          <a:p>
-            <a:pPr algn="ctr"/>
-            <a:r>
-              <a:rPr lang="en-US" sz="3200" b="1" dirty="0">
-                <a:solidFill>
-                  <a:srgbClr val="FFC000"/>
-                </a:solidFill>
-              </a:rPr>
-              <a:t>Interactive diagrams of Rx Observables</a:t>
-            </a:r>
-            <a:r>
-              <a:rPr lang="en-US" sz="3200" b="1" dirty="0"/>
-              <a:t/>
-            </a:r>
-            <a:br>
-              <a:rPr lang="en-US" sz="3200" b="1" dirty="0"/>
-            </a:br>
-            <a:endParaRPr lang="en-US" sz="3200" b="1" dirty="0">
-              <a:solidFill>
-                <a:srgbClr val="C00000"/>
-              </a:solidFill>
-            </a:endParaRPr>
-          </a:p>
-        </p:txBody>
-      </p:sp>
-      <p:sp>
-        <p:nvSpPr>
-          <p:cNvPr id="3" name="Rectangle 2"/>
-          <p:cNvSpPr/>
-          <p:nvPr/>
-        </p:nvSpPr>
-        <p:spPr>
-          <a:xfrm>
-            <a:off x="1977081" y="2273643"/>
-            <a:ext cx="5270485" cy="1569660"/>
-          </a:xfrm>
-          <a:prstGeom prst="rect">
-            <a:avLst/>
-          </a:prstGeom>
-        </p:spPr>
-        <p:txBody>
-          <a:bodyPr wrap="square">
-            <a:spAutoFit/>
-          </a:bodyPr>
-          <a:lstStyle/>
-          <a:p>
-            <a:r>
-              <a:rPr lang="en-US" sz="3200" b="1" dirty="0">
-                <a:solidFill>
-                  <a:srgbClr val="C00000"/>
-                </a:solidFill>
-                <a:hlinkClick r:id="rId2"/>
-              </a:rPr>
-              <a:t>http://rxmarbles.com</a:t>
-            </a:r>
-            <a:r>
-              <a:rPr lang="en-US" sz="3200" b="1" dirty="0" smtClean="0">
-                <a:solidFill>
-                  <a:srgbClr val="C00000"/>
-                </a:solidFill>
-                <a:hlinkClick r:id="rId2"/>
-              </a:rPr>
-              <a:t>/</a:t>
-            </a:r>
-            <a:endParaRPr lang="en-US" sz="3200" b="1" dirty="0" smtClean="0">
-              <a:solidFill>
-                <a:srgbClr val="C00000"/>
-              </a:solidFill>
-            </a:endParaRPr>
-          </a:p>
-          <a:p>
-            <a:endParaRPr lang="en-US" sz="3200" b="1" dirty="0">
-              <a:solidFill>
-                <a:srgbClr val="C00000"/>
-              </a:solidFill>
-            </a:endParaRPr>
-          </a:p>
-          <a:p>
-            <a:r>
-              <a:rPr lang="en-US" sz="3200" b="1" dirty="0" err="1" smtClean="0">
-                <a:solidFill>
-                  <a:srgbClr val="C00000"/>
-                </a:solidFill>
-              </a:rPr>
-              <a:t>RXFiddle.net</a:t>
-            </a:r>
-            <a:endParaRPr lang="en-US" sz="3200" b="1" dirty="0">
-              <a:solidFill>
-                <a:srgbClr val="C00000"/>
-              </a:solidFill>
-            </a:endParaRPr>
-          </a:p>
-        </p:txBody>
-      </p:sp>
-    </p:spTree>
-    <p:extLst>
-      <p:ext uri="{BB962C8B-B14F-4D97-AF65-F5344CB8AC3E}">
-        <p14:creationId xmlns:p14="http://schemas.microsoft.com/office/powerpoint/2010/main" val="564970751"/>
-      </p:ext>
-    </p:extLst>
-  </p:cSld>
-  <p:clrMapOvr>
-    <a:masterClrMapping/>
-  </p:clrMapOvr>
+  <p:timing>
+    <p:tnLst>
+      <p:par>
+        <p:cTn id="1" dur="indefinite" restart="never" nodeType="tmRoot"/>
+      </p:par>
+    </p:tnLst>
+  </p:timing>
 </p:sld>
 </file>
 
@@ -19505,6 +19430,151 @@
           <a:p>
             <a:pPr algn="ctr"/>
             <a:r>
+              <a:rPr lang="en-US" sz="3200" b="1" dirty="0">
+                <a:solidFill>
+                  <a:srgbClr val="FFC000"/>
+                </a:solidFill>
+              </a:rPr>
+              <a:t>Interactive diagrams of Rx Observables</a:t>
+            </a:r>
+            <a:r>
+              <a:rPr lang="en-US" sz="3200" b="1" dirty="0"/>
+              <a:t/>
+            </a:r>
+            <a:br>
+              <a:rPr lang="en-US" sz="3200" b="1" dirty="0"/>
+            </a:br>
+            <a:endParaRPr lang="en-US" sz="3200" b="1" dirty="0">
+              <a:solidFill>
+                <a:srgbClr val="C00000"/>
+              </a:solidFill>
+            </a:endParaRPr>
+          </a:p>
+        </p:txBody>
+      </p:sp>
+      <p:sp>
+        <p:nvSpPr>
+          <p:cNvPr id="3" name="Rectangle 2"/>
+          <p:cNvSpPr/>
+          <p:nvPr/>
+        </p:nvSpPr>
+        <p:spPr>
+          <a:xfrm>
+            <a:off x="1977081" y="2273643"/>
+            <a:ext cx="5270485" cy="1569660"/>
+          </a:xfrm>
+          <a:prstGeom prst="rect">
+            <a:avLst/>
+          </a:prstGeom>
+        </p:spPr>
+        <p:txBody>
+          <a:bodyPr wrap="square">
+            <a:spAutoFit/>
+          </a:bodyPr>
+          <a:lstStyle/>
+          <a:p>
+            <a:r>
+              <a:rPr lang="en-US" sz="3200" b="1" dirty="0">
+                <a:solidFill>
+                  <a:srgbClr val="C00000"/>
+                </a:solidFill>
+                <a:hlinkClick r:id="rId2"/>
+              </a:rPr>
+              <a:t>http://rxmarbles.com</a:t>
+            </a:r>
+            <a:r>
+              <a:rPr lang="en-US" sz="3200" b="1" dirty="0" smtClean="0">
+                <a:solidFill>
+                  <a:srgbClr val="C00000"/>
+                </a:solidFill>
+                <a:hlinkClick r:id="rId2"/>
+              </a:rPr>
+              <a:t>/</a:t>
+            </a:r>
+            <a:endParaRPr lang="en-US" sz="3200" b="1" dirty="0" smtClean="0">
+              <a:solidFill>
+                <a:srgbClr val="C00000"/>
+              </a:solidFill>
+            </a:endParaRPr>
+          </a:p>
+          <a:p>
+            <a:endParaRPr lang="en-US" sz="3200" b="1" dirty="0">
+              <a:solidFill>
+                <a:srgbClr val="C00000"/>
+              </a:solidFill>
+            </a:endParaRPr>
+          </a:p>
+          <a:p>
+            <a:r>
+              <a:rPr lang="en-US" sz="3200" b="1" dirty="0" err="1" smtClean="0">
+                <a:solidFill>
+                  <a:srgbClr val="C00000"/>
+                </a:solidFill>
+              </a:rPr>
+              <a:t>RXFiddle.net</a:t>
+            </a:r>
+            <a:endParaRPr lang="en-US" sz="3200" b="1" dirty="0">
+              <a:solidFill>
+                <a:srgbClr val="C00000"/>
+              </a:solidFill>
+            </a:endParaRPr>
+          </a:p>
+        </p:txBody>
+      </p:sp>
+    </p:spTree>
+    <p:extLst>
+      <p:ext uri="{BB962C8B-B14F-4D97-AF65-F5344CB8AC3E}">
+        <p14:creationId xmlns:p14="http://schemas.microsoft.com/office/powerpoint/2010/main" val="564970751"/>
+      </p:ext>
+    </p:extLst>
+  </p:cSld>
+  <p:clrMapOvr>
+    <a:masterClrMapping/>
+  </p:clrMapOvr>
+  <p:timing>
+    <p:tnLst>
+      <p:par>
+        <p:cTn id="1" dur="indefinite" restart="never" nodeType="tmRoot"/>
+      </p:par>
+    </p:tnLst>
+  </p:timing>
+</p:sld>
+</file>
+
+<file path=ppt/slides/slide29.xml><?xml version="1.0" encoding="utf-8"?>
+<p:sld xmlns:a="http://schemas.openxmlformats.org/drawingml/2006/main" xmlns:r="http://schemas.openxmlformats.org/officeDocument/2006/relationships" xmlns:p="http://schemas.openxmlformats.org/presentationml/2006/main">
+  <p:cSld>
+    <p:spTree>
+      <p:nvGrpSpPr>
+        <p:cNvPr id="1" name=""/>
+        <p:cNvGrpSpPr/>
+        <p:nvPr/>
+      </p:nvGrpSpPr>
+      <p:grpSpPr>
+        <a:xfrm>
+          <a:off x="0" y="0"/>
+          <a:ext cx="0" cy="0"/>
+          <a:chOff x="0" y="0"/>
+          <a:chExt cx="0" cy="0"/>
+        </a:xfrm>
+      </p:grpSpPr>
+      <p:sp>
+        <p:nvSpPr>
+          <p:cNvPr id="2" name="Title 1"/>
+          <p:cNvSpPr>
+            <a:spLocks noGrp="1"/>
+          </p:cNvSpPr>
+          <p:nvPr>
+            <p:ph type="title"/>
+          </p:nvPr>
+        </p:nvSpPr>
+        <p:spPr/>
+        <p:txBody>
+          <a:bodyPr/>
+          <a:lstStyle/>
+          <a:p>
+            <a:pPr algn="ctr"/>
+            <a:r>
               <a:rPr lang="en-US" b="1" dirty="0" smtClean="0">
                 <a:solidFill>
                   <a:srgbClr val="FFC000"/>
@@ -19784,10 +19854,135 @@
   <p:clrMapOvr>
     <a:masterClrMapping/>
   </p:clrMapOvr>
+  <p:timing>
+    <p:tnLst>
+      <p:par>
+        <p:cTn id="1" dur="indefinite" restart="never" nodeType="tmRoot"/>
+      </p:par>
+    </p:tnLst>
+  </p:timing>
 </p:sld>
 </file>
 
-<file path=ppt/slides/slide29.xml><?xml version="1.0" encoding="utf-8"?>
+<file path=ppt/slides/slide3.xml><?xml version="1.0" encoding="utf-8"?>
+<p:sld xmlns:a="http://schemas.openxmlformats.org/drawingml/2006/main" xmlns:r="http://schemas.openxmlformats.org/officeDocument/2006/relationships" xmlns:p="http://schemas.openxmlformats.org/presentationml/2006/main">
+  <p:cSld>
+    <p:spTree>
+      <p:nvGrpSpPr>
+        <p:cNvPr id="1" name=""/>
+        <p:cNvGrpSpPr/>
+        <p:nvPr/>
+      </p:nvGrpSpPr>
+      <p:grpSpPr>
+        <a:xfrm>
+          <a:off x="0" y="0"/>
+          <a:ext cx="0" cy="0"/>
+          <a:chOff x="0" y="0"/>
+          <a:chExt cx="0" cy="0"/>
+        </a:xfrm>
+      </p:grpSpPr>
+      <p:sp>
+        <p:nvSpPr>
+          <p:cNvPr id="2" name="Titel 1"/>
+          <p:cNvSpPr>
+            <a:spLocks noGrp="1"/>
+          </p:cNvSpPr>
+          <p:nvPr>
+            <p:ph type="title"/>
+          </p:nvPr>
+        </p:nvSpPr>
+        <p:spPr/>
+        <p:txBody>
+          <a:bodyPr/>
+          <a:lstStyle/>
+          <a:p>
+            <a:pPr algn="ctr"/>
+            <a:r>
+              <a:rPr lang="nl-NL" b="1" dirty="0" err="1" smtClean="0">
+                <a:solidFill>
+                  <a:srgbClr val="FFC000"/>
+                </a:solidFill>
+              </a:rPr>
+              <a:t>TypeScript</a:t>
+            </a:r>
+            <a:endParaRPr lang="nl-NL" b="1" dirty="0">
+              <a:solidFill>
+                <a:srgbClr val="FFC000"/>
+              </a:solidFill>
+            </a:endParaRPr>
+          </a:p>
+        </p:txBody>
+      </p:sp>
+      <p:sp>
+        <p:nvSpPr>
+          <p:cNvPr id="3" name="Tijdelijke aanduiding voor inhoud 2"/>
+          <p:cNvSpPr>
+            <a:spLocks noGrp="1"/>
+          </p:cNvSpPr>
+          <p:nvPr>
+            <p:ph idx="1"/>
+          </p:nvPr>
+        </p:nvSpPr>
+        <p:spPr/>
+        <p:txBody>
+          <a:bodyPr/>
+          <a:lstStyle/>
+          <a:p>
+            <a:endParaRPr lang="nl-NL" dirty="0"/>
+          </a:p>
+        </p:txBody>
+      </p:sp>
+      <p:pic>
+        <p:nvPicPr>
+          <p:cNvPr id="4" name="Afbeelding 3"/>
+          <p:cNvPicPr>
+            <a:picLocks noChangeAspect="1"/>
+          </p:cNvPicPr>
+          <p:nvPr/>
+        </p:nvPicPr>
+        <p:blipFill>
+          <a:blip r:embed="rId3">
+            <a:extLst>
+              <a:ext uri="{28A0092B-C50C-407E-A947-70E740481C1C}">
+                <a14:useLocalDpi xmlns:a14="http://schemas.microsoft.com/office/drawing/2010/main" val="0"/>
+              </a:ext>
+            </a:extLst>
+          </a:blip>
+          <a:stretch>
+            <a:fillRect/>
+          </a:stretch>
+        </p:blipFill>
+        <p:spPr>
+          <a:xfrm>
+            <a:off x="3968856" y="1927625"/>
+            <a:ext cx="4029516" cy="4147338"/>
+          </a:xfrm>
+          <a:prstGeom prst="rect">
+            <a:avLst/>
+          </a:prstGeom>
+        </p:spPr>
+      </p:pic>
+    </p:spTree>
+    <p:extLst>
+      <p:ext uri="{BB962C8B-B14F-4D97-AF65-F5344CB8AC3E}">
+        <p14:creationId xmlns:p14="http://schemas.microsoft.com/office/powerpoint/2010/main" val="3722296180"/>
+      </p:ext>
+    </p:extLst>
+  </p:cSld>
+  <p:clrMapOvr>
+    <a:masterClrMapping/>
+  </p:clrMapOvr>
+  <p:timing>
+    <p:tnLst>
+      <p:par>
+        <p:cTn id="1" dur="indefinite" restart="never" nodeType="tmRoot"/>
+      </p:par>
+    </p:tnLst>
+  </p:timing>
+</p:sld>
+</file>
+
+<file path=ppt/slides/slide30.xml><?xml version="1.0" encoding="utf-8"?>
 <p:sld xmlns:a="http://schemas.openxmlformats.org/drawingml/2006/main" xmlns:r="http://schemas.openxmlformats.org/officeDocument/2006/relationships" xmlns:p="http://schemas.openxmlformats.org/presentationml/2006/main">
   <p:cSld>
     <p:spTree>
@@ -21470,537 +21665,6 @@
 </p:sld>
 </file>
 
-<file path=ppt/slides/slide3.xml><?xml version="1.0" encoding="utf-8"?>
-<p:sld xmlns:a="http://schemas.openxmlformats.org/drawingml/2006/main" xmlns:r="http://schemas.openxmlformats.org/officeDocument/2006/relationships" xmlns:p="http://schemas.openxmlformats.org/presentationml/2006/main">
-  <p:cSld>
-    <p:spTree>
-      <p:nvGrpSpPr>
-        <p:cNvPr id="1" name=""/>
-        <p:cNvGrpSpPr/>
-        <p:nvPr/>
-      </p:nvGrpSpPr>
-      <p:grpSpPr>
-        <a:xfrm>
-          <a:off x="0" y="0"/>
-          <a:ext cx="0" cy="0"/>
-          <a:chOff x="0" y="0"/>
-          <a:chExt cx="0" cy="0"/>
-        </a:xfrm>
-      </p:grpSpPr>
-      <p:sp>
-        <p:nvSpPr>
-          <p:cNvPr id="2" name="Titel 1"/>
-          <p:cNvSpPr>
-            <a:spLocks noGrp="1"/>
-          </p:cNvSpPr>
-          <p:nvPr>
-            <p:ph type="title"/>
-          </p:nvPr>
-        </p:nvSpPr>
-        <p:spPr/>
-        <p:txBody>
-          <a:bodyPr/>
-          <a:lstStyle/>
-          <a:p>
-            <a:pPr algn="ctr"/>
-            <a:r>
-              <a:rPr lang="nl-NL" b="1" dirty="0" err="1" smtClean="0">
-                <a:solidFill>
-                  <a:srgbClr val="FFC000"/>
-                </a:solidFill>
-              </a:rPr>
-              <a:t>TypeScript</a:t>
-            </a:r>
-            <a:endParaRPr lang="nl-NL" b="1" dirty="0">
-              <a:solidFill>
-                <a:srgbClr val="FFC000"/>
-              </a:solidFill>
-            </a:endParaRPr>
-          </a:p>
-        </p:txBody>
-      </p:sp>
-      <p:sp>
-        <p:nvSpPr>
-          <p:cNvPr id="3" name="Tijdelijke aanduiding voor inhoud 2"/>
-          <p:cNvSpPr>
-            <a:spLocks noGrp="1"/>
-          </p:cNvSpPr>
-          <p:nvPr>
-            <p:ph idx="1"/>
-          </p:nvPr>
-        </p:nvSpPr>
-        <p:spPr/>
-        <p:txBody>
-          <a:bodyPr/>
-          <a:lstStyle/>
-          <a:p>
-            <a:endParaRPr lang="nl-NL" dirty="0"/>
-          </a:p>
-        </p:txBody>
-      </p:sp>
-      <p:pic>
-        <p:nvPicPr>
-          <p:cNvPr id="4" name="Afbeelding 3"/>
-          <p:cNvPicPr>
-            <a:picLocks noChangeAspect="1"/>
-          </p:cNvPicPr>
-          <p:nvPr/>
-        </p:nvPicPr>
-        <p:blipFill>
-          <a:blip r:embed="rId3">
-            <a:extLst>
-              <a:ext uri="{28A0092B-C50C-407E-A947-70E740481C1C}">
-                <a14:useLocalDpi xmlns:a14="http://schemas.microsoft.com/office/drawing/2010/main" val="0"/>
-              </a:ext>
-            </a:extLst>
-          </a:blip>
-          <a:stretch>
-            <a:fillRect/>
-          </a:stretch>
-        </p:blipFill>
-        <p:spPr>
-          <a:xfrm>
-            <a:off x="3968856" y="1927625"/>
-            <a:ext cx="4029516" cy="4147338"/>
-          </a:xfrm>
-          <a:prstGeom prst="rect">
-            <a:avLst/>
-          </a:prstGeom>
-        </p:spPr>
-      </p:pic>
-    </p:spTree>
-    <p:extLst>
-      <p:ext uri="{BB962C8B-B14F-4D97-AF65-F5344CB8AC3E}">
-        <p14:creationId xmlns:p14="http://schemas.microsoft.com/office/powerpoint/2010/main" val="3722296180"/>
-      </p:ext>
-    </p:extLst>
-  </p:cSld>
-  <p:clrMapOvr>
-    <a:masterClrMapping/>
-  </p:clrMapOvr>
-  <p:timing>
-    <p:tnLst>
-      <p:par>
-        <p:cTn id="1" dur="indefinite" restart="never" nodeType="tmRoot"/>
-      </p:par>
-    </p:tnLst>
-  </p:timing>
-</p:sld>
-</file>
-
-<file path=ppt/slides/slide30.xml><?xml version="1.0" encoding="utf-8"?>
-<p:sld xmlns:a="http://schemas.openxmlformats.org/drawingml/2006/main" xmlns:r="http://schemas.openxmlformats.org/officeDocument/2006/relationships" xmlns:p="http://schemas.openxmlformats.org/presentationml/2006/main">
-  <p:cSld>
-    <p:spTree>
-      <p:nvGrpSpPr>
-        <p:cNvPr id="1" name=""/>
-        <p:cNvGrpSpPr/>
-        <p:nvPr/>
-      </p:nvGrpSpPr>
-      <p:grpSpPr>
-        <a:xfrm>
-          <a:off x="0" y="0"/>
-          <a:ext cx="0" cy="0"/>
-          <a:chOff x="0" y="0"/>
-          <a:chExt cx="0" cy="0"/>
-        </a:xfrm>
-      </p:grpSpPr>
-      <p:sp>
-        <p:nvSpPr>
-          <p:cNvPr id="2" name="Title 1"/>
-          <p:cNvSpPr>
-            <a:spLocks noGrp="1"/>
-          </p:cNvSpPr>
-          <p:nvPr>
-            <p:ph type="title"/>
-          </p:nvPr>
-        </p:nvSpPr>
-        <p:spPr/>
-        <p:txBody>
-          <a:bodyPr/>
-          <a:lstStyle/>
-          <a:p>
-            <a:pPr algn="ctr"/>
-            <a:r>
-              <a:rPr lang="nl-NL" b="1" dirty="0" err="1" smtClean="0">
-                <a:solidFill>
-                  <a:srgbClr val="FFC000"/>
-                </a:solidFill>
-              </a:rPr>
-              <a:t>Use</a:t>
-            </a:r>
-            <a:r>
-              <a:rPr lang="nl-NL" b="1" dirty="0" smtClean="0">
-                <a:solidFill>
-                  <a:srgbClr val="FFC000"/>
-                </a:solidFill>
-              </a:rPr>
-              <a:t> the </a:t>
-            </a:r>
-            <a:r>
-              <a:rPr lang="nl-NL" b="1" dirty="0" err="1" smtClean="0">
-                <a:solidFill>
-                  <a:srgbClr val="FFC000"/>
-                </a:solidFill>
-              </a:rPr>
-              <a:t>AppService</a:t>
-            </a:r>
-            <a:r>
-              <a:rPr lang="nl-NL" b="1" dirty="0" smtClean="0">
-                <a:solidFill>
-                  <a:srgbClr val="FFC000"/>
-                </a:solidFill>
-              </a:rPr>
-              <a:t> in </a:t>
-            </a:r>
-            <a:r>
-              <a:rPr lang="nl-NL" b="1" dirty="0" err="1" smtClean="0">
-                <a:solidFill>
-                  <a:srgbClr val="FFC000"/>
-                </a:solidFill>
-              </a:rPr>
-              <a:t>your</a:t>
-            </a:r>
-            <a:r>
-              <a:rPr lang="nl-NL" b="1" dirty="0" smtClean="0">
-                <a:solidFill>
-                  <a:srgbClr val="FFC000"/>
-                </a:solidFill>
-              </a:rPr>
-              <a:t> </a:t>
-            </a:r>
-            <a:r>
-              <a:rPr lang="nl-NL" b="1" dirty="0" err="1" smtClean="0">
-                <a:solidFill>
-                  <a:srgbClr val="FFC000"/>
-                </a:solidFill>
-              </a:rPr>
-              <a:t>BooksComponent</a:t>
-            </a:r>
-            <a:endParaRPr lang="nl-NL" dirty="0"/>
-          </a:p>
-        </p:txBody>
-      </p:sp>
-      <p:sp>
-        <p:nvSpPr>
-          <p:cNvPr id="3" name="Content Placeholder 2"/>
-          <p:cNvSpPr>
-            <a:spLocks noGrp="1"/>
-          </p:cNvSpPr>
-          <p:nvPr>
-            <p:ph idx="1"/>
-          </p:nvPr>
-        </p:nvSpPr>
-        <p:spPr>
-          <a:xfrm>
-            <a:off x="2977978" y="1804086"/>
-            <a:ext cx="8375822" cy="4372877"/>
-          </a:xfrm>
-        </p:spPr>
-        <p:txBody>
-          <a:bodyPr>
-            <a:normAutofit/>
-          </a:bodyPr>
-          <a:lstStyle/>
-          <a:p>
-            <a:pPr marL="0" indent="0">
-              <a:buNone/>
-            </a:pPr>
-            <a:endParaRPr lang="nl-NL" dirty="0" smtClean="0"/>
-          </a:p>
-          <a:p>
-            <a:pPr marL="0" indent="0">
-              <a:buNone/>
-            </a:pPr>
-            <a:r>
-              <a:rPr lang="nl-NL" sz="1800" dirty="0" smtClean="0">
-                <a:solidFill>
-                  <a:srgbClr val="FF0000"/>
-                </a:solidFill>
-              </a:rPr>
-              <a:t>Import { </a:t>
-            </a:r>
-            <a:r>
-              <a:rPr lang="nl-NL" sz="1800" b="1" dirty="0" err="1">
-                <a:solidFill>
-                  <a:srgbClr val="C00000"/>
-                </a:solidFill>
-              </a:rPr>
-              <a:t>AppService</a:t>
-            </a:r>
-            <a:r>
-              <a:rPr lang="nl-NL" sz="1800" dirty="0">
-                <a:solidFill>
-                  <a:srgbClr val="C00000"/>
-                </a:solidFill>
-              </a:rPr>
-              <a:t> </a:t>
-            </a:r>
-            <a:r>
-              <a:rPr lang="nl-NL" sz="1800" dirty="0">
-                <a:solidFill>
-                  <a:srgbClr val="FF0000"/>
-                </a:solidFill>
-              </a:rPr>
-              <a:t>} </a:t>
-            </a:r>
-            <a:r>
-              <a:rPr lang="nl-NL" sz="1800" dirty="0" err="1">
-                <a:solidFill>
-                  <a:srgbClr val="FF0000"/>
-                </a:solidFill>
-              </a:rPr>
-              <a:t>from</a:t>
-            </a:r>
-            <a:r>
-              <a:rPr lang="nl-NL" sz="1800" dirty="0">
-                <a:solidFill>
-                  <a:srgbClr val="FF0000"/>
-                </a:solidFill>
-              </a:rPr>
-              <a:t> </a:t>
-            </a:r>
-            <a:r>
-              <a:rPr lang="nl-NL" sz="1800" dirty="0" smtClean="0">
-                <a:solidFill>
-                  <a:srgbClr val="FF0000"/>
-                </a:solidFill>
-              </a:rPr>
-              <a:t>'../</a:t>
-            </a:r>
-            <a:r>
-              <a:rPr lang="nl-NL" sz="1800" dirty="0">
-                <a:solidFill>
-                  <a:srgbClr val="FF0000"/>
-                </a:solidFill>
-              </a:rPr>
-              <a:t>services/</a:t>
-            </a:r>
-            <a:r>
-              <a:rPr lang="nl-NL" sz="1800" dirty="0" err="1">
-                <a:solidFill>
-                  <a:srgbClr val="FF0000"/>
-                </a:solidFill>
-              </a:rPr>
-              <a:t>app.service</a:t>
-            </a:r>
-            <a:r>
-              <a:rPr lang="nl-NL" sz="1800" dirty="0">
-                <a:solidFill>
-                  <a:srgbClr val="FF0000"/>
-                </a:solidFill>
-              </a:rPr>
-              <a:t>';</a:t>
-            </a:r>
-          </a:p>
-          <a:p>
-            <a:pPr marL="0" indent="0">
-              <a:buNone/>
-            </a:pPr>
-            <a:endParaRPr lang="nl-NL" sz="1800" dirty="0"/>
-          </a:p>
-          <a:p>
-            <a:pPr marL="0" indent="0">
-              <a:buNone/>
-            </a:pPr>
-            <a:r>
-              <a:rPr lang="nl-NL" sz="1800" dirty="0"/>
-              <a:t>@Component({</a:t>
-            </a:r>
-          </a:p>
-          <a:p>
-            <a:pPr marL="0" indent="0">
-              <a:buNone/>
-            </a:pPr>
-            <a:r>
-              <a:rPr lang="nl-NL" sz="1800" dirty="0"/>
-              <a:t>  </a:t>
-            </a:r>
-            <a:r>
-              <a:rPr lang="nl-NL" sz="1800" dirty="0" smtClean="0"/>
-              <a:t>  </a:t>
-            </a:r>
-            <a:r>
-              <a:rPr lang="nl-NL" sz="1800" dirty="0" smtClean="0"/>
-              <a:t>	</a:t>
-            </a:r>
-            <a:r>
-              <a:rPr lang="nl-NL" sz="1800" dirty="0" err="1" smtClean="0"/>
-              <a:t>selector</a:t>
-            </a:r>
-            <a:r>
-              <a:rPr lang="nl-NL" sz="1800" dirty="0"/>
-              <a:t>: '</a:t>
-            </a:r>
-            <a:r>
-              <a:rPr lang="nl-NL" sz="1800" dirty="0" err="1"/>
-              <a:t>bs-books</a:t>
-            </a:r>
-            <a:r>
-              <a:rPr lang="nl-NL" sz="1800" dirty="0" smtClean="0"/>
-              <a:t>',</a:t>
-            </a:r>
-            <a:endParaRPr lang="nl-NL" sz="1800" dirty="0"/>
-          </a:p>
-          <a:p>
-            <a:pPr marL="0" indent="0">
-              <a:buNone/>
-            </a:pPr>
-            <a:r>
-              <a:rPr lang="nl-NL" sz="1800" dirty="0" smtClean="0"/>
-              <a:t>    </a:t>
-            </a:r>
-            <a:r>
-              <a:rPr lang="nl-NL" sz="1800" dirty="0" smtClean="0"/>
-              <a:t>	</a:t>
-            </a:r>
-            <a:r>
-              <a:rPr lang="nl-NL" sz="1800" dirty="0" err="1" smtClean="0"/>
-              <a:t>templateUrl</a:t>
-            </a:r>
-            <a:r>
-              <a:rPr lang="nl-NL" sz="1800" dirty="0"/>
-              <a:t>: '</a:t>
-            </a:r>
-            <a:r>
-              <a:rPr lang="nl-NL" sz="1800" dirty="0" err="1"/>
-              <a:t>books</a:t>
-            </a:r>
-            <a:r>
-              <a:rPr lang="nl-NL" sz="1800" dirty="0"/>
-              <a:t>/</a:t>
-            </a:r>
-            <a:r>
-              <a:rPr lang="nl-NL" sz="1800" dirty="0" err="1"/>
-              <a:t>template.html</a:t>
-            </a:r>
-            <a:r>
-              <a:rPr lang="nl-NL" sz="1800" dirty="0" smtClean="0"/>
-              <a:t>',</a:t>
-            </a:r>
-            <a:endParaRPr lang="nl-NL" sz="1800" dirty="0"/>
-          </a:p>
-          <a:p>
-            <a:pPr marL="0" indent="0">
-              <a:buNone/>
-            </a:pPr>
-            <a:r>
-              <a:rPr lang="nl-NL" sz="1800" dirty="0"/>
-              <a:t>  </a:t>
-            </a:r>
-            <a:r>
-              <a:rPr lang="nl-NL" sz="1800" dirty="0" smtClean="0"/>
-              <a:t>  </a:t>
-            </a:r>
-            <a:r>
-              <a:rPr lang="nl-NL" sz="1800" dirty="0" smtClean="0"/>
-              <a:t>	</a:t>
-            </a:r>
-            <a:r>
-              <a:rPr lang="nl-NL" sz="1800" b="1" dirty="0" smtClean="0">
-                <a:solidFill>
-                  <a:schemeClr val="accent2"/>
-                </a:solidFill>
-              </a:rPr>
-              <a:t>providers</a:t>
-            </a:r>
-            <a:r>
-              <a:rPr lang="nl-NL" sz="1800" b="1" dirty="0">
-                <a:solidFill>
-                  <a:schemeClr val="accent2"/>
-                </a:solidFill>
-              </a:rPr>
-              <a:t>: [ </a:t>
-            </a:r>
-            <a:r>
-              <a:rPr lang="nl-NL" sz="1800" b="1" dirty="0" err="1">
-                <a:solidFill>
-                  <a:srgbClr val="C00000"/>
-                </a:solidFill>
-              </a:rPr>
-              <a:t>AppService</a:t>
-            </a:r>
-            <a:r>
-              <a:rPr lang="nl-NL" sz="1800" b="1" dirty="0">
-                <a:solidFill>
-                  <a:srgbClr val="C00000"/>
-                </a:solidFill>
-              </a:rPr>
-              <a:t> </a:t>
-            </a:r>
-            <a:r>
-              <a:rPr lang="nl-NL" sz="1800" b="1" dirty="0">
-                <a:solidFill>
-                  <a:schemeClr val="accent2"/>
-                </a:solidFill>
-              </a:rPr>
-              <a:t>]</a:t>
-            </a:r>
-          </a:p>
-          <a:p>
-            <a:pPr marL="0" indent="0">
-              <a:buNone/>
-            </a:pPr>
-            <a:r>
-              <a:rPr lang="nl-NL" sz="1800" dirty="0" smtClean="0"/>
-              <a:t>})</a:t>
-            </a:r>
-          </a:p>
-          <a:p>
-            <a:pPr marL="0" indent="0">
-              <a:buNone/>
-            </a:pPr>
-            <a:endParaRPr lang="nl-NL" sz="1800" dirty="0"/>
-          </a:p>
-          <a:p>
-            <a:pPr marL="0" indent="0">
-              <a:buNone/>
-            </a:pPr>
-            <a:r>
-              <a:rPr lang="nl-NL" sz="1800" dirty="0"/>
-              <a:t>export class </a:t>
-            </a:r>
-            <a:r>
-              <a:rPr lang="nl-NL" sz="1800" dirty="0" err="1"/>
-              <a:t>BooksComponent</a:t>
-            </a:r>
-            <a:r>
-              <a:rPr lang="nl-NL" sz="1800" dirty="0"/>
-              <a:t> {</a:t>
-            </a:r>
-          </a:p>
-          <a:p>
-            <a:pPr marL="0" indent="0">
-              <a:buNone/>
-            </a:pPr>
-            <a:r>
-              <a:rPr lang="mr-IN" sz="1800" dirty="0" smtClean="0"/>
-              <a:t>…</a:t>
-            </a:r>
-            <a:endParaRPr lang="nl-NL" sz="1800" dirty="0"/>
-          </a:p>
-        </p:txBody>
-      </p:sp>
-    </p:spTree>
-    <p:extLst>
-      <p:ext uri="{BB962C8B-B14F-4D97-AF65-F5344CB8AC3E}">
-        <p14:creationId xmlns:p14="http://schemas.microsoft.com/office/powerpoint/2010/main" val="1779047522"/>
-      </p:ext>
-    </p:extLst>
-  </p:cSld>
-  <p:clrMapOvr>
-    <a:masterClrMapping/>
-  </p:clrMapOvr>
-  <p:timing>
-    <p:tnLst>
-      <p:par>
-        <p:cTn id="1" dur="indefinite" restart="never" nodeType="tmRoot"/>
-      </p:par>
-    </p:tnLst>
-  </p:timing>
-</p:sld>
-</file>
-
 <file path=ppt/slides/slide31.xml><?xml version="1.0" encoding="utf-8"?>
 <p:sld xmlns:a="http://schemas.openxmlformats.org/drawingml/2006/main" xmlns:r="http://schemas.openxmlformats.org/officeDocument/2006/relationships" xmlns:p="http://schemas.openxmlformats.org/presentationml/2006/main">
   <p:cSld>
@@ -22040,6 +21704,407 @@
                   <a:srgbClr val="FFC000"/>
                 </a:solidFill>
               </a:rPr>
+              <a:t>Use</a:t>
+            </a:r>
+            <a:r>
+              <a:rPr lang="nl-NL" b="1" dirty="0" smtClean="0">
+                <a:solidFill>
+                  <a:srgbClr val="FFC000"/>
+                </a:solidFill>
+              </a:rPr>
+              <a:t> the </a:t>
+            </a:r>
+            <a:r>
+              <a:rPr lang="nl-NL" b="1" dirty="0" err="1" smtClean="0">
+                <a:solidFill>
+                  <a:srgbClr val="FFC000"/>
+                </a:solidFill>
+              </a:rPr>
+              <a:t>AppService</a:t>
+            </a:r>
+            <a:r>
+              <a:rPr lang="nl-NL" b="1" dirty="0" smtClean="0">
+                <a:solidFill>
+                  <a:srgbClr val="FFC000"/>
+                </a:solidFill>
+              </a:rPr>
+              <a:t> in </a:t>
+            </a:r>
+            <a:r>
+              <a:rPr lang="nl-NL" b="1" dirty="0" err="1" smtClean="0">
+                <a:solidFill>
+                  <a:srgbClr val="FFC000"/>
+                </a:solidFill>
+              </a:rPr>
+              <a:t>your</a:t>
+            </a:r>
+            <a:r>
+              <a:rPr lang="nl-NL" b="1" dirty="0" smtClean="0">
+                <a:solidFill>
+                  <a:srgbClr val="FFC000"/>
+                </a:solidFill>
+              </a:rPr>
+              <a:t> </a:t>
+            </a:r>
+            <a:r>
+              <a:rPr lang="nl-NL" b="1" dirty="0" err="1" smtClean="0">
+                <a:solidFill>
+                  <a:srgbClr val="FFC000"/>
+                </a:solidFill>
+              </a:rPr>
+              <a:t>BooksComponent</a:t>
+            </a:r>
+            <a:endParaRPr lang="nl-NL" dirty="0"/>
+          </a:p>
+        </p:txBody>
+      </p:sp>
+      <p:sp>
+        <p:nvSpPr>
+          <p:cNvPr id="3" name="Content Placeholder 2"/>
+          <p:cNvSpPr>
+            <a:spLocks noGrp="1"/>
+          </p:cNvSpPr>
+          <p:nvPr>
+            <p:ph idx="1"/>
+          </p:nvPr>
+        </p:nvSpPr>
+        <p:spPr>
+          <a:xfrm>
+            <a:off x="2977978" y="1804086"/>
+            <a:ext cx="8375822" cy="4372877"/>
+          </a:xfrm>
+        </p:spPr>
+        <p:txBody>
+          <a:bodyPr>
+            <a:normAutofit/>
+          </a:bodyPr>
+          <a:lstStyle/>
+          <a:p>
+            <a:pPr marL="0" indent="0">
+              <a:buNone/>
+            </a:pPr>
+            <a:endParaRPr lang="nl-NL" dirty="0" smtClean="0"/>
+          </a:p>
+          <a:p>
+            <a:pPr marL="0" indent="0">
+              <a:buNone/>
+            </a:pPr>
+            <a:r>
+              <a:rPr lang="nl-NL" sz="1800" dirty="0" smtClean="0">
+                <a:solidFill>
+                  <a:srgbClr val="FF0000"/>
+                </a:solidFill>
+              </a:rPr>
+              <a:t>Import { </a:t>
+            </a:r>
+            <a:r>
+              <a:rPr lang="nl-NL" sz="1800" b="1" dirty="0" err="1">
+                <a:solidFill>
+                  <a:srgbClr val="C00000"/>
+                </a:solidFill>
+              </a:rPr>
+              <a:t>AppService</a:t>
+            </a:r>
+            <a:r>
+              <a:rPr lang="nl-NL" sz="1800" dirty="0">
+                <a:solidFill>
+                  <a:srgbClr val="C00000"/>
+                </a:solidFill>
+              </a:rPr>
+              <a:t> </a:t>
+            </a:r>
+            <a:r>
+              <a:rPr lang="nl-NL" sz="1800" dirty="0">
+                <a:solidFill>
+                  <a:srgbClr val="FF0000"/>
+                </a:solidFill>
+              </a:rPr>
+              <a:t>} </a:t>
+            </a:r>
+            <a:r>
+              <a:rPr lang="nl-NL" sz="1800" dirty="0" err="1">
+                <a:solidFill>
+                  <a:srgbClr val="FF0000"/>
+                </a:solidFill>
+              </a:rPr>
+              <a:t>from</a:t>
+            </a:r>
+            <a:r>
+              <a:rPr lang="nl-NL" sz="1800" dirty="0">
+                <a:solidFill>
+                  <a:srgbClr val="FF0000"/>
+                </a:solidFill>
+              </a:rPr>
+              <a:t> </a:t>
+            </a:r>
+            <a:r>
+              <a:rPr lang="nl-NL" sz="1800" dirty="0" smtClean="0">
+                <a:solidFill>
+                  <a:srgbClr val="FF0000"/>
+                </a:solidFill>
+              </a:rPr>
+              <a:t>'../</a:t>
+            </a:r>
+            <a:r>
+              <a:rPr lang="nl-NL" sz="1800" dirty="0">
+                <a:solidFill>
+                  <a:srgbClr val="FF0000"/>
+                </a:solidFill>
+              </a:rPr>
+              <a:t>services/</a:t>
+            </a:r>
+            <a:r>
+              <a:rPr lang="nl-NL" sz="1800" dirty="0" err="1">
+                <a:solidFill>
+                  <a:srgbClr val="FF0000"/>
+                </a:solidFill>
+              </a:rPr>
+              <a:t>app.service</a:t>
+            </a:r>
+            <a:r>
+              <a:rPr lang="nl-NL" sz="1800" dirty="0">
+                <a:solidFill>
+                  <a:srgbClr val="FF0000"/>
+                </a:solidFill>
+              </a:rPr>
+              <a:t>';</a:t>
+            </a:r>
+          </a:p>
+          <a:p>
+            <a:pPr marL="0" indent="0">
+              <a:buNone/>
+            </a:pPr>
+            <a:endParaRPr lang="nl-NL" sz="1800" dirty="0"/>
+          </a:p>
+          <a:p>
+            <a:pPr marL="0" indent="0">
+              <a:buNone/>
+            </a:pPr>
+            <a:r>
+              <a:rPr lang="nl-NL" sz="1800" dirty="0"/>
+              <a:t>@Component({</a:t>
+            </a:r>
+          </a:p>
+          <a:p>
+            <a:pPr marL="0" indent="0">
+              <a:buNone/>
+            </a:pPr>
+            <a:r>
+              <a:rPr lang="nl-NL" sz="1800" dirty="0"/>
+              <a:t>  </a:t>
+            </a:r>
+            <a:r>
+              <a:rPr lang="nl-NL" sz="1800" dirty="0" smtClean="0"/>
+              <a:t>  	</a:t>
+            </a:r>
+            <a:r>
+              <a:rPr lang="nl-NL" sz="1800" dirty="0" err="1" smtClean="0"/>
+              <a:t>selector</a:t>
+            </a:r>
+            <a:r>
+              <a:rPr lang="nl-NL" sz="1800" dirty="0"/>
+              <a:t>: '</a:t>
+            </a:r>
+            <a:r>
+              <a:rPr lang="nl-NL" sz="1800" dirty="0" err="1"/>
+              <a:t>bs-books</a:t>
+            </a:r>
+            <a:r>
+              <a:rPr lang="nl-NL" sz="1800" dirty="0" smtClean="0"/>
+              <a:t>',</a:t>
+            </a:r>
+            <a:endParaRPr lang="nl-NL" sz="1800" dirty="0"/>
+          </a:p>
+          <a:p>
+            <a:pPr marL="0" indent="0">
+              <a:buNone/>
+            </a:pPr>
+            <a:r>
+              <a:rPr lang="nl-NL" sz="1800" dirty="0" smtClean="0"/>
+              <a:t>    	</a:t>
+            </a:r>
+            <a:r>
+              <a:rPr lang="nl-NL" sz="1800" dirty="0" err="1" smtClean="0"/>
+              <a:t>templateUrl</a:t>
+            </a:r>
+            <a:r>
+              <a:rPr lang="nl-NL" sz="1800" dirty="0"/>
+              <a:t>: '</a:t>
+            </a:r>
+            <a:r>
+              <a:rPr lang="nl-NL" sz="1800" dirty="0" err="1"/>
+              <a:t>books</a:t>
+            </a:r>
+            <a:r>
+              <a:rPr lang="nl-NL" sz="1800" dirty="0"/>
+              <a:t>/</a:t>
+            </a:r>
+            <a:r>
+              <a:rPr lang="nl-NL" sz="1800" dirty="0" err="1"/>
+              <a:t>template.html</a:t>
+            </a:r>
+            <a:r>
+              <a:rPr lang="nl-NL" sz="1800" dirty="0" smtClean="0"/>
+              <a:t>',</a:t>
+            </a:r>
+            <a:endParaRPr lang="nl-NL" sz="1800" dirty="0"/>
+          </a:p>
+          <a:p>
+            <a:pPr marL="0" indent="0">
+              <a:buNone/>
+            </a:pPr>
+            <a:r>
+              <a:rPr lang="nl-NL" sz="1800" dirty="0"/>
+              <a:t>  </a:t>
+            </a:r>
+            <a:r>
+              <a:rPr lang="nl-NL" sz="1800" dirty="0" smtClean="0"/>
+              <a:t>  	</a:t>
+            </a:r>
+            <a:r>
+              <a:rPr lang="nl-NL" sz="1800" b="1" dirty="0" smtClean="0">
+                <a:solidFill>
+                  <a:schemeClr val="accent2"/>
+                </a:solidFill>
+              </a:rPr>
+              <a:t>providers</a:t>
+            </a:r>
+            <a:r>
+              <a:rPr lang="nl-NL" sz="1800" b="1" dirty="0">
+                <a:solidFill>
+                  <a:schemeClr val="accent2"/>
+                </a:solidFill>
+              </a:rPr>
+              <a:t>: [ </a:t>
+            </a:r>
+            <a:r>
+              <a:rPr lang="nl-NL" sz="1800" b="1" dirty="0" err="1">
+                <a:solidFill>
+                  <a:srgbClr val="C00000"/>
+                </a:solidFill>
+              </a:rPr>
+              <a:t>AppService</a:t>
+            </a:r>
+            <a:r>
+              <a:rPr lang="nl-NL" sz="1800" b="1" dirty="0">
+                <a:solidFill>
+                  <a:srgbClr val="C00000"/>
+                </a:solidFill>
+              </a:rPr>
+              <a:t> </a:t>
+            </a:r>
+            <a:r>
+              <a:rPr lang="nl-NL" sz="1800" b="1" dirty="0">
+                <a:solidFill>
+                  <a:schemeClr val="accent2"/>
+                </a:solidFill>
+              </a:rPr>
+              <a:t>]</a:t>
+            </a:r>
+          </a:p>
+          <a:p>
+            <a:pPr marL="0" indent="0">
+              <a:buNone/>
+            </a:pPr>
+            <a:r>
+              <a:rPr lang="nl-NL" sz="1800" dirty="0" smtClean="0"/>
+              <a:t>})</a:t>
+            </a:r>
+          </a:p>
+          <a:p>
+            <a:pPr marL="0" indent="0">
+              <a:buNone/>
+            </a:pPr>
+            <a:endParaRPr lang="nl-NL" sz="1800" dirty="0"/>
+          </a:p>
+          <a:p>
+            <a:pPr marL="0" indent="0">
+              <a:buNone/>
+            </a:pPr>
+            <a:r>
+              <a:rPr lang="nl-NL" sz="1800" dirty="0"/>
+              <a:t>export class </a:t>
+            </a:r>
+            <a:r>
+              <a:rPr lang="nl-NL" sz="1800" dirty="0" err="1"/>
+              <a:t>BooksComponent</a:t>
+            </a:r>
+            <a:r>
+              <a:rPr lang="nl-NL" sz="1800" dirty="0"/>
+              <a:t> {</a:t>
+            </a:r>
+          </a:p>
+          <a:p>
+            <a:pPr marL="0" indent="0">
+              <a:buNone/>
+            </a:pPr>
+            <a:r>
+              <a:rPr lang="mr-IN" sz="1800" dirty="0" smtClean="0"/>
+              <a:t>…</a:t>
+            </a:r>
+            <a:endParaRPr lang="nl-NL" sz="1800" dirty="0"/>
+          </a:p>
+        </p:txBody>
+      </p:sp>
+    </p:spTree>
+    <p:extLst>
+      <p:ext uri="{BB962C8B-B14F-4D97-AF65-F5344CB8AC3E}">
+        <p14:creationId xmlns:p14="http://schemas.microsoft.com/office/powerpoint/2010/main" val="1779047522"/>
+      </p:ext>
+    </p:extLst>
+  </p:cSld>
+  <p:clrMapOvr>
+    <a:masterClrMapping/>
+  </p:clrMapOvr>
+  <p:timing>
+    <p:tnLst>
+      <p:par>
+        <p:cTn id="1" dur="indefinite" restart="never" nodeType="tmRoot"/>
+      </p:par>
+    </p:tnLst>
+  </p:timing>
+</p:sld>
+</file>
+
+<file path=ppt/slides/slide32.xml><?xml version="1.0" encoding="utf-8"?>
+<p:sld xmlns:a="http://schemas.openxmlformats.org/drawingml/2006/main" xmlns:r="http://schemas.openxmlformats.org/officeDocument/2006/relationships" xmlns:p="http://schemas.openxmlformats.org/presentationml/2006/main">
+  <p:cSld>
+    <p:spTree>
+      <p:nvGrpSpPr>
+        <p:cNvPr id="1" name=""/>
+        <p:cNvGrpSpPr/>
+        <p:nvPr/>
+      </p:nvGrpSpPr>
+      <p:grpSpPr>
+        <a:xfrm>
+          <a:off x="0" y="0"/>
+          <a:ext cx="0" cy="0"/>
+          <a:chOff x="0" y="0"/>
+          <a:chExt cx="0" cy="0"/>
+        </a:xfrm>
+      </p:grpSpPr>
+      <p:sp>
+        <p:nvSpPr>
+          <p:cNvPr id="2" name="Title 1"/>
+          <p:cNvSpPr>
+            <a:spLocks noGrp="1"/>
+          </p:cNvSpPr>
+          <p:nvPr>
+            <p:ph type="title"/>
+          </p:nvPr>
+        </p:nvSpPr>
+        <p:spPr/>
+        <p:txBody>
+          <a:bodyPr/>
+          <a:lstStyle/>
+          <a:p>
+            <a:pPr algn="ctr"/>
+            <a:r>
+              <a:rPr lang="nl-NL" b="1" dirty="0" err="1" smtClean="0">
+                <a:solidFill>
+                  <a:srgbClr val="FFC000"/>
+                </a:solidFill>
+              </a:rPr>
               <a:t>Inject</a:t>
             </a:r>
             <a:r>
@@ -22064,15 +22129,7 @@
                   <a:srgbClr val="FFC000"/>
                 </a:solidFill>
               </a:rPr>
-              <a:t> </a:t>
-            </a:r>
-            <a:r>
-              <a:rPr lang="nl-NL" b="1" dirty="0" smtClean="0">
-                <a:solidFill>
-                  <a:srgbClr val="FFC000"/>
-                </a:solidFill>
-              </a:rPr>
-              <a:t>via the </a:t>
+              <a:t> via the </a:t>
             </a:r>
             <a:r>
               <a:rPr lang="nl-NL" b="1" dirty="0" err="1" smtClean="0">
@@ -22264,11 +22321,7 @@
             </a:r>
             <a:r>
               <a:rPr lang="nl-NL" dirty="0" smtClean="0"/>
-              <a:t>) {  </a:t>
-            </a:r>
-            <a:r>
-              <a:rPr lang="nl-NL" dirty="0" smtClean="0"/>
-              <a:t>}</a:t>
+              <a:t>) {  }</a:t>
             </a:r>
           </a:p>
           <a:p>
@@ -22536,7 +22589,7 @@
 </p:sld>
 </file>
 
-<file path=ppt/slides/slide32.xml><?xml version="1.0" encoding="utf-8"?>
+<file path=ppt/slides/slide33.xml><?xml version="1.0" encoding="utf-8"?>
 <p:sld xmlns:a="http://schemas.openxmlformats.org/drawingml/2006/main" xmlns:r="http://schemas.openxmlformats.org/officeDocument/2006/relationships" xmlns:p="http://schemas.openxmlformats.org/presentationml/2006/main">
   <p:cSld>
     <p:spTree>
@@ -22935,7 +22988,7 @@
 </p:sld>
 </file>
 
-<file path=ppt/slides/slide33.xml><?xml version="1.0" encoding="utf-8"?>
+<file path=ppt/slides/slide34.xml><?xml version="1.0" encoding="utf-8"?>
 <p:sld xmlns:a="http://schemas.openxmlformats.org/drawingml/2006/main" xmlns:r="http://schemas.openxmlformats.org/officeDocument/2006/relationships" xmlns:p="http://schemas.openxmlformats.org/presentationml/2006/main">
   <p:cSld>
     <p:spTree>
@@ -24575,6 +24628,13 @@
   <p:clrMapOvr>
     <a:masterClrMapping/>
   </p:clrMapOvr>
+  <p:timing>
+    <p:tnLst>
+      <p:par>
+        <p:cTn id="1" dur="indefinite" restart="never" nodeType="tmRoot"/>
+      </p:par>
+    </p:tnLst>
+  </p:timing>
 </p:sld>
 </file>
 

--- a/frontend-cursus/ 8 - Angular.pptx
+++ b/frontend-cursus/ 8 - Angular.pptx
@@ -230,7 +230,7 @@
           <a:p>
             <a:fld id="{6848C585-BF4F-4A51-B926-B9EBAB7722D4}" type="datetimeFigureOut">
               <a:rPr lang="nl-NL" smtClean="0"/>
-              <a:t>13-02-18</a:t>
+              <a:t>30-04-18</a:t>
             </a:fld>
             <a:endParaRPr lang="nl-NL"/>
           </a:p>
@@ -7173,7 +7173,7 @@
           <a:p>
             <a:fld id="{9379F80A-5E69-4003-A4CA-EECDF3CD699D}" type="datetimeFigureOut">
               <a:rPr lang="nl-NL" smtClean="0"/>
-              <a:t>13-02-18</a:t>
+              <a:t>30-04-18</a:t>
             </a:fld>
             <a:endParaRPr lang="nl-NL"/>
           </a:p>
@@ -7343,7 +7343,7 @@
           <a:p>
             <a:fld id="{9379F80A-5E69-4003-A4CA-EECDF3CD699D}" type="datetimeFigureOut">
               <a:rPr lang="nl-NL" smtClean="0"/>
-              <a:t>13-02-18</a:t>
+              <a:t>30-04-18</a:t>
             </a:fld>
             <a:endParaRPr lang="nl-NL"/>
           </a:p>
@@ -7523,7 +7523,7 @@
           <a:p>
             <a:fld id="{9379F80A-5E69-4003-A4CA-EECDF3CD699D}" type="datetimeFigureOut">
               <a:rPr lang="nl-NL" smtClean="0"/>
-              <a:t>13-02-18</a:t>
+              <a:t>30-04-18</a:t>
             </a:fld>
             <a:endParaRPr lang="nl-NL"/>
           </a:p>
@@ -8311,7 +8311,7 @@
           <a:p>
             <a:fld id="{9379F80A-5E69-4003-A4CA-EECDF3CD699D}" type="datetimeFigureOut">
               <a:rPr lang="nl-NL" smtClean="0"/>
-              <a:t>13-02-18</a:t>
+              <a:t>30-04-18</a:t>
             </a:fld>
             <a:endParaRPr lang="nl-NL"/>
           </a:p>
@@ -8557,7 +8557,7 @@
           <a:p>
             <a:fld id="{9379F80A-5E69-4003-A4CA-EECDF3CD699D}" type="datetimeFigureOut">
               <a:rPr lang="nl-NL" smtClean="0"/>
-              <a:t>13-02-18</a:t>
+              <a:t>30-04-18</a:t>
             </a:fld>
             <a:endParaRPr lang="nl-NL"/>
           </a:p>
@@ -8789,7 +8789,7 @@
           <a:p>
             <a:fld id="{9379F80A-5E69-4003-A4CA-EECDF3CD699D}" type="datetimeFigureOut">
               <a:rPr lang="nl-NL" smtClean="0"/>
-              <a:t>13-02-18</a:t>
+              <a:t>30-04-18</a:t>
             </a:fld>
             <a:endParaRPr lang="nl-NL"/>
           </a:p>
@@ -9156,7 +9156,7 @@
           <a:p>
             <a:fld id="{9379F80A-5E69-4003-A4CA-EECDF3CD699D}" type="datetimeFigureOut">
               <a:rPr lang="nl-NL" smtClean="0"/>
-              <a:t>13-02-18</a:t>
+              <a:t>30-04-18</a:t>
             </a:fld>
             <a:endParaRPr lang="nl-NL"/>
           </a:p>
@@ -9274,7 +9274,7 @@
           <a:p>
             <a:fld id="{9379F80A-5E69-4003-A4CA-EECDF3CD699D}" type="datetimeFigureOut">
               <a:rPr lang="nl-NL" smtClean="0"/>
-              <a:t>13-02-18</a:t>
+              <a:t>30-04-18</a:t>
             </a:fld>
             <a:endParaRPr lang="nl-NL"/>
           </a:p>
@@ -9369,7 +9369,7 @@
           <a:p>
             <a:fld id="{9379F80A-5E69-4003-A4CA-EECDF3CD699D}" type="datetimeFigureOut">
               <a:rPr lang="nl-NL" smtClean="0"/>
-              <a:t>13-02-18</a:t>
+              <a:t>30-04-18</a:t>
             </a:fld>
             <a:endParaRPr lang="nl-NL"/>
           </a:p>
@@ -9646,7 +9646,7 @@
           <a:p>
             <a:fld id="{9379F80A-5E69-4003-A4CA-EECDF3CD699D}" type="datetimeFigureOut">
               <a:rPr lang="nl-NL" smtClean="0"/>
-              <a:t>13-02-18</a:t>
+              <a:t>30-04-18</a:t>
             </a:fld>
             <a:endParaRPr lang="nl-NL"/>
           </a:p>
@@ -9899,7 +9899,7 @@
           <a:p>
             <a:fld id="{9379F80A-5E69-4003-A4CA-EECDF3CD699D}" type="datetimeFigureOut">
               <a:rPr lang="nl-NL" smtClean="0"/>
-              <a:t>13-02-18</a:t>
+              <a:t>30-04-18</a:t>
             </a:fld>
             <a:endParaRPr lang="nl-NL"/>
           </a:p>
@@ -10140,7 +10140,7 @@
           <a:p>
             <a:fld id="{9379F80A-5E69-4003-A4CA-EECDF3CD699D}" type="datetimeFigureOut">
               <a:rPr lang="nl-NL" smtClean="0"/>
-              <a:t>13-02-18</a:t>
+              <a:t>30-04-18</a:t>
             </a:fld>
             <a:endParaRPr lang="nl-NL"/>
           </a:p>
@@ -23911,12 +23911,12 @@
               <a:t> logic </a:t>
             </a:r>
             <a:r>
-              <a:rPr lang="nl-NL" sz="2400" b="1" i="1" dirty="0" err="1">
+              <a:rPr lang="nl-NL" sz="2400" b="1" i="1" smtClean="0">
                 <a:solidFill>
                   <a:schemeClr val="tx1"/>
                 </a:solidFill>
               </a:rPr>
-              <a:t>to</a:t>
+              <a:t>to </a:t>
             </a:r>
             <a:r>
               <a:rPr lang="nl-NL" sz="2400" b="1" i="1" dirty="0">
@@ -23924,7 +23924,15 @@
                   <a:schemeClr val="tx1"/>
                 </a:solidFill>
               </a:rPr>
-              <a:t> a DOM elementen</a:t>
+              <a:t>DOM </a:t>
+            </a:r>
+            <a:r>
+              <a:rPr lang="nl-NL" sz="2400" b="1" i="1" dirty="0" err="1" smtClean="0">
+                <a:solidFill>
+                  <a:schemeClr val="tx1"/>
+                </a:solidFill>
+              </a:rPr>
+              <a:t>elements</a:t>
             </a:r>
             <a:r>
               <a:rPr lang="nl-NL" sz="2400" b="1" dirty="0">

--- a/frontend-cursus/ 8 - Angular.pptx
+++ b/frontend-cursus/ 8 - Angular.pptx
@@ -956,7 +956,7 @@
             </a:r>
             <a:r>
               <a:rPr lang="en-US" dirty="0" err="1" smtClean="0"/>
-              <a:t>BookListComponent</a:t>
+              <a:t>BookSearchComponent</a:t>
             </a:r>
             <a:r>
               <a:rPr lang="en-US" dirty="0" smtClean="0"/>
@@ -975,8 +975,8 @@
               <a:t>in our root module, we can now use this </a:t>
             </a:r>
             <a:r>
-              <a:rPr lang="en-US" dirty="0" err="1" smtClean="0"/>
-              <a:t>BookListComponent</a:t>
+              <a:rPr lang="en-US" smtClean="0"/>
+              <a:t>BookSearchComponent</a:t>
             </a:r>
             <a:r>
               <a:rPr lang="en-US" sz="1200" b="0" i="0" kern="1200" dirty="0" smtClean="0">
@@ -3145,7 +3145,7 @@
               <a:t>style</a:t>
             </a:r>
             <a:r>
-              <a:rPr lang="nl-NL" b="1" i="1" baseline="0" smtClean="0"/>
+              <a:rPr lang="nl-NL" b="1" i="1" baseline="0" dirty="0" smtClean="0"/>
               <a:t>.</a:t>
             </a:r>
             <a:endParaRPr lang="nl-NL" b="1" i="1" dirty="0" smtClean="0"/>
@@ -3969,7 +3969,11 @@
             </a:r>
             <a:r>
               <a:rPr lang="en-US" dirty="0" smtClean="0"/>
-              <a:t> in </a:t>
+              <a:t> </a:t>
+            </a:r>
+            <a:r>
+              <a:rPr lang="en-US" dirty="0" smtClean="0"/>
+              <a:t>in </a:t>
             </a:r>
             <a:r>
               <a:rPr lang="en-US" dirty="0" err="1" smtClean="0"/>
@@ -4047,7 +4051,11 @@
             </a:r>
             <a:r>
               <a:rPr lang="en-US" baseline="0" dirty="0" smtClean="0"/>
-              <a:t> in de browsers</a:t>
+              <a:t> </a:t>
+            </a:r>
+            <a:r>
+              <a:rPr lang="en-US" baseline="0" dirty="0" smtClean="0"/>
+              <a:t>in de browsers</a:t>
             </a:r>
             <a:r>
               <a:rPr lang="en-US" dirty="0" smtClean="0"/>
@@ -19928,7 +19936,7 @@
               </a:rPr>
             </a:br>
             <a:r>
-              <a:rPr lang="nl-NL" sz="2400" b="1" i="1" dirty="0">
+              <a:rPr lang="nl-NL" sz="2000" b="1" i="1" dirty="0">
                 <a:solidFill>
                   <a:schemeClr val="tx1"/>
                 </a:solidFill>
@@ -19936,7 +19944,7 @@
               <a:t>A component </a:t>
             </a:r>
             <a:r>
-              <a:rPr lang="nl-NL" sz="2400" b="1" i="1" dirty="0" err="1">
+              <a:rPr lang="nl-NL" sz="2000" b="1" i="1" dirty="0" err="1">
                 <a:solidFill>
                   <a:schemeClr val="tx1"/>
                 </a:solidFill>
@@ -19944,7 +19952,7 @@
               <a:t>adds</a:t>
             </a:r>
             <a:r>
-              <a:rPr lang="nl-NL" sz="2400" b="1" i="1" dirty="0">
+              <a:rPr lang="nl-NL" sz="2000" b="1" i="1" dirty="0">
                 <a:solidFill>
                   <a:schemeClr val="tx1"/>
                 </a:solidFill>
@@ -19952,7 +19960,7 @@
               <a:t> logic </a:t>
             </a:r>
             <a:r>
-              <a:rPr lang="nl-NL" sz="2400" b="1" i="1" dirty="0" err="1">
+              <a:rPr lang="nl-NL" sz="2000" b="1" i="1" dirty="0" err="1">
                 <a:solidFill>
                   <a:schemeClr val="tx1"/>
                 </a:solidFill>
@@ -19960,12 +19968,44 @@
               <a:t>to</a:t>
             </a:r>
             <a:r>
-              <a:rPr lang="nl-NL" sz="2400" b="1" i="1" dirty="0">
+              <a:rPr lang="nl-NL" sz="2000" b="1" i="1" dirty="0">
                 <a:solidFill>
                   <a:schemeClr val="tx1"/>
                 </a:solidFill>
               </a:rPr>
-              <a:t> a DOM elementen</a:t>
+              <a:t> </a:t>
+            </a:r>
+            <a:r>
+              <a:rPr lang="nl-NL" sz="2000" b="1" i="1" dirty="0" err="1" smtClean="0">
+                <a:solidFill>
+                  <a:schemeClr val="tx1"/>
+                </a:solidFill>
+              </a:rPr>
+              <a:t>the</a:t>
+            </a:r>
+            <a:r>
+              <a:rPr lang="nl-NL" sz="2000" b="1" i="1" dirty="0" smtClean="0">
+                <a:solidFill>
+                  <a:schemeClr val="tx1"/>
+                </a:solidFill>
+              </a:rPr>
+              <a:t> </a:t>
+            </a:r>
+            <a:r>
+              <a:rPr lang="nl-NL" sz="2000" b="1" i="1" dirty="0">
+                <a:solidFill>
+                  <a:schemeClr val="tx1"/>
+                </a:solidFill>
+              </a:rPr>
+              <a:t>DOM </a:t>
+            </a:r>
+            <a:r>
+              <a:rPr lang="nl-NL" sz="2000" b="1" i="1" dirty="0" err="1" smtClean="0">
+                <a:solidFill>
+                  <a:schemeClr val="tx1"/>
+                </a:solidFill>
+              </a:rPr>
+              <a:t>elements</a:t>
             </a:r>
             <a:r>
               <a:rPr lang="nl-NL" sz="2400" b="1" dirty="0">
@@ -19985,7 +20025,7 @@
             <a:r>
               <a:rPr lang="nl-NL" sz="2400" dirty="0" err="1">
                 <a:solidFill>
-                  <a:schemeClr val="tx1"/>
+                  <a:srgbClr val="C00000"/>
                 </a:solidFill>
               </a:rPr>
               <a:t>Angular</a:t>
@@ -19993,7 +20033,7 @@
             <a:r>
               <a:rPr lang="nl-NL" sz="2400" dirty="0">
                 <a:solidFill>
-                  <a:schemeClr val="tx1"/>
+                  <a:srgbClr val="C00000"/>
                 </a:solidFill>
               </a:rPr>
               <a:t> app </a:t>
@@ -20001,7 +20041,7 @@
             <a:r>
               <a:rPr lang="nl-NL" sz="2400" dirty="0" err="1">
                 <a:solidFill>
-                  <a:schemeClr val="tx1"/>
+                  <a:srgbClr val="C00000"/>
                 </a:solidFill>
               </a:rPr>
               <a:t>consist</a:t>
@@ -20009,7 +20049,7 @@
             <a:r>
               <a:rPr lang="nl-NL" sz="2400" dirty="0">
                 <a:solidFill>
-                  <a:schemeClr val="tx1"/>
+                  <a:srgbClr val="C00000"/>
                 </a:solidFill>
               </a:rPr>
               <a:t> of a </a:t>
@@ -20017,7 +20057,7 @@
             <a:r>
               <a:rPr lang="nl-NL" sz="2400" b="1" i="1" dirty="0">
                 <a:solidFill>
-                  <a:schemeClr val="tx1"/>
+                  <a:srgbClr val="C00000"/>
                 </a:solidFill>
               </a:rPr>
               <a:t>treestructuur</a:t>
@@ -20025,7 +20065,7 @@
             <a:r>
               <a:rPr lang="nl-NL" sz="2400" dirty="0">
                 <a:solidFill>
-                  <a:schemeClr val="tx1"/>
+                  <a:srgbClr val="C00000"/>
                 </a:solidFill>
               </a:rPr>
               <a:t> of </a:t>
@@ -20033,7 +20073,7 @@
             <a:r>
               <a:rPr lang="nl-NL" sz="2400" dirty="0" err="1">
                 <a:solidFill>
-                  <a:schemeClr val="tx1"/>
+                  <a:srgbClr val="C00000"/>
                 </a:solidFill>
               </a:rPr>
               <a:t>components</a:t>

--- a/frontend-cursus/ 8 - Angular.pptx
+++ b/frontend-cursus/ 8 - Angular.pptx
@@ -975,7 +975,7 @@
               <a:t>in our root module, we can now use this </a:t>
             </a:r>
             <a:r>
-              <a:rPr lang="en-US" smtClean="0"/>
+              <a:rPr lang="en-US" dirty="0" err="1" smtClean="0"/>
               <a:t>BookSearchComponent</a:t>
             </a:r>
             <a:r>
@@ -1326,6 +1326,199 @@
           <a:bodyPr/>
           <a:lstStyle/>
           <a:p>
+            <a:r>
+              <a:rPr lang="nl-NL" dirty="0" smtClean="0"/>
+              <a:t>Databinding = </a:t>
+            </a:r>
+            <a:r>
+              <a:rPr lang="nl-NL" sz="1200" b="0" i="0" kern="1200" dirty="0" smtClean="0">
+                <a:solidFill>
+                  <a:schemeClr val="tx1"/>
+                </a:solidFill>
+                <a:effectLst/>
+                <a:latin typeface="+mn-lt"/>
+                <a:ea typeface="+mn-ea"/>
+                <a:cs typeface="+mn-cs"/>
+              </a:rPr>
+              <a:t>Data binding in </a:t>
+            </a:r>
+            <a:r>
+              <a:rPr lang="nl-NL" sz="1200" b="0" i="0" kern="1200" dirty="0" err="1" smtClean="0">
+                <a:solidFill>
+                  <a:schemeClr val="tx1"/>
+                </a:solidFill>
+                <a:effectLst/>
+                <a:latin typeface="+mn-lt"/>
+                <a:ea typeface="+mn-ea"/>
+                <a:cs typeface="+mn-cs"/>
+              </a:rPr>
+              <a:t>AngularJS</a:t>
+            </a:r>
+            <a:r>
+              <a:rPr lang="nl-NL" sz="1200" b="0" i="0" kern="1200" dirty="0" smtClean="0">
+                <a:solidFill>
+                  <a:schemeClr val="tx1"/>
+                </a:solidFill>
+                <a:effectLst/>
+                <a:latin typeface="+mn-lt"/>
+                <a:ea typeface="+mn-ea"/>
+                <a:cs typeface="+mn-cs"/>
+              </a:rPr>
+              <a:t> is </a:t>
+            </a:r>
+            <a:r>
+              <a:rPr lang="nl-NL" sz="1200" b="0" i="0" kern="1200" dirty="0" err="1" smtClean="0">
+                <a:solidFill>
+                  <a:schemeClr val="tx1"/>
+                </a:solidFill>
+                <a:effectLst/>
+                <a:latin typeface="+mn-lt"/>
+                <a:ea typeface="+mn-ea"/>
+                <a:cs typeface="+mn-cs"/>
+              </a:rPr>
+              <a:t>the</a:t>
+            </a:r>
+            <a:r>
+              <a:rPr lang="nl-NL" sz="1200" b="0" i="0" kern="1200" dirty="0" smtClean="0">
+                <a:solidFill>
+                  <a:schemeClr val="tx1"/>
+                </a:solidFill>
+                <a:effectLst/>
+                <a:latin typeface="+mn-lt"/>
+                <a:ea typeface="+mn-ea"/>
+                <a:cs typeface="+mn-cs"/>
+              </a:rPr>
+              <a:t> </a:t>
+            </a:r>
+            <a:r>
+              <a:rPr lang="nl-NL" sz="1200" b="0" i="0" kern="1200" dirty="0" err="1" smtClean="0">
+                <a:solidFill>
+                  <a:schemeClr val="tx1"/>
+                </a:solidFill>
+                <a:effectLst/>
+                <a:latin typeface="+mn-lt"/>
+                <a:ea typeface="+mn-ea"/>
+                <a:cs typeface="+mn-cs"/>
+              </a:rPr>
+              <a:t>synchronization</a:t>
+            </a:r>
+            <a:r>
+              <a:rPr lang="nl-NL" sz="1200" b="0" i="0" kern="1200" dirty="0" smtClean="0">
+                <a:solidFill>
+                  <a:schemeClr val="tx1"/>
+                </a:solidFill>
+                <a:effectLst/>
+                <a:latin typeface="+mn-lt"/>
+                <a:ea typeface="+mn-ea"/>
+                <a:cs typeface="+mn-cs"/>
+              </a:rPr>
+              <a:t> </a:t>
+            </a:r>
+            <a:r>
+              <a:rPr lang="nl-NL" sz="1200" b="0" i="0" kern="1200" dirty="0" err="1" smtClean="0">
+                <a:solidFill>
+                  <a:schemeClr val="tx1"/>
+                </a:solidFill>
+                <a:effectLst/>
+                <a:latin typeface="+mn-lt"/>
+                <a:ea typeface="+mn-ea"/>
+                <a:cs typeface="+mn-cs"/>
+              </a:rPr>
+              <a:t>between</a:t>
+            </a:r>
+            <a:r>
+              <a:rPr lang="nl-NL" sz="1200" b="0" i="0" kern="1200" dirty="0" smtClean="0">
+                <a:solidFill>
+                  <a:schemeClr val="tx1"/>
+                </a:solidFill>
+                <a:effectLst/>
+                <a:latin typeface="+mn-lt"/>
+                <a:ea typeface="+mn-ea"/>
+                <a:cs typeface="+mn-cs"/>
+              </a:rPr>
+              <a:t> </a:t>
+            </a:r>
+            <a:r>
+              <a:rPr lang="nl-NL" sz="1200" b="0" i="0" kern="1200" dirty="0" err="1" smtClean="0">
+                <a:solidFill>
+                  <a:schemeClr val="tx1"/>
+                </a:solidFill>
+                <a:effectLst/>
+                <a:latin typeface="+mn-lt"/>
+                <a:ea typeface="+mn-ea"/>
+                <a:cs typeface="+mn-cs"/>
+              </a:rPr>
+              <a:t>the</a:t>
+            </a:r>
+            <a:r>
+              <a:rPr lang="nl-NL" sz="1200" b="0" i="0" kern="1200" dirty="0" smtClean="0">
+                <a:solidFill>
+                  <a:schemeClr val="tx1"/>
+                </a:solidFill>
+                <a:effectLst/>
+                <a:latin typeface="+mn-lt"/>
+                <a:ea typeface="+mn-ea"/>
+                <a:cs typeface="+mn-cs"/>
+              </a:rPr>
+              <a:t> model </a:t>
+            </a:r>
+            <a:r>
+              <a:rPr lang="nl-NL" sz="1200" b="0" i="0" kern="1200" dirty="0" err="1" smtClean="0">
+                <a:solidFill>
+                  <a:schemeClr val="tx1"/>
+                </a:solidFill>
+                <a:effectLst/>
+                <a:latin typeface="+mn-lt"/>
+                <a:ea typeface="+mn-ea"/>
+                <a:cs typeface="+mn-cs"/>
+              </a:rPr>
+              <a:t>and</a:t>
+            </a:r>
+            <a:r>
+              <a:rPr lang="nl-NL" sz="1200" b="0" i="0" kern="1200" dirty="0" smtClean="0">
+                <a:solidFill>
+                  <a:schemeClr val="tx1"/>
+                </a:solidFill>
+                <a:effectLst/>
+                <a:latin typeface="+mn-lt"/>
+                <a:ea typeface="+mn-ea"/>
+                <a:cs typeface="+mn-cs"/>
+              </a:rPr>
+              <a:t> </a:t>
+            </a:r>
+            <a:r>
+              <a:rPr lang="nl-NL" sz="1200" b="0" i="0" kern="1200" dirty="0" err="1" smtClean="0">
+                <a:solidFill>
+                  <a:schemeClr val="tx1"/>
+                </a:solidFill>
+                <a:effectLst/>
+                <a:latin typeface="+mn-lt"/>
+                <a:ea typeface="+mn-ea"/>
+                <a:cs typeface="+mn-cs"/>
+              </a:rPr>
+              <a:t>the</a:t>
+            </a:r>
+            <a:r>
+              <a:rPr lang="nl-NL" sz="1200" b="0" i="0" kern="1200" dirty="0" smtClean="0">
+                <a:solidFill>
+                  <a:schemeClr val="tx1"/>
+                </a:solidFill>
+                <a:effectLst/>
+                <a:latin typeface="+mn-lt"/>
+                <a:ea typeface="+mn-ea"/>
+                <a:cs typeface="+mn-cs"/>
+              </a:rPr>
+              <a:t> view.</a:t>
+            </a:r>
+          </a:p>
+          <a:p>
+            <a:r>
+              <a:rPr lang="nl-NL" smtClean="0"/>
+              <a:t/>
+            </a:r>
+            <a:br>
+              <a:rPr lang="nl-NL" smtClean="0"/>
+            </a:br>
             <a:endParaRPr lang="ru-RU" dirty="0"/>
           </a:p>
         </p:txBody>
@@ -2161,7 +2354,7 @@
               <a:t>each</a:t>
             </a:r>
             <a:r>
-              <a:rPr lang="nl-NL" sz="1200" b="1" smtClean="0"/>
+              <a:rPr lang="nl-NL" sz="1200" b="1" dirty="0" smtClean="0"/>
               <a:t> minute.</a:t>
             </a:r>
           </a:p>
@@ -11617,6 +11810,13 @@
   <p:clrMapOvr>
     <a:masterClrMapping/>
   </p:clrMapOvr>
+  <p:timing>
+    <p:tnLst>
+      <p:par>
+        <p:cTn id="1" dur="indefinite" restart="never" nodeType="tmRoot"/>
+      </p:par>
+    </p:tnLst>
+  </p:timing>
 </p:sld>
 </file>
 
@@ -11698,6 +11898,13 @@
   <p:clrMapOvr>
     <a:masterClrMapping/>
   </p:clrMapOvr>
+  <p:timing>
+    <p:tnLst>
+      <p:par>
+        <p:cTn id="1" dur="indefinite" restart="never" nodeType="tmRoot"/>
+      </p:par>
+    </p:tnLst>
+  </p:timing>
 </p:sld>
 </file>
 
@@ -11779,6 +11986,13 @@
   <p:clrMapOvr>
     <a:masterClrMapping/>
   </p:clrMapOvr>
+  <p:timing>
+    <p:tnLst>
+      <p:par>
+        <p:cTn id="1" dur="indefinite" restart="never" nodeType="tmRoot"/>
+      </p:par>
+    </p:tnLst>
+  </p:timing>
 </p:sld>
 </file>
 
@@ -16717,7 +16931,7 @@
               <a:buNone/>
             </a:pPr>
             <a:r>
-              <a:rPr lang="en-US" sz="1400" b="1" dirty="0">
+              <a:rPr lang="en-US" sz="1400" b="1" dirty="0" smtClean="0">
                 <a:solidFill>
                   <a:srgbClr val="FF0000"/>
                 </a:solidFill>
@@ -16725,48 +16939,12 @@
               <a:t>import</a:t>
             </a:r>
             <a:r>
+              <a:rPr lang="en-US" sz="1400" b="1" dirty="0" smtClean="0"/>
+              <a:t> </a:t>
+            </a:r>
+            <a:r>
               <a:rPr lang="en-US" sz="1400" b="1" dirty="0"/>
-              <a:t> { of } from '</a:t>
-            </a:r>
-            <a:r>
-              <a:rPr lang="en-US" sz="1400" b="1" dirty="0" err="1">
-                <a:solidFill>
-                  <a:srgbClr val="FF0000"/>
-                </a:solidFill>
-              </a:rPr>
-              <a:t>rxjs</a:t>
-            </a:r>
-            <a:r>
-              <a:rPr lang="en-US" sz="1400" b="1" dirty="0">
-                <a:solidFill>
-                  <a:srgbClr val="FF0000"/>
-                </a:solidFill>
-              </a:rPr>
-              <a:t>/observable/of</a:t>
-            </a:r>
-            <a:r>
-              <a:rPr lang="en-US" sz="1400" b="1" dirty="0"/>
-              <a:t>';</a:t>
-            </a:r>
-          </a:p>
-          <a:p>
-            <a:pPr marL="0" indent="0">
-              <a:spcBef>
-                <a:spcPts val="50"/>
-              </a:spcBef>
-              <a:buNone/>
-            </a:pPr>
-            <a:r>
-              <a:rPr lang="en-US" sz="1400" b="1" dirty="0">
-                <a:solidFill>
-                  <a:srgbClr val="FF0000"/>
-                </a:solidFill>
-              </a:rPr>
-              <a:t>import</a:t>
-            </a:r>
-            <a:r>
-              <a:rPr lang="en-US" sz="1400" b="1" dirty="0"/>
-              <a:t> { </a:t>
+              <a:t>{ </a:t>
             </a:r>
             <a:r>
               <a:rPr lang="en-US" sz="1400" b="1" dirty="0" err="1"/>
@@ -17374,7 +17552,7 @@
                                         <p:tgtEl>
                                           <p:spTgt spid="3">
                                             <p:txEl>
-                                              <p:pRg st="6" end="6"/>
+                                              <p:pRg st="5" end="5"/>
                                             </p:txEl>
                                           </p:spTgt>
                                         </p:tgtEl>
@@ -17392,7 +17570,7 @@
                                         <p:tgtEl>
                                           <p:spTgt spid="3">
                                             <p:txEl>
-                                              <p:pRg st="6" end="6"/>
+                                              <p:pRg st="5" end="5"/>
                                             </p:txEl>
                                           </p:spTgt>
                                         </p:tgtEl>
@@ -17404,7 +17582,7 @@
                                         <p:tgtEl>
                                           <p:spTgt spid="3">
                                             <p:txEl>
-                                              <p:pRg st="6" end="6"/>
+                                              <p:pRg st="5" end="5"/>
                                             </p:txEl>
                                           </p:spTgt>
                                         </p:tgtEl>
@@ -17431,7 +17609,7 @@
                                         <p:tgtEl>
                                           <p:spTgt spid="3">
                                             <p:txEl>
-                                              <p:pRg st="6" end="6"/>
+                                              <p:pRg st="5" end="5"/>
                                             </p:txEl>
                                           </p:spTgt>
                                         </p:tgtEl>
@@ -17757,7 +17935,7 @@
             <a:r>
               <a:rPr lang="nl-NL" sz="2000" b="1" dirty="0" err="1">
                 <a:solidFill>
-                  <a:srgbClr val="C00000"/>
+                  <a:srgbClr val="FFC000"/>
                 </a:solidFill>
               </a:rPr>
               <a:t>BookService</a:t>
@@ -18256,7 +18434,7 @@
             <a:r>
               <a:rPr lang="en-US" sz="2400" b="1" dirty="0" err="1">
                 <a:solidFill>
-                  <a:srgbClr val="FF0000"/>
+                  <a:srgbClr val="FFC000"/>
                 </a:solidFill>
               </a:rPr>
               <a:t>bookService</a:t>
@@ -18392,7 +18570,19 @@
             </a:r>
             <a:r>
               <a:rPr lang="en-US" sz="2400" b="1" dirty="0" err="1" smtClean="0"/>
-              <a:t>this.bookService.getBooks</a:t>
+              <a:t>this.</a:t>
+            </a:r>
+            <a:r>
+              <a:rPr lang="en-US" sz="2400" b="1" dirty="0" err="1" smtClean="0">
+                <a:solidFill>
+                  <a:srgbClr val="FFC000"/>
+                </a:solidFill>
+              </a:rPr>
+              <a:t>bookService</a:t>
+            </a:r>
+            <a:r>
+              <a:rPr lang="en-US" sz="2400" b="1" dirty="0" err="1" smtClean="0"/>
+              <a:t>.getBooks</a:t>
             </a:r>
             <a:r>
               <a:rPr lang="en-US" sz="2400" b="1" dirty="0"/>
@@ -18408,7 +18598,7 @@
               <a:t>		</a:t>
             </a:r>
             <a:r>
-              <a:rPr lang="en-US" b="1" dirty="0" smtClean="0">
+              <a:rPr lang="en-US" b="1" i="1" dirty="0" smtClean="0">
                 <a:solidFill>
                   <a:srgbClr val="FF0000"/>
                 </a:solidFill>
@@ -18416,7 +18606,7 @@
               <a:t>.</a:t>
             </a:r>
             <a:r>
-              <a:rPr lang="en-US" b="1" dirty="0">
+              <a:rPr lang="en-US" b="1" i="1" dirty="0">
                 <a:solidFill>
                   <a:srgbClr val="FF0000"/>
                 </a:solidFill>
@@ -20709,6 +20899,13 @@
   <p:clrMapOvr>
     <a:masterClrMapping/>
   </p:clrMapOvr>
+  <p:timing>
+    <p:tnLst>
+      <p:par>
+        <p:cTn id="1" dur="indefinite" restart="never" nodeType="tmRoot"/>
+      </p:par>
+    </p:tnLst>
+  </p:timing>
 </p:sld>
 </file>
 
@@ -21001,7 +21198,7 @@
           <a:p>
             <a:pPr algn="ctr"/>
             <a:r>
-              <a:rPr lang="nl-NL" smtClean="0"/>
+              <a:rPr lang="nl-NL" dirty="0" err="1" smtClean="0"/>
               <a:t>DashboardComponent</a:t>
             </a:r>
             <a:endParaRPr lang="nl-NL" dirty="0"/>
@@ -21350,16 +21547,17 @@
             </a:r>
             <a:r>
               <a:rPr lang="nl-NL" sz="2000" b="1" dirty="0" err="1" smtClean="0"/>
-              <a:t>BookListComponent</a:t>
+              <a:t>DashboardComponent</a:t>
             </a:r>
             <a:r>
               <a:rPr lang="nl-NL" sz="2000" b="1" dirty="0" smtClean="0"/>
               <a:t> </a:t>
             </a:r>
             <a:r>
-              <a:rPr lang="nl-NL" sz="2000" b="1" dirty="0"/>
+              <a:rPr lang="nl-NL" sz="2000" b="1" dirty="0" smtClean="0"/>
               <a:t>{</a:t>
             </a:r>
+            <a:endParaRPr lang="nl-NL" sz="2000" b="1" dirty="0"/>
           </a:p>
           <a:p>
             <a:pPr marL="0" indent="0">
